--- a/presentation_SC.pptx
+++ b/presentation_SC.pptx
@@ -5,7 +5,7 @@
     <p:sldMasterId id="2147484038" r:id="rId1"/>
   </p:sldMasterIdLst>
   <p:notesMasterIdLst>
-    <p:notesMasterId r:id="rId15"/>
+    <p:notesMasterId r:id="rId21"/>
   </p:notesMasterIdLst>
   <p:sldIdLst>
     <p:sldId id="256" r:id="rId2"/>
@@ -21,6 +21,12 @@
     <p:sldId id="261" r:id="rId12"/>
     <p:sldId id="262" r:id="rId13"/>
     <p:sldId id="263" r:id="rId14"/>
+    <p:sldId id="269" r:id="rId15"/>
+    <p:sldId id="270" r:id="rId16"/>
+    <p:sldId id="271" r:id="rId17"/>
+    <p:sldId id="272" r:id="rId18"/>
+    <p:sldId id="273" r:id="rId19"/>
+    <p:sldId id="274" r:id="rId20"/>
   </p:sldIdLst>
   <p:sldSz cx="12192000" cy="6858000"/>
   <p:notesSz cx="6858000" cy="9144000"/>
@@ -119,6 +125,11 @@
       </a:defRPr>
     </a:lvl9pPr>
   </p:defaultTextStyle>
+  <p:extLst>
+    <p:ext uri="{EFAFB233-063F-42B5-8137-9DF3F51BA10A}">
+      <p15:sldGuideLst xmlns:p15="http://schemas.microsoft.com/office/powerpoint/2012/main"/>
+    </p:ext>
+  </p:extLst>
 </p:presentation>
 </file>
 
@@ -979,6 +990,558 @@
 </p:notes>
 </file>
 
+<file path=ppt/notesSlides/notesSlide11.xml><?xml version="1.0" encoding="utf-8"?>
+<p:notes xmlns:a="http://schemas.openxmlformats.org/drawingml/2006/main" xmlns:r="http://schemas.openxmlformats.org/officeDocument/2006/relationships" xmlns:p="http://schemas.openxmlformats.org/presentationml/2006/main">
+  <p:cSld>
+    <p:spTree>
+      <p:nvGrpSpPr>
+        <p:cNvPr id="1" name=""/>
+        <p:cNvGrpSpPr/>
+        <p:nvPr/>
+      </p:nvGrpSpPr>
+      <p:grpSpPr>
+        <a:xfrm>
+          <a:off x="0" y="0"/>
+          <a:ext cx="0" cy="0"/>
+          <a:chOff x="0" y="0"/>
+          <a:chExt cx="0" cy="0"/>
+        </a:xfrm>
+      </p:grpSpPr>
+      <p:sp>
+        <p:nvSpPr>
+          <p:cNvPr id="2" name="Segnaposto immagine diapositiva 1"/>
+          <p:cNvSpPr>
+            <a:spLocks noGrp="1" noRot="1" noChangeAspect="1"/>
+          </p:cNvSpPr>
+          <p:nvPr>
+            <p:ph type="sldImg"/>
+          </p:nvPr>
+        </p:nvSpPr>
+        <p:spPr/>
+      </p:sp>
+      <p:sp>
+        <p:nvSpPr>
+          <p:cNvPr id="3" name="Segnaposto note 2"/>
+          <p:cNvSpPr>
+            <a:spLocks noGrp="1"/>
+          </p:cNvSpPr>
+          <p:nvPr>
+            <p:ph type="body" idx="1"/>
+          </p:nvPr>
+        </p:nvSpPr>
+        <p:spPr/>
+        <p:txBody>
+          <a:bodyPr/>
+          <a:lstStyle/>
+          <a:p>
+            <a:r>
+              <a:rPr lang="en-GB" dirty="0" smtClean="0"/>
+              <a:t>Thi</a:t>
+            </a:r>
+            <a:r>
+              <a:rPr lang="en-GB" baseline="0" dirty="0" smtClean="0"/>
+              <a:t>nk of it as wills and contract that execute themselves </a:t>
+            </a:r>
+            <a:endParaRPr lang="en-GB" dirty="0"/>
+          </a:p>
+        </p:txBody>
+      </p:sp>
+      <p:sp>
+        <p:nvSpPr>
+          <p:cNvPr id="4" name="Segnaposto numero diapositiva 3"/>
+          <p:cNvSpPr>
+            <a:spLocks noGrp="1"/>
+          </p:cNvSpPr>
+          <p:nvPr>
+            <p:ph type="sldNum" sz="quarter" idx="10"/>
+          </p:nvPr>
+        </p:nvSpPr>
+        <p:spPr/>
+        <p:txBody>
+          <a:bodyPr/>
+          <a:lstStyle/>
+          <a:p>
+            <a:fld id="{595F61C2-6B96-DC49-8037-CB49B5317E27}" type="slidenum">
+              <a:rPr lang="en-GB" smtClean="0"/>
+              <a:t>14</a:t>
+            </a:fld>
+            <a:endParaRPr lang="en-GB"/>
+          </a:p>
+        </p:txBody>
+      </p:sp>
+    </p:spTree>
+    <p:extLst>
+      <p:ext uri="{BB962C8B-B14F-4D97-AF65-F5344CB8AC3E}">
+        <p14:creationId xmlns:p14="http://schemas.microsoft.com/office/powerpoint/2010/main" val="823378840"/>
+      </p:ext>
+    </p:extLst>
+  </p:cSld>
+  <p:clrMapOvr>
+    <a:masterClrMapping/>
+  </p:clrMapOvr>
+</p:notes>
+</file>
+
+<file path=ppt/notesSlides/notesSlide12.xml><?xml version="1.0" encoding="utf-8"?>
+<p:notes xmlns:a="http://schemas.openxmlformats.org/drawingml/2006/main" xmlns:r="http://schemas.openxmlformats.org/officeDocument/2006/relationships" xmlns:p="http://schemas.openxmlformats.org/presentationml/2006/main">
+  <p:cSld>
+    <p:spTree>
+      <p:nvGrpSpPr>
+        <p:cNvPr id="1" name=""/>
+        <p:cNvGrpSpPr/>
+        <p:nvPr/>
+      </p:nvGrpSpPr>
+      <p:grpSpPr>
+        <a:xfrm>
+          <a:off x="0" y="0"/>
+          <a:ext cx="0" cy="0"/>
+          <a:chOff x="0" y="0"/>
+          <a:chExt cx="0" cy="0"/>
+        </a:xfrm>
+      </p:grpSpPr>
+      <p:sp>
+        <p:nvSpPr>
+          <p:cNvPr id="2" name="Segnaposto immagine diapositiva 1"/>
+          <p:cNvSpPr>
+            <a:spLocks noGrp="1" noRot="1" noChangeAspect="1"/>
+          </p:cNvSpPr>
+          <p:nvPr>
+            <p:ph type="sldImg"/>
+          </p:nvPr>
+        </p:nvSpPr>
+        <p:spPr/>
+      </p:sp>
+      <p:sp>
+        <p:nvSpPr>
+          <p:cNvPr id="3" name="Segnaposto note 2"/>
+          <p:cNvSpPr>
+            <a:spLocks noGrp="1"/>
+          </p:cNvSpPr>
+          <p:nvPr>
+            <p:ph type="body" idx="1"/>
+          </p:nvPr>
+        </p:nvSpPr>
+        <p:spPr/>
+        <p:txBody>
+          <a:bodyPr/>
+          <a:lstStyle/>
+          <a:p>
+            <a:r>
+              <a:rPr lang="en-GB" dirty="0" smtClean="0"/>
+              <a:t>Thi</a:t>
+            </a:r>
+            <a:r>
+              <a:rPr lang="en-GB" baseline="0" dirty="0" smtClean="0"/>
+              <a:t>nk of it as wills and contract that execute themselves </a:t>
+            </a:r>
+            <a:endParaRPr lang="en-GB" dirty="0"/>
+          </a:p>
+        </p:txBody>
+      </p:sp>
+      <p:sp>
+        <p:nvSpPr>
+          <p:cNvPr id="4" name="Segnaposto numero diapositiva 3"/>
+          <p:cNvSpPr>
+            <a:spLocks noGrp="1"/>
+          </p:cNvSpPr>
+          <p:nvPr>
+            <p:ph type="sldNum" sz="quarter" idx="10"/>
+          </p:nvPr>
+        </p:nvSpPr>
+        <p:spPr/>
+        <p:txBody>
+          <a:bodyPr/>
+          <a:lstStyle/>
+          <a:p>
+            <a:fld id="{595F61C2-6B96-DC49-8037-CB49B5317E27}" type="slidenum">
+              <a:rPr lang="en-GB" smtClean="0"/>
+              <a:t>15</a:t>
+            </a:fld>
+            <a:endParaRPr lang="en-GB"/>
+          </a:p>
+        </p:txBody>
+      </p:sp>
+    </p:spTree>
+    <p:extLst>
+      <p:ext uri="{BB962C8B-B14F-4D97-AF65-F5344CB8AC3E}">
+        <p14:creationId xmlns:p14="http://schemas.microsoft.com/office/powerpoint/2010/main" val="462242385"/>
+      </p:ext>
+    </p:extLst>
+  </p:cSld>
+  <p:clrMapOvr>
+    <a:masterClrMapping/>
+  </p:clrMapOvr>
+</p:notes>
+</file>
+
+<file path=ppt/notesSlides/notesSlide13.xml><?xml version="1.0" encoding="utf-8"?>
+<p:notes xmlns:a="http://schemas.openxmlformats.org/drawingml/2006/main" xmlns:r="http://schemas.openxmlformats.org/officeDocument/2006/relationships" xmlns:p="http://schemas.openxmlformats.org/presentationml/2006/main">
+  <p:cSld>
+    <p:spTree>
+      <p:nvGrpSpPr>
+        <p:cNvPr id="1" name=""/>
+        <p:cNvGrpSpPr/>
+        <p:nvPr/>
+      </p:nvGrpSpPr>
+      <p:grpSpPr>
+        <a:xfrm>
+          <a:off x="0" y="0"/>
+          <a:ext cx="0" cy="0"/>
+          <a:chOff x="0" y="0"/>
+          <a:chExt cx="0" cy="0"/>
+        </a:xfrm>
+      </p:grpSpPr>
+      <p:sp>
+        <p:nvSpPr>
+          <p:cNvPr id="2" name="Segnaposto immagine diapositiva 1"/>
+          <p:cNvSpPr>
+            <a:spLocks noGrp="1" noRot="1" noChangeAspect="1"/>
+          </p:cNvSpPr>
+          <p:nvPr>
+            <p:ph type="sldImg"/>
+          </p:nvPr>
+        </p:nvSpPr>
+        <p:spPr/>
+      </p:sp>
+      <p:sp>
+        <p:nvSpPr>
+          <p:cNvPr id="3" name="Segnaposto note 2"/>
+          <p:cNvSpPr>
+            <a:spLocks noGrp="1"/>
+          </p:cNvSpPr>
+          <p:nvPr>
+            <p:ph type="body" idx="1"/>
+          </p:nvPr>
+        </p:nvSpPr>
+        <p:spPr/>
+        <p:txBody>
+          <a:bodyPr/>
+          <a:lstStyle/>
+          <a:p>
+            <a:r>
+              <a:rPr lang="en-GB" dirty="0" smtClean="0"/>
+              <a:t>Thi</a:t>
+            </a:r>
+            <a:r>
+              <a:rPr lang="en-GB" baseline="0" dirty="0" smtClean="0"/>
+              <a:t>nk of it as wills and contract that execute themselves </a:t>
+            </a:r>
+            <a:endParaRPr lang="en-GB" dirty="0"/>
+          </a:p>
+        </p:txBody>
+      </p:sp>
+      <p:sp>
+        <p:nvSpPr>
+          <p:cNvPr id="4" name="Segnaposto numero diapositiva 3"/>
+          <p:cNvSpPr>
+            <a:spLocks noGrp="1"/>
+          </p:cNvSpPr>
+          <p:nvPr>
+            <p:ph type="sldNum" sz="quarter" idx="10"/>
+          </p:nvPr>
+        </p:nvSpPr>
+        <p:spPr/>
+        <p:txBody>
+          <a:bodyPr/>
+          <a:lstStyle/>
+          <a:p>
+            <a:fld id="{595F61C2-6B96-DC49-8037-CB49B5317E27}" type="slidenum">
+              <a:rPr lang="en-GB" smtClean="0"/>
+              <a:t>16</a:t>
+            </a:fld>
+            <a:endParaRPr lang="en-GB"/>
+          </a:p>
+        </p:txBody>
+      </p:sp>
+    </p:spTree>
+    <p:extLst>
+      <p:ext uri="{BB962C8B-B14F-4D97-AF65-F5344CB8AC3E}">
+        <p14:creationId xmlns:p14="http://schemas.microsoft.com/office/powerpoint/2010/main" val="537140623"/>
+      </p:ext>
+    </p:extLst>
+  </p:cSld>
+  <p:clrMapOvr>
+    <a:masterClrMapping/>
+  </p:clrMapOvr>
+</p:notes>
+</file>
+
+<file path=ppt/notesSlides/notesSlide14.xml><?xml version="1.0" encoding="utf-8"?>
+<p:notes xmlns:a="http://schemas.openxmlformats.org/drawingml/2006/main" xmlns:r="http://schemas.openxmlformats.org/officeDocument/2006/relationships" xmlns:p="http://schemas.openxmlformats.org/presentationml/2006/main">
+  <p:cSld>
+    <p:spTree>
+      <p:nvGrpSpPr>
+        <p:cNvPr id="1" name=""/>
+        <p:cNvGrpSpPr/>
+        <p:nvPr/>
+      </p:nvGrpSpPr>
+      <p:grpSpPr>
+        <a:xfrm>
+          <a:off x="0" y="0"/>
+          <a:ext cx="0" cy="0"/>
+          <a:chOff x="0" y="0"/>
+          <a:chExt cx="0" cy="0"/>
+        </a:xfrm>
+      </p:grpSpPr>
+      <p:sp>
+        <p:nvSpPr>
+          <p:cNvPr id="2" name="Segnaposto immagine diapositiva 1"/>
+          <p:cNvSpPr>
+            <a:spLocks noGrp="1" noRot="1" noChangeAspect="1"/>
+          </p:cNvSpPr>
+          <p:nvPr>
+            <p:ph type="sldImg"/>
+          </p:nvPr>
+        </p:nvSpPr>
+        <p:spPr/>
+      </p:sp>
+      <p:sp>
+        <p:nvSpPr>
+          <p:cNvPr id="3" name="Segnaposto note 2"/>
+          <p:cNvSpPr>
+            <a:spLocks noGrp="1"/>
+          </p:cNvSpPr>
+          <p:nvPr>
+            <p:ph type="body" idx="1"/>
+          </p:nvPr>
+        </p:nvSpPr>
+        <p:spPr/>
+        <p:txBody>
+          <a:bodyPr/>
+          <a:lstStyle/>
+          <a:p>
+            <a:r>
+              <a:rPr lang="en-GB" dirty="0" smtClean="0"/>
+              <a:t>Thi</a:t>
+            </a:r>
+            <a:r>
+              <a:rPr lang="en-GB" baseline="0" dirty="0" smtClean="0"/>
+              <a:t>nk of it as wills and contract that execute themselves </a:t>
+            </a:r>
+            <a:endParaRPr lang="en-GB" dirty="0"/>
+          </a:p>
+        </p:txBody>
+      </p:sp>
+      <p:sp>
+        <p:nvSpPr>
+          <p:cNvPr id="4" name="Segnaposto numero diapositiva 3"/>
+          <p:cNvSpPr>
+            <a:spLocks noGrp="1"/>
+          </p:cNvSpPr>
+          <p:nvPr>
+            <p:ph type="sldNum" sz="quarter" idx="10"/>
+          </p:nvPr>
+        </p:nvSpPr>
+        <p:spPr/>
+        <p:txBody>
+          <a:bodyPr/>
+          <a:lstStyle/>
+          <a:p>
+            <a:fld id="{595F61C2-6B96-DC49-8037-CB49B5317E27}" type="slidenum">
+              <a:rPr lang="en-GB" smtClean="0"/>
+              <a:t>17</a:t>
+            </a:fld>
+            <a:endParaRPr lang="en-GB"/>
+          </a:p>
+        </p:txBody>
+      </p:sp>
+    </p:spTree>
+    <p:extLst>
+      <p:ext uri="{BB962C8B-B14F-4D97-AF65-F5344CB8AC3E}">
+        <p14:creationId xmlns:p14="http://schemas.microsoft.com/office/powerpoint/2010/main" val="1012028144"/>
+      </p:ext>
+    </p:extLst>
+  </p:cSld>
+  <p:clrMapOvr>
+    <a:masterClrMapping/>
+  </p:clrMapOvr>
+</p:notes>
+</file>
+
+<file path=ppt/notesSlides/notesSlide15.xml><?xml version="1.0" encoding="utf-8"?>
+<p:notes xmlns:a="http://schemas.openxmlformats.org/drawingml/2006/main" xmlns:r="http://schemas.openxmlformats.org/officeDocument/2006/relationships" xmlns:p="http://schemas.openxmlformats.org/presentationml/2006/main">
+  <p:cSld>
+    <p:spTree>
+      <p:nvGrpSpPr>
+        <p:cNvPr id="1" name=""/>
+        <p:cNvGrpSpPr/>
+        <p:nvPr/>
+      </p:nvGrpSpPr>
+      <p:grpSpPr>
+        <a:xfrm>
+          <a:off x="0" y="0"/>
+          <a:ext cx="0" cy="0"/>
+          <a:chOff x="0" y="0"/>
+          <a:chExt cx="0" cy="0"/>
+        </a:xfrm>
+      </p:grpSpPr>
+      <p:sp>
+        <p:nvSpPr>
+          <p:cNvPr id="2" name="Segnaposto immagine diapositiva 1"/>
+          <p:cNvSpPr>
+            <a:spLocks noGrp="1" noRot="1" noChangeAspect="1"/>
+          </p:cNvSpPr>
+          <p:nvPr>
+            <p:ph type="sldImg"/>
+          </p:nvPr>
+        </p:nvSpPr>
+        <p:spPr/>
+      </p:sp>
+      <p:sp>
+        <p:nvSpPr>
+          <p:cNvPr id="3" name="Segnaposto note 2"/>
+          <p:cNvSpPr>
+            <a:spLocks noGrp="1"/>
+          </p:cNvSpPr>
+          <p:nvPr>
+            <p:ph type="body" idx="1"/>
+          </p:nvPr>
+        </p:nvSpPr>
+        <p:spPr/>
+        <p:txBody>
+          <a:bodyPr/>
+          <a:lstStyle/>
+          <a:p>
+            <a:r>
+              <a:rPr lang="en-GB" dirty="0" smtClean="0"/>
+              <a:t>Thi</a:t>
+            </a:r>
+            <a:r>
+              <a:rPr lang="en-GB" baseline="0" dirty="0" smtClean="0"/>
+              <a:t>nk of it as wills and contract that execute themselves </a:t>
+            </a:r>
+            <a:endParaRPr lang="en-GB" dirty="0"/>
+          </a:p>
+        </p:txBody>
+      </p:sp>
+      <p:sp>
+        <p:nvSpPr>
+          <p:cNvPr id="4" name="Segnaposto numero diapositiva 3"/>
+          <p:cNvSpPr>
+            <a:spLocks noGrp="1"/>
+          </p:cNvSpPr>
+          <p:nvPr>
+            <p:ph type="sldNum" sz="quarter" idx="10"/>
+          </p:nvPr>
+        </p:nvSpPr>
+        <p:spPr/>
+        <p:txBody>
+          <a:bodyPr/>
+          <a:lstStyle/>
+          <a:p>
+            <a:fld id="{595F61C2-6B96-DC49-8037-CB49B5317E27}" type="slidenum">
+              <a:rPr lang="en-GB" smtClean="0"/>
+              <a:t>18</a:t>
+            </a:fld>
+            <a:endParaRPr lang="en-GB"/>
+          </a:p>
+        </p:txBody>
+      </p:sp>
+    </p:spTree>
+    <p:extLst>
+      <p:ext uri="{BB962C8B-B14F-4D97-AF65-F5344CB8AC3E}">
+        <p14:creationId xmlns:p14="http://schemas.microsoft.com/office/powerpoint/2010/main" val="1289335735"/>
+      </p:ext>
+    </p:extLst>
+  </p:cSld>
+  <p:clrMapOvr>
+    <a:masterClrMapping/>
+  </p:clrMapOvr>
+</p:notes>
+</file>
+
+<file path=ppt/notesSlides/notesSlide16.xml><?xml version="1.0" encoding="utf-8"?>
+<p:notes xmlns:a="http://schemas.openxmlformats.org/drawingml/2006/main" xmlns:r="http://schemas.openxmlformats.org/officeDocument/2006/relationships" xmlns:p="http://schemas.openxmlformats.org/presentationml/2006/main">
+  <p:cSld>
+    <p:spTree>
+      <p:nvGrpSpPr>
+        <p:cNvPr id="1" name=""/>
+        <p:cNvGrpSpPr/>
+        <p:nvPr/>
+      </p:nvGrpSpPr>
+      <p:grpSpPr>
+        <a:xfrm>
+          <a:off x="0" y="0"/>
+          <a:ext cx="0" cy="0"/>
+          <a:chOff x="0" y="0"/>
+          <a:chExt cx="0" cy="0"/>
+        </a:xfrm>
+      </p:grpSpPr>
+      <p:sp>
+        <p:nvSpPr>
+          <p:cNvPr id="2" name="Segnaposto immagine diapositiva 1"/>
+          <p:cNvSpPr>
+            <a:spLocks noGrp="1" noRot="1" noChangeAspect="1"/>
+          </p:cNvSpPr>
+          <p:nvPr>
+            <p:ph type="sldImg"/>
+          </p:nvPr>
+        </p:nvSpPr>
+        <p:spPr/>
+      </p:sp>
+      <p:sp>
+        <p:nvSpPr>
+          <p:cNvPr id="3" name="Segnaposto note 2"/>
+          <p:cNvSpPr>
+            <a:spLocks noGrp="1"/>
+          </p:cNvSpPr>
+          <p:nvPr>
+            <p:ph type="body" idx="1"/>
+          </p:nvPr>
+        </p:nvSpPr>
+        <p:spPr/>
+        <p:txBody>
+          <a:bodyPr/>
+          <a:lstStyle/>
+          <a:p>
+            <a:r>
+              <a:rPr lang="en-GB" dirty="0" smtClean="0"/>
+              <a:t>Thi</a:t>
+            </a:r>
+            <a:r>
+              <a:rPr lang="en-GB" baseline="0" dirty="0" smtClean="0"/>
+              <a:t>nk of it as wills and contract that execute themselves </a:t>
+            </a:r>
+            <a:endParaRPr lang="en-GB" dirty="0"/>
+          </a:p>
+        </p:txBody>
+      </p:sp>
+      <p:sp>
+        <p:nvSpPr>
+          <p:cNvPr id="4" name="Segnaposto numero diapositiva 3"/>
+          <p:cNvSpPr>
+            <a:spLocks noGrp="1"/>
+          </p:cNvSpPr>
+          <p:nvPr>
+            <p:ph type="sldNum" sz="quarter" idx="10"/>
+          </p:nvPr>
+        </p:nvSpPr>
+        <p:spPr/>
+        <p:txBody>
+          <a:bodyPr/>
+          <a:lstStyle/>
+          <a:p>
+            <a:fld id="{595F61C2-6B96-DC49-8037-CB49B5317E27}" type="slidenum">
+              <a:rPr lang="en-GB" smtClean="0"/>
+              <a:t>19</a:t>
+            </a:fld>
+            <a:endParaRPr lang="en-GB"/>
+          </a:p>
+        </p:txBody>
+      </p:sp>
+    </p:spTree>
+    <p:extLst>
+      <p:ext uri="{BB962C8B-B14F-4D97-AF65-F5344CB8AC3E}">
+        <p14:creationId xmlns:p14="http://schemas.microsoft.com/office/powerpoint/2010/main" val="1623161625"/>
+      </p:ext>
+    </p:extLst>
+  </p:cSld>
+  <p:clrMapOvr>
+    <a:masterClrMapping/>
+  </p:clrMapOvr>
+</p:notes>
+</file>
+
 <file path=ppt/notesSlides/notesSlide2.xml><?xml version="1.0" encoding="utf-8"?>
 <p:notes xmlns:a="http://schemas.openxmlformats.org/drawingml/2006/main" xmlns:r="http://schemas.openxmlformats.org/officeDocument/2006/relationships" xmlns:p="http://schemas.openxmlformats.org/presentationml/2006/main">
   <p:cSld>
@@ -1312,22 +1875,6 @@
               <a:t>Which validates it</a:t>
             </a:r>
           </a:p>
-          <a:p>
-            <a:endParaRPr lang="en-GB" dirty="0" smtClean="0"/>
-          </a:p>
-          <a:p>
-            <a:endParaRPr lang="en-GB" dirty="0" smtClean="0"/>
-          </a:p>
-          <a:p>
-            <a:endParaRPr lang="en-GB" dirty="0" smtClean="0"/>
-          </a:p>
-          <a:p>
-            <a:r>
-              <a:rPr lang="en-US" dirty="0" smtClean="0"/>
-              <a:t>D6812B</a:t>
-            </a:r>
-            <a:endParaRPr lang="en-GB" dirty="0"/>
-          </a:p>
         </p:txBody>
       </p:sp>
       <p:sp>
@@ -1423,13 +1970,6 @@
           <a:p>
             <a:endParaRPr lang="en-GB" dirty="0" smtClean="0"/>
           </a:p>
-          <a:p>
-            <a:r>
-              <a:rPr lang="en-US" dirty="0" smtClean="0"/>
-              <a:t>D6812B</a:t>
-            </a:r>
-            <a:endParaRPr lang="en-GB" dirty="0"/>
-          </a:p>
         </p:txBody>
       </p:sp>
       <p:sp>
@@ -1604,7 +2144,100 @@
           <a:bodyPr/>
           <a:lstStyle/>
           <a:p>
-            <a:endParaRPr lang="en-GB" dirty="0"/>
+            <a:pPr marL="228600" indent="-228600">
+              <a:buAutoNum type="arabicPeriod"/>
+            </a:pPr>
+            <a:r>
+              <a:rPr lang="en-GB" baseline="0" dirty="0" smtClean="0"/>
+              <a:t>No middleman (transactions between users are instantaneous) </a:t>
+            </a:r>
+          </a:p>
+          <a:p>
+            <a:pPr marL="228600" indent="-228600">
+              <a:buAutoNum type="arabicPeriod"/>
+            </a:pPr>
+            <a:r>
+              <a:rPr lang="en-GB" baseline="0" dirty="0" smtClean="0"/>
+              <a:t>A centralized system it’s easier to attack. </a:t>
+            </a:r>
+          </a:p>
+          <a:p>
+            <a:pPr marL="228600" indent="-228600">
+              <a:buAutoNum type="arabicPeriod"/>
+            </a:pPr>
+            <a:r>
+              <a:rPr lang="en-GB" baseline="0" dirty="0" smtClean="0"/>
+              <a:t>For Example if you have to execute a transaction through a bank you have to pay a fee for it, whereas using </a:t>
+            </a:r>
+            <a:r>
+              <a:rPr lang="en-GB" baseline="0" dirty="0" err="1" smtClean="0"/>
+              <a:t>blockchain</a:t>
+            </a:r>
+            <a:r>
+              <a:rPr lang="en-GB" baseline="0" dirty="0" smtClean="0"/>
+              <a:t> technology you don’t have to pay</a:t>
+            </a:r>
+          </a:p>
+          <a:p>
+            <a:pPr marL="228600" indent="-228600">
+              <a:buAutoNum type="arabicPeriod"/>
+            </a:pPr>
+            <a:endParaRPr lang="en-GB" baseline="0" dirty="0" smtClean="0"/>
+          </a:p>
+          <a:p>
+            <a:pPr marL="228600" indent="-228600">
+              <a:buAutoNum type="arabicPeriod"/>
+            </a:pPr>
+            <a:endParaRPr lang="en-GB" baseline="0" dirty="0" smtClean="0"/>
+          </a:p>
+          <a:p>
+            <a:pPr marL="228600" indent="-228600">
+              <a:buAutoNum type="arabicPeriod"/>
+            </a:pPr>
+            <a:r>
+              <a:rPr lang="en-GB" baseline="0" dirty="0" smtClean="0"/>
+              <a:t>------------------------------------------</a:t>
+            </a:r>
+          </a:p>
+          <a:p>
+            <a:pPr marL="0" indent="0">
+              <a:buNone/>
+            </a:pPr>
+            <a:r>
+              <a:rPr lang="en-GB" baseline="0" dirty="0" smtClean="0"/>
+              <a:t>Transactions are not prone to third part interference</a:t>
+            </a:r>
+          </a:p>
+          <a:p>
+            <a:pPr marL="228600" indent="-228600">
+              <a:buAutoNum type="arabicPeriod"/>
+            </a:pPr>
+            <a:endParaRPr lang="en-GB" baseline="0" dirty="0" smtClean="0"/>
+          </a:p>
+          <a:p>
+            <a:pPr marL="0" indent="0">
+              <a:buNone/>
+            </a:pPr>
+            <a:r>
+              <a:rPr lang="en-GB" baseline="0" dirty="0" smtClean="0"/>
+              <a:t>--------------------------------------------------------------------------</a:t>
+            </a:r>
+          </a:p>
+          <a:p>
+            <a:pPr marL="0" indent="0">
+              <a:buNone/>
+            </a:pPr>
+            <a:endParaRPr lang="en-GB" baseline="0" dirty="0" smtClean="0"/>
+          </a:p>
+          <a:p>
+            <a:pPr marL="228600" indent="-228600">
+              <a:buAutoNum type="arabicPeriod"/>
+            </a:pPr>
+            <a:r>
+              <a:rPr lang="en-GB" baseline="0" dirty="0" smtClean="0"/>
+              <a:t>The transactions data, are available online to everyone on the distributed shared ledger</a:t>
+            </a:r>
+            <a:endParaRPr lang="en-GB" baseline="0" dirty="0" smtClean="0"/>
           </a:p>
         </p:txBody>
       </p:sp>
@@ -1690,7 +2323,7 @@
           <a:p>
             <a:r>
               <a:rPr lang="en-GB" dirty="0" smtClean="0"/>
-              <a:t>The uses of </a:t>
+              <a:t>One of the most famous </a:t>
             </a:r>
             <a:r>
               <a:rPr lang="en-GB" dirty="0" err="1" smtClean="0"/>
@@ -1698,7 +2331,42 @@
             </a:r>
             <a:r>
               <a:rPr lang="en-GB" baseline="0" dirty="0" smtClean="0"/>
-              <a:t> technology are endless</a:t>
+              <a:t> application is the transfer of bitcoins used for online trades. </a:t>
+            </a:r>
+          </a:p>
+          <a:p>
+            <a:endParaRPr lang="en-GB" baseline="0" dirty="0" smtClean="0"/>
+          </a:p>
+          <a:p>
+            <a:endParaRPr lang="en-GB" baseline="0" dirty="0" smtClean="0"/>
+          </a:p>
+          <a:p>
+            <a:r>
+              <a:rPr lang="en-GB" baseline="0" dirty="0" smtClean="0"/>
+              <a:t>2. Cloud shared by the community (where each file is shredded and encrypted and spread across the network) </a:t>
+            </a:r>
+          </a:p>
+          <a:p>
+            <a:endParaRPr lang="en-GB" baseline="0" dirty="0" smtClean="0"/>
+          </a:p>
+          <a:p>
+            <a:endParaRPr lang="en-GB" baseline="0" dirty="0" smtClean="0"/>
+          </a:p>
+          <a:p>
+            <a:endParaRPr lang="en-GB" baseline="0" dirty="0" smtClean="0"/>
+          </a:p>
+          <a:p>
+            <a:r>
+              <a:rPr lang="en-GB" baseline="0" dirty="0" smtClean="0"/>
+              <a:t>3. </a:t>
+            </a:r>
+            <a:r>
+              <a:rPr lang="en-GB" baseline="0" dirty="0" err="1" smtClean="0"/>
+              <a:t>Blockchain</a:t>
+            </a:r>
+            <a:r>
+              <a:rPr lang="en-GB" baseline="0" dirty="0" smtClean="0"/>
+              <a:t> application can be applied to identity applications, like Passports, Birth Certificates, IDs, Online accounts, and so on</a:t>
             </a:r>
             <a:endParaRPr lang="en-GB" dirty="0"/>
           </a:p>
@@ -2037,6 +2705,18 @@
   <p:clrMapOvr>
     <a:overrideClrMapping bg1="dk1" tx1="lt1" bg2="dk2" tx2="lt2" accent1="accent1" accent2="accent2" accent3="accent3" accent4="accent4" accent5="accent5" accent6="accent6" hlink="hlink" folHlink="folHlink"/>
   </p:clrMapOvr>
+  <mc:AlternateContent xmlns:mc="http://schemas.openxmlformats.org/markup-compatibility/2006">
+    <mc:Choice xmlns:p14="http://schemas.microsoft.com/office/powerpoint/2010/main" Requires="p14">
+      <p:transition spd="med" p14:dur="700">
+        <p:fade/>
+      </p:transition>
+    </mc:Choice>
+    <mc:Fallback>
+      <p:transition spd="med">
+        <p:fade/>
+      </p:transition>
+    </mc:Fallback>
+  </mc:AlternateContent>
 </p:sldLayout>
 </file>
 
@@ -2363,6 +3043,18 @@
   <p:clrMapOvr>
     <a:masterClrMapping/>
   </p:clrMapOvr>
+  <mc:AlternateContent xmlns:mc="http://schemas.openxmlformats.org/markup-compatibility/2006">
+    <mc:Choice xmlns:p14="http://schemas.microsoft.com/office/powerpoint/2010/main" Requires="p14">
+      <p:transition spd="med" p14:dur="700">
+        <p:fade/>
+      </p:transition>
+    </mc:Choice>
+    <mc:Fallback>
+      <p:transition spd="med">
+        <p:fade/>
+      </p:transition>
+    </mc:Fallback>
+  </mc:AlternateContent>
 </p:sldLayout>
 </file>
 
@@ -2643,6 +3335,18 @@
   <p:clrMapOvr>
     <a:masterClrMapping/>
   </p:clrMapOvr>
+  <mc:AlternateContent xmlns:mc="http://schemas.openxmlformats.org/markup-compatibility/2006">
+    <mc:Choice xmlns:p14="http://schemas.microsoft.com/office/powerpoint/2010/main" Requires="p14">
+      <p:transition spd="med" p14:dur="700">
+        <p:fade/>
+      </p:transition>
+    </mc:Choice>
+    <mc:Fallback>
+      <p:transition spd="med">
+        <p:fade/>
+      </p:transition>
+    </mc:Fallback>
+  </mc:AlternateContent>
 </p:sldLayout>
 </file>
 
@@ -3213,6 +3917,18 @@
   <p:clrMapOvr>
     <a:masterClrMapping/>
   </p:clrMapOvr>
+  <mc:AlternateContent xmlns:mc="http://schemas.openxmlformats.org/markup-compatibility/2006">
+    <mc:Choice xmlns:p14="http://schemas.microsoft.com/office/powerpoint/2010/main" Requires="p14">
+      <p:transition spd="med" p14:dur="700">
+        <p:fade/>
+      </p:transition>
+    </mc:Choice>
+    <mc:Fallback>
+      <p:transition spd="med">
+        <p:fade/>
+      </p:transition>
+    </mc:Fallback>
+  </mc:AlternateContent>
 </p:sldLayout>
 </file>
 
@@ -3493,6 +4209,18 @@
   <p:clrMapOvr>
     <a:masterClrMapping/>
   </p:clrMapOvr>
+  <mc:AlternateContent xmlns:mc="http://schemas.openxmlformats.org/markup-compatibility/2006">
+    <mc:Choice xmlns:p14="http://schemas.microsoft.com/office/powerpoint/2010/main" Requires="p14">
+      <p:transition spd="med" p14:dur="700">
+        <p:fade/>
+      </p:transition>
+    </mc:Choice>
+    <mc:Fallback>
+      <p:transition spd="med">
+        <p:fade/>
+      </p:transition>
+    </mc:Fallback>
+  </mc:AlternateContent>
 </p:sldLayout>
 </file>
 
@@ -4057,6 +4785,18 @@
   <p:clrMapOvr>
     <a:masterClrMapping/>
   </p:clrMapOvr>
+  <mc:AlternateContent xmlns:mc="http://schemas.openxmlformats.org/markup-compatibility/2006">
+    <mc:Choice xmlns:p14="http://schemas.microsoft.com/office/powerpoint/2010/main" Requires="p14">
+      <p:transition spd="med" p14:dur="700">
+        <p:fade/>
+      </p:transition>
+    </mc:Choice>
+    <mc:Fallback>
+      <p:transition spd="med">
+        <p:fade/>
+      </p:transition>
+    </mc:Fallback>
+  </mc:AlternateContent>
 </p:sldLayout>
 </file>
 
@@ -4386,6 +5126,18 @@
   <p:clrMapOvr>
     <a:masterClrMapping/>
   </p:clrMapOvr>
+  <mc:AlternateContent xmlns:mc="http://schemas.openxmlformats.org/markup-compatibility/2006">
+    <mc:Choice xmlns:p14="http://schemas.microsoft.com/office/powerpoint/2010/main" Requires="p14">
+      <p:transition spd="med" p14:dur="700">
+        <p:fade/>
+      </p:transition>
+    </mc:Choice>
+    <mc:Fallback>
+      <p:transition spd="med">
+        <p:fade/>
+      </p:transition>
+    </mc:Fallback>
+  </mc:AlternateContent>
 </p:sldLayout>
 </file>
 
@@ -4591,6 +5343,18 @@
   <p:clrMapOvr>
     <a:masterClrMapping/>
   </p:clrMapOvr>
+  <mc:AlternateContent xmlns:mc="http://schemas.openxmlformats.org/markup-compatibility/2006">
+    <mc:Choice xmlns:p14="http://schemas.microsoft.com/office/powerpoint/2010/main" Requires="p14">
+      <p:transition spd="med" p14:dur="700">
+        <p:fade/>
+      </p:transition>
+    </mc:Choice>
+    <mc:Fallback>
+      <p:transition spd="med">
+        <p:fade/>
+      </p:transition>
+    </mc:Fallback>
+  </mc:AlternateContent>
 </p:sldLayout>
 </file>
 
@@ -4801,6 +5565,18 @@
   <p:clrMapOvr>
     <a:masterClrMapping/>
   </p:clrMapOvr>
+  <mc:AlternateContent xmlns:mc="http://schemas.openxmlformats.org/markup-compatibility/2006">
+    <mc:Choice xmlns:p14="http://schemas.microsoft.com/office/powerpoint/2010/main" Requires="p14">
+      <p:transition spd="med" p14:dur="700">
+        <p:fade/>
+      </p:transition>
+    </mc:Choice>
+    <mc:Fallback>
+      <p:transition spd="med">
+        <p:fade/>
+      </p:transition>
+    </mc:Fallback>
+  </mc:AlternateContent>
 </p:sldLayout>
 </file>
 
@@ -5001,6 +5777,18 @@
   <p:clrMapOvr>
     <a:masterClrMapping/>
   </p:clrMapOvr>
+  <mc:AlternateContent xmlns:mc="http://schemas.openxmlformats.org/markup-compatibility/2006">
+    <mc:Choice xmlns:p14="http://schemas.microsoft.com/office/powerpoint/2010/main" Requires="p14">
+      <p:transition spd="med" p14:dur="700">
+        <p:fade/>
+      </p:transition>
+    </mc:Choice>
+    <mc:Fallback>
+      <p:transition spd="med">
+        <p:fade/>
+      </p:transition>
+    </mc:Fallback>
+  </mc:AlternateContent>
 </p:sldLayout>
 </file>
 
@@ -5277,6 +6065,18 @@
   <p:clrMapOvr>
     <a:masterClrMapping/>
   </p:clrMapOvr>
+  <mc:AlternateContent xmlns:mc="http://schemas.openxmlformats.org/markup-compatibility/2006">
+    <mc:Choice xmlns:p14="http://schemas.microsoft.com/office/powerpoint/2010/main" Requires="p14">
+      <p:transition spd="med" p14:dur="700">
+        <p:fade/>
+      </p:transition>
+    </mc:Choice>
+    <mc:Fallback>
+      <p:transition spd="med">
+        <p:fade/>
+      </p:transition>
+    </mc:Fallback>
+  </mc:AlternateContent>
 </p:sldLayout>
 </file>
 
@@ -5543,6 +6343,18 @@
   <p:clrMapOvr>
     <a:masterClrMapping/>
   </p:clrMapOvr>
+  <mc:AlternateContent xmlns:mc="http://schemas.openxmlformats.org/markup-compatibility/2006">
+    <mc:Choice xmlns:p14="http://schemas.microsoft.com/office/powerpoint/2010/main" Requires="p14">
+      <p:transition spd="med" p14:dur="700">
+        <p:fade/>
+      </p:transition>
+    </mc:Choice>
+    <mc:Fallback>
+      <p:transition spd="med">
+        <p:fade/>
+      </p:transition>
+    </mc:Fallback>
+  </mc:AlternateContent>
 </p:sldLayout>
 </file>
 
@@ -5917,6 +6729,18 @@
   <p:clrMapOvr>
     <a:masterClrMapping/>
   </p:clrMapOvr>
+  <mc:AlternateContent xmlns:mc="http://schemas.openxmlformats.org/markup-compatibility/2006">
+    <mc:Choice xmlns:p14="http://schemas.microsoft.com/office/powerpoint/2010/main" Requires="p14">
+      <p:transition spd="med" p14:dur="700">
+        <p:fade/>
+      </p:transition>
+    </mc:Choice>
+    <mc:Fallback>
+      <p:transition spd="med">
+        <p:fade/>
+      </p:transition>
+    </mc:Fallback>
+  </mc:AlternateContent>
 </p:sldLayout>
 </file>
 
@@ -6065,6 +6889,18 @@
   <p:clrMapOvr>
     <a:masterClrMapping/>
   </p:clrMapOvr>
+  <mc:AlternateContent xmlns:mc="http://schemas.openxmlformats.org/markup-compatibility/2006">
+    <mc:Choice xmlns:p14="http://schemas.microsoft.com/office/powerpoint/2010/main" Requires="p14">
+      <p:transition spd="med" p14:dur="700">
+        <p:fade/>
+      </p:transition>
+    </mc:Choice>
+    <mc:Fallback>
+      <p:transition spd="med">
+        <p:fade/>
+      </p:transition>
+    </mc:Fallback>
+  </mc:AlternateContent>
 </p:sldLayout>
 </file>
 
@@ -6190,6 +7026,18 @@
   <p:clrMapOvr>
     <a:masterClrMapping/>
   </p:clrMapOvr>
+  <mc:AlternateContent xmlns:mc="http://schemas.openxmlformats.org/markup-compatibility/2006">
+    <mc:Choice xmlns:p14="http://schemas.microsoft.com/office/powerpoint/2010/main" Requires="p14">
+      <p:transition spd="med" p14:dur="700">
+        <p:fade/>
+      </p:transition>
+    </mc:Choice>
+    <mc:Fallback>
+      <p:transition spd="med">
+        <p:fade/>
+      </p:transition>
+    </mc:Fallback>
+  </mc:AlternateContent>
 </p:sldLayout>
 </file>
 
@@ -6475,6 +7323,18 @@
   <p:clrMapOvr>
     <a:masterClrMapping/>
   </p:clrMapOvr>
+  <mc:AlternateContent xmlns:mc="http://schemas.openxmlformats.org/markup-compatibility/2006">
+    <mc:Choice xmlns:p14="http://schemas.microsoft.com/office/powerpoint/2010/main" Requires="p14">
+      <p:transition spd="med" p14:dur="700">
+        <p:fade/>
+      </p:transition>
+    </mc:Choice>
+    <mc:Fallback>
+      <p:transition spd="med">
+        <p:fade/>
+      </p:transition>
+    </mc:Fallback>
+  </mc:AlternateContent>
 </p:sldLayout>
 </file>
 
@@ -6805,6 +7665,18 @@
   <p:clrMapOvr>
     <a:masterClrMapping/>
   </p:clrMapOvr>
+  <mc:AlternateContent xmlns:mc="http://schemas.openxmlformats.org/markup-compatibility/2006">
+    <mc:Choice xmlns:p14="http://schemas.microsoft.com/office/powerpoint/2010/main" Requires="p14">
+      <p:transition spd="med" p14:dur="700">
+        <p:fade/>
+      </p:transition>
+    </mc:Choice>
+    <mc:Fallback>
+      <p:transition spd="med">
+        <p:fade/>
+      </p:transition>
+    </mc:Fallback>
+  </mc:AlternateContent>
 </p:sldLayout>
 </file>
 
@@ -7074,6 +7946,18 @@
     <p:sldLayoutId id="2147484054" r:id="rId16"/>
     <p:sldLayoutId id="2147484055" r:id="rId17"/>
   </p:sldLayoutIdLst>
+  <mc:AlternateContent xmlns:mc="http://schemas.openxmlformats.org/markup-compatibility/2006">
+    <mc:Choice xmlns:p14="http://schemas.microsoft.com/office/powerpoint/2010/main" Requires="p14">
+      <p:transition spd="med" p14:dur="700">
+        <p:fade/>
+      </p:transition>
+    </mc:Choice>
+    <mc:Fallback>
+      <p:transition spd="med">
+        <p:fade/>
+      </p:transition>
+    </mc:Fallback>
+  </mc:AlternateContent>
   <p:txStyles>
     <p:titleStyle>
       <a:lvl1pPr algn="l" defTabSz="457200" rtl="0" eaLnBrk="1" latinLnBrk="0" hangingPunct="1">
@@ -7599,6 +8483,18 @@
   <p:clrMapOvr>
     <a:masterClrMapping/>
   </p:clrMapOvr>
+  <mc:AlternateContent xmlns:mc="http://schemas.openxmlformats.org/markup-compatibility/2006">
+    <mc:Choice xmlns:p14="http://schemas.microsoft.com/office/powerpoint/2010/main" Requires="p14">
+      <p:transition spd="med" p14:dur="700">
+        <p:fade/>
+      </p:transition>
+    </mc:Choice>
+    <mc:Fallback>
+      <p:transition spd="med">
+        <p:fade/>
+      </p:transition>
+    </mc:Fallback>
+  </mc:AlternateContent>
   <p:timing>
     <p:tnLst>
       <p:par>
@@ -8023,6 +8919,18 @@
   <p:clrMapOvr>
     <a:masterClrMapping/>
   </p:clrMapOvr>
+  <mc:AlternateContent xmlns:mc="http://schemas.openxmlformats.org/markup-compatibility/2006">
+    <mc:Choice xmlns:p14="http://schemas.microsoft.com/office/powerpoint/2010/main" Requires="p14">
+      <p:transition spd="med" p14:dur="700">
+        <p:fade/>
+      </p:transition>
+    </mc:Choice>
+    <mc:Fallback>
+      <p:transition spd="med">
+        <p:fade/>
+      </p:transition>
+    </mc:Fallback>
+  </mc:AlternateContent>
   <p:timing>
     <p:tnLst>
       <p:par>
@@ -8050,6 +8958,47 @@
           <a:chExt cx="0" cy="0"/>
         </a:xfrm>
       </p:grpSpPr>
+      <p:pic>
+        <p:nvPicPr>
+          <p:cNvPr id="15" name="Immagine 14"/>
+          <p:cNvPicPr>
+            <a:picLocks noChangeAspect="1"/>
+          </p:cNvPicPr>
+          <p:nvPr/>
+        </p:nvPicPr>
+        <p:blipFill>
+          <a:blip r:embed="rId3">
+            <a:alphaModFix amt="10000"/>
+            <a:extLst>
+              <a:ext uri="{28A0092B-C50C-407E-A947-70E740481C1C}">
+                <a14:useLocalDpi xmlns:a14="http://schemas.microsoft.com/office/drawing/2010/main"/>
+              </a:ext>
+            </a:extLst>
+          </a:blip>
+          <a:stretch>
+            <a:fillRect/>
+          </a:stretch>
+        </p:blipFill>
+        <p:spPr>
+          <a:xfrm>
+            <a:off x="0" y="0"/>
+            <a:ext cx="12192000" cy="6858000"/>
+          </a:xfrm>
+          <a:prstGeom prst="rect">
+            <a:avLst/>
+          </a:prstGeom>
+          <a:ln>
+            <a:noFill/>
+          </a:ln>
+          <a:effectLst>
+            <a:outerShdw blurRad="292100" dist="139700" dir="2700000" algn="tl" rotWithShape="0">
+              <a:srgbClr val="333333">
+                <a:alpha val="65000"/>
+              </a:srgbClr>
+            </a:outerShdw>
+          </a:effectLst>
+        </p:spPr>
+      </p:pic>
       <p:sp>
         <p:nvSpPr>
           <p:cNvPr id="2" name="Titolo 1"/>
@@ -8125,18 +9074,88 @@
           </a:bodyPr>
           <a:lstStyle/>
           <a:p>
+            <a:r>
+              <a:rPr lang="en-GB" sz="4000" dirty="0" smtClean="0">
+                <a:latin typeface="+mj-lt"/>
+              </a:rPr>
+              <a:t>Decentralization of technology</a:t>
+            </a:r>
+          </a:p>
+          <a:p>
+            <a:r>
+              <a:rPr lang="en-GB" sz="4000" dirty="0" smtClean="0">
+                <a:latin typeface="+mj-lt"/>
+              </a:rPr>
+              <a:t>Transactions are </a:t>
+            </a:r>
+            <a:r>
+              <a:rPr lang="en-GB" sz="4000" dirty="0" smtClean="0">
+                <a:latin typeface="+mj-lt"/>
+              </a:rPr>
+              <a:t>immutable</a:t>
+            </a:r>
             <a:endParaRPr lang="en-GB" sz="4000" dirty="0" smtClean="0">
               <a:latin typeface="+mj-lt"/>
             </a:endParaRPr>
           </a:p>
           <a:p>
+            <a:r>
+              <a:rPr lang="en-GB" sz="4000" dirty="0" smtClean="0">
+                <a:latin typeface="+mj-lt"/>
+              </a:rPr>
+              <a:t>Distributed shared Ledger</a:t>
+            </a:r>
+          </a:p>
+          <a:p>
             <a:endParaRPr lang="en-GB" sz="4000" dirty="0" smtClean="0">
               <a:latin typeface="+mj-lt"/>
             </a:endParaRPr>
           </a:p>
           <a:p>
+            <a:endParaRPr lang="en-GB" sz="4000" dirty="0" smtClean="0">
+              <a:latin typeface="+mj-lt"/>
+            </a:endParaRPr>
+          </a:p>
+          <a:p>
             <a:endParaRPr lang="en-GB" sz="4000" dirty="0">
               <a:latin typeface="+mj-lt"/>
+            </a:endParaRPr>
+          </a:p>
+        </p:txBody>
+      </p:sp>
+      <p:sp>
+        <p:nvSpPr>
+          <p:cNvPr id="14" name="Rettangolo 13"/>
+          <p:cNvSpPr/>
+          <p:nvPr/>
+        </p:nvSpPr>
+        <p:spPr>
+          <a:xfrm>
+            <a:off x="5889592" y="5787509"/>
+            <a:ext cx="6054757" cy="523220"/>
+          </a:xfrm>
+          <a:prstGeom prst="rect">
+            <a:avLst/>
+          </a:prstGeom>
+        </p:spPr>
+        <p:txBody>
+          <a:bodyPr wrap="square">
+            <a:spAutoFit/>
+          </a:bodyPr>
+          <a:lstStyle/>
+          <a:p>
+            <a:r>
+              <a:rPr lang="is-IS" sz="2800" dirty="0" smtClean="0">
+                <a:solidFill>
+                  <a:srgbClr val="FFC000"/>
+                </a:solidFill>
+              </a:rPr>
+              <a:t>… but there are also some hurdles ... </a:t>
+            </a:r>
+            <a:endParaRPr lang="en-GB" sz="2800" dirty="0">
+              <a:solidFill>
+                <a:srgbClr val="FFC000"/>
+              </a:solidFill>
             </a:endParaRPr>
           </a:p>
         </p:txBody>
@@ -8151,6 +9170,18 @@
   <p:clrMapOvr>
     <a:masterClrMapping/>
   </p:clrMapOvr>
+  <mc:AlternateContent xmlns:mc="http://schemas.openxmlformats.org/markup-compatibility/2006">
+    <mc:Choice xmlns:p14="http://schemas.microsoft.com/office/powerpoint/2010/main" Requires="p14">
+      <p:transition spd="med" p14:dur="700">
+        <p:fade/>
+      </p:transition>
+    </mc:Choice>
+    <mc:Fallback>
+      <p:transition spd="med">
+        <p:fade/>
+      </p:transition>
+    </mc:Fallback>
+  </mc:AlternateContent>
   <p:timing>
     <p:tnLst>
       <p:par>
@@ -8178,6 +9209,38 @@
           <a:chExt cx="0" cy="0"/>
         </a:xfrm>
       </p:grpSpPr>
+      <p:sp>
+        <p:nvSpPr>
+          <p:cNvPr id="3" name="Rettangolo 2"/>
+          <p:cNvSpPr/>
+          <p:nvPr/>
+        </p:nvSpPr>
+        <p:spPr>
+          <a:xfrm>
+            <a:off x="991849" y="5058863"/>
+            <a:ext cx="6866275" cy="707886"/>
+          </a:xfrm>
+          <a:prstGeom prst="rect">
+            <a:avLst/>
+          </a:prstGeom>
+        </p:spPr>
+        <p:txBody>
+          <a:bodyPr wrap="square">
+            <a:spAutoFit/>
+          </a:bodyPr>
+          <a:lstStyle/>
+          <a:p>
+            <a:r>
+              <a:rPr lang="en-GB" sz="4000" dirty="0">
+                <a:solidFill>
+                  <a:srgbClr val="FFC000"/>
+                </a:solidFill>
+              </a:rPr>
+              <a:t>And also . . .</a:t>
+            </a:r>
+          </a:p>
+        </p:txBody>
+      </p:sp>
       <p:pic>
         <p:nvPicPr>
           <p:cNvPr id="4" name="Immagine 3"/>
@@ -8310,6 +9373,289 @@
           </a:p>
         </p:txBody>
       </p:sp>
+      <p:sp>
+        <p:nvSpPr>
+          <p:cNvPr id="7" name="Segnaposto contenuto 2"/>
+          <p:cNvSpPr txBox="1">
+            <a:spLocks/>
+          </p:cNvSpPr>
+          <p:nvPr/>
+        </p:nvSpPr>
+        <p:spPr>
+          <a:xfrm>
+            <a:off x="838635" y="2350089"/>
+            <a:ext cx="10131425" cy="2855183"/>
+          </a:xfrm>
+          <a:prstGeom prst="rect">
+            <a:avLst/>
+          </a:prstGeom>
+        </p:spPr>
+        <p:txBody>
+          <a:bodyPr vert="horz" lIns="91440" tIns="45720" rIns="91440" bIns="45720" rtlCol="0" anchor="ctr">
+            <a:normAutofit/>
+          </a:bodyPr>
+          <a:lstStyle>
+            <a:lvl1pPr marL="285750" indent="-285750" algn="l" defTabSz="457200" rtl="0" eaLnBrk="1" latinLnBrk="0" hangingPunct="1">
+              <a:spcBef>
+                <a:spcPts val="0"/>
+              </a:spcBef>
+              <a:spcAft>
+                <a:spcPts val="1000"/>
+              </a:spcAft>
+              <a:buClr>
+                <a:schemeClr val="tx1"/>
+              </a:buClr>
+              <a:buSzPct val="100000"/>
+              <a:buFont typeface="Arial"/>
+              <a:buChar char="•"/>
+              <a:defRPr sz="1800" kern="1200" cap="none">
+                <a:solidFill>
+                  <a:schemeClr val="tx1"/>
+                </a:solidFill>
+                <a:effectLst/>
+                <a:latin typeface="+mn-lt"/>
+                <a:ea typeface="+mn-ea"/>
+                <a:cs typeface="+mn-cs"/>
+              </a:defRPr>
+            </a:lvl1pPr>
+            <a:lvl2pPr marL="742950" indent="-285750" algn="l" defTabSz="457200" rtl="0" eaLnBrk="1" latinLnBrk="0" hangingPunct="1">
+              <a:spcBef>
+                <a:spcPts val="0"/>
+              </a:spcBef>
+              <a:spcAft>
+                <a:spcPts val="1000"/>
+              </a:spcAft>
+              <a:buClr>
+                <a:schemeClr val="tx1"/>
+              </a:buClr>
+              <a:buSzPct val="100000"/>
+              <a:buFont typeface="Arial"/>
+              <a:buChar char="•"/>
+              <a:defRPr sz="1600" kern="1200" cap="none">
+                <a:solidFill>
+                  <a:schemeClr val="tx1"/>
+                </a:solidFill>
+                <a:effectLst/>
+                <a:latin typeface="+mn-lt"/>
+                <a:ea typeface="+mn-ea"/>
+                <a:cs typeface="+mn-cs"/>
+              </a:defRPr>
+            </a:lvl2pPr>
+            <a:lvl3pPr marL="1200150" indent="-285750" algn="l" defTabSz="457200" rtl="0" eaLnBrk="1" latinLnBrk="0" hangingPunct="1">
+              <a:spcBef>
+                <a:spcPts val="0"/>
+              </a:spcBef>
+              <a:spcAft>
+                <a:spcPts val="1000"/>
+              </a:spcAft>
+              <a:buClr>
+                <a:schemeClr val="tx1"/>
+              </a:buClr>
+              <a:buSzPct val="100000"/>
+              <a:buFont typeface="Arial"/>
+              <a:buChar char="•"/>
+              <a:defRPr sz="1400" kern="1200" cap="none">
+                <a:solidFill>
+                  <a:schemeClr val="tx1"/>
+                </a:solidFill>
+                <a:effectLst/>
+                <a:latin typeface="+mn-lt"/>
+                <a:ea typeface="+mn-ea"/>
+                <a:cs typeface="+mn-cs"/>
+              </a:defRPr>
+            </a:lvl3pPr>
+            <a:lvl4pPr marL="1543050" indent="-171450" algn="l" defTabSz="457200" rtl="0" eaLnBrk="1" latinLnBrk="0" hangingPunct="1">
+              <a:spcBef>
+                <a:spcPts val="0"/>
+              </a:spcBef>
+              <a:spcAft>
+                <a:spcPts val="1000"/>
+              </a:spcAft>
+              <a:buClr>
+                <a:schemeClr val="tx1"/>
+              </a:buClr>
+              <a:buSzPct val="100000"/>
+              <a:buFont typeface="Arial"/>
+              <a:buChar char="•"/>
+              <a:defRPr sz="1200" kern="1200" cap="none">
+                <a:solidFill>
+                  <a:schemeClr val="tx1"/>
+                </a:solidFill>
+                <a:effectLst/>
+                <a:latin typeface="+mn-lt"/>
+                <a:ea typeface="+mn-ea"/>
+                <a:cs typeface="+mn-cs"/>
+              </a:defRPr>
+            </a:lvl4pPr>
+            <a:lvl5pPr marL="2000250" indent="-171450" algn="l" defTabSz="457200" rtl="0" eaLnBrk="1" latinLnBrk="0" hangingPunct="1">
+              <a:spcBef>
+                <a:spcPts val="0"/>
+              </a:spcBef>
+              <a:spcAft>
+                <a:spcPts val="1000"/>
+              </a:spcAft>
+              <a:buClr>
+                <a:schemeClr val="tx1"/>
+              </a:buClr>
+              <a:buSzPct val="100000"/>
+              <a:buFont typeface="Arial"/>
+              <a:buChar char="•"/>
+              <a:defRPr sz="1200" kern="1200" cap="none">
+                <a:solidFill>
+                  <a:schemeClr val="tx1"/>
+                </a:solidFill>
+                <a:effectLst/>
+                <a:latin typeface="+mn-lt"/>
+                <a:ea typeface="+mn-ea"/>
+                <a:cs typeface="+mn-cs"/>
+              </a:defRPr>
+            </a:lvl5pPr>
+            <a:lvl6pPr marL="2514600" indent="-228600" algn="l" defTabSz="457200" rtl="0" eaLnBrk="1" latinLnBrk="0" hangingPunct="1">
+              <a:spcBef>
+                <a:spcPts val="0"/>
+              </a:spcBef>
+              <a:spcAft>
+                <a:spcPts val="1000"/>
+              </a:spcAft>
+              <a:buClr>
+                <a:schemeClr val="tx1"/>
+              </a:buClr>
+              <a:buSzPct val="100000"/>
+              <a:buFont typeface="Arial"/>
+              <a:buChar char="•"/>
+              <a:defRPr sz="1200" kern="1200" cap="none">
+                <a:solidFill>
+                  <a:schemeClr val="tx1"/>
+                </a:solidFill>
+                <a:effectLst/>
+                <a:latin typeface="+mn-lt"/>
+                <a:ea typeface="+mn-ea"/>
+                <a:cs typeface="+mn-cs"/>
+              </a:defRPr>
+            </a:lvl6pPr>
+            <a:lvl7pPr marL="2971800" indent="-228600" algn="l" defTabSz="457200" rtl="0" eaLnBrk="1" latinLnBrk="0" hangingPunct="1">
+              <a:spcBef>
+                <a:spcPts val="0"/>
+              </a:spcBef>
+              <a:spcAft>
+                <a:spcPts val="1000"/>
+              </a:spcAft>
+              <a:buClr>
+                <a:schemeClr val="tx1"/>
+              </a:buClr>
+              <a:buSzPct val="100000"/>
+              <a:buFont typeface="Arial"/>
+              <a:buChar char="•"/>
+              <a:defRPr sz="1200" kern="1200" cap="none">
+                <a:solidFill>
+                  <a:schemeClr val="tx1"/>
+                </a:solidFill>
+                <a:effectLst/>
+                <a:latin typeface="+mn-lt"/>
+                <a:ea typeface="+mn-ea"/>
+                <a:cs typeface="+mn-cs"/>
+              </a:defRPr>
+            </a:lvl7pPr>
+            <a:lvl8pPr marL="3429000" indent="-228600" algn="l" defTabSz="457200" rtl="0" eaLnBrk="1" latinLnBrk="0" hangingPunct="1">
+              <a:spcBef>
+                <a:spcPts val="0"/>
+              </a:spcBef>
+              <a:spcAft>
+                <a:spcPts val="1000"/>
+              </a:spcAft>
+              <a:buClr>
+                <a:schemeClr val="tx1"/>
+              </a:buClr>
+              <a:buSzPct val="100000"/>
+              <a:buFont typeface="Arial"/>
+              <a:buChar char="•"/>
+              <a:defRPr sz="1200" kern="1200" cap="none">
+                <a:solidFill>
+                  <a:schemeClr val="tx1"/>
+                </a:solidFill>
+                <a:effectLst/>
+                <a:latin typeface="+mn-lt"/>
+                <a:ea typeface="+mn-ea"/>
+                <a:cs typeface="+mn-cs"/>
+              </a:defRPr>
+            </a:lvl8pPr>
+            <a:lvl9pPr marL="3886200" indent="-228600" algn="l" defTabSz="457200" rtl="0" eaLnBrk="1" latinLnBrk="0" hangingPunct="1">
+              <a:spcBef>
+                <a:spcPts val="0"/>
+              </a:spcBef>
+              <a:spcAft>
+                <a:spcPts val="1000"/>
+              </a:spcAft>
+              <a:buClr>
+                <a:schemeClr val="tx1"/>
+              </a:buClr>
+              <a:buSzPct val="100000"/>
+              <a:buFont typeface="Arial"/>
+              <a:buChar char="•"/>
+              <a:defRPr sz="1200" kern="1200" cap="none">
+                <a:solidFill>
+                  <a:schemeClr val="tx1"/>
+                </a:solidFill>
+                <a:effectLst/>
+                <a:latin typeface="+mn-lt"/>
+                <a:ea typeface="+mn-ea"/>
+                <a:cs typeface="+mn-cs"/>
+              </a:defRPr>
+            </a:lvl9pPr>
+          </a:lstStyle>
+          <a:p>
+            <a:r>
+              <a:rPr lang="en-GB" sz="4000" dirty="0" smtClean="0">
+                <a:latin typeface="+mj-lt"/>
+              </a:rPr>
+              <a:t>Decentralized exchanges (e.g. Bitcoin)</a:t>
+            </a:r>
+          </a:p>
+          <a:p>
+            <a:r>
+              <a:rPr lang="en-GB" sz="4000" dirty="0" smtClean="0">
+                <a:latin typeface="+mj-lt"/>
+              </a:rPr>
+              <a:t>Encrypted cloud storage (e.g. </a:t>
+            </a:r>
+            <a:r>
+              <a:rPr lang="en-GB" sz="4000" dirty="0" err="1" smtClean="0">
+                <a:latin typeface="+mj-lt"/>
+              </a:rPr>
+              <a:t>Storj</a:t>
+            </a:r>
+            <a:r>
+              <a:rPr lang="en-GB" sz="4000" dirty="0" smtClean="0">
+                <a:latin typeface="+mj-lt"/>
+              </a:rPr>
+              <a:t>)</a:t>
+            </a:r>
+          </a:p>
+          <a:p>
+            <a:r>
+              <a:rPr lang="en-GB" sz="4000" dirty="0" smtClean="0">
+                <a:latin typeface="+mj-lt"/>
+              </a:rPr>
+              <a:t>Digital identity </a:t>
+            </a:r>
+          </a:p>
+          <a:p>
+            <a:endParaRPr lang="en-GB" sz="4000" dirty="0" smtClean="0">
+              <a:latin typeface="+mj-lt"/>
+            </a:endParaRPr>
+          </a:p>
+          <a:p>
+            <a:endParaRPr lang="en-GB" sz="4000" dirty="0" smtClean="0">
+              <a:latin typeface="+mj-lt"/>
+            </a:endParaRPr>
+          </a:p>
+          <a:p>
+            <a:endParaRPr lang="en-GB" sz="4000" dirty="0">
+              <a:latin typeface="+mj-lt"/>
+            </a:endParaRPr>
+          </a:p>
+        </p:txBody>
+      </p:sp>
     </p:spTree>
     <p:extLst>
       <p:ext uri="{BB962C8B-B14F-4D97-AF65-F5344CB8AC3E}">
@@ -8320,12 +9666,103 @@
   <p:clrMapOvr>
     <a:masterClrMapping/>
   </p:clrMapOvr>
+  <mc:AlternateContent xmlns:mc="http://schemas.openxmlformats.org/markup-compatibility/2006">
+    <mc:Choice xmlns:p14="http://schemas.microsoft.com/office/powerpoint/2010/main" Requires="p14">
+      <p:transition spd="med" p14:dur="700">
+        <p:fade/>
+      </p:transition>
+    </mc:Choice>
+    <mc:Fallback>
+      <p:transition spd="med">
+        <p:fade/>
+      </p:transition>
+    </mc:Fallback>
+  </mc:AlternateContent>
   <p:timing>
     <p:tnLst>
       <p:par>
-        <p:cTn id="1" dur="indefinite" restart="never" nodeType="tmRoot"/>
+        <p:cTn id="1" dur="indefinite" restart="never" nodeType="tmRoot">
+          <p:childTnLst>
+            <p:seq concurrent="1" nextAc="seek">
+              <p:cTn id="2" dur="indefinite" nodeType="mainSeq">
+                <p:childTnLst>
+                  <p:par>
+                    <p:cTn id="3" fill="hold">
+                      <p:stCondLst>
+                        <p:cond delay="indefinite"/>
+                      </p:stCondLst>
+                      <p:childTnLst>
+                        <p:par>
+                          <p:cTn id="4" fill="hold">
+                            <p:stCondLst>
+                              <p:cond delay="0"/>
+                            </p:stCondLst>
+                            <p:childTnLst>
+                              <p:par>
+                                <p:cTn id="5" presetID="3" presetClass="entr" presetSubtype="10" fill="hold" grpId="1" nodeType="clickEffect">
+                                  <p:stCondLst>
+                                    <p:cond delay="0"/>
+                                  </p:stCondLst>
+                                  <p:childTnLst>
+                                    <p:set>
+                                      <p:cBhvr>
+                                        <p:cTn id="6" dur="1" fill="hold">
+                                          <p:stCondLst>
+                                            <p:cond delay="0"/>
+                                          </p:stCondLst>
+                                        </p:cTn>
+                                        <p:tgtEl>
+                                          <p:spTgt spid="3"/>
+                                        </p:tgtEl>
+                                        <p:attrNameLst>
+                                          <p:attrName>style.visibility</p:attrName>
+                                        </p:attrNameLst>
+                                      </p:cBhvr>
+                                      <p:to>
+                                        <p:strVal val="visible"/>
+                                      </p:to>
+                                    </p:set>
+                                    <p:animEffect transition="in" filter="blinds(horizontal)">
+                                      <p:cBhvr>
+                                        <p:cTn id="7" dur="500"/>
+                                        <p:tgtEl>
+                                          <p:spTgt spid="3"/>
+                                        </p:tgtEl>
+                                      </p:cBhvr>
+                                    </p:animEffect>
+                                  </p:childTnLst>
+                                </p:cTn>
+                              </p:par>
+                            </p:childTnLst>
+                          </p:cTn>
+                        </p:par>
+                      </p:childTnLst>
+                    </p:cTn>
+                  </p:par>
+                </p:childTnLst>
+              </p:cTn>
+              <p:prevCondLst>
+                <p:cond evt="onPrev" delay="0">
+                  <p:tgtEl>
+                    <p:sldTgt/>
+                  </p:tgtEl>
+                </p:cond>
+              </p:prevCondLst>
+              <p:nextCondLst>
+                <p:cond evt="onNext" delay="0">
+                  <p:tgtEl>
+                    <p:sldTgt/>
+                  </p:tgtEl>
+                </p:cond>
+              </p:nextCondLst>
+            </p:seq>
+          </p:childTnLst>
+        </p:cTn>
       </p:par>
     </p:tnLst>
+    <p:bldLst>
+      <p:bldP spid="3" grpId="1"/>
+    </p:bldLst>
   </p:timing>
 </p:sld>
 </file>
@@ -8349,7 +9786,7 @@
       </p:grpSpPr>
       <p:pic>
         <p:nvPicPr>
-          <p:cNvPr id="4" name="Immagine 3"/>
+          <p:cNvPr id="6" name="Immagine 5"/>
           <p:cNvPicPr>
             <a:picLocks noChangeAspect="1"/>
           </p:cNvPicPr>
@@ -8357,10 +9794,10 @@
         </p:nvPicPr>
         <p:blipFill>
           <a:blip r:embed="rId3">
-            <a:alphaModFix amt="10000"/>
+            <a:alphaModFix amt="89000"/>
             <a:extLst>
               <a:ext uri="{28A0092B-C50C-407E-A947-70E740481C1C}">
-                <a14:useLocalDpi xmlns:a14="http://schemas.microsoft.com/office/drawing/2010/main"/>
+                <a14:useLocalDpi xmlns:a14="http://schemas.microsoft.com/office/drawing/2010/main" val="0"/>
               </a:ext>
             </a:extLst>
           </a:blip>
@@ -8370,27 +9807,176 @@
         </p:blipFill>
         <p:spPr>
           <a:xfrm>
-            <a:off x="0" y="0"/>
-            <a:ext cx="12192000" cy="6858000"/>
+            <a:off x="-843739" y="0"/>
+            <a:ext cx="13916875" cy="7012800"/>
           </a:xfrm>
           <a:prstGeom prst="rect">
             <a:avLst/>
           </a:prstGeom>
-          <a:ln>
-            <a:noFill/>
-          </a:ln>
           <a:effectLst>
-            <a:outerShdw blurRad="292100" dist="139700" dir="2700000" algn="tl" rotWithShape="0">
-              <a:srgbClr val="333333">
-                <a:alpha val="65000"/>
-              </a:srgbClr>
-            </a:outerShdw>
+            <a:reflection stA="29000" endPos="65000" dist="50800" dir="5400000" sy="-100000" algn="bl" rotWithShape="0"/>
           </a:effectLst>
         </p:spPr>
       </p:pic>
       <p:sp>
         <p:nvSpPr>
-          <p:cNvPr id="2" name="Titolo 1"/>
+          <p:cNvPr id="5" name="Segnaposto contenuto 2"/>
+          <p:cNvSpPr>
+            <a:spLocks noGrp="1"/>
+          </p:cNvSpPr>
+          <p:nvPr>
+            <p:ph idx="1"/>
+          </p:nvPr>
+        </p:nvSpPr>
+        <p:spPr>
+          <a:xfrm>
+            <a:off x="671947" y="1850167"/>
+            <a:ext cx="10131425" cy="4557560"/>
+          </a:xfrm>
+        </p:spPr>
+        <p:txBody>
+          <a:bodyPr>
+            <a:normAutofit/>
+          </a:bodyPr>
+          <a:lstStyle/>
+          <a:p>
+            <a:endParaRPr lang="en-GB" sz="4000" dirty="0" smtClean="0">
+              <a:latin typeface="+mj-lt"/>
+            </a:endParaRPr>
+          </a:p>
+          <a:p>
+            <a:endParaRPr lang="en-GB" sz="4000" dirty="0" smtClean="0">
+              <a:latin typeface="+mj-lt"/>
+            </a:endParaRPr>
+          </a:p>
+          <a:p>
+            <a:endParaRPr lang="en-GB" sz="4000" dirty="0">
+              <a:latin typeface="+mj-lt"/>
+            </a:endParaRPr>
+          </a:p>
+        </p:txBody>
+      </p:sp>
+    </p:spTree>
+    <p:extLst>
+      <p:ext uri="{BB962C8B-B14F-4D97-AF65-F5344CB8AC3E}">
+        <p14:creationId xmlns:p14="http://schemas.microsoft.com/office/powerpoint/2010/main" val="1878694858"/>
+      </p:ext>
+    </p:extLst>
+  </p:cSld>
+  <p:clrMapOvr>
+    <a:masterClrMapping/>
+  </p:clrMapOvr>
+  <mc:AlternateContent xmlns:mc="http://schemas.openxmlformats.org/markup-compatibility/2006">
+    <mc:Choice xmlns:p14="http://schemas.microsoft.com/office/powerpoint/2010/main" Requires="p14">
+      <p:transition spd="med" p14:dur="700">
+        <p:fade/>
+      </p:transition>
+    </mc:Choice>
+    <mc:Fallback>
+      <p:transition spd="med">
+        <p:fade/>
+      </p:transition>
+    </mc:Fallback>
+  </mc:AlternateContent>
+  <p:timing>
+    <p:tnLst>
+      <p:par>
+        <p:cTn id="1" dur="indefinite" restart="never" nodeType="tmRoot"/>
+      </p:par>
+    </p:tnLst>
+  </p:timing>
+</p:sld>
+</file>
+
+<file path=ppt/slides/slide14.xml><?xml version="1.0" encoding="utf-8"?>
+<p:sld xmlns:a="http://schemas.openxmlformats.org/drawingml/2006/main" xmlns:r="http://schemas.openxmlformats.org/officeDocument/2006/relationships" xmlns:p="http://schemas.openxmlformats.org/presentationml/2006/main">
+  <p:cSld>
+    <p:spTree>
+      <p:nvGrpSpPr>
+        <p:cNvPr id="1" name=""/>
+        <p:cNvGrpSpPr/>
+        <p:nvPr/>
+      </p:nvGrpSpPr>
+      <p:grpSpPr>
+        <a:xfrm>
+          <a:off x="0" y="0"/>
+          <a:ext cx="0" cy="0"/>
+          <a:chOff x="0" y="0"/>
+          <a:chExt cx="0" cy="0"/>
+        </a:xfrm>
+      </p:grpSpPr>
+      <p:sp>
+        <p:nvSpPr>
+          <p:cNvPr id="5" name="Segnaposto contenuto 2"/>
+          <p:cNvSpPr>
+            <a:spLocks noGrp="1"/>
+          </p:cNvSpPr>
+          <p:nvPr>
+            <p:ph idx="1"/>
+          </p:nvPr>
+        </p:nvSpPr>
+        <p:spPr>
+          <a:xfrm>
+            <a:off x="671947" y="1850167"/>
+            <a:ext cx="10131425" cy="4557560"/>
+          </a:xfrm>
+        </p:spPr>
+        <p:txBody>
+          <a:bodyPr>
+            <a:normAutofit/>
+          </a:bodyPr>
+          <a:lstStyle/>
+          <a:p>
+            <a:endParaRPr lang="en-GB" sz="4000" dirty="0" smtClean="0">
+              <a:latin typeface="+mj-lt"/>
+            </a:endParaRPr>
+          </a:p>
+          <a:p>
+            <a:endParaRPr lang="en-GB" sz="4000" dirty="0" smtClean="0">
+              <a:latin typeface="+mj-lt"/>
+            </a:endParaRPr>
+          </a:p>
+          <a:p>
+            <a:endParaRPr lang="en-GB" sz="4000" dirty="0">
+              <a:latin typeface="+mj-lt"/>
+            </a:endParaRPr>
+          </a:p>
+        </p:txBody>
+      </p:sp>
+      <p:pic>
+        <p:nvPicPr>
+          <p:cNvPr id="2" name="Immagine 1"/>
+          <p:cNvPicPr>
+            <a:picLocks noChangeAspect="1"/>
+          </p:cNvPicPr>
+          <p:nvPr/>
+        </p:nvPicPr>
+        <p:blipFill>
+          <a:blip r:embed="rId3">
+            <a:alphaModFix amt="50000"/>
+            <a:extLst>
+              <a:ext uri="{28A0092B-C50C-407E-A947-70E740481C1C}">
+                <a14:useLocalDpi xmlns:a14="http://schemas.microsoft.com/office/drawing/2010/main" val="0"/>
+              </a:ext>
+            </a:extLst>
+          </a:blip>
+          <a:stretch>
+            <a:fillRect/>
+          </a:stretch>
+        </p:blipFill>
+        <p:spPr>
+          <a:xfrm>
+            <a:off x="-844117" y="0"/>
+            <a:ext cx="14025600" cy="7012800"/>
+          </a:xfrm>
+          <a:prstGeom prst="rect">
+            <a:avLst/>
+          </a:prstGeom>
+        </p:spPr>
+      </p:pic>
+      <p:sp>
+        <p:nvSpPr>
+          <p:cNvPr id="7" name="Titolo 1"/>
           <p:cNvSpPr>
             <a:spLocks noGrp="1"/>
           </p:cNvSpPr>
@@ -8400,7 +9986,7 @@
         </p:nvSpPr>
         <p:spPr>
           <a:xfrm>
-            <a:off x="235527" y="332509"/>
+            <a:off x="387927" y="484909"/>
             <a:ext cx="10131425" cy="1067385"/>
           </a:xfrm>
         </p:spPr>
@@ -8427,11 +10013,15 @@
             </a:pPr>
             <a:r>
               <a:rPr lang="en-GB" dirty="0" smtClean="0"/>
-              <a:t>Smart Contracts &amp; </a:t>
-            </a:r>
-            <a:r>
-              <a:rPr lang="en-GB" dirty="0" err="1" smtClean="0"/>
-              <a:t>Blockchain</a:t>
+              <a:t>3.</a:t>
+            </a:r>
+            <a:r>
+              <a:rPr lang="en-GB" dirty="0" smtClean="0"/>
+              <a:t>	</a:t>
+            </a:r>
+            <a:r>
+              <a:rPr lang="en-GB" sz="4000" dirty="0" smtClean="0"/>
+              <a:t>Smart Contracts</a:t>
             </a:r>
             <a:endParaRPr lang="en-GB" sz="4000" dirty="0"/>
           </a:p>
@@ -8439,25 +10029,270 @@
       </p:sp>
       <p:sp>
         <p:nvSpPr>
-          <p:cNvPr id="5" name="Segnaposto contenuto 2"/>
-          <p:cNvSpPr>
-            <a:spLocks noGrp="1"/>
-          </p:cNvSpPr>
-          <p:nvPr>
-            <p:ph idx="1"/>
-          </p:nvPr>
-        </p:nvSpPr>
-        <p:spPr>
-          <a:xfrm>
-            <a:off x="671947" y="1850167"/>
+          <p:cNvPr id="8" name="Segnaposto contenuto 2"/>
+          <p:cNvSpPr txBox="1">
+            <a:spLocks/>
+          </p:cNvSpPr>
+          <p:nvPr/>
+        </p:nvSpPr>
+        <p:spPr>
+          <a:xfrm>
+            <a:off x="824347" y="2002567"/>
             <a:ext cx="10131425" cy="4557560"/>
           </a:xfrm>
-        </p:spPr>
-        <p:txBody>
-          <a:bodyPr>
+          <a:prstGeom prst="rect">
+            <a:avLst/>
+          </a:prstGeom>
+        </p:spPr>
+        <p:txBody>
+          <a:bodyPr vert="horz" lIns="91440" tIns="45720" rIns="91440" bIns="45720" rtlCol="0" anchor="ctr">
             <a:normAutofit/>
           </a:bodyPr>
-          <a:lstStyle/>
+          <a:lstStyle>
+            <a:lvl1pPr marL="285750" indent="-285750" algn="l" defTabSz="457200" rtl="0" eaLnBrk="1" latinLnBrk="0" hangingPunct="1">
+              <a:spcBef>
+                <a:spcPts val="0"/>
+              </a:spcBef>
+              <a:spcAft>
+                <a:spcPts val="1000"/>
+              </a:spcAft>
+              <a:buClr>
+                <a:schemeClr val="tx1"/>
+              </a:buClr>
+              <a:buSzPct val="100000"/>
+              <a:buFont typeface="Arial"/>
+              <a:buChar char="•"/>
+              <a:defRPr sz="1800" kern="1200" cap="none">
+                <a:solidFill>
+                  <a:schemeClr val="tx1"/>
+                </a:solidFill>
+                <a:effectLst/>
+                <a:latin typeface="+mn-lt"/>
+                <a:ea typeface="+mn-ea"/>
+                <a:cs typeface="+mn-cs"/>
+              </a:defRPr>
+            </a:lvl1pPr>
+            <a:lvl2pPr marL="742950" indent="-285750" algn="l" defTabSz="457200" rtl="0" eaLnBrk="1" latinLnBrk="0" hangingPunct="1">
+              <a:spcBef>
+                <a:spcPts val="0"/>
+              </a:spcBef>
+              <a:spcAft>
+                <a:spcPts val="1000"/>
+              </a:spcAft>
+              <a:buClr>
+                <a:schemeClr val="tx1"/>
+              </a:buClr>
+              <a:buSzPct val="100000"/>
+              <a:buFont typeface="Arial"/>
+              <a:buChar char="•"/>
+              <a:defRPr sz="1600" kern="1200" cap="none">
+                <a:solidFill>
+                  <a:schemeClr val="tx1"/>
+                </a:solidFill>
+                <a:effectLst/>
+                <a:latin typeface="+mn-lt"/>
+                <a:ea typeface="+mn-ea"/>
+                <a:cs typeface="+mn-cs"/>
+              </a:defRPr>
+            </a:lvl2pPr>
+            <a:lvl3pPr marL="1200150" indent="-285750" algn="l" defTabSz="457200" rtl="0" eaLnBrk="1" latinLnBrk="0" hangingPunct="1">
+              <a:spcBef>
+                <a:spcPts val="0"/>
+              </a:spcBef>
+              <a:spcAft>
+                <a:spcPts val="1000"/>
+              </a:spcAft>
+              <a:buClr>
+                <a:schemeClr val="tx1"/>
+              </a:buClr>
+              <a:buSzPct val="100000"/>
+              <a:buFont typeface="Arial"/>
+              <a:buChar char="•"/>
+              <a:defRPr sz="1400" kern="1200" cap="none">
+                <a:solidFill>
+                  <a:schemeClr val="tx1"/>
+                </a:solidFill>
+                <a:effectLst/>
+                <a:latin typeface="+mn-lt"/>
+                <a:ea typeface="+mn-ea"/>
+                <a:cs typeface="+mn-cs"/>
+              </a:defRPr>
+            </a:lvl3pPr>
+            <a:lvl4pPr marL="1543050" indent="-171450" algn="l" defTabSz="457200" rtl="0" eaLnBrk="1" latinLnBrk="0" hangingPunct="1">
+              <a:spcBef>
+                <a:spcPts val="0"/>
+              </a:spcBef>
+              <a:spcAft>
+                <a:spcPts val="1000"/>
+              </a:spcAft>
+              <a:buClr>
+                <a:schemeClr val="tx1"/>
+              </a:buClr>
+              <a:buSzPct val="100000"/>
+              <a:buFont typeface="Arial"/>
+              <a:buChar char="•"/>
+              <a:defRPr sz="1200" kern="1200" cap="none">
+                <a:solidFill>
+                  <a:schemeClr val="tx1"/>
+                </a:solidFill>
+                <a:effectLst/>
+                <a:latin typeface="+mn-lt"/>
+                <a:ea typeface="+mn-ea"/>
+                <a:cs typeface="+mn-cs"/>
+              </a:defRPr>
+            </a:lvl4pPr>
+            <a:lvl5pPr marL="2000250" indent="-171450" algn="l" defTabSz="457200" rtl="0" eaLnBrk="1" latinLnBrk="0" hangingPunct="1">
+              <a:spcBef>
+                <a:spcPts val="0"/>
+              </a:spcBef>
+              <a:spcAft>
+                <a:spcPts val="1000"/>
+              </a:spcAft>
+              <a:buClr>
+                <a:schemeClr val="tx1"/>
+              </a:buClr>
+              <a:buSzPct val="100000"/>
+              <a:buFont typeface="Arial"/>
+              <a:buChar char="•"/>
+              <a:defRPr sz="1200" kern="1200" cap="none">
+                <a:solidFill>
+                  <a:schemeClr val="tx1"/>
+                </a:solidFill>
+                <a:effectLst/>
+                <a:latin typeface="+mn-lt"/>
+                <a:ea typeface="+mn-ea"/>
+                <a:cs typeface="+mn-cs"/>
+              </a:defRPr>
+            </a:lvl5pPr>
+            <a:lvl6pPr marL="2514600" indent="-228600" algn="l" defTabSz="457200" rtl="0" eaLnBrk="1" latinLnBrk="0" hangingPunct="1">
+              <a:spcBef>
+                <a:spcPts val="0"/>
+              </a:spcBef>
+              <a:spcAft>
+                <a:spcPts val="1000"/>
+              </a:spcAft>
+              <a:buClr>
+                <a:schemeClr val="tx1"/>
+              </a:buClr>
+              <a:buSzPct val="100000"/>
+              <a:buFont typeface="Arial"/>
+              <a:buChar char="•"/>
+              <a:defRPr sz="1200" kern="1200" cap="none">
+                <a:solidFill>
+                  <a:schemeClr val="tx1"/>
+                </a:solidFill>
+                <a:effectLst/>
+                <a:latin typeface="+mn-lt"/>
+                <a:ea typeface="+mn-ea"/>
+                <a:cs typeface="+mn-cs"/>
+              </a:defRPr>
+            </a:lvl6pPr>
+            <a:lvl7pPr marL="2971800" indent="-228600" algn="l" defTabSz="457200" rtl="0" eaLnBrk="1" latinLnBrk="0" hangingPunct="1">
+              <a:spcBef>
+                <a:spcPts val="0"/>
+              </a:spcBef>
+              <a:spcAft>
+                <a:spcPts val="1000"/>
+              </a:spcAft>
+              <a:buClr>
+                <a:schemeClr val="tx1"/>
+              </a:buClr>
+              <a:buSzPct val="100000"/>
+              <a:buFont typeface="Arial"/>
+              <a:buChar char="•"/>
+              <a:defRPr sz="1200" kern="1200" cap="none">
+                <a:solidFill>
+                  <a:schemeClr val="tx1"/>
+                </a:solidFill>
+                <a:effectLst/>
+                <a:latin typeface="+mn-lt"/>
+                <a:ea typeface="+mn-ea"/>
+                <a:cs typeface="+mn-cs"/>
+              </a:defRPr>
+            </a:lvl7pPr>
+            <a:lvl8pPr marL="3429000" indent="-228600" algn="l" defTabSz="457200" rtl="0" eaLnBrk="1" latinLnBrk="0" hangingPunct="1">
+              <a:spcBef>
+                <a:spcPts val="0"/>
+              </a:spcBef>
+              <a:spcAft>
+                <a:spcPts val="1000"/>
+              </a:spcAft>
+              <a:buClr>
+                <a:schemeClr val="tx1"/>
+              </a:buClr>
+              <a:buSzPct val="100000"/>
+              <a:buFont typeface="Arial"/>
+              <a:buChar char="•"/>
+              <a:defRPr sz="1200" kern="1200" cap="none">
+                <a:solidFill>
+                  <a:schemeClr val="tx1"/>
+                </a:solidFill>
+                <a:effectLst/>
+                <a:latin typeface="+mn-lt"/>
+                <a:ea typeface="+mn-ea"/>
+                <a:cs typeface="+mn-cs"/>
+              </a:defRPr>
+            </a:lvl8pPr>
+            <a:lvl9pPr marL="3886200" indent="-228600" algn="l" defTabSz="457200" rtl="0" eaLnBrk="1" latinLnBrk="0" hangingPunct="1">
+              <a:spcBef>
+                <a:spcPts val="0"/>
+              </a:spcBef>
+              <a:spcAft>
+                <a:spcPts val="1000"/>
+              </a:spcAft>
+              <a:buClr>
+                <a:schemeClr val="tx1"/>
+              </a:buClr>
+              <a:buSzPct val="100000"/>
+              <a:buFont typeface="Arial"/>
+              <a:buChar char="•"/>
+              <a:defRPr sz="1200" kern="1200" cap="none">
+                <a:solidFill>
+                  <a:schemeClr val="tx1"/>
+                </a:solidFill>
+                <a:effectLst/>
+                <a:latin typeface="+mn-lt"/>
+                <a:ea typeface="+mn-ea"/>
+                <a:cs typeface="+mn-cs"/>
+              </a:defRPr>
+            </a:lvl9pPr>
+          </a:lstStyle>
+          <a:p>
+            <a:r>
+              <a:rPr lang="en-GB" sz="4000" dirty="0" smtClean="0">
+                <a:latin typeface="+mj-lt"/>
+              </a:rPr>
+              <a:t>What is a Smart Contract?</a:t>
+            </a:r>
+          </a:p>
+          <a:p>
+            <a:r>
+              <a:rPr lang="en-GB" sz="4000" dirty="0" smtClean="0">
+                <a:latin typeface="+mj-lt"/>
+              </a:rPr>
+              <a:t>Framework </a:t>
+            </a:r>
+            <a:r>
+              <a:rPr lang="en-GB" sz="4000" dirty="0" err="1" smtClean="0">
+                <a:latin typeface="+mj-lt"/>
+              </a:rPr>
+              <a:t>Ethereum</a:t>
+            </a:r>
+            <a:r>
+              <a:rPr lang="en-GB" sz="4000" dirty="0" smtClean="0">
+                <a:latin typeface="+mj-lt"/>
+              </a:rPr>
+              <a:t> </a:t>
+            </a:r>
+          </a:p>
+          <a:p>
+            <a:r>
+              <a:rPr lang="en-GB" sz="4000" dirty="0" smtClean="0">
+                <a:latin typeface="+mj-lt"/>
+              </a:rPr>
+              <a:t>Distributed shared Ledger</a:t>
+            </a:r>
+          </a:p>
           <a:p>
             <a:endParaRPr lang="en-GB" sz="4000" dirty="0" smtClean="0">
               <a:latin typeface="+mj-lt"/>
@@ -8478,13 +10313,2295 @@
     </p:spTree>
     <p:extLst>
       <p:ext uri="{BB962C8B-B14F-4D97-AF65-F5344CB8AC3E}">
-        <p14:creationId xmlns:p14="http://schemas.microsoft.com/office/powerpoint/2010/main" val="1878694858"/>
+        <p14:creationId xmlns:p14="http://schemas.microsoft.com/office/powerpoint/2010/main" val="16531729"/>
       </p:ext>
     </p:extLst>
   </p:cSld>
   <p:clrMapOvr>
     <a:masterClrMapping/>
   </p:clrMapOvr>
+  <mc:AlternateContent xmlns:mc="http://schemas.openxmlformats.org/markup-compatibility/2006">
+    <mc:Choice xmlns:p14="http://schemas.microsoft.com/office/powerpoint/2010/main" Requires="p14">
+      <p:transition spd="med" p14:dur="700">
+        <p:fade/>
+      </p:transition>
+    </mc:Choice>
+    <mc:Fallback>
+      <p:transition spd="med">
+        <p:fade/>
+      </p:transition>
+    </mc:Fallback>
+  </mc:AlternateContent>
+  <p:timing>
+    <p:tnLst>
+      <p:par>
+        <p:cTn id="1" dur="indefinite" restart="never" nodeType="tmRoot"/>
+      </p:par>
+    </p:tnLst>
+  </p:timing>
+</p:sld>
+</file>
+
+<file path=ppt/slides/slide15.xml><?xml version="1.0" encoding="utf-8"?>
+<p:sld xmlns:a="http://schemas.openxmlformats.org/drawingml/2006/main" xmlns:r="http://schemas.openxmlformats.org/officeDocument/2006/relationships" xmlns:p="http://schemas.openxmlformats.org/presentationml/2006/main">
+  <p:cSld>
+    <p:spTree>
+      <p:nvGrpSpPr>
+        <p:cNvPr id="1" name=""/>
+        <p:cNvGrpSpPr/>
+        <p:nvPr/>
+      </p:nvGrpSpPr>
+      <p:grpSpPr>
+        <a:xfrm>
+          <a:off x="0" y="0"/>
+          <a:ext cx="0" cy="0"/>
+          <a:chOff x="0" y="0"/>
+          <a:chExt cx="0" cy="0"/>
+        </a:xfrm>
+      </p:grpSpPr>
+      <p:sp>
+        <p:nvSpPr>
+          <p:cNvPr id="5" name="Segnaposto contenuto 2"/>
+          <p:cNvSpPr>
+            <a:spLocks noGrp="1"/>
+          </p:cNvSpPr>
+          <p:nvPr>
+            <p:ph idx="1"/>
+          </p:nvPr>
+        </p:nvSpPr>
+        <p:spPr>
+          <a:xfrm>
+            <a:off x="671947" y="1850167"/>
+            <a:ext cx="10131425" cy="4557560"/>
+          </a:xfrm>
+        </p:spPr>
+        <p:txBody>
+          <a:bodyPr>
+            <a:normAutofit/>
+          </a:bodyPr>
+          <a:lstStyle/>
+          <a:p>
+            <a:endParaRPr lang="en-GB" sz="4000" dirty="0" smtClean="0">
+              <a:latin typeface="+mj-lt"/>
+            </a:endParaRPr>
+          </a:p>
+          <a:p>
+            <a:endParaRPr lang="en-GB" sz="4000" dirty="0" smtClean="0">
+              <a:latin typeface="+mj-lt"/>
+            </a:endParaRPr>
+          </a:p>
+          <a:p>
+            <a:endParaRPr lang="en-GB" sz="4000" dirty="0">
+              <a:latin typeface="+mj-lt"/>
+            </a:endParaRPr>
+          </a:p>
+        </p:txBody>
+      </p:sp>
+      <p:pic>
+        <p:nvPicPr>
+          <p:cNvPr id="2" name="Immagine 1"/>
+          <p:cNvPicPr>
+            <a:picLocks noChangeAspect="1"/>
+          </p:cNvPicPr>
+          <p:nvPr/>
+        </p:nvPicPr>
+        <p:blipFill>
+          <a:blip r:embed="rId3">
+            <a:alphaModFix amt="50000"/>
+            <a:extLst>
+              <a:ext uri="{28A0092B-C50C-407E-A947-70E740481C1C}">
+                <a14:useLocalDpi xmlns:a14="http://schemas.microsoft.com/office/drawing/2010/main" val="0"/>
+              </a:ext>
+            </a:extLst>
+          </a:blip>
+          <a:stretch>
+            <a:fillRect/>
+          </a:stretch>
+        </p:blipFill>
+        <p:spPr>
+          <a:xfrm>
+            <a:off x="-844117" y="0"/>
+            <a:ext cx="14025600" cy="7012800"/>
+          </a:xfrm>
+          <a:prstGeom prst="rect">
+            <a:avLst/>
+          </a:prstGeom>
+        </p:spPr>
+      </p:pic>
+      <p:sp>
+        <p:nvSpPr>
+          <p:cNvPr id="7" name="Titolo 1"/>
+          <p:cNvSpPr>
+            <a:spLocks noGrp="1"/>
+          </p:cNvSpPr>
+          <p:nvPr>
+            <p:ph type="title"/>
+          </p:nvPr>
+        </p:nvSpPr>
+        <p:spPr>
+          <a:xfrm>
+            <a:off x="387927" y="484909"/>
+            <a:ext cx="10131425" cy="1067385"/>
+          </a:xfrm>
+        </p:spPr>
+        <p:txBody>
+          <a:bodyPr/>
+          <a:lstStyle/>
+          <a:p>
+            <a:pPr marL="742950" marR="0" lvl="0" indent="-742950" defTabSz="914400" eaLnBrk="1" fontAlgn="auto" latinLnBrk="0" hangingPunct="1">
+              <a:lnSpc>
+                <a:spcPct val="100000"/>
+              </a:lnSpc>
+              <a:spcBef>
+                <a:spcPts val="0"/>
+              </a:spcBef>
+              <a:spcAft>
+                <a:spcPts val="0"/>
+              </a:spcAft>
+              <a:buClrTx/>
+              <a:buSzTx/>
+              <a:buFont typeface="+mj-lt"/>
+              <a:buNone/>
+              <a:tabLst/>
+              <a:defRPr/>
+            </a:pPr>
+            <a:r>
+              <a:rPr lang="en-GB" dirty="0" smtClean="0"/>
+              <a:t>3.</a:t>
+            </a:r>
+            <a:r>
+              <a:rPr lang="en-GB" dirty="0" smtClean="0"/>
+              <a:t>	</a:t>
+            </a:r>
+            <a:r>
+              <a:rPr lang="en-GB" sz="4000" dirty="0" smtClean="0"/>
+              <a:t>Smart Contracts</a:t>
+            </a:r>
+            <a:endParaRPr lang="en-GB" sz="4000" dirty="0"/>
+          </a:p>
+        </p:txBody>
+      </p:sp>
+      <p:sp>
+        <p:nvSpPr>
+          <p:cNvPr id="8" name="Segnaposto contenuto 2"/>
+          <p:cNvSpPr txBox="1">
+            <a:spLocks/>
+          </p:cNvSpPr>
+          <p:nvPr/>
+        </p:nvSpPr>
+        <p:spPr>
+          <a:xfrm>
+            <a:off x="824347" y="2002567"/>
+            <a:ext cx="10131425" cy="4557560"/>
+          </a:xfrm>
+          <a:prstGeom prst="rect">
+            <a:avLst/>
+          </a:prstGeom>
+        </p:spPr>
+        <p:txBody>
+          <a:bodyPr vert="horz" lIns="91440" tIns="45720" rIns="91440" bIns="45720" rtlCol="0" anchor="ctr">
+            <a:normAutofit/>
+          </a:bodyPr>
+          <a:lstStyle>
+            <a:lvl1pPr marL="285750" indent="-285750" algn="l" defTabSz="457200" rtl="0" eaLnBrk="1" latinLnBrk="0" hangingPunct="1">
+              <a:spcBef>
+                <a:spcPts val="0"/>
+              </a:spcBef>
+              <a:spcAft>
+                <a:spcPts val="1000"/>
+              </a:spcAft>
+              <a:buClr>
+                <a:schemeClr val="tx1"/>
+              </a:buClr>
+              <a:buSzPct val="100000"/>
+              <a:buFont typeface="Arial"/>
+              <a:buChar char="•"/>
+              <a:defRPr sz="1800" kern="1200" cap="none">
+                <a:solidFill>
+                  <a:schemeClr val="tx1"/>
+                </a:solidFill>
+                <a:effectLst/>
+                <a:latin typeface="+mn-lt"/>
+                <a:ea typeface="+mn-ea"/>
+                <a:cs typeface="+mn-cs"/>
+              </a:defRPr>
+            </a:lvl1pPr>
+            <a:lvl2pPr marL="742950" indent="-285750" algn="l" defTabSz="457200" rtl="0" eaLnBrk="1" latinLnBrk="0" hangingPunct="1">
+              <a:spcBef>
+                <a:spcPts val="0"/>
+              </a:spcBef>
+              <a:spcAft>
+                <a:spcPts val="1000"/>
+              </a:spcAft>
+              <a:buClr>
+                <a:schemeClr val="tx1"/>
+              </a:buClr>
+              <a:buSzPct val="100000"/>
+              <a:buFont typeface="Arial"/>
+              <a:buChar char="•"/>
+              <a:defRPr sz="1600" kern="1200" cap="none">
+                <a:solidFill>
+                  <a:schemeClr val="tx1"/>
+                </a:solidFill>
+                <a:effectLst/>
+                <a:latin typeface="+mn-lt"/>
+                <a:ea typeface="+mn-ea"/>
+                <a:cs typeface="+mn-cs"/>
+              </a:defRPr>
+            </a:lvl2pPr>
+            <a:lvl3pPr marL="1200150" indent="-285750" algn="l" defTabSz="457200" rtl="0" eaLnBrk="1" latinLnBrk="0" hangingPunct="1">
+              <a:spcBef>
+                <a:spcPts val="0"/>
+              </a:spcBef>
+              <a:spcAft>
+                <a:spcPts val="1000"/>
+              </a:spcAft>
+              <a:buClr>
+                <a:schemeClr val="tx1"/>
+              </a:buClr>
+              <a:buSzPct val="100000"/>
+              <a:buFont typeface="Arial"/>
+              <a:buChar char="•"/>
+              <a:defRPr sz="1400" kern="1200" cap="none">
+                <a:solidFill>
+                  <a:schemeClr val="tx1"/>
+                </a:solidFill>
+                <a:effectLst/>
+                <a:latin typeface="+mn-lt"/>
+                <a:ea typeface="+mn-ea"/>
+                <a:cs typeface="+mn-cs"/>
+              </a:defRPr>
+            </a:lvl3pPr>
+            <a:lvl4pPr marL="1543050" indent="-171450" algn="l" defTabSz="457200" rtl="0" eaLnBrk="1" latinLnBrk="0" hangingPunct="1">
+              <a:spcBef>
+                <a:spcPts val="0"/>
+              </a:spcBef>
+              <a:spcAft>
+                <a:spcPts val="1000"/>
+              </a:spcAft>
+              <a:buClr>
+                <a:schemeClr val="tx1"/>
+              </a:buClr>
+              <a:buSzPct val="100000"/>
+              <a:buFont typeface="Arial"/>
+              <a:buChar char="•"/>
+              <a:defRPr sz="1200" kern="1200" cap="none">
+                <a:solidFill>
+                  <a:schemeClr val="tx1"/>
+                </a:solidFill>
+                <a:effectLst/>
+                <a:latin typeface="+mn-lt"/>
+                <a:ea typeface="+mn-ea"/>
+                <a:cs typeface="+mn-cs"/>
+              </a:defRPr>
+            </a:lvl4pPr>
+            <a:lvl5pPr marL="2000250" indent="-171450" algn="l" defTabSz="457200" rtl="0" eaLnBrk="1" latinLnBrk="0" hangingPunct="1">
+              <a:spcBef>
+                <a:spcPts val="0"/>
+              </a:spcBef>
+              <a:spcAft>
+                <a:spcPts val="1000"/>
+              </a:spcAft>
+              <a:buClr>
+                <a:schemeClr val="tx1"/>
+              </a:buClr>
+              <a:buSzPct val="100000"/>
+              <a:buFont typeface="Arial"/>
+              <a:buChar char="•"/>
+              <a:defRPr sz="1200" kern="1200" cap="none">
+                <a:solidFill>
+                  <a:schemeClr val="tx1"/>
+                </a:solidFill>
+                <a:effectLst/>
+                <a:latin typeface="+mn-lt"/>
+                <a:ea typeface="+mn-ea"/>
+                <a:cs typeface="+mn-cs"/>
+              </a:defRPr>
+            </a:lvl5pPr>
+            <a:lvl6pPr marL="2514600" indent="-228600" algn="l" defTabSz="457200" rtl="0" eaLnBrk="1" latinLnBrk="0" hangingPunct="1">
+              <a:spcBef>
+                <a:spcPts val="0"/>
+              </a:spcBef>
+              <a:spcAft>
+                <a:spcPts val="1000"/>
+              </a:spcAft>
+              <a:buClr>
+                <a:schemeClr val="tx1"/>
+              </a:buClr>
+              <a:buSzPct val="100000"/>
+              <a:buFont typeface="Arial"/>
+              <a:buChar char="•"/>
+              <a:defRPr sz="1200" kern="1200" cap="none">
+                <a:solidFill>
+                  <a:schemeClr val="tx1"/>
+                </a:solidFill>
+                <a:effectLst/>
+                <a:latin typeface="+mn-lt"/>
+                <a:ea typeface="+mn-ea"/>
+                <a:cs typeface="+mn-cs"/>
+              </a:defRPr>
+            </a:lvl6pPr>
+            <a:lvl7pPr marL="2971800" indent="-228600" algn="l" defTabSz="457200" rtl="0" eaLnBrk="1" latinLnBrk="0" hangingPunct="1">
+              <a:spcBef>
+                <a:spcPts val="0"/>
+              </a:spcBef>
+              <a:spcAft>
+                <a:spcPts val="1000"/>
+              </a:spcAft>
+              <a:buClr>
+                <a:schemeClr val="tx1"/>
+              </a:buClr>
+              <a:buSzPct val="100000"/>
+              <a:buFont typeface="Arial"/>
+              <a:buChar char="•"/>
+              <a:defRPr sz="1200" kern="1200" cap="none">
+                <a:solidFill>
+                  <a:schemeClr val="tx1"/>
+                </a:solidFill>
+                <a:effectLst/>
+                <a:latin typeface="+mn-lt"/>
+                <a:ea typeface="+mn-ea"/>
+                <a:cs typeface="+mn-cs"/>
+              </a:defRPr>
+            </a:lvl7pPr>
+            <a:lvl8pPr marL="3429000" indent="-228600" algn="l" defTabSz="457200" rtl="0" eaLnBrk="1" latinLnBrk="0" hangingPunct="1">
+              <a:spcBef>
+                <a:spcPts val="0"/>
+              </a:spcBef>
+              <a:spcAft>
+                <a:spcPts val="1000"/>
+              </a:spcAft>
+              <a:buClr>
+                <a:schemeClr val="tx1"/>
+              </a:buClr>
+              <a:buSzPct val="100000"/>
+              <a:buFont typeface="Arial"/>
+              <a:buChar char="•"/>
+              <a:defRPr sz="1200" kern="1200" cap="none">
+                <a:solidFill>
+                  <a:schemeClr val="tx1"/>
+                </a:solidFill>
+                <a:effectLst/>
+                <a:latin typeface="+mn-lt"/>
+                <a:ea typeface="+mn-ea"/>
+                <a:cs typeface="+mn-cs"/>
+              </a:defRPr>
+            </a:lvl8pPr>
+            <a:lvl9pPr marL="3886200" indent="-228600" algn="l" defTabSz="457200" rtl="0" eaLnBrk="1" latinLnBrk="0" hangingPunct="1">
+              <a:spcBef>
+                <a:spcPts val="0"/>
+              </a:spcBef>
+              <a:spcAft>
+                <a:spcPts val="1000"/>
+              </a:spcAft>
+              <a:buClr>
+                <a:schemeClr val="tx1"/>
+              </a:buClr>
+              <a:buSzPct val="100000"/>
+              <a:buFont typeface="Arial"/>
+              <a:buChar char="•"/>
+              <a:defRPr sz="1200" kern="1200" cap="none">
+                <a:solidFill>
+                  <a:schemeClr val="tx1"/>
+                </a:solidFill>
+                <a:effectLst/>
+                <a:latin typeface="+mn-lt"/>
+                <a:ea typeface="+mn-ea"/>
+                <a:cs typeface="+mn-cs"/>
+              </a:defRPr>
+            </a:lvl9pPr>
+          </a:lstStyle>
+          <a:p>
+            <a:r>
+              <a:rPr lang="en-GB" sz="4000" dirty="0" smtClean="0">
+                <a:latin typeface="+mj-lt"/>
+              </a:rPr>
+              <a:t>What is a Smart Contract?</a:t>
+            </a:r>
+          </a:p>
+          <a:p>
+            <a:r>
+              <a:rPr lang="en-GB" sz="4000" dirty="0" smtClean="0">
+                <a:latin typeface="+mj-lt"/>
+              </a:rPr>
+              <a:t>Framework </a:t>
+            </a:r>
+            <a:r>
+              <a:rPr lang="en-GB" sz="4000" dirty="0" err="1" smtClean="0">
+                <a:latin typeface="+mj-lt"/>
+              </a:rPr>
+              <a:t>Ethereum</a:t>
+            </a:r>
+            <a:r>
+              <a:rPr lang="en-GB" sz="4000" dirty="0" smtClean="0">
+                <a:latin typeface="+mj-lt"/>
+              </a:rPr>
+              <a:t> </a:t>
+            </a:r>
+          </a:p>
+          <a:p>
+            <a:r>
+              <a:rPr lang="en-GB" sz="4000" dirty="0" smtClean="0">
+                <a:latin typeface="+mj-lt"/>
+              </a:rPr>
+              <a:t>Distributed shared Ledger</a:t>
+            </a:r>
+          </a:p>
+          <a:p>
+            <a:endParaRPr lang="en-GB" sz="4000" dirty="0" smtClean="0">
+              <a:latin typeface="+mj-lt"/>
+            </a:endParaRPr>
+          </a:p>
+          <a:p>
+            <a:endParaRPr lang="en-GB" sz="4000" dirty="0" smtClean="0">
+              <a:latin typeface="+mj-lt"/>
+            </a:endParaRPr>
+          </a:p>
+          <a:p>
+            <a:endParaRPr lang="en-GB" sz="4000" dirty="0">
+              <a:latin typeface="+mj-lt"/>
+            </a:endParaRPr>
+          </a:p>
+        </p:txBody>
+      </p:sp>
+    </p:spTree>
+    <p:extLst>
+      <p:ext uri="{BB962C8B-B14F-4D97-AF65-F5344CB8AC3E}">
+        <p14:creationId xmlns:p14="http://schemas.microsoft.com/office/powerpoint/2010/main" val="1399399247"/>
+      </p:ext>
+    </p:extLst>
+  </p:cSld>
+  <p:clrMapOvr>
+    <a:masterClrMapping/>
+  </p:clrMapOvr>
+  <mc:AlternateContent xmlns:mc="http://schemas.openxmlformats.org/markup-compatibility/2006">
+    <mc:Choice xmlns:p14="http://schemas.microsoft.com/office/powerpoint/2010/main" Requires="p14">
+      <p:transition spd="med" p14:dur="700">
+        <p:fade/>
+      </p:transition>
+    </mc:Choice>
+    <mc:Fallback>
+      <p:transition spd="med">
+        <p:fade/>
+      </p:transition>
+    </mc:Fallback>
+  </mc:AlternateContent>
+  <p:timing>
+    <p:tnLst>
+      <p:par>
+        <p:cTn id="1" dur="indefinite" restart="never" nodeType="tmRoot"/>
+      </p:par>
+    </p:tnLst>
+  </p:timing>
+</p:sld>
+</file>
+
+<file path=ppt/slides/slide16.xml><?xml version="1.0" encoding="utf-8"?>
+<p:sld xmlns:a="http://schemas.openxmlformats.org/drawingml/2006/main" xmlns:r="http://schemas.openxmlformats.org/officeDocument/2006/relationships" xmlns:p="http://schemas.openxmlformats.org/presentationml/2006/main">
+  <p:cSld>
+    <p:spTree>
+      <p:nvGrpSpPr>
+        <p:cNvPr id="1" name=""/>
+        <p:cNvGrpSpPr/>
+        <p:nvPr/>
+      </p:nvGrpSpPr>
+      <p:grpSpPr>
+        <a:xfrm>
+          <a:off x="0" y="0"/>
+          <a:ext cx="0" cy="0"/>
+          <a:chOff x="0" y="0"/>
+          <a:chExt cx="0" cy="0"/>
+        </a:xfrm>
+      </p:grpSpPr>
+      <p:sp>
+        <p:nvSpPr>
+          <p:cNvPr id="5" name="Segnaposto contenuto 2"/>
+          <p:cNvSpPr>
+            <a:spLocks noGrp="1"/>
+          </p:cNvSpPr>
+          <p:nvPr>
+            <p:ph idx="1"/>
+          </p:nvPr>
+        </p:nvSpPr>
+        <p:spPr>
+          <a:xfrm>
+            <a:off x="671947" y="1850167"/>
+            <a:ext cx="10131425" cy="4557560"/>
+          </a:xfrm>
+        </p:spPr>
+        <p:txBody>
+          <a:bodyPr>
+            <a:normAutofit/>
+          </a:bodyPr>
+          <a:lstStyle/>
+          <a:p>
+            <a:endParaRPr lang="en-GB" sz="4000" dirty="0" smtClean="0">
+              <a:latin typeface="+mj-lt"/>
+            </a:endParaRPr>
+          </a:p>
+          <a:p>
+            <a:endParaRPr lang="en-GB" sz="4000" dirty="0" smtClean="0">
+              <a:latin typeface="+mj-lt"/>
+            </a:endParaRPr>
+          </a:p>
+          <a:p>
+            <a:endParaRPr lang="en-GB" sz="4000" dirty="0">
+              <a:latin typeface="+mj-lt"/>
+            </a:endParaRPr>
+          </a:p>
+        </p:txBody>
+      </p:sp>
+      <p:pic>
+        <p:nvPicPr>
+          <p:cNvPr id="2" name="Immagine 1"/>
+          <p:cNvPicPr>
+            <a:picLocks noChangeAspect="1"/>
+          </p:cNvPicPr>
+          <p:nvPr/>
+        </p:nvPicPr>
+        <p:blipFill>
+          <a:blip r:embed="rId3">
+            <a:alphaModFix amt="50000"/>
+            <a:extLst>
+              <a:ext uri="{28A0092B-C50C-407E-A947-70E740481C1C}">
+                <a14:useLocalDpi xmlns:a14="http://schemas.microsoft.com/office/drawing/2010/main" val="0"/>
+              </a:ext>
+            </a:extLst>
+          </a:blip>
+          <a:stretch>
+            <a:fillRect/>
+          </a:stretch>
+        </p:blipFill>
+        <p:spPr>
+          <a:xfrm>
+            <a:off x="-844117" y="0"/>
+            <a:ext cx="14025600" cy="7012800"/>
+          </a:xfrm>
+          <a:prstGeom prst="rect">
+            <a:avLst/>
+          </a:prstGeom>
+        </p:spPr>
+      </p:pic>
+      <p:sp>
+        <p:nvSpPr>
+          <p:cNvPr id="7" name="Titolo 1"/>
+          <p:cNvSpPr>
+            <a:spLocks noGrp="1"/>
+          </p:cNvSpPr>
+          <p:nvPr>
+            <p:ph type="title"/>
+          </p:nvPr>
+        </p:nvSpPr>
+        <p:spPr>
+          <a:xfrm>
+            <a:off x="387927" y="484909"/>
+            <a:ext cx="10131425" cy="1067385"/>
+          </a:xfrm>
+        </p:spPr>
+        <p:txBody>
+          <a:bodyPr/>
+          <a:lstStyle/>
+          <a:p>
+            <a:pPr marL="742950" marR="0" lvl="0" indent="-742950" defTabSz="914400" eaLnBrk="1" fontAlgn="auto" latinLnBrk="0" hangingPunct="1">
+              <a:lnSpc>
+                <a:spcPct val="100000"/>
+              </a:lnSpc>
+              <a:spcBef>
+                <a:spcPts val="0"/>
+              </a:spcBef>
+              <a:spcAft>
+                <a:spcPts val="0"/>
+              </a:spcAft>
+              <a:buClrTx/>
+              <a:buSzTx/>
+              <a:buFont typeface="+mj-lt"/>
+              <a:buNone/>
+              <a:tabLst/>
+              <a:defRPr/>
+            </a:pPr>
+            <a:r>
+              <a:rPr lang="en-GB" dirty="0" smtClean="0"/>
+              <a:t>3.</a:t>
+            </a:r>
+            <a:r>
+              <a:rPr lang="en-GB" dirty="0" smtClean="0"/>
+              <a:t>	</a:t>
+            </a:r>
+            <a:r>
+              <a:rPr lang="en-GB" sz="4000" dirty="0" smtClean="0"/>
+              <a:t>Smart Contracts</a:t>
+            </a:r>
+            <a:endParaRPr lang="en-GB" sz="4000" dirty="0"/>
+          </a:p>
+        </p:txBody>
+      </p:sp>
+      <p:sp>
+        <p:nvSpPr>
+          <p:cNvPr id="8" name="Segnaposto contenuto 2"/>
+          <p:cNvSpPr txBox="1">
+            <a:spLocks/>
+          </p:cNvSpPr>
+          <p:nvPr/>
+        </p:nvSpPr>
+        <p:spPr>
+          <a:xfrm>
+            <a:off x="824347" y="2002567"/>
+            <a:ext cx="10131425" cy="4557560"/>
+          </a:xfrm>
+          <a:prstGeom prst="rect">
+            <a:avLst/>
+          </a:prstGeom>
+        </p:spPr>
+        <p:txBody>
+          <a:bodyPr vert="horz" lIns="91440" tIns="45720" rIns="91440" bIns="45720" rtlCol="0" anchor="ctr">
+            <a:normAutofit/>
+          </a:bodyPr>
+          <a:lstStyle>
+            <a:lvl1pPr marL="285750" indent="-285750" algn="l" defTabSz="457200" rtl="0" eaLnBrk="1" latinLnBrk="0" hangingPunct="1">
+              <a:spcBef>
+                <a:spcPts val="0"/>
+              </a:spcBef>
+              <a:spcAft>
+                <a:spcPts val="1000"/>
+              </a:spcAft>
+              <a:buClr>
+                <a:schemeClr val="tx1"/>
+              </a:buClr>
+              <a:buSzPct val="100000"/>
+              <a:buFont typeface="Arial"/>
+              <a:buChar char="•"/>
+              <a:defRPr sz="1800" kern="1200" cap="none">
+                <a:solidFill>
+                  <a:schemeClr val="tx1"/>
+                </a:solidFill>
+                <a:effectLst/>
+                <a:latin typeface="+mn-lt"/>
+                <a:ea typeface="+mn-ea"/>
+                <a:cs typeface="+mn-cs"/>
+              </a:defRPr>
+            </a:lvl1pPr>
+            <a:lvl2pPr marL="742950" indent="-285750" algn="l" defTabSz="457200" rtl="0" eaLnBrk="1" latinLnBrk="0" hangingPunct="1">
+              <a:spcBef>
+                <a:spcPts val="0"/>
+              </a:spcBef>
+              <a:spcAft>
+                <a:spcPts val="1000"/>
+              </a:spcAft>
+              <a:buClr>
+                <a:schemeClr val="tx1"/>
+              </a:buClr>
+              <a:buSzPct val="100000"/>
+              <a:buFont typeface="Arial"/>
+              <a:buChar char="•"/>
+              <a:defRPr sz="1600" kern="1200" cap="none">
+                <a:solidFill>
+                  <a:schemeClr val="tx1"/>
+                </a:solidFill>
+                <a:effectLst/>
+                <a:latin typeface="+mn-lt"/>
+                <a:ea typeface="+mn-ea"/>
+                <a:cs typeface="+mn-cs"/>
+              </a:defRPr>
+            </a:lvl2pPr>
+            <a:lvl3pPr marL="1200150" indent="-285750" algn="l" defTabSz="457200" rtl="0" eaLnBrk="1" latinLnBrk="0" hangingPunct="1">
+              <a:spcBef>
+                <a:spcPts val="0"/>
+              </a:spcBef>
+              <a:spcAft>
+                <a:spcPts val="1000"/>
+              </a:spcAft>
+              <a:buClr>
+                <a:schemeClr val="tx1"/>
+              </a:buClr>
+              <a:buSzPct val="100000"/>
+              <a:buFont typeface="Arial"/>
+              <a:buChar char="•"/>
+              <a:defRPr sz="1400" kern="1200" cap="none">
+                <a:solidFill>
+                  <a:schemeClr val="tx1"/>
+                </a:solidFill>
+                <a:effectLst/>
+                <a:latin typeface="+mn-lt"/>
+                <a:ea typeface="+mn-ea"/>
+                <a:cs typeface="+mn-cs"/>
+              </a:defRPr>
+            </a:lvl3pPr>
+            <a:lvl4pPr marL="1543050" indent="-171450" algn="l" defTabSz="457200" rtl="0" eaLnBrk="1" latinLnBrk="0" hangingPunct="1">
+              <a:spcBef>
+                <a:spcPts val="0"/>
+              </a:spcBef>
+              <a:spcAft>
+                <a:spcPts val="1000"/>
+              </a:spcAft>
+              <a:buClr>
+                <a:schemeClr val="tx1"/>
+              </a:buClr>
+              <a:buSzPct val="100000"/>
+              <a:buFont typeface="Arial"/>
+              <a:buChar char="•"/>
+              <a:defRPr sz="1200" kern="1200" cap="none">
+                <a:solidFill>
+                  <a:schemeClr val="tx1"/>
+                </a:solidFill>
+                <a:effectLst/>
+                <a:latin typeface="+mn-lt"/>
+                <a:ea typeface="+mn-ea"/>
+                <a:cs typeface="+mn-cs"/>
+              </a:defRPr>
+            </a:lvl4pPr>
+            <a:lvl5pPr marL="2000250" indent="-171450" algn="l" defTabSz="457200" rtl="0" eaLnBrk="1" latinLnBrk="0" hangingPunct="1">
+              <a:spcBef>
+                <a:spcPts val="0"/>
+              </a:spcBef>
+              <a:spcAft>
+                <a:spcPts val="1000"/>
+              </a:spcAft>
+              <a:buClr>
+                <a:schemeClr val="tx1"/>
+              </a:buClr>
+              <a:buSzPct val="100000"/>
+              <a:buFont typeface="Arial"/>
+              <a:buChar char="•"/>
+              <a:defRPr sz="1200" kern="1200" cap="none">
+                <a:solidFill>
+                  <a:schemeClr val="tx1"/>
+                </a:solidFill>
+                <a:effectLst/>
+                <a:latin typeface="+mn-lt"/>
+                <a:ea typeface="+mn-ea"/>
+                <a:cs typeface="+mn-cs"/>
+              </a:defRPr>
+            </a:lvl5pPr>
+            <a:lvl6pPr marL="2514600" indent="-228600" algn="l" defTabSz="457200" rtl="0" eaLnBrk="1" latinLnBrk="0" hangingPunct="1">
+              <a:spcBef>
+                <a:spcPts val="0"/>
+              </a:spcBef>
+              <a:spcAft>
+                <a:spcPts val="1000"/>
+              </a:spcAft>
+              <a:buClr>
+                <a:schemeClr val="tx1"/>
+              </a:buClr>
+              <a:buSzPct val="100000"/>
+              <a:buFont typeface="Arial"/>
+              <a:buChar char="•"/>
+              <a:defRPr sz="1200" kern="1200" cap="none">
+                <a:solidFill>
+                  <a:schemeClr val="tx1"/>
+                </a:solidFill>
+                <a:effectLst/>
+                <a:latin typeface="+mn-lt"/>
+                <a:ea typeface="+mn-ea"/>
+                <a:cs typeface="+mn-cs"/>
+              </a:defRPr>
+            </a:lvl6pPr>
+            <a:lvl7pPr marL="2971800" indent="-228600" algn="l" defTabSz="457200" rtl="0" eaLnBrk="1" latinLnBrk="0" hangingPunct="1">
+              <a:spcBef>
+                <a:spcPts val="0"/>
+              </a:spcBef>
+              <a:spcAft>
+                <a:spcPts val="1000"/>
+              </a:spcAft>
+              <a:buClr>
+                <a:schemeClr val="tx1"/>
+              </a:buClr>
+              <a:buSzPct val="100000"/>
+              <a:buFont typeface="Arial"/>
+              <a:buChar char="•"/>
+              <a:defRPr sz="1200" kern="1200" cap="none">
+                <a:solidFill>
+                  <a:schemeClr val="tx1"/>
+                </a:solidFill>
+                <a:effectLst/>
+                <a:latin typeface="+mn-lt"/>
+                <a:ea typeface="+mn-ea"/>
+                <a:cs typeface="+mn-cs"/>
+              </a:defRPr>
+            </a:lvl7pPr>
+            <a:lvl8pPr marL="3429000" indent="-228600" algn="l" defTabSz="457200" rtl="0" eaLnBrk="1" latinLnBrk="0" hangingPunct="1">
+              <a:spcBef>
+                <a:spcPts val="0"/>
+              </a:spcBef>
+              <a:spcAft>
+                <a:spcPts val="1000"/>
+              </a:spcAft>
+              <a:buClr>
+                <a:schemeClr val="tx1"/>
+              </a:buClr>
+              <a:buSzPct val="100000"/>
+              <a:buFont typeface="Arial"/>
+              <a:buChar char="•"/>
+              <a:defRPr sz="1200" kern="1200" cap="none">
+                <a:solidFill>
+                  <a:schemeClr val="tx1"/>
+                </a:solidFill>
+                <a:effectLst/>
+                <a:latin typeface="+mn-lt"/>
+                <a:ea typeface="+mn-ea"/>
+                <a:cs typeface="+mn-cs"/>
+              </a:defRPr>
+            </a:lvl8pPr>
+            <a:lvl9pPr marL="3886200" indent="-228600" algn="l" defTabSz="457200" rtl="0" eaLnBrk="1" latinLnBrk="0" hangingPunct="1">
+              <a:spcBef>
+                <a:spcPts val="0"/>
+              </a:spcBef>
+              <a:spcAft>
+                <a:spcPts val="1000"/>
+              </a:spcAft>
+              <a:buClr>
+                <a:schemeClr val="tx1"/>
+              </a:buClr>
+              <a:buSzPct val="100000"/>
+              <a:buFont typeface="Arial"/>
+              <a:buChar char="•"/>
+              <a:defRPr sz="1200" kern="1200" cap="none">
+                <a:solidFill>
+                  <a:schemeClr val="tx1"/>
+                </a:solidFill>
+                <a:effectLst/>
+                <a:latin typeface="+mn-lt"/>
+                <a:ea typeface="+mn-ea"/>
+                <a:cs typeface="+mn-cs"/>
+              </a:defRPr>
+            </a:lvl9pPr>
+          </a:lstStyle>
+          <a:p>
+            <a:r>
+              <a:rPr lang="en-GB" sz="4000" dirty="0" smtClean="0">
+                <a:latin typeface="+mj-lt"/>
+              </a:rPr>
+              <a:t>What is a Smart Contract?</a:t>
+            </a:r>
+          </a:p>
+          <a:p>
+            <a:r>
+              <a:rPr lang="en-GB" sz="4000" dirty="0" smtClean="0">
+                <a:latin typeface="+mj-lt"/>
+              </a:rPr>
+              <a:t>Framework </a:t>
+            </a:r>
+            <a:r>
+              <a:rPr lang="en-GB" sz="4000" dirty="0" err="1" smtClean="0">
+                <a:latin typeface="+mj-lt"/>
+              </a:rPr>
+              <a:t>Ethereum</a:t>
+            </a:r>
+            <a:r>
+              <a:rPr lang="en-GB" sz="4000" dirty="0" smtClean="0">
+                <a:latin typeface="+mj-lt"/>
+              </a:rPr>
+              <a:t> </a:t>
+            </a:r>
+          </a:p>
+          <a:p>
+            <a:r>
+              <a:rPr lang="en-GB" sz="4000" dirty="0" smtClean="0">
+                <a:latin typeface="+mj-lt"/>
+              </a:rPr>
+              <a:t>Distributed shared Ledger</a:t>
+            </a:r>
+          </a:p>
+          <a:p>
+            <a:endParaRPr lang="en-GB" sz="4000" dirty="0" smtClean="0">
+              <a:latin typeface="+mj-lt"/>
+            </a:endParaRPr>
+          </a:p>
+          <a:p>
+            <a:endParaRPr lang="en-GB" sz="4000" dirty="0" smtClean="0">
+              <a:latin typeface="+mj-lt"/>
+            </a:endParaRPr>
+          </a:p>
+          <a:p>
+            <a:endParaRPr lang="en-GB" sz="4000" dirty="0">
+              <a:latin typeface="+mj-lt"/>
+            </a:endParaRPr>
+          </a:p>
+        </p:txBody>
+      </p:sp>
+    </p:spTree>
+    <p:extLst>
+      <p:ext uri="{BB962C8B-B14F-4D97-AF65-F5344CB8AC3E}">
+        <p14:creationId xmlns:p14="http://schemas.microsoft.com/office/powerpoint/2010/main" val="1951894885"/>
+      </p:ext>
+    </p:extLst>
+  </p:cSld>
+  <p:clrMapOvr>
+    <a:masterClrMapping/>
+  </p:clrMapOvr>
+  <mc:AlternateContent xmlns:mc="http://schemas.openxmlformats.org/markup-compatibility/2006">
+    <mc:Choice xmlns:p14="http://schemas.microsoft.com/office/powerpoint/2010/main" Requires="p14">
+      <p:transition spd="med" p14:dur="700">
+        <p:fade/>
+      </p:transition>
+    </mc:Choice>
+    <mc:Fallback>
+      <p:transition spd="med">
+        <p:fade/>
+      </p:transition>
+    </mc:Fallback>
+  </mc:AlternateContent>
+  <p:timing>
+    <p:tnLst>
+      <p:par>
+        <p:cTn id="1" dur="indefinite" restart="never" nodeType="tmRoot"/>
+      </p:par>
+    </p:tnLst>
+  </p:timing>
+</p:sld>
+</file>
+
+<file path=ppt/slides/slide17.xml><?xml version="1.0" encoding="utf-8"?>
+<p:sld xmlns:a="http://schemas.openxmlformats.org/drawingml/2006/main" xmlns:r="http://schemas.openxmlformats.org/officeDocument/2006/relationships" xmlns:p="http://schemas.openxmlformats.org/presentationml/2006/main">
+  <p:cSld>
+    <p:spTree>
+      <p:nvGrpSpPr>
+        <p:cNvPr id="1" name=""/>
+        <p:cNvGrpSpPr/>
+        <p:nvPr/>
+      </p:nvGrpSpPr>
+      <p:grpSpPr>
+        <a:xfrm>
+          <a:off x="0" y="0"/>
+          <a:ext cx="0" cy="0"/>
+          <a:chOff x="0" y="0"/>
+          <a:chExt cx="0" cy="0"/>
+        </a:xfrm>
+      </p:grpSpPr>
+      <p:sp>
+        <p:nvSpPr>
+          <p:cNvPr id="5" name="Segnaposto contenuto 2"/>
+          <p:cNvSpPr>
+            <a:spLocks noGrp="1"/>
+          </p:cNvSpPr>
+          <p:nvPr>
+            <p:ph idx="1"/>
+          </p:nvPr>
+        </p:nvSpPr>
+        <p:spPr>
+          <a:xfrm>
+            <a:off x="671947" y="1850167"/>
+            <a:ext cx="10131425" cy="4557560"/>
+          </a:xfrm>
+        </p:spPr>
+        <p:txBody>
+          <a:bodyPr>
+            <a:normAutofit/>
+          </a:bodyPr>
+          <a:lstStyle/>
+          <a:p>
+            <a:endParaRPr lang="en-GB" sz="4000" dirty="0" smtClean="0">
+              <a:latin typeface="+mj-lt"/>
+            </a:endParaRPr>
+          </a:p>
+          <a:p>
+            <a:endParaRPr lang="en-GB" sz="4000" dirty="0" smtClean="0">
+              <a:latin typeface="+mj-lt"/>
+            </a:endParaRPr>
+          </a:p>
+          <a:p>
+            <a:endParaRPr lang="en-GB" sz="4000" dirty="0">
+              <a:latin typeface="+mj-lt"/>
+            </a:endParaRPr>
+          </a:p>
+        </p:txBody>
+      </p:sp>
+      <p:pic>
+        <p:nvPicPr>
+          <p:cNvPr id="2" name="Immagine 1"/>
+          <p:cNvPicPr>
+            <a:picLocks noChangeAspect="1"/>
+          </p:cNvPicPr>
+          <p:nvPr/>
+        </p:nvPicPr>
+        <p:blipFill>
+          <a:blip r:embed="rId3">
+            <a:alphaModFix amt="50000"/>
+            <a:extLst>
+              <a:ext uri="{28A0092B-C50C-407E-A947-70E740481C1C}">
+                <a14:useLocalDpi xmlns:a14="http://schemas.microsoft.com/office/drawing/2010/main" val="0"/>
+              </a:ext>
+            </a:extLst>
+          </a:blip>
+          <a:stretch>
+            <a:fillRect/>
+          </a:stretch>
+        </p:blipFill>
+        <p:spPr>
+          <a:xfrm>
+            <a:off x="-844117" y="0"/>
+            <a:ext cx="14025600" cy="7012800"/>
+          </a:xfrm>
+          <a:prstGeom prst="rect">
+            <a:avLst/>
+          </a:prstGeom>
+        </p:spPr>
+      </p:pic>
+      <p:sp>
+        <p:nvSpPr>
+          <p:cNvPr id="7" name="Titolo 1"/>
+          <p:cNvSpPr>
+            <a:spLocks noGrp="1"/>
+          </p:cNvSpPr>
+          <p:nvPr>
+            <p:ph type="title"/>
+          </p:nvPr>
+        </p:nvSpPr>
+        <p:spPr>
+          <a:xfrm>
+            <a:off x="387927" y="484909"/>
+            <a:ext cx="10131425" cy="1067385"/>
+          </a:xfrm>
+        </p:spPr>
+        <p:txBody>
+          <a:bodyPr/>
+          <a:lstStyle/>
+          <a:p>
+            <a:pPr marL="742950" marR="0" lvl="0" indent="-742950" defTabSz="914400" eaLnBrk="1" fontAlgn="auto" latinLnBrk="0" hangingPunct="1">
+              <a:lnSpc>
+                <a:spcPct val="100000"/>
+              </a:lnSpc>
+              <a:spcBef>
+                <a:spcPts val="0"/>
+              </a:spcBef>
+              <a:spcAft>
+                <a:spcPts val="0"/>
+              </a:spcAft>
+              <a:buClrTx/>
+              <a:buSzTx/>
+              <a:buFont typeface="+mj-lt"/>
+              <a:buNone/>
+              <a:tabLst/>
+              <a:defRPr/>
+            </a:pPr>
+            <a:r>
+              <a:rPr lang="en-GB" dirty="0" smtClean="0"/>
+              <a:t>3.</a:t>
+            </a:r>
+            <a:r>
+              <a:rPr lang="en-GB" dirty="0" smtClean="0"/>
+              <a:t>	</a:t>
+            </a:r>
+            <a:r>
+              <a:rPr lang="en-GB" sz="4000" dirty="0" smtClean="0"/>
+              <a:t>Smart Contracts</a:t>
+            </a:r>
+            <a:endParaRPr lang="en-GB" sz="4000" dirty="0"/>
+          </a:p>
+        </p:txBody>
+      </p:sp>
+      <p:sp>
+        <p:nvSpPr>
+          <p:cNvPr id="8" name="Segnaposto contenuto 2"/>
+          <p:cNvSpPr txBox="1">
+            <a:spLocks/>
+          </p:cNvSpPr>
+          <p:nvPr/>
+        </p:nvSpPr>
+        <p:spPr>
+          <a:xfrm>
+            <a:off x="824347" y="2002567"/>
+            <a:ext cx="10131425" cy="4557560"/>
+          </a:xfrm>
+          <a:prstGeom prst="rect">
+            <a:avLst/>
+          </a:prstGeom>
+        </p:spPr>
+        <p:txBody>
+          <a:bodyPr vert="horz" lIns="91440" tIns="45720" rIns="91440" bIns="45720" rtlCol="0" anchor="ctr">
+            <a:normAutofit/>
+          </a:bodyPr>
+          <a:lstStyle>
+            <a:lvl1pPr marL="285750" indent="-285750" algn="l" defTabSz="457200" rtl="0" eaLnBrk="1" latinLnBrk="0" hangingPunct="1">
+              <a:spcBef>
+                <a:spcPts val="0"/>
+              </a:spcBef>
+              <a:spcAft>
+                <a:spcPts val="1000"/>
+              </a:spcAft>
+              <a:buClr>
+                <a:schemeClr val="tx1"/>
+              </a:buClr>
+              <a:buSzPct val="100000"/>
+              <a:buFont typeface="Arial"/>
+              <a:buChar char="•"/>
+              <a:defRPr sz="1800" kern="1200" cap="none">
+                <a:solidFill>
+                  <a:schemeClr val="tx1"/>
+                </a:solidFill>
+                <a:effectLst/>
+                <a:latin typeface="+mn-lt"/>
+                <a:ea typeface="+mn-ea"/>
+                <a:cs typeface="+mn-cs"/>
+              </a:defRPr>
+            </a:lvl1pPr>
+            <a:lvl2pPr marL="742950" indent="-285750" algn="l" defTabSz="457200" rtl="0" eaLnBrk="1" latinLnBrk="0" hangingPunct="1">
+              <a:spcBef>
+                <a:spcPts val="0"/>
+              </a:spcBef>
+              <a:spcAft>
+                <a:spcPts val="1000"/>
+              </a:spcAft>
+              <a:buClr>
+                <a:schemeClr val="tx1"/>
+              </a:buClr>
+              <a:buSzPct val="100000"/>
+              <a:buFont typeface="Arial"/>
+              <a:buChar char="•"/>
+              <a:defRPr sz="1600" kern="1200" cap="none">
+                <a:solidFill>
+                  <a:schemeClr val="tx1"/>
+                </a:solidFill>
+                <a:effectLst/>
+                <a:latin typeface="+mn-lt"/>
+                <a:ea typeface="+mn-ea"/>
+                <a:cs typeface="+mn-cs"/>
+              </a:defRPr>
+            </a:lvl2pPr>
+            <a:lvl3pPr marL="1200150" indent="-285750" algn="l" defTabSz="457200" rtl="0" eaLnBrk="1" latinLnBrk="0" hangingPunct="1">
+              <a:spcBef>
+                <a:spcPts val="0"/>
+              </a:spcBef>
+              <a:spcAft>
+                <a:spcPts val="1000"/>
+              </a:spcAft>
+              <a:buClr>
+                <a:schemeClr val="tx1"/>
+              </a:buClr>
+              <a:buSzPct val="100000"/>
+              <a:buFont typeface="Arial"/>
+              <a:buChar char="•"/>
+              <a:defRPr sz="1400" kern="1200" cap="none">
+                <a:solidFill>
+                  <a:schemeClr val="tx1"/>
+                </a:solidFill>
+                <a:effectLst/>
+                <a:latin typeface="+mn-lt"/>
+                <a:ea typeface="+mn-ea"/>
+                <a:cs typeface="+mn-cs"/>
+              </a:defRPr>
+            </a:lvl3pPr>
+            <a:lvl4pPr marL="1543050" indent="-171450" algn="l" defTabSz="457200" rtl="0" eaLnBrk="1" latinLnBrk="0" hangingPunct="1">
+              <a:spcBef>
+                <a:spcPts val="0"/>
+              </a:spcBef>
+              <a:spcAft>
+                <a:spcPts val="1000"/>
+              </a:spcAft>
+              <a:buClr>
+                <a:schemeClr val="tx1"/>
+              </a:buClr>
+              <a:buSzPct val="100000"/>
+              <a:buFont typeface="Arial"/>
+              <a:buChar char="•"/>
+              <a:defRPr sz="1200" kern="1200" cap="none">
+                <a:solidFill>
+                  <a:schemeClr val="tx1"/>
+                </a:solidFill>
+                <a:effectLst/>
+                <a:latin typeface="+mn-lt"/>
+                <a:ea typeface="+mn-ea"/>
+                <a:cs typeface="+mn-cs"/>
+              </a:defRPr>
+            </a:lvl4pPr>
+            <a:lvl5pPr marL="2000250" indent="-171450" algn="l" defTabSz="457200" rtl="0" eaLnBrk="1" latinLnBrk="0" hangingPunct="1">
+              <a:spcBef>
+                <a:spcPts val="0"/>
+              </a:spcBef>
+              <a:spcAft>
+                <a:spcPts val="1000"/>
+              </a:spcAft>
+              <a:buClr>
+                <a:schemeClr val="tx1"/>
+              </a:buClr>
+              <a:buSzPct val="100000"/>
+              <a:buFont typeface="Arial"/>
+              <a:buChar char="•"/>
+              <a:defRPr sz="1200" kern="1200" cap="none">
+                <a:solidFill>
+                  <a:schemeClr val="tx1"/>
+                </a:solidFill>
+                <a:effectLst/>
+                <a:latin typeface="+mn-lt"/>
+                <a:ea typeface="+mn-ea"/>
+                <a:cs typeface="+mn-cs"/>
+              </a:defRPr>
+            </a:lvl5pPr>
+            <a:lvl6pPr marL="2514600" indent="-228600" algn="l" defTabSz="457200" rtl="0" eaLnBrk="1" latinLnBrk="0" hangingPunct="1">
+              <a:spcBef>
+                <a:spcPts val="0"/>
+              </a:spcBef>
+              <a:spcAft>
+                <a:spcPts val="1000"/>
+              </a:spcAft>
+              <a:buClr>
+                <a:schemeClr val="tx1"/>
+              </a:buClr>
+              <a:buSzPct val="100000"/>
+              <a:buFont typeface="Arial"/>
+              <a:buChar char="•"/>
+              <a:defRPr sz="1200" kern="1200" cap="none">
+                <a:solidFill>
+                  <a:schemeClr val="tx1"/>
+                </a:solidFill>
+                <a:effectLst/>
+                <a:latin typeface="+mn-lt"/>
+                <a:ea typeface="+mn-ea"/>
+                <a:cs typeface="+mn-cs"/>
+              </a:defRPr>
+            </a:lvl6pPr>
+            <a:lvl7pPr marL="2971800" indent="-228600" algn="l" defTabSz="457200" rtl="0" eaLnBrk="1" latinLnBrk="0" hangingPunct="1">
+              <a:spcBef>
+                <a:spcPts val="0"/>
+              </a:spcBef>
+              <a:spcAft>
+                <a:spcPts val="1000"/>
+              </a:spcAft>
+              <a:buClr>
+                <a:schemeClr val="tx1"/>
+              </a:buClr>
+              <a:buSzPct val="100000"/>
+              <a:buFont typeface="Arial"/>
+              <a:buChar char="•"/>
+              <a:defRPr sz="1200" kern="1200" cap="none">
+                <a:solidFill>
+                  <a:schemeClr val="tx1"/>
+                </a:solidFill>
+                <a:effectLst/>
+                <a:latin typeface="+mn-lt"/>
+                <a:ea typeface="+mn-ea"/>
+                <a:cs typeface="+mn-cs"/>
+              </a:defRPr>
+            </a:lvl7pPr>
+            <a:lvl8pPr marL="3429000" indent="-228600" algn="l" defTabSz="457200" rtl="0" eaLnBrk="1" latinLnBrk="0" hangingPunct="1">
+              <a:spcBef>
+                <a:spcPts val="0"/>
+              </a:spcBef>
+              <a:spcAft>
+                <a:spcPts val="1000"/>
+              </a:spcAft>
+              <a:buClr>
+                <a:schemeClr val="tx1"/>
+              </a:buClr>
+              <a:buSzPct val="100000"/>
+              <a:buFont typeface="Arial"/>
+              <a:buChar char="•"/>
+              <a:defRPr sz="1200" kern="1200" cap="none">
+                <a:solidFill>
+                  <a:schemeClr val="tx1"/>
+                </a:solidFill>
+                <a:effectLst/>
+                <a:latin typeface="+mn-lt"/>
+                <a:ea typeface="+mn-ea"/>
+                <a:cs typeface="+mn-cs"/>
+              </a:defRPr>
+            </a:lvl8pPr>
+            <a:lvl9pPr marL="3886200" indent="-228600" algn="l" defTabSz="457200" rtl="0" eaLnBrk="1" latinLnBrk="0" hangingPunct="1">
+              <a:spcBef>
+                <a:spcPts val="0"/>
+              </a:spcBef>
+              <a:spcAft>
+                <a:spcPts val="1000"/>
+              </a:spcAft>
+              <a:buClr>
+                <a:schemeClr val="tx1"/>
+              </a:buClr>
+              <a:buSzPct val="100000"/>
+              <a:buFont typeface="Arial"/>
+              <a:buChar char="•"/>
+              <a:defRPr sz="1200" kern="1200" cap="none">
+                <a:solidFill>
+                  <a:schemeClr val="tx1"/>
+                </a:solidFill>
+                <a:effectLst/>
+                <a:latin typeface="+mn-lt"/>
+                <a:ea typeface="+mn-ea"/>
+                <a:cs typeface="+mn-cs"/>
+              </a:defRPr>
+            </a:lvl9pPr>
+          </a:lstStyle>
+          <a:p>
+            <a:r>
+              <a:rPr lang="en-GB" sz="4000" dirty="0" smtClean="0">
+                <a:latin typeface="+mj-lt"/>
+              </a:rPr>
+              <a:t>What is a Smart Contract?</a:t>
+            </a:r>
+          </a:p>
+          <a:p>
+            <a:r>
+              <a:rPr lang="en-GB" sz="4000" dirty="0" smtClean="0">
+                <a:latin typeface="+mj-lt"/>
+              </a:rPr>
+              <a:t>Framework </a:t>
+            </a:r>
+            <a:r>
+              <a:rPr lang="en-GB" sz="4000" dirty="0" err="1" smtClean="0">
+                <a:latin typeface="+mj-lt"/>
+              </a:rPr>
+              <a:t>Ethereum</a:t>
+            </a:r>
+            <a:r>
+              <a:rPr lang="en-GB" sz="4000" dirty="0" smtClean="0">
+                <a:latin typeface="+mj-lt"/>
+              </a:rPr>
+              <a:t> </a:t>
+            </a:r>
+          </a:p>
+          <a:p>
+            <a:r>
+              <a:rPr lang="en-GB" sz="4000" dirty="0" smtClean="0">
+                <a:latin typeface="+mj-lt"/>
+              </a:rPr>
+              <a:t>Distributed shared Ledger</a:t>
+            </a:r>
+          </a:p>
+          <a:p>
+            <a:endParaRPr lang="en-GB" sz="4000" dirty="0" smtClean="0">
+              <a:latin typeface="+mj-lt"/>
+            </a:endParaRPr>
+          </a:p>
+          <a:p>
+            <a:endParaRPr lang="en-GB" sz="4000" dirty="0" smtClean="0">
+              <a:latin typeface="+mj-lt"/>
+            </a:endParaRPr>
+          </a:p>
+          <a:p>
+            <a:endParaRPr lang="en-GB" sz="4000" dirty="0">
+              <a:latin typeface="+mj-lt"/>
+            </a:endParaRPr>
+          </a:p>
+        </p:txBody>
+      </p:sp>
+    </p:spTree>
+    <p:extLst>
+      <p:ext uri="{BB962C8B-B14F-4D97-AF65-F5344CB8AC3E}">
+        <p14:creationId xmlns:p14="http://schemas.microsoft.com/office/powerpoint/2010/main" val="1848682420"/>
+      </p:ext>
+    </p:extLst>
+  </p:cSld>
+  <p:clrMapOvr>
+    <a:masterClrMapping/>
+  </p:clrMapOvr>
+  <mc:AlternateContent xmlns:mc="http://schemas.openxmlformats.org/markup-compatibility/2006">
+    <mc:Choice xmlns:p14="http://schemas.microsoft.com/office/powerpoint/2010/main" Requires="p14">
+      <p:transition spd="med" p14:dur="700">
+        <p:fade/>
+      </p:transition>
+    </mc:Choice>
+    <mc:Fallback>
+      <p:transition spd="med">
+        <p:fade/>
+      </p:transition>
+    </mc:Fallback>
+  </mc:AlternateContent>
+  <p:timing>
+    <p:tnLst>
+      <p:par>
+        <p:cTn id="1" dur="indefinite" restart="never" nodeType="tmRoot"/>
+      </p:par>
+    </p:tnLst>
+  </p:timing>
+</p:sld>
+</file>
+
+<file path=ppt/slides/slide18.xml><?xml version="1.0" encoding="utf-8"?>
+<p:sld xmlns:a="http://schemas.openxmlformats.org/drawingml/2006/main" xmlns:r="http://schemas.openxmlformats.org/officeDocument/2006/relationships" xmlns:p="http://schemas.openxmlformats.org/presentationml/2006/main">
+  <p:cSld>
+    <p:spTree>
+      <p:nvGrpSpPr>
+        <p:cNvPr id="1" name=""/>
+        <p:cNvGrpSpPr/>
+        <p:nvPr/>
+      </p:nvGrpSpPr>
+      <p:grpSpPr>
+        <a:xfrm>
+          <a:off x="0" y="0"/>
+          <a:ext cx="0" cy="0"/>
+          <a:chOff x="0" y="0"/>
+          <a:chExt cx="0" cy="0"/>
+        </a:xfrm>
+      </p:grpSpPr>
+      <p:sp>
+        <p:nvSpPr>
+          <p:cNvPr id="5" name="Segnaposto contenuto 2"/>
+          <p:cNvSpPr>
+            <a:spLocks noGrp="1"/>
+          </p:cNvSpPr>
+          <p:nvPr>
+            <p:ph idx="1"/>
+          </p:nvPr>
+        </p:nvSpPr>
+        <p:spPr>
+          <a:xfrm>
+            <a:off x="671947" y="1850167"/>
+            <a:ext cx="10131425" cy="4557560"/>
+          </a:xfrm>
+        </p:spPr>
+        <p:txBody>
+          <a:bodyPr>
+            <a:normAutofit/>
+          </a:bodyPr>
+          <a:lstStyle/>
+          <a:p>
+            <a:endParaRPr lang="en-GB" sz="4000" dirty="0" smtClean="0">
+              <a:latin typeface="+mj-lt"/>
+            </a:endParaRPr>
+          </a:p>
+          <a:p>
+            <a:endParaRPr lang="en-GB" sz="4000" dirty="0" smtClean="0">
+              <a:latin typeface="+mj-lt"/>
+            </a:endParaRPr>
+          </a:p>
+          <a:p>
+            <a:endParaRPr lang="en-GB" sz="4000" dirty="0">
+              <a:latin typeface="+mj-lt"/>
+            </a:endParaRPr>
+          </a:p>
+        </p:txBody>
+      </p:sp>
+      <p:pic>
+        <p:nvPicPr>
+          <p:cNvPr id="2" name="Immagine 1"/>
+          <p:cNvPicPr>
+            <a:picLocks noChangeAspect="1"/>
+          </p:cNvPicPr>
+          <p:nvPr/>
+        </p:nvPicPr>
+        <p:blipFill>
+          <a:blip r:embed="rId3">
+            <a:alphaModFix amt="50000"/>
+            <a:extLst>
+              <a:ext uri="{28A0092B-C50C-407E-A947-70E740481C1C}">
+                <a14:useLocalDpi xmlns:a14="http://schemas.microsoft.com/office/drawing/2010/main" val="0"/>
+              </a:ext>
+            </a:extLst>
+          </a:blip>
+          <a:stretch>
+            <a:fillRect/>
+          </a:stretch>
+        </p:blipFill>
+        <p:spPr>
+          <a:xfrm>
+            <a:off x="-844117" y="0"/>
+            <a:ext cx="14025600" cy="7012800"/>
+          </a:xfrm>
+          <a:prstGeom prst="rect">
+            <a:avLst/>
+          </a:prstGeom>
+        </p:spPr>
+      </p:pic>
+      <p:sp>
+        <p:nvSpPr>
+          <p:cNvPr id="7" name="Titolo 1"/>
+          <p:cNvSpPr>
+            <a:spLocks noGrp="1"/>
+          </p:cNvSpPr>
+          <p:nvPr>
+            <p:ph type="title"/>
+          </p:nvPr>
+        </p:nvSpPr>
+        <p:spPr>
+          <a:xfrm>
+            <a:off x="387927" y="484909"/>
+            <a:ext cx="10131425" cy="1067385"/>
+          </a:xfrm>
+        </p:spPr>
+        <p:txBody>
+          <a:bodyPr/>
+          <a:lstStyle/>
+          <a:p>
+            <a:pPr marL="742950" marR="0" lvl="0" indent="-742950" defTabSz="914400" eaLnBrk="1" fontAlgn="auto" latinLnBrk="0" hangingPunct="1">
+              <a:lnSpc>
+                <a:spcPct val="100000"/>
+              </a:lnSpc>
+              <a:spcBef>
+                <a:spcPts val="0"/>
+              </a:spcBef>
+              <a:spcAft>
+                <a:spcPts val="0"/>
+              </a:spcAft>
+              <a:buClrTx/>
+              <a:buSzTx/>
+              <a:buFont typeface="+mj-lt"/>
+              <a:buNone/>
+              <a:tabLst/>
+              <a:defRPr/>
+            </a:pPr>
+            <a:r>
+              <a:rPr lang="en-GB" dirty="0" smtClean="0"/>
+              <a:t>3.</a:t>
+            </a:r>
+            <a:r>
+              <a:rPr lang="en-GB" dirty="0" smtClean="0"/>
+              <a:t>	</a:t>
+            </a:r>
+            <a:r>
+              <a:rPr lang="en-GB" sz="4000" dirty="0" smtClean="0"/>
+              <a:t>Smart Contracts</a:t>
+            </a:r>
+            <a:endParaRPr lang="en-GB" sz="4000" dirty="0"/>
+          </a:p>
+        </p:txBody>
+      </p:sp>
+      <p:sp>
+        <p:nvSpPr>
+          <p:cNvPr id="8" name="Segnaposto contenuto 2"/>
+          <p:cNvSpPr txBox="1">
+            <a:spLocks/>
+          </p:cNvSpPr>
+          <p:nvPr/>
+        </p:nvSpPr>
+        <p:spPr>
+          <a:xfrm>
+            <a:off x="824347" y="2002567"/>
+            <a:ext cx="10131425" cy="4557560"/>
+          </a:xfrm>
+          <a:prstGeom prst="rect">
+            <a:avLst/>
+          </a:prstGeom>
+        </p:spPr>
+        <p:txBody>
+          <a:bodyPr vert="horz" lIns="91440" tIns="45720" rIns="91440" bIns="45720" rtlCol="0" anchor="ctr">
+            <a:normAutofit/>
+          </a:bodyPr>
+          <a:lstStyle>
+            <a:lvl1pPr marL="285750" indent="-285750" algn="l" defTabSz="457200" rtl="0" eaLnBrk="1" latinLnBrk="0" hangingPunct="1">
+              <a:spcBef>
+                <a:spcPts val="0"/>
+              </a:spcBef>
+              <a:spcAft>
+                <a:spcPts val="1000"/>
+              </a:spcAft>
+              <a:buClr>
+                <a:schemeClr val="tx1"/>
+              </a:buClr>
+              <a:buSzPct val="100000"/>
+              <a:buFont typeface="Arial"/>
+              <a:buChar char="•"/>
+              <a:defRPr sz="1800" kern="1200" cap="none">
+                <a:solidFill>
+                  <a:schemeClr val="tx1"/>
+                </a:solidFill>
+                <a:effectLst/>
+                <a:latin typeface="+mn-lt"/>
+                <a:ea typeface="+mn-ea"/>
+                <a:cs typeface="+mn-cs"/>
+              </a:defRPr>
+            </a:lvl1pPr>
+            <a:lvl2pPr marL="742950" indent="-285750" algn="l" defTabSz="457200" rtl="0" eaLnBrk="1" latinLnBrk="0" hangingPunct="1">
+              <a:spcBef>
+                <a:spcPts val="0"/>
+              </a:spcBef>
+              <a:spcAft>
+                <a:spcPts val="1000"/>
+              </a:spcAft>
+              <a:buClr>
+                <a:schemeClr val="tx1"/>
+              </a:buClr>
+              <a:buSzPct val="100000"/>
+              <a:buFont typeface="Arial"/>
+              <a:buChar char="•"/>
+              <a:defRPr sz="1600" kern="1200" cap="none">
+                <a:solidFill>
+                  <a:schemeClr val="tx1"/>
+                </a:solidFill>
+                <a:effectLst/>
+                <a:latin typeface="+mn-lt"/>
+                <a:ea typeface="+mn-ea"/>
+                <a:cs typeface="+mn-cs"/>
+              </a:defRPr>
+            </a:lvl2pPr>
+            <a:lvl3pPr marL="1200150" indent="-285750" algn="l" defTabSz="457200" rtl="0" eaLnBrk="1" latinLnBrk="0" hangingPunct="1">
+              <a:spcBef>
+                <a:spcPts val="0"/>
+              </a:spcBef>
+              <a:spcAft>
+                <a:spcPts val="1000"/>
+              </a:spcAft>
+              <a:buClr>
+                <a:schemeClr val="tx1"/>
+              </a:buClr>
+              <a:buSzPct val="100000"/>
+              <a:buFont typeface="Arial"/>
+              <a:buChar char="•"/>
+              <a:defRPr sz="1400" kern="1200" cap="none">
+                <a:solidFill>
+                  <a:schemeClr val="tx1"/>
+                </a:solidFill>
+                <a:effectLst/>
+                <a:latin typeface="+mn-lt"/>
+                <a:ea typeface="+mn-ea"/>
+                <a:cs typeface="+mn-cs"/>
+              </a:defRPr>
+            </a:lvl3pPr>
+            <a:lvl4pPr marL="1543050" indent="-171450" algn="l" defTabSz="457200" rtl="0" eaLnBrk="1" latinLnBrk="0" hangingPunct="1">
+              <a:spcBef>
+                <a:spcPts val="0"/>
+              </a:spcBef>
+              <a:spcAft>
+                <a:spcPts val="1000"/>
+              </a:spcAft>
+              <a:buClr>
+                <a:schemeClr val="tx1"/>
+              </a:buClr>
+              <a:buSzPct val="100000"/>
+              <a:buFont typeface="Arial"/>
+              <a:buChar char="•"/>
+              <a:defRPr sz="1200" kern="1200" cap="none">
+                <a:solidFill>
+                  <a:schemeClr val="tx1"/>
+                </a:solidFill>
+                <a:effectLst/>
+                <a:latin typeface="+mn-lt"/>
+                <a:ea typeface="+mn-ea"/>
+                <a:cs typeface="+mn-cs"/>
+              </a:defRPr>
+            </a:lvl4pPr>
+            <a:lvl5pPr marL="2000250" indent="-171450" algn="l" defTabSz="457200" rtl="0" eaLnBrk="1" latinLnBrk="0" hangingPunct="1">
+              <a:spcBef>
+                <a:spcPts val="0"/>
+              </a:spcBef>
+              <a:spcAft>
+                <a:spcPts val="1000"/>
+              </a:spcAft>
+              <a:buClr>
+                <a:schemeClr val="tx1"/>
+              </a:buClr>
+              <a:buSzPct val="100000"/>
+              <a:buFont typeface="Arial"/>
+              <a:buChar char="•"/>
+              <a:defRPr sz="1200" kern="1200" cap="none">
+                <a:solidFill>
+                  <a:schemeClr val="tx1"/>
+                </a:solidFill>
+                <a:effectLst/>
+                <a:latin typeface="+mn-lt"/>
+                <a:ea typeface="+mn-ea"/>
+                <a:cs typeface="+mn-cs"/>
+              </a:defRPr>
+            </a:lvl5pPr>
+            <a:lvl6pPr marL="2514600" indent="-228600" algn="l" defTabSz="457200" rtl="0" eaLnBrk="1" latinLnBrk="0" hangingPunct="1">
+              <a:spcBef>
+                <a:spcPts val="0"/>
+              </a:spcBef>
+              <a:spcAft>
+                <a:spcPts val="1000"/>
+              </a:spcAft>
+              <a:buClr>
+                <a:schemeClr val="tx1"/>
+              </a:buClr>
+              <a:buSzPct val="100000"/>
+              <a:buFont typeface="Arial"/>
+              <a:buChar char="•"/>
+              <a:defRPr sz="1200" kern="1200" cap="none">
+                <a:solidFill>
+                  <a:schemeClr val="tx1"/>
+                </a:solidFill>
+                <a:effectLst/>
+                <a:latin typeface="+mn-lt"/>
+                <a:ea typeface="+mn-ea"/>
+                <a:cs typeface="+mn-cs"/>
+              </a:defRPr>
+            </a:lvl6pPr>
+            <a:lvl7pPr marL="2971800" indent="-228600" algn="l" defTabSz="457200" rtl="0" eaLnBrk="1" latinLnBrk="0" hangingPunct="1">
+              <a:spcBef>
+                <a:spcPts val="0"/>
+              </a:spcBef>
+              <a:spcAft>
+                <a:spcPts val="1000"/>
+              </a:spcAft>
+              <a:buClr>
+                <a:schemeClr val="tx1"/>
+              </a:buClr>
+              <a:buSzPct val="100000"/>
+              <a:buFont typeface="Arial"/>
+              <a:buChar char="•"/>
+              <a:defRPr sz="1200" kern="1200" cap="none">
+                <a:solidFill>
+                  <a:schemeClr val="tx1"/>
+                </a:solidFill>
+                <a:effectLst/>
+                <a:latin typeface="+mn-lt"/>
+                <a:ea typeface="+mn-ea"/>
+                <a:cs typeface="+mn-cs"/>
+              </a:defRPr>
+            </a:lvl7pPr>
+            <a:lvl8pPr marL="3429000" indent="-228600" algn="l" defTabSz="457200" rtl="0" eaLnBrk="1" latinLnBrk="0" hangingPunct="1">
+              <a:spcBef>
+                <a:spcPts val="0"/>
+              </a:spcBef>
+              <a:spcAft>
+                <a:spcPts val="1000"/>
+              </a:spcAft>
+              <a:buClr>
+                <a:schemeClr val="tx1"/>
+              </a:buClr>
+              <a:buSzPct val="100000"/>
+              <a:buFont typeface="Arial"/>
+              <a:buChar char="•"/>
+              <a:defRPr sz="1200" kern="1200" cap="none">
+                <a:solidFill>
+                  <a:schemeClr val="tx1"/>
+                </a:solidFill>
+                <a:effectLst/>
+                <a:latin typeface="+mn-lt"/>
+                <a:ea typeface="+mn-ea"/>
+                <a:cs typeface="+mn-cs"/>
+              </a:defRPr>
+            </a:lvl8pPr>
+            <a:lvl9pPr marL="3886200" indent="-228600" algn="l" defTabSz="457200" rtl="0" eaLnBrk="1" latinLnBrk="0" hangingPunct="1">
+              <a:spcBef>
+                <a:spcPts val="0"/>
+              </a:spcBef>
+              <a:spcAft>
+                <a:spcPts val="1000"/>
+              </a:spcAft>
+              <a:buClr>
+                <a:schemeClr val="tx1"/>
+              </a:buClr>
+              <a:buSzPct val="100000"/>
+              <a:buFont typeface="Arial"/>
+              <a:buChar char="•"/>
+              <a:defRPr sz="1200" kern="1200" cap="none">
+                <a:solidFill>
+                  <a:schemeClr val="tx1"/>
+                </a:solidFill>
+                <a:effectLst/>
+                <a:latin typeface="+mn-lt"/>
+                <a:ea typeface="+mn-ea"/>
+                <a:cs typeface="+mn-cs"/>
+              </a:defRPr>
+            </a:lvl9pPr>
+          </a:lstStyle>
+          <a:p>
+            <a:r>
+              <a:rPr lang="en-GB" sz="4000" dirty="0" smtClean="0">
+                <a:latin typeface="+mj-lt"/>
+              </a:rPr>
+              <a:t>What is a Smart Contract?</a:t>
+            </a:r>
+          </a:p>
+          <a:p>
+            <a:r>
+              <a:rPr lang="en-GB" sz="4000" dirty="0" smtClean="0">
+                <a:latin typeface="+mj-lt"/>
+              </a:rPr>
+              <a:t>Framework </a:t>
+            </a:r>
+            <a:r>
+              <a:rPr lang="en-GB" sz="4000" dirty="0" err="1" smtClean="0">
+                <a:latin typeface="+mj-lt"/>
+              </a:rPr>
+              <a:t>Ethereum</a:t>
+            </a:r>
+            <a:r>
+              <a:rPr lang="en-GB" sz="4000" dirty="0" smtClean="0">
+                <a:latin typeface="+mj-lt"/>
+              </a:rPr>
+              <a:t> </a:t>
+            </a:r>
+          </a:p>
+          <a:p>
+            <a:r>
+              <a:rPr lang="en-GB" sz="4000" dirty="0" smtClean="0">
+                <a:latin typeface="+mj-lt"/>
+              </a:rPr>
+              <a:t>Distributed shared Ledger</a:t>
+            </a:r>
+          </a:p>
+          <a:p>
+            <a:endParaRPr lang="en-GB" sz="4000" dirty="0" smtClean="0">
+              <a:latin typeface="+mj-lt"/>
+            </a:endParaRPr>
+          </a:p>
+          <a:p>
+            <a:endParaRPr lang="en-GB" sz="4000" dirty="0" smtClean="0">
+              <a:latin typeface="+mj-lt"/>
+            </a:endParaRPr>
+          </a:p>
+          <a:p>
+            <a:endParaRPr lang="en-GB" sz="4000" dirty="0">
+              <a:latin typeface="+mj-lt"/>
+            </a:endParaRPr>
+          </a:p>
+        </p:txBody>
+      </p:sp>
+    </p:spTree>
+    <p:extLst>
+      <p:ext uri="{BB962C8B-B14F-4D97-AF65-F5344CB8AC3E}">
+        <p14:creationId xmlns:p14="http://schemas.microsoft.com/office/powerpoint/2010/main" val="1086531968"/>
+      </p:ext>
+    </p:extLst>
+  </p:cSld>
+  <p:clrMapOvr>
+    <a:masterClrMapping/>
+  </p:clrMapOvr>
+  <mc:AlternateContent xmlns:mc="http://schemas.openxmlformats.org/markup-compatibility/2006">
+    <mc:Choice xmlns:p14="http://schemas.microsoft.com/office/powerpoint/2010/main" Requires="p14">
+      <p:transition spd="med" p14:dur="700">
+        <p:fade/>
+      </p:transition>
+    </mc:Choice>
+    <mc:Fallback>
+      <p:transition spd="med">
+        <p:fade/>
+      </p:transition>
+    </mc:Fallback>
+  </mc:AlternateContent>
+  <p:timing>
+    <p:tnLst>
+      <p:par>
+        <p:cTn id="1" dur="indefinite" restart="never" nodeType="tmRoot"/>
+      </p:par>
+    </p:tnLst>
+  </p:timing>
+</p:sld>
+</file>
+
+<file path=ppt/slides/slide19.xml><?xml version="1.0" encoding="utf-8"?>
+<p:sld xmlns:a="http://schemas.openxmlformats.org/drawingml/2006/main" xmlns:r="http://schemas.openxmlformats.org/officeDocument/2006/relationships" xmlns:p="http://schemas.openxmlformats.org/presentationml/2006/main">
+  <p:cSld>
+    <p:spTree>
+      <p:nvGrpSpPr>
+        <p:cNvPr id="1" name=""/>
+        <p:cNvGrpSpPr/>
+        <p:nvPr/>
+      </p:nvGrpSpPr>
+      <p:grpSpPr>
+        <a:xfrm>
+          <a:off x="0" y="0"/>
+          <a:ext cx="0" cy="0"/>
+          <a:chOff x="0" y="0"/>
+          <a:chExt cx="0" cy="0"/>
+        </a:xfrm>
+      </p:grpSpPr>
+      <p:sp>
+        <p:nvSpPr>
+          <p:cNvPr id="5" name="Segnaposto contenuto 2"/>
+          <p:cNvSpPr>
+            <a:spLocks noGrp="1"/>
+          </p:cNvSpPr>
+          <p:nvPr>
+            <p:ph idx="1"/>
+          </p:nvPr>
+        </p:nvSpPr>
+        <p:spPr>
+          <a:xfrm>
+            <a:off x="671947" y="1850167"/>
+            <a:ext cx="10131425" cy="4557560"/>
+          </a:xfrm>
+        </p:spPr>
+        <p:txBody>
+          <a:bodyPr>
+            <a:normAutofit/>
+          </a:bodyPr>
+          <a:lstStyle/>
+          <a:p>
+            <a:endParaRPr lang="en-GB" sz="4000" dirty="0" smtClean="0">
+              <a:latin typeface="+mj-lt"/>
+            </a:endParaRPr>
+          </a:p>
+          <a:p>
+            <a:endParaRPr lang="en-GB" sz="4000" dirty="0" smtClean="0">
+              <a:latin typeface="+mj-lt"/>
+            </a:endParaRPr>
+          </a:p>
+          <a:p>
+            <a:endParaRPr lang="en-GB" sz="4000" dirty="0">
+              <a:latin typeface="+mj-lt"/>
+            </a:endParaRPr>
+          </a:p>
+        </p:txBody>
+      </p:sp>
+      <p:pic>
+        <p:nvPicPr>
+          <p:cNvPr id="2" name="Immagine 1"/>
+          <p:cNvPicPr>
+            <a:picLocks noChangeAspect="1"/>
+          </p:cNvPicPr>
+          <p:nvPr/>
+        </p:nvPicPr>
+        <p:blipFill>
+          <a:blip r:embed="rId3">
+            <a:alphaModFix amt="50000"/>
+            <a:extLst>
+              <a:ext uri="{28A0092B-C50C-407E-A947-70E740481C1C}">
+                <a14:useLocalDpi xmlns:a14="http://schemas.microsoft.com/office/drawing/2010/main" val="0"/>
+              </a:ext>
+            </a:extLst>
+          </a:blip>
+          <a:stretch>
+            <a:fillRect/>
+          </a:stretch>
+        </p:blipFill>
+        <p:spPr>
+          <a:xfrm>
+            <a:off x="-844117" y="0"/>
+            <a:ext cx="14025600" cy="7012800"/>
+          </a:xfrm>
+          <a:prstGeom prst="rect">
+            <a:avLst/>
+          </a:prstGeom>
+        </p:spPr>
+      </p:pic>
+      <p:sp>
+        <p:nvSpPr>
+          <p:cNvPr id="7" name="Titolo 1"/>
+          <p:cNvSpPr>
+            <a:spLocks noGrp="1"/>
+          </p:cNvSpPr>
+          <p:nvPr>
+            <p:ph type="title"/>
+          </p:nvPr>
+        </p:nvSpPr>
+        <p:spPr>
+          <a:xfrm>
+            <a:off x="387927" y="484909"/>
+            <a:ext cx="10131425" cy="1067385"/>
+          </a:xfrm>
+        </p:spPr>
+        <p:txBody>
+          <a:bodyPr/>
+          <a:lstStyle/>
+          <a:p>
+            <a:pPr marL="742950" marR="0" lvl="0" indent="-742950" defTabSz="914400" eaLnBrk="1" fontAlgn="auto" latinLnBrk="0" hangingPunct="1">
+              <a:lnSpc>
+                <a:spcPct val="100000"/>
+              </a:lnSpc>
+              <a:spcBef>
+                <a:spcPts val="0"/>
+              </a:spcBef>
+              <a:spcAft>
+                <a:spcPts val="0"/>
+              </a:spcAft>
+              <a:buClrTx/>
+              <a:buSzTx/>
+              <a:buFont typeface="+mj-lt"/>
+              <a:buNone/>
+              <a:tabLst/>
+              <a:defRPr/>
+            </a:pPr>
+            <a:r>
+              <a:rPr lang="en-GB" dirty="0" smtClean="0"/>
+              <a:t>3.</a:t>
+            </a:r>
+            <a:r>
+              <a:rPr lang="en-GB" dirty="0" smtClean="0"/>
+              <a:t>	</a:t>
+            </a:r>
+            <a:r>
+              <a:rPr lang="en-GB" sz="4000" dirty="0" smtClean="0"/>
+              <a:t>Smart Contracts</a:t>
+            </a:r>
+            <a:endParaRPr lang="en-GB" sz="4000" dirty="0"/>
+          </a:p>
+        </p:txBody>
+      </p:sp>
+      <p:sp>
+        <p:nvSpPr>
+          <p:cNvPr id="8" name="Segnaposto contenuto 2"/>
+          <p:cNvSpPr txBox="1">
+            <a:spLocks/>
+          </p:cNvSpPr>
+          <p:nvPr/>
+        </p:nvSpPr>
+        <p:spPr>
+          <a:xfrm>
+            <a:off x="824347" y="2002567"/>
+            <a:ext cx="10131425" cy="4557560"/>
+          </a:xfrm>
+          <a:prstGeom prst="rect">
+            <a:avLst/>
+          </a:prstGeom>
+        </p:spPr>
+        <p:txBody>
+          <a:bodyPr vert="horz" lIns="91440" tIns="45720" rIns="91440" bIns="45720" rtlCol="0" anchor="ctr">
+            <a:normAutofit/>
+          </a:bodyPr>
+          <a:lstStyle>
+            <a:lvl1pPr marL="285750" indent="-285750" algn="l" defTabSz="457200" rtl="0" eaLnBrk="1" latinLnBrk="0" hangingPunct="1">
+              <a:spcBef>
+                <a:spcPts val="0"/>
+              </a:spcBef>
+              <a:spcAft>
+                <a:spcPts val="1000"/>
+              </a:spcAft>
+              <a:buClr>
+                <a:schemeClr val="tx1"/>
+              </a:buClr>
+              <a:buSzPct val="100000"/>
+              <a:buFont typeface="Arial"/>
+              <a:buChar char="•"/>
+              <a:defRPr sz="1800" kern="1200" cap="none">
+                <a:solidFill>
+                  <a:schemeClr val="tx1"/>
+                </a:solidFill>
+                <a:effectLst/>
+                <a:latin typeface="+mn-lt"/>
+                <a:ea typeface="+mn-ea"/>
+                <a:cs typeface="+mn-cs"/>
+              </a:defRPr>
+            </a:lvl1pPr>
+            <a:lvl2pPr marL="742950" indent="-285750" algn="l" defTabSz="457200" rtl="0" eaLnBrk="1" latinLnBrk="0" hangingPunct="1">
+              <a:spcBef>
+                <a:spcPts val="0"/>
+              </a:spcBef>
+              <a:spcAft>
+                <a:spcPts val="1000"/>
+              </a:spcAft>
+              <a:buClr>
+                <a:schemeClr val="tx1"/>
+              </a:buClr>
+              <a:buSzPct val="100000"/>
+              <a:buFont typeface="Arial"/>
+              <a:buChar char="•"/>
+              <a:defRPr sz="1600" kern="1200" cap="none">
+                <a:solidFill>
+                  <a:schemeClr val="tx1"/>
+                </a:solidFill>
+                <a:effectLst/>
+                <a:latin typeface="+mn-lt"/>
+                <a:ea typeface="+mn-ea"/>
+                <a:cs typeface="+mn-cs"/>
+              </a:defRPr>
+            </a:lvl2pPr>
+            <a:lvl3pPr marL="1200150" indent="-285750" algn="l" defTabSz="457200" rtl="0" eaLnBrk="1" latinLnBrk="0" hangingPunct="1">
+              <a:spcBef>
+                <a:spcPts val="0"/>
+              </a:spcBef>
+              <a:spcAft>
+                <a:spcPts val="1000"/>
+              </a:spcAft>
+              <a:buClr>
+                <a:schemeClr val="tx1"/>
+              </a:buClr>
+              <a:buSzPct val="100000"/>
+              <a:buFont typeface="Arial"/>
+              <a:buChar char="•"/>
+              <a:defRPr sz="1400" kern="1200" cap="none">
+                <a:solidFill>
+                  <a:schemeClr val="tx1"/>
+                </a:solidFill>
+                <a:effectLst/>
+                <a:latin typeface="+mn-lt"/>
+                <a:ea typeface="+mn-ea"/>
+                <a:cs typeface="+mn-cs"/>
+              </a:defRPr>
+            </a:lvl3pPr>
+            <a:lvl4pPr marL="1543050" indent="-171450" algn="l" defTabSz="457200" rtl="0" eaLnBrk="1" latinLnBrk="0" hangingPunct="1">
+              <a:spcBef>
+                <a:spcPts val="0"/>
+              </a:spcBef>
+              <a:spcAft>
+                <a:spcPts val="1000"/>
+              </a:spcAft>
+              <a:buClr>
+                <a:schemeClr val="tx1"/>
+              </a:buClr>
+              <a:buSzPct val="100000"/>
+              <a:buFont typeface="Arial"/>
+              <a:buChar char="•"/>
+              <a:defRPr sz="1200" kern="1200" cap="none">
+                <a:solidFill>
+                  <a:schemeClr val="tx1"/>
+                </a:solidFill>
+                <a:effectLst/>
+                <a:latin typeface="+mn-lt"/>
+                <a:ea typeface="+mn-ea"/>
+                <a:cs typeface="+mn-cs"/>
+              </a:defRPr>
+            </a:lvl4pPr>
+            <a:lvl5pPr marL="2000250" indent="-171450" algn="l" defTabSz="457200" rtl="0" eaLnBrk="1" latinLnBrk="0" hangingPunct="1">
+              <a:spcBef>
+                <a:spcPts val="0"/>
+              </a:spcBef>
+              <a:spcAft>
+                <a:spcPts val="1000"/>
+              </a:spcAft>
+              <a:buClr>
+                <a:schemeClr val="tx1"/>
+              </a:buClr>
+              <a:buSzPct val="100000"/>
+              <a:buFont typeface="Arial"/>
+              <a:buChar char="•"/>
+              <a:defRPr sz="1200" kern="1200" cap="none">
+                <a:solidFill>
+                  <a:schemeClr val="tx1"/>
+                </a:solidFill>
+                <a:effectLst/>
+                <a:latin typeface="+mn-lt"/>
+                <a:ea typeface="+mn-ea"/>
+                <a:cs typeface="+mn-cs"/>
+              </a:defRPr>
+            </a:lvl5pPr>
+            <a:lvl6pPr marL="2514600" indent="-228600" algn="l" defTabSz="457200" rtl="0" eaLnBrk="1" latinLnBrk="0" hangingPunct="1">
+              <a:spcBef>
+                <a:spcPts val="0"/>
+              </a:spcBef>
+              <a:spcAft>
+                <a:spcPts val="1000"/>
+              </a:spcAft>
+              <a:buClr>
+                <a:schemeClr val="tx1"/>
+              </a:buClr>
+              <a:buSzPct val="100000"/>
+              <a:buFont typeface="Arial"/>
+              <a:buChar char="•"/>
+              <a:defRPr sz="1200" kern="1200" cap="none">
+                <a:solidFill>
+                  <a:schemeClr val="tx1"/>
+                </a:solidFill>
+                <a:effectLst/>
+                <a:latin typeface="+mn-lt"/>
+                <a:ea typeface="+mn-ea"/>
+                <a:cs typeface="+mn-cs"/>
+              </a:defRPr>
+            </a:lvl6pPr>
+            <a:lvl7pPr marL="2971800" indent="-228600" algn="l" defTabSz="457200" rtl="0" eaLnBrk="1" latinLnBrk="0" hangingPunct="1">
+              <a:spcBef>
+                <a:spcPts val="0"/>
+              </a:spcBef>
+              <a:spcAft>
+                <a:spcPts val="1000"/>
+              </a:spcAft>
+              <a:buClr>
+                <a:schemeClr val="tx1"/>
+              </a:buClr>
+              <a:buSzPct val="100000"/>
+              <a:buFont typeface="Arial"/>
+              <a:buChar char="•"/>
+              <a:defRPr sz="1200" kern="1200" cap="none">
+                <a:solidFill>
+                  <a:schemeClr val="tx1"/>
+                </a:solidFill>
+                <a:effectLst/>
+                <a:latin typeface="+mn-lt"/>
+                <a:ea typeface="+mn-ea"/>
+                <a:cs typeface="+mn-cs"/>
+              </a:defRPr>
+            </a:lvl7pPr>
+            <a:lvl8pPr marL="3429000" indent="-228600" algn="l" defTabSz="457200" rtl="0" eaLnBrk="1" latinLnBrk="0" hangingPunct="1">
+              <a:spcBef>
+                <a:spcPts val="0"/>
+              </a:spcBef>
+              <a:spcAft>
+                <a:spcPts val="1000"/>
+              </a:spcAft>
+              <a:buClr>
+                <a:schemeClr val="tx1"/>
+              </a:buClr>
+              <a:buSzPct val="100000"/>
+              <a:buFont typeface="Arial"/>
+              <a:buChar char="•"/>
+              <a:defRPr sz="1200" kern="1200" cap="none">
+                <a:solidFill>
+                  <a:schemeClr val="tx1"/>
+                </a:solidFill>
+                <a:effectLst/>
+                <a:latin typeface="+mn-lt"/>
+                <a:ea typeface="+mn-ea"/>
+                <a:cs typeface="+mn-cs"/>
+              </a:defRPr>
+            </a:lvl8pPr>
+            <a:lvl9pPr marL="3886200" indent="-228600" algn="l" defTabSz="457200" rtl="0" eaLnBrk="1" latinLnBrk="0" hangingPunct="1">
+              <a:spcBef>
+                <a:spcPts val="0"/>
+              </a:spcBef>
+              <a:spcAft>
+                <a:spcPts val="1000"/>
+              </a:spcAft>
+              <a:buClr>
+                <a:schemeClr val="tx1"/>
+              </a:buClr>
+              <a:buSzPct val="100000"/>
+              <a:buFont typeface="Arial"/>
+              <a:buChar char="•"/>
+              <a:defRPr sz="1200" kern="1200" cap="none">
+                <a:solidFill>
+                  <a:schemeClr val="tx1"/>
+                </a:solidFill>
+                <a:effectLst/>
+                <a:latin typeface="+mn-lt"/>
+                <a:ea typeface="+mn-ea"/>
+                <a:cs typeface="+mn-cs"/>
+              </a:defRPr>
+            </a:lvl9pPr>
+          </a:lstStyle>
+          <a:p>
+            <a:r>
+              <a:rPr lang="en-GB" sz="4000" dirty="0" smtClean="0">
+                <a:latin typeface="+mj-lt"/>
+              </a:rPr>
+              <a:t>What is a Smart Contract?</a:t>
+            </a:r>
+          </a:p>
+          <a:p>
+            <a:r>
+              <a:rPr lang="en-GB" sz="4000" dirty="0" smtClean="0">
+                <a:latin typeface="+mj-lt"/>
+              </a:rPr>
+              <a:t>Framework </a:t>
+            </a:r>
+            <a:r>
+              <a:rPr lang="en-GB" sz="4000" dirty="0" err="1" smtClean="0">
+                <a:latin typeface="+mj-lt"/>
+              </a:rPr>
+              <a:t>Ethereum</a:t>
+            </a:r>
+            <a:r>
+              <a:rPr lang="en-GB" sz="4000" dirty="0" smtClean="0">
+                <a:latin typeface="+mj-lt"/>
+              </a:rPr>
+              <a:t> </a:t>
+            </a:r>
+          </a:p>
+          <a:p>
+            <a:r>
+              <a:rPr lang="en-GB" sz="4000" dirty="0" smtClean="0">
+                <a:latin typeface="+mj-lt"/>
+              </a:rPr>
+              <a:t>Distributed shared Ledger</a:t>
+            </a:r>
+          </a:p>
+          <a:p>
+            <a:endParaRPr lang="en-GB" sz="4000" dirty="0" smtClean="0">
+              <a:latin typeface="+mj-lt"/>
+            </a:endParaRPr>
+          </a:p>
+          <a:p>
+            <a:endParaRPr lang="en-GB" sz="4000" dirty="0" smtClean="0">
+              <a:latin typeface="+mj-lt"/>
+            </a:endParaRPr>
+          </a:p>
+          <a:p>
+            <a:endParaRPr lang="en-GB" sz="4000" dirty="0">
+              <a:latin typeface="+mj-lt"/>
+            </a:endParaRPr>
+          </a:p>
+        </p:txBody>
+      </p:sp>
+    </p:spTree>
+    <p:extLst>
+      <p:ext uri="{BB962C8B-B14F-4D97-AF65-F5344CB8AC3E}">
+        <p14:creationId xmlns:p14="http://schemas.microsoft.com/office/powerpoint/2010/main" val="1755699915"/>
+      </p:ext>
+    </p:extLst>
+  </p:cSld>
+  <p:clrMapOvr>
+    <a:masterClrMapping/>
+  </p:clrMapOvr>
+  <mc:AlternateContent xmlns:mc="http://schemas.openxmlformats.org/markup-compatibility/2006">
+    <mc:Choice xmlns:p14="http://schemas.microsoft.com/office/powerpoint/2010/main" Requires="p14">
+      <p:transition spd="med" p14:dur="700">
+        <p:fade/>
+      </p:transition>
+    </mc:Choice>
+    <mc:Fallback>
+      <p:transition spd="med">
+        <p:fade/>
+      </p:transition>
+    </mc:Fallback>
+  </mc:AlternateContent>
   <p:timing>
     <p:tnLst>
       <p:par>
@@ -8570,6 +12687,18 @@
   <p:clrMapOvr>
     <a:masterClrMapping/>
   </p:clrMapOvr>
+  <mc:AlternateContent xmlns:mc="http://schemas.openxmlformats.org/markup-compatibility/2006">
+    <mc:Choice xmlns:p14="http://schemas.microsoft.com/office/powerpoint/2010/main" Requires="p14">
+      <p:transition spd="med" p14:dur="700">
+        <p:fade/>
+      </p:transition>
+    </mc:Choice>
+    <mc:Fallback>
+      <p:transition spd="med">
+        <p:fade/>
+      </p:transition>
+    </mc:Fallback>
+  </mc:AlternateContent>
   <p:timing>
     <p:tnLst>
       <p:par>
@@ -8801,6 +12930,18 @@
   <p:clrMapOvr>
     <a:masterClrMapping/>
   </p:clrMapOvr>
+  <mc:AlternateContent xmlns:mc="http://schemas.openxmlformats.org/markup-compatibility/2006">
+    <mc:Choice xmlns:p14="http://schemas.microsoft.com/office/powerpoint/2010/main" Requires="p14">
+      <p:transition spd="med" p14:dur="700">
+        <p:fade/>
+      </p:transition>
+    </mc:Choice>
+    <mc:Fallback>
+      <p:transition spd="med">
+        <p:fade/>
+      </p:transition>
+    </mc:Fallback>
+  </mc:AlternateContent>
   <p:timing>
     <p:tnLst>
       <p:par>
@@ -8988,6 +13129,18 @@
   <p:clrMapOvr>
     <a:masterClrMapping/>
   </p:clrMapOvr>
+  <mc:AlternateContent xmlns:mc="http://schemas.openxmlformats.org/markup-compatibility/2006">
+    <mc:Choice xmlns:p14="http://schemas.microsoft.com/office/powerpoint/2010/main" Requires="p14">
+      <p:transition spd="med" p14:dur="700">
+        <p:fade/>
+      </p:transition>
+    </mc:Choice>
+    <mc:Fallback>
+      <p:transition spd="med">
+        <p:fade/>
+      </p:transition>
+    </mc:Fallback>
+  </mc:AlternateContent>
   <p:timing>
     <p:tnLst>
       <p:par>
@@ -9205,6 +13358,18 @@
   <p:clrMapOvr>
     <a:masterClrMapping/>
   </p:clrMapOvr>
+  <mc:AlternateContent xmlns:mc="http://schemas.openxmlformats.org/markup-compatibility/2006">
+    <mc:Choice xmlns:p14="http://schemas.microsoft.com/office/powerpoint/2010/main" Requires="p14">
+      <p:transition spd="med" p14:dur="700">
+        <p:fade/>
+      </p:transition>
+    </mc:Choice>
+    <mc:Fallback>
+      <p:transition spd="med">
+        <p:fade/>
+      </p:transition>
+    </mc:Fallback>
+  </mc:AlternateContent>
   <p:timing>
     <p:tnLst>
       <p:par>
@@ -9602,6 +13767,18 @@
   <p:clrMapOvr>
     <a:masterClrMapping/>
   </p:clrMapOvr>
+  <mc:AlternateContent xmlns:mc="http://schemas.openxmlformats.org/markup-compatibility/2006">
+    <mc:Choice xmlns:p14="http://schemas.microsoft.com/office/powerpoint/2010/main" Requires="p14">
+      <p:transition spd="med" p14:dur="700">
+        <p:fade/>
+      </p:transition>
+    </mc:Choice>
+    <mc:Fallback>
+      <p:transition spd="med">
+        <p:fade/>
+      </p:transition>
+    </mc:Fallback>
+  </mc:AlternateContent>
   <p:timing>
     <p:tnLst>
       <p:par>
@@ -10116,6 +14293,18 @@
   <p:clrMapOvr>
     <a:masterClrMapping/>
   </p:clrMapOvr>
+  <mc:AlternateContent xmlns:mc="http://schemas.openxmlformats.org/markup-compatibility/2006">
+    <mc:Choice xmlns:p14="http://schemas.microsoft.com/office/powerpoint/2010/main" Requires="p14">
+      <p:transition spd="med" p14:dur="700">
+        <p:fade/>
+      </p:transition>
+    </mc:Choice>
+    <mc:Fallback>
+      <p:transition spd="med">
+        <p:fade/>
+      </p:transition>
+    </mc:Fallback>
+  </mc:AlternateContent>
   <p:timing>
     <p:tnLst>
       <p:par>
@@ -10630,6 +14819,18 @@
   <p:clrMapOvr>
     <a:masterClrMapping/>
   </p:clrMapOvr>
+  <mc:AlternateContent xmlns:mc="http://schemas.openxmlformats.org/markup-compatibility/2006">
+    <mc:Choice xmlns:p14="http://schemas.microsoft.com/office/powerpoint/2010/main" Requires="p14">
+      <p:transition spd="med" p14:dur="700">
+        <p:fade/>
+      </p:transition>
+    </mc:Choice>
+    <mc:Fallback>
+      <p:transition spd="med">
+        <p:fade/>
+      </p:transition>
+    </mc:Fallback>
+  </mc:AlternateContent>
   <p:timing>
     <p:tnLst>
       <p:par>
@@ -11036,6 +15237,18 @@
   <p:clrMapOvr>
     <a:masterClrMapping/>
   </p:clrMapOvr>
+  <mc:AlternateContent xmlns:mc="http://schemas.openxmlformats.org/markup-compatibility/2006">
+    <mc:Choice xmlns:p14="http://schemas.microsoft.com/office/powerpoint/2010/main" Requires="p14">
+      <p:transition spd="med" p14:dur="700">
+        <p:fade/>
+      </p:transition>
+    </mc:Choice>
+    <mc:Fallback>
+      <p:transition spd="med">
+        <p:fade/>
+      </p:transition>
+    </mc:Fallback>
+  </mc:AlternateContent>
   <p:timing>
     <p:tnLst>
       <p:par>

--- a/presentation_SC.pptx
+++ b/presentation_SC.pptx
@@ -5,7 +5,7 @@
     <p:sldMasterId id="2147484038" r:id="rId1"/>
   </p:sldMasterIdLst>
   <p:notesMasterIdLst>
-    <p:notesMasterId r:id="rId21"/>
+    <p:notesMasterId r:id="rId19"/>
   </p:notesMasterIdLst>
   <p:sldIdLst>
     <p:sldId id="256" r:id="rId2"/>
@@ -23,10 +23,8 @@
     <p:sldId id="263" r:id="rId14"/>
     <p:sldId id="269" r:id="rId15"/>
     <p:sldId id="270" r:id="rId16"/>
-    <p:sldId id="271" r:id="rId17"/>
-    <p:sldId id="272" r:id="rId18"/>
-    <p:sldId id="273" r:id="rId19"/>
-    <p:sldId id="274" r:id="rId20"/>
+    <p:sldId id="275" r:id="rId17"/>
+    <p:sldId id="276" r:id="rId18"/>
   </p:sldIdLst>
   <p:sldSz cx="12192000" cy="6858000"/>
   <p:notesSz cx="6858000" cy="9144000"/>
@@ -585,8 +583,39 @@
             </a:r>
             <a:r>
               <a:rPr lang="en-GB" baseline="0" dirty="0" smtClean="0"/>
-              <a:t> value (Money, goods, property word or even votes)</a:t>
-            </a:r>
+              <a:t> value (Money, goods, property word or even votes</a:t>
+            </a:r>
+            <a:r>
+              <a:rPr lang="en-GB" baseline="0" dirty="0" smtClean="0"/>
+              <a:t>)</a:t>
+            </a:r>
+          </a:p>
+          <a:p>
+            <a:pPr marL="171450" indent="-171450">
+              <a:buFontTx/>
+              <a:buChar char="-"/>
+            </a:pPr>
+            <a:r>
+              <a:rPr lang="en-GB" baseline="0" dirty="0" smtClean="0"/>
+              <a:t>Basically, a BC is an append-only data structure </a:t>
+            </a:r>
+            <a:r>
+              <a:rPr lang="en-GB" baseline="0" dirty="0" err="1" smtClean="0"/>
+              <a:t>mainteined</a:t>
+            </a:r>
+            <a:r>
+              <a:rPr lang="en-GB" baseline="0" dirty="0" smtClean="0"/>
+              <a:t> by the nodes of a peer-</a:t>
+            </a:r>
+            <a:r>
+              <a:rPr lang="en-GB" baseline="0" dirty="0" err="1" smtClean="0"/>
+              <a:t>to.peer</a:t>
+            </a:r>
+            <a:r>
+              <a:rPr lang="en-GB" baseline="0" dirty="0" smtClean="0"/>
+              <a:t> network </a:t>
+            </a:r>
+            <a:endParaRPr lang="en-GB" baseline="0" dirty="0" smtClean="0"/>
           </a:p>
           <a:p>
             <a:pPr marL="171450" indent="-171450">
@@ -1128,12 +1157,39 @@
           <a:p>
             <a:r>
               <a:rPr lang="en-GB" dirty="0" smtClean="0"/>
-              <a:t>Thi</a:t>
+              <a:t>A</a:t>
             </a:r>
             <a:r>
               <a:rPr lang="en-GB" baseline="0" dirty="0" smtClean="0"/>
-              <a:t>nk of it as wills and contract that execute themselves </a:t>
-            </a:r>
+              <a:t> SC is a piece of software that stores rules for negotiating the terms of a contract, automatically verifies the contract and then executes the agreed terms. </a:t>
+            </a:r>
+            <a:endParaRPr lang="en-GB" dirty="0" smtClean="0"/>
+          </a:p>
+          <a:p>
+            <a:endParaRPr lang="en-GB" dirty="0" smtClean="0"/>
+          </a:p>
+          <a:p>
+            <a:r>
+              <a:rPr lang="en-GB" dirty="0" smtClean="0"/>
+              <a:t>Smart</a:t>
+            </a:r>
+            <a:r>
+              <a:rPr lang="en-GB" baseline="0" dirty="0" smtClean="0"/>
+              <a:t> contracts are computer programs that can be correctly executed by a network of mutually distrusting nodes, without the need of an external trusted authority, which means that are the nodes the “</a:t>
+            </a:r>
+            <a:r>
+              <a:rPr lang="en-GB" baseline="0" dirty="0" err="1" smtClean="0"/>
+              <a:t>autorithy</a:t>
+            </a:r>
+            <a:r>
+              <a:rPr lang="en-GB" baseline="0" dirty="0" smtClean="0"/>
+              <a:t>”, who validates the valid execution of a smart contract </a:t>
+            </a:r>
+          </a:p>
+          <a:p>
+            <a:endParaRPr lang="en-GB" baseline="0" dirty="0" smtClean="0"/>
+          </a:p>
+          <a:p>
             <a:endParaRPr lang="en-GB" dirty="0"/>
           </a:p>
         </p:txBody>
@@ -1218,14 +1274,6 @@
           <a:bodyPr/>
           <a:lstStyle/>
           <a:p>
-            <a:r>
-              <a:rPr lang="en-GB" dirty="0" smtClean="0"/>
-              <a:t>Thi</a:t>
-            </a:r>
-            <a:r>
-              <a:rPr lang="en-GB" baseline="0" dirty="0" smtClean="0"/>
-              <a:t>nk of it as wills and contract that execute themselves </a:t>
-            </a:r>
             <a:endParaRPr lang="en-GB" dirty="0"/>
           </a:p>
         </p:txBody>
@@ -1256,7 +1304,7 @@
     </p:spTree>
     <p:extLst>
       <p:ext uri="{BB962C8B-B14F-4D97-AF65-F5344CB8AC3E}">
-        <p14:creationId xmlns:p14="http://schemas.microsoft.com/office/powerpoint/2010/main" val="537140623"/>
+        <p14:creationId xmlns:p14="http://schemas.microsoft.com/office/powerpoint/2010/main" val="690545035"/>
       </p:ext>
     </p:extLst>
   </p:cSld>
@@ -1348,191 +1396,7 @@
     </p:spTree>
     <p:extLst>
       <p:ext uri="{BB962C8B-B14F-4D97-AF65-F5344CB8AC3E}">
-        <p14:creationId xmlns:p14="http://schemas.microsoft.com/office/powerpoint/2010/main" val="1012028144"/>
-      </p:ext>
-    </p:extLst>
-  </p:cSld>
-  <p:clrMapOvr>
-    <a:masterClrMapping/>
-  </p:clrMapOvr>
-</p:notes>
-</file>
-
-<file path=ppt/notesSlides/notesSlide15.xml><?xml version="1.0" encoding="utf-8"?>
-<p:notes xmlns:a="http://schemas.openxmlformats.org/drawingml/2006/main" xmlns:r="http://schemas.openxmlformats.org/officeDocument/2006/relationships" xmlns:p="http://schemas.openxmlformats.org/presentationml/2006/main">
-  <p:cSld>
-    <p:spTree>
-      <p:nvGrpSpPr>
-        <p:cNvPr id="1" name=""/>
-        <p:cNvGrpSpPr/>
-        <p:nvPr/>
-      </p:nvGrpSpPr>
-      <p:grpSpPr>
-        <a:xfrm>
-          <a:off x="0" y="0"/>
-          <a:ext cx="0" cy="0"/>
-          <a:chOff x="0" y="0"/>
-          <a:chExt cx="0" cy="0"/>
-        </a:xfrm>
-      </p:grpSpPr>
-      <p:sp>
-        <p:nvSpPr>
-          <p:cNvPr id="2" name="Segnaposto immagine diapositiva 1"/>
-          <p:cNvSpPr>
-            <a:spLocks noGrp="1" noRot="1" noChangeAspect="1"/>
-          </p:cNvSpPr>
-          <p:nvPr>
-            <p:ph type="sldImg"/>
-          </p:nvPr>
-        </p:nvSpPr>
-        <p:spPr/>
-      </p:sp>
-      <p:sp>
-        <p:nvSpPr>
-          <p:cNvPr id="3" name="Segnaposto note 2"/>
-          <p:cNvSpPr>
-            <a:spLocks noGrp="1"/>
-          </p:cNvSpPr>
-          <p:nvPr>
-            <p:ph type="body" idx="1"/>
-          </p:nvPr>
-        </p:nvSpPr>
-        <p:spPr/>
-        <p:txBody>
-          <a:bodyPr/>
-          <a:lstStyle/>
-          <a:p>
-            <a:r>
-              <a:rPr lang="en-GB" dirty="0" smtClean="0"/>
-              <a:t>Thi</a:t>
-            </a:r>
-            <a:r>
-              <a:rPr lang="en-GB" baseline="0" dirty="0" smtClean="0"/>
-              <a:t>nk of it as wills and contract that execute themselves </a:t>
-            </a:r>
-            <a:endParaRPr lang="en-GB" dirty="0"/>
-          </a:p>
-        </p:txBody>
-      </p:sp>
-      <p:sp>
-        <p:nvSpPr>
-          <p:cNvPr id="4" name="Segnaposto numero diapositiva 3"/>
-          <p:cNvSpPr>
-            <a:spLocks noGrp="1"/>
-          </p:cNvSpPr>
-          <p:nvPr>
-            <p:ph type="sldNum" sz="quarter" idx="10"/>
-          </p:nvPr>
-        </p:nvSpPr>
-        <p:spPr/>
-        <p:txBody>
-          <a:bodyPr/>
-          <a:lstStyle/>
-          <a:p>
-            <a:fld id="{595F61C2-6B96-DC49-8037-CB49B5317E27}" type="slidenum">
-              <a:rPr lang="en-GB" smtClean="0"/>
-              <a:t>18</a:t>
-            </a:fld>
-            <a:endParaRPr lang="en-GB"/>
-          </a:p>
-        </p:txBody>
-      </p:sp>
-    </p:spTree>
-    <p:extLst>
-      <p:ext uri="{BB962C8B-B14F-4D97-AF65-F5344CB8AC3E}">
-        <p14:creationId xmlns:p14="http://schemas.microsoft.com/office/powerpoint/2010/main" val="1289335735"/>
-      </p:ext>
-    </p:extLst>
-  </p:cSld>
-  <p:clrMapOvr>
-    <a:masterClrMapping/>
-  </p:clrMapOvr>
-</p:notes>
-</file>
-
-<file path=ppt/notesSlides/notesSlide16.xml><?xml version="1.0" encoding="utf-8"?>
-<p:notes xmlns:a="http://schemas.openxmlformats.org/drawingml/2006/main" xmlns:r="http://schemas.openxmlformats.org/officeDocument/2006/relationships" xmlns:p="http://schemas.openxmlformats.org/presentationml/2006/main">
-  <p:cSld>
-    <p:spTree>
-      <p:nvGrpSpPr>
-        <p:cNvPr id="1" name=""/>
-        <p:cNvGrpSpPr/>
-        <p:nvPr/>
-      </p:nvGrpSpPr>
-      <p:grpSpPr>
-        <a:xfrm>
-          <a:off x="0" y="0"/>
-          <a:ext cx="0" cy="0"/>
-          <a:chOff x="0" y="0"/>
-          <a:chExt cx="0" cy="0"/>
-        </a:xfrm>
-      </p:grpSpPr>
-      <p:sp>
-        <p:nvSpPr>
-          <p:cNvPr id="2" name="Segnaposto immagine diapositiva 1"/>
-          <p:cNvSpPr>
-            <a:spLocks noGrp="1" noRot="1" noChangeAspect="1"/>
-          </p:cNvSpPr>
-          <p:nvPr>
-            <p:ph type="sldImg"/>
-          </p:nvPr>
-        </p:nvSpPr>
-        <p:spPr/>
-      </p:sp>
-      <p:sp>
-        <p:nvSpPr>
-          <p:cNvPr id="3" name="Segnaposto note 2"/>
-          <p:cNvSpPr>
-            <a:spLocks noGrp="1"/>
-          </p:cNvSpPr>
-          <p:nvPr>
-            <p:ph type="body" idx="1"/>
-          </p:nvPr>
-        </p:nvSpPr>
-        <p:spPr/>
-        <p:txBody>
-          <a:bodyPr/>
-          <a:lstStyle/>
-          <a:p>
-            <a:r>
-              <a:rPr lang="en-GB" dirty="0" smtClean="0"/>
-              <a:t>Thi</a:t>
-            </a:r>
-            <a:r>
-              <a:rPr lang="en-GB" baseline="0" dirty="0" smtClean="0"/>
-              <a:t>nk of it as wills and contract that execute themselves </a:t>
-            </a:r>
-            <a:endParaRPr lang="en-GB" dirty="0"/>
-          </a:p>
-        </p:txBody>
-      </p:sp>
-      <p:sp>
-        <p:nvSpPr>
-          <p:cNvPr id="4" name="Segnaposto numero diapositiva 3"/>
-          <p:cNvSpPr>
-            <a:spLocks noGrp="1"/>
-          </p:cNvSpPr>
-          <p:nvPr>
-            <p:ph type="sldNum" sz="quarter" idx="10"/>
-          </p:nvPr>
-        </p:nvSpPr>
-        <p:spPr/>
-        <p:txBody>
-          <a:bodyPr/>
-          <a:lstStyle/>
-          <a:p>
-            <a:fld id="{595F61C2-6B96-DC49-8037-CB49B5317E27}" type="slidenum">
-              <a:rPr lang="en-GB" smtClean="0"/>
-              <a:t>19</a:t>
-            </a:fld>
-            <a:endParaRPr lang="en-GB"/>
-          </a:p>
-        </p:txBody>
-      </p:sp>
-    </p:spTree>
-    <p:extLst>
-      <p:ext uri="{BB962C8B-B14F-4D97-AF65-F5344CB8AC3E}">
-        <p14:creationId xmlns:p14="http://schemas.microsoft.com/office/powerpoint/2010/main" val="1623161625"/>
+        <p14:creationId xmlns:p14="http://schemas.microsoft.com/office/powerpoint/2010/main" val="1110561113"/>
       </p:ext>
     </p:extLst>
   </p:cSld>
@@ -9905,44 +9769,6 @@
           <a:chExt cx="0" cy="0"/>
         </a:xfrm>
       </p:grpSpPr>
-      <p:sp>
-        <p:nvSpPr>
-          <p:cNvPr id="5" name="Segnaposto contenuto 2"/>
-          <p:cNvSpPr>
-            <a:spLocks noGrp="1"/>
-          </p:cNvSpPr>
-          <p:nvPr>
-            <p:ph idx="1"/>
-          </p:nvPr>
-        </p:nvSpPr>
-        <p:spPr>
-          <a:xfrm>
-            <a:off x="671947" y="1850167"/>
-            <a:ext cx="10131425" cy="4557560"/>
-          </a:xfrm>
-        </p:spPr>
-        <p:txBody>
-          <a:bodyPr>
-            <a:normAutofit/>
-          </a:bodyPr>
-          <a:lstStyle/>
-          <a:p>
-            <a:endParaRPr lang="en-GB" sz="4000" dirty="0" smtClean="0">
-              <a:latin typeface="+mj-lt"/>
-            </a:endParaRPr>
-          </a:p>
-          <a:p>
-            <a:endParaRPr lang="en-GB" sz="4000" dirty="0" smtClean="0">
-              <a:latin typeface="+mj-lt"/>
-            </a:endParaRPr>
-          </a:p>
-          <a:p>
-            <a:endParaRPr lang="en-GB" sz="4000" dirty="0">
-              <a:latin typeface="+mj-lt"/>
-            </a:endParaRPr>
-          </a:p>
-        </p:txBody>
-      </p:sp>
       <p:pic>
         <p:nvPicPr>
           <p:cNvPr id="2" name="Immagine 1"/>
@@ -9976,6 +9802,39 @@
       </p:pic>
       <p:sp>
         <p:nvSpPr>
+          <p:cNvPr id="5" name="Segnaposto contenuto 2"/>
+          <p:cNvSpPr>
+            <a:spLocks noGrp="1"/>
+          </p:cNvSpPr>
+          <p:nvPr>
+            <p:ph idx="1"/>
+          </p:nvPr>
+        </p:nvSpPr>
+        <p:spPr>
+          <a:xfrm>
+            <a:off x="671947" y="1850167"/>
+            <a:ext cx="10131425" cy="4557560"/>
+          </a:xfrm>
+        </p:spPr>
+        <p:txBody>
+          <a:bodyPr>
+            <a:normAutofit/>
+          </a:bodyPr>
+          <a:lstStyle/>
+          <a:p>
+            <a:endParaRPr lang="en-GB" sz="4000" dirty="0">
+              <a:latin typeface="+mj-lt"/>
+            </a:endParaRPr>
+          </a:p>
+          <a:p>
+            <a:endParaRPr lang="en-GB" sz="4000" dirty="0">
+              <a:latin typeface="+mj-lt"/>
+            </a:endParaRPr>
+          </a:p>
+        </p:txBody>
+      </p:sp>
+      <p:sp>
+        <p:nvSpPr>
           <p:cNvPr id="7" name="Titolo 1"/>
           <p:cNvSpPr>
             <a:spLocks noGrp="1"/>
@@ -10037,7 +9896,7 @@
         </p:nvSpPr>
         <p:spPr>
           <a:xfrm>
-            <a:off x="824347" y="2002567"/>
+            <a:off x="838634" y="2003767"/>
             <a:ext cx="10131425" cy="4557560"/>
           </a:xfrm>
           <a:prstGeom prst="rect">
@@ -10267,11 +10126,29 @@
           </a:p>
           <a:p>
             <a:r>
+              <a:rPr lang="en-GB" sz="4000" dirty="0">
+                <a:latin typeface="+mj-lt"/>
+              </a:rPr>
+              <a:t>Traditional Contract vs. Smart Contracts</a:t>
+            </a:r>
+          </a:p>
+          <a:p>
+            <a:r>
               <a:rPr lang="en-GB" sz="4000" dirty="0" smtClean="0">
                 <a:latin typeface="+mj-lt"/>
               </a:rPr>
-              <a:t>Framework </a:t>
-            </a:r>
+              <a:t>How are they executed?</a:t>
+            </a:r>
+          </a:p>
+          <a:p>
+            <a:r>
+              <a:rPr lang="en-GB" sz="4000" dirty="0" smtClean="0">
+                <a:latin typeface="+mj-lt"/>
+              </a:rPr>
+              <a:t>Possible applications </a:t>
+            </a:r>
+          </a:p>
+          <a:p>
             <a:r>
               <a:rPr lang="en-GB" sz="4000" dirty="0" err="1" smtClean="0">
                 <a:latin typeface="+mj-lt"/>
@@ -10282,21 +10159,20 @@
               <a:rPr lang="en-GB" sz="4000" dirty="0" smtClean="0">
                 <a:latin typeface="+mj-lt"/>
               </a:rPr>
-              <a:t> </a:t>
-            </a:r>
-          </a:p>
-          <a:p>
+              <a:t>, </a:t>
+            </a:r>
+            <a:r>
+              <a:rPr lang="en-GB" sz="4000" dirty="0" err="1" smtClean="0">
+                <a:latin typeface="+mj-lt"/>
+              </a:rPr>
+              <a:t>Blockchain</a:t>
+            </a:r>
             <a:r>
               <a:rPr lang="en-GB" sz="4000" dirty="0" smtClean="0">
                 <a:latin typeface="+mj-lt"/>
               </a:rPr>
-              <a:t>Distributed shared Ledger</a:t>
-            </a:r>
-          </a:p>
-          <a:p>
-            <a:endParaRPr lang="en-GB" sz="4000" dirty="0" smtClean="0">
-              <a:latin typeface="+mj-lt"/>
-            </a:endParaRPr>
+              <a:t>-based Platform </a:t>
+            </a:r>
           </a:p>
           <a:p>
             <a:endParaRPr lang="en-GB" sz="4000" dirty="0" smtClean="0">
@@ -10359,44 +10235,6 @@
           <a:chExt cx="0" cy="0"/>
         </a:xfrm>
       </p:grpSpPr>
-      <p:sp>
-        <p:nvSpPr>
-          <p:cNvPr id="5" name="Segnaposto contenuto 2"/>
-          <p:cNvSpPr>
-            <a:spLocks noGrp="1"/>
-          </p:cNvSpPr>
-          <p:nvPr>
-            <p:ph idx="1"/>
-          </p:nvPr>
-        </p:nvSpPr>
-        <p:spPr>
-          <a:xfrm>
-            <a:off x="671947" y="1850167"/>
-            <a:ext cx="10131425" cy="4557560"/>
-          </a:xfrm>
-        </p:spPr>
-        <p:txBody>
-          <a:bodyPr>
-            <a:normAutofit/>
-          </a:bodyPr>
-          <a:lstStyle/>
-          <a:p>
-            <a:endParaRPr lang="en-GB" sz="4000" dirty="0" smtClean="0">
-              <a:latin typeface="+mj-lt"/>
-            </a:endParaRPr>
-          </a:p>
-          <a:p>
-            <a:endParaRPr lang="en-GB" sz="4000" dirty="0" smtClean="0">
-              <a:latin typeface="+mj-lt"/>
-            </a:endParaRPr>
-          </a:p>
-          <a:p>
-            <a:endParaRPr lang="en-GB" sz="4000" dirty="0">
-              <a:latin typeface="+mj-lt"/>
-            </a:endParaRPr>
-          </a:p>
-        </p:txBody>
-      </p:sp>
       <p:pic>
         <p:nvPicPr>
           <p:cNvPr id="2" name="Immagine 1"/>
@@ -10420,7 +10258,7 @@
         </p:blipFill>
         <p:spPr>
           <a:xfrm>
-            <a:off x="-844117" y="0"/>
+            <a:off x="-758392" y="0"/>
             <a:ext cx="14025600" cy="7012800"/>
           </a:xfrm>
           <a:prstGeom prst="rect">
@@ -10428,6 +10266,44 @@
           </a:prstGeom>
         </p:spPr>
       </p:pic>
+      <p:sp>
+        <p:nvSpPr>
+          <p:cNvPr id="5" name="Segnaposto contenuto 2"/>
+          <p:cNvSpPr>
+            <a:spLocks noGrp="1"/>
+          </p:cNvSpPr>
+          <p:nvPr>
+            <p:ph idx="1"/>
+          </p:nvPr>
+        </p:nvSpPr>
+        <p:spPr>
+          <a:xfrm>
+            <a:off x="671947" y="1850167"/>
+            <a:ext cx="10131425" cy="4557560"/>
+          </a:xfrm>
+        </p:spPr>
+        <p:txBody>
+          <a:bodyPr>
+            <a:normAutofit/>
+          </a:bodyPr>
+          <a:lstStyle/>
+          <a:p>
+            <a:endParaRPr lang="en-GB" sz="4000" dirty="0" smtClean="0">
+              <a:latin typeface="+mj-lt"/>
+            </a:endParaRPr>
+          </a:p>
+          <a:p>
+            <a:endParaRPr lang="en-GB" sz="4000" dirty="0" smtClean="0">
+              <a:latin typeface="+mj-lt"/>
+            </a:endParaRPr>
+          </a:p>
+          <a:p>
+            <a:endParaRPr lang="en-GB" sz="4000" dirty="0">
+              <a:latin typeface="+mj-lt"/>
+            </a:endParaRPr>
+          </a:p>
+        </p:txBody>
+      </p:sp>
       <p:sp>
         <p:nvSpPr>
           <p:cNvPr id="7" name="Titolo 1"/>
@@ -10467,7 +10343,7 @@
             </a:pPr>
             <a:r>
               <a:rPr lang="en-GB" dirty="0" smtClean="0"/>
-              <a:t>3.</a:t>
+              <a:t>3.1</a:t>
             </a:r>
             <a:r>
               <a:rPr lang="en-GB" dirty="0" smtClean="0"/>
@@ -10475,7 +10351,15 @@
             </a:r>
             <a:r>
               <a:rPr lang="en-GB" sz="4000" dirty="0" smtClean="0"/>
-              <a:t>Smart Contracts</a:t>
+              <a:t>What is a smart </a:t>
+            </a:r>
+            <a:r>
+              <a:rPr lang="en-GB" sz="4000" dirty="0" err="1" smtClean="0"/>
+              <a:t>contracT</a:t>
+            </a:r>
+            <a:r>
+              <a:rPr lang="en-GB" sz="4000" dirty="0" smtClean="0"/>
+              <a:t>?</a:t>
             </a:r>
             <a:endParaRPr lang="en-GB" sz="4000" dirty="0"/>
           </a:p>
@@ -10712,11 +10596,258 @@
             </a:lvl9pPr>
           </a:lstStyle>
           <a:p>
+            <a:endParaRPr lang="en-GB" sz="4000" dirty="0" smtClean="0">
+              <a:latin typeface="+mj-lt"/>
+            </a:endParaRPr>
+          </a:p>
+          <a:p>
+            <a:endParaRPr lang="en-GB" sz="4000" dirty="0" smtClean="0">
+              <a:latin typeface="+mj-lt"/>
+            </a:endParaRPr>
+          </a:p>
+          <a:p>
+            <a:endParaRPr lang="en-GB" sz="4000" dirty="0">
+              <a:latin typeface="+mj-lt"/>
+            </a:endParaRPr>
+          </a:p>
+        </p:txBody>
+      </p:sp>
+      <p:sp>
+        <p:nvSpPr>
+          <p:cNvPr id="12" name="Segnaposto contenuto 2"/>
+          <p:cNvSpPr txBox="1">
+            <a:spLocks/>
+          </p:cNvSpPr>
+          <p:nvPr/>
+        </p:nvSpPr>
+        <p:spPr>
+          <a:xfrm>
+            <a:off x="824346" y="1018601"/>
+            <a:ext cx="10131425" cy="4557560"/>
+          </a:xfrm>
+          <a:prstGeom prst="rect">
+            <a:avLst/>
+          </a:prstGeom>
+        </p:spPr>
+        <p:txBody>
+          <a:bodyPr vert="horz" lIns="91440" tIns="45720" rIns="91440" bIns="45720" rtlCol="0" anchor="ctr">
+            <a:normAutofit/>
+          </a:bodyPr>
+          <a:lstStyle>
+            <a:lvl1pPr marL="285750" indent="-285750" algn="l" defTabSz="457200" rtl="0" eaLnBrk="1" latinLnBrk="0" hangingPunct="1">
+              <a:spcBef>
+                <a:spcPts val="0"/>
+              </a:spcBef>
+              <a:spcAft>
+                <a:spcPts val="1000"/>
+              </a:spcAft>
+              <a:buClr>
+                <a:schemeClr val="tx1"/>
+              </a:buClr>
+              <a:buSzPct val="100000"/>
+              <a:buFont typeface="Arial"/>
+              <a:buChar char="•"/>
+              <a:defRPr sz="1800" kern="1200" cap="none">
+                <a:solidFill>
+                  <a:schemeClr val="tx1"/>
+                </a:solidFill>
+                <a:effectLst/>
+                <a:latin typeface="+mn-lt"/>
+                <a:ea typeface="+mn-ea"/>
+                <a:cs typeface="+mn-cs"/>
+              </a:defRPr>
+            </a:lvl1pPr>
+            <a:lvl2pPr marL="742950" indent="-285750" algn="l" defTabSz="457200" rtl="0" eaLnBrk="1" latinLnBrk="0" hangingPunct="1">
+              <a:spcBef>
+                <a:spcPts val="0"/>
+              </a:spcBef>
+              <a:spcAft>
+                <a:spcPts val="1000"/>
+              </a:spcAft>
+              <a:buClr>
+                <a:schemeClr val="tx1"/>
+              </a:buClr>
+              <a:buSzPct val="100000"/>
+              <a:buFont typeface="Arial"/>
+              <a:buChar char="•"/>
+              <a:defRPr sz="1600" kern="1200" cap="none">
+                <a:solidFill>
+                  <a:schemeClr val="tx1"/>
+                </a:solidFill>
+                <a:effectLst/>
+                <a:latin typeface="+mn-lt"/>
+                <a:ea typeface="+mn-ea"/>
+                <a:cs typeface="+mn-cs"/>
+              </a:defRPr>
+            </a:lvl2pPr>
+            <a:lvl3pPr marL="1200150" indent="-285750" algn="l" defTabSz="457200" rtl="0" eaLnBrk="1" latinLnBrk="0" hangingPunct="1">
+              <a:spcBef>
+                <a:spcPts val="0"/>
+              </a:spcBef>
+              <a:spcAft>
+                <a:spcPts val="1000"/>
+              </a:spcAft>
+              <a:buClr>
+                <a:schemeClr val="tx1"/>
+              </a:buClr>
+              <a:buSzPct val="100000"/>
+              <a:buFont typeface="Arial"/>
+              <a:buChar char="•"/>
+              <a:defRPr sz="1400" kern="1200" cap="none">
+                <a:solidFill>
+                  <a:schemeClr val="tx1"/>
+                </a:solidFill>
+                <a:effectLst/>
+                <a:latin typeface="+mn-lt"/>
+                <a:ea typeface="+mn-ea"/>
+                <a:cs typeface="+mn-cs"/>
+              </a:defRPr>
+            </a:lvl3pPr>
+            <a:lvl4pPr marL="1543050" indent="-171450" algn="l" defTabSz="457200" rtl="0" eaLnBrk="1" latinLnBrk="0" hangingPunct="1">
+              <a:spcBef>
+                <a:spcPts val="0"/>
+              </a:spcBef>
+              <a:spcAft>
+                <a:spcPts val="1000"/>
+              </a:spcAft>
+              <a:buClr>
+                <a:schemeClr val="tx1"/>
+              </a:buClr>
+              <a:buSzPct val="100000"/>
+              <a:buFont typeface="Arial"/>
+              <a:buChar char="•"/>
+              <a:defRPr sz="1200" kern="1200" cap="none">
+                <a:solidFill>
+                  <a:schemeClr val="tx1"/>
+                </a:solidFill>
+                <a:effectLst/>
+                <a:latin typeface="+mn-lt"/>
+                <a:ea typeface="+mn-ea"/>
+                <a:cs typeface="+mn-cs"/>
+              </a:defRPr>
+            </a:lvl4pPr>
+            <a:lvl5pPr marL="2000250" indent="-171450" algn="l" defTabSz="457200" rtl="0" eaLnBrk="1" latinLnBrk="0" hangingPunct="1">
+              <a:spcBef>
+                <a:spcPts val="0"/>
+              </a:spcBef>
+              <a:spcAft>
+                <a:spcPts val="1000"/>
+              </a:spcAft>
+              <a:buClr>
+                <a:schemeClr val="tx1"/>
+              </a:buClr>
+              <a:buSzPct val="100000"/>
+              <a:buFont typeface="Arial"/>
+              <a:buChar char="•"/>
+              <a:defRPr sz="1200" kern="1200" cap="none">
+                <a:solidFill>
+                  <a:schemeClr val="tx1"/>
+                </a:solidFill>
+                <a:effectLst/>
+                <a:latin typeface="+mn-lt"/>
+                <a:ea typeface="+mn-ea"/>
+                <a:cs typeface="+mn-cs"/>
+              </a:defRPr>
+            </a:lvl5pPr>
+            <a:lvl6pPr marL="2514600" indent="-228600" algn="l" defTabSz="457200" rtl="0" eaLnBrk="1" latinLnBrk="0" hangingPunct="1">
+              <a:spcBef>
+                <a:spcPts val="0"/>
+              </a:spcBef>
+              <a:spcAft>
+                <a:spcPts val="1000"/>
+              </a:spcAft>
+              <a:buClr>
+                <a:schemeClr val="tx1"/>
+              </a:buClr>
+              <a:buSzPct val="100000"/>
+              <a:buFont typeface="Arial"/>
+              <a:buChar char="•"/>
+              <a:defRPr sz="1200" kern="1200" cap="none">
+                <a:solidFill>
+                  <a:schemeClr val="tx1"/>
+                </a:solidFill>
+                <a:effectLst/>
+                <a:latin typeface="+mn-lt"/>
+                <a:ea typeface="+mn-ea"/>
+                <a:cs typeface="+mn-cs"/>
+              </a:defRPr>
+            </a:lvl6pPr>
+            <a:lvl7pPr marL="2971800" indent="-228600" algn="l" defTabSz="457200" rtl="0" eaLnBrk="1" latinLnBrk="0" hangingPunct="1">
+              <a:spcBef>
+                <a:spcPts val="0"/>
+              </a:spcBef>
+              <a:spcAft>
+                <a:spcPts val="1000"/>
+              </a:spcAft>
+              <a:buClr>
+                <a:schemeClr val="tx1"/>
+              </a:buClr>
+              <a:buSzPct val="100000"/>
+              <a:buFont typeface="Arial"/>
+              <a:buChar char="•"/>
+              <a:defRPr sz="1200" kern="1200" cap="none">
+                <a:solidFill>
+                  <a:schemeClr val="tx1"/>
+                </a:solidFill>
+                <a:effectLst/>
+                <a:latin typeface="+mn-lt"/>
+                <a:ea typeface="+mn-ea"/>
+                <a:cs typeface="+mn-cs"/>
+              </a:defRPr>
+            </a:lvl7pPr>
+            <a:lvl8pPr marL="3429000" indent="-228600" algn="l" defTabSz="457200" rtl="0" eaLnBrk="1" latinLnBrk="0" hangingPunct="1">
+              <a:spcBef>
+                <a:spcPts val="0"/>
+              </a:spcBef>
+              <a:spcAft>
+                <a:spcPts val="1000"/>
+              </a:spcAft>
+              <a:buClr>
+                <a:schemeClr val="tx1"/>
+              </a:buClr>
+              <a:buSzPct val="100000"/>
+              <a:buFont typeface="Arial"/>
+              <a:buChar char="•"/>
+              <a:defRPr sz="1200" kern="1200" cap="none">
+                <a:solidFill>
+                  <a:schemeClr val="tx1"/>
+                </a:solidFill>
+                <a:effectLst/>
+                <a:latin typeface="+mn-lt"/>
+                <a:ea typeface="+mn-ea"/>
+                <a:cs typeface="+mn-cs"/>
+              </a:defRPr>
+            </a:lvl8pPr>
+            <a:lvl9pPr marL="3886200" indent="-228600" algn="l" defTabSz="457200" rtl="0" eaLnBrk="1" latinLnBrk="0" hangingPunct="1">
+              <a:spcBef>
+                <a:spcPts val="0"/>
+              </a:spcBef>
+              <a:spcAft>
+                <a:spcPts val="1000"/>
+              </a:spcAft>
+              <a:buClr>
+                <a:schemeClr val="tx1"/>
+              </a:buClr>
+              <a:buSzPct val="100000"/>
+              <a:buFont typeface="Arial"/>
+              <a:buChar char="•"/>
+              <a:defRPr sz="1200" kern="1200" cap="none">
+                <a:solidFill>
+                  <a:schemeClr val="tx1"/>
+                </a:solidFill>
+                <a:effectLst/>
+                <a:latin typeface="+mn-lt"/>
+                <a:ea typeface="+mn-ea"/>
+                <a:cs typeface="+mn-cs"/>
+              </a:defRPr>
+            </a:lvl9pPr>
+          </a:lstStyle>
+          <a:p>
             <a:r>
               <a:rPr lang="en-GB" sz="4000" dirty="0" smtClean="0">
                 <a:latin typeface="+mj-lt"/>
               </a:rPr>
-              <a:t>What is a Smart Contract?</a:t>
+              <a:t>A smart contract is a piece of software that defines the rules of an agreement</a:t>
             </a:r>
           </a:p>
           <a:p>
@@ -10724,46 +10855,44 @@
               <a:rPr lang="en-GB" sz="4000" dirty="0" smtClean="0">
                 <a:latin typeface="+mj-lt"/>
               </a:rPr>
-              <a:t>Framework </a:t>
-            </a:r>
-            <a:r>
-              <a:rPr lang="en-GB" sz="4000" dirty="0" err="1" smtClean="0">
-                <a:latin typeface="+mj-lt"/>
-              </a:rPr>
-              <a:t>Ethereum</a:t>
-            </a:r>
-            <a:r>
-              <a:rPr lang="en-GB" sz="4000" dirty="0" smtClean="0">
-                <a:latin typeface="+mj-lt"/>
-              </a:rPr>
-              <a:t> </a:t>
-            </a:r>
-          </a:p>
-          <a:p>
-            <a:r>
-              <a:rPr lang="en-GB" sz="4000" dirty="0" smtClean="0">
-                <a:latin typeface="+mj-lt"/>
-              </a:rPr>
-              <a:t>Distributed shared Ledger</a:t>
-            </a:r>
-          </a:p>
-          <a:p>
-            <a:endParaRPr lang="en-GB" sz="4000" dirty="0" smtClean="0">
-              <a:latin typeface="+mj-lt"/>
-            </a:endParaRPr>
-          </a:p>
-          <a:p>
-            <a:endParaRPr lang="en-GB" sz="4000" dirty="0" smtClean="0">
-              <a:latin typeface="+mj-lt"/>
-            </a:endParaRPr>
-          </a:p>
-          <a:p>
+              <a:t>It automatically verifies itself and executes the terms contained inside it</a:t>
+            </a:r>
             <a:endParaRPr lang="en-GB" sz="4000" dirty="0">
               <a:latin typeface="+mj-lt"/>
             </a:endParaRPr>
           </a:p>
         </p:txBody>
       </p:sp>
+      <p:pic>
+        <p:nvPicPr>
+          <p:cNvPr id="13" name="Immagine 12"/>
+          <p:cNvPicPr>
+            <a:picLocks noChangeAspect="1"/>
+          </p:cNvPicPr>
+          <p:nvPr/>
+        </p:nvPicPr>
+        <p:blipFill>
+          <a:blip r:embed="rId4">
+            <a:extLst>
+              <a:ext uri="{28A0092B-C50C-407E-A947-70E740481C1C}">
+                <a14:useLocalDpi xmlns:a14="http://schemas.microsoft.com/office/drawing/2010/main" val="0"/>
+              </a:ext>
+            </a:extLst>
+          </a:blip>
+          <a:stretch>
+            <a:fillRect/>
+          </a:stretch>
+        </p:blipFill>
+        <p:spPr>
+          <a:xfrm rot="1248540">
+            <a:off x="9121429" y="434136"/>
+            <a:ext cx="2762621" cy="1734777"/>
+          </a:xfrm>
+          <a:prstGeom prst="rect">
+            <a:avLst/>
+          </a:prstGeom>
+        </p:spPr>
+      </p:pic>
     </p:spTree>
     <p:extLst>
       <p:ext uri="{BB962C8B-B14F-4D97-AF65-F5344CB8AC3E}">
@@ -10895,42 +11024,44 @@
         <p:spPr>
           <a:xfrm>
             <a:off x="387927" y="484909"/>
-            <a:ext cx="10131425" cy="1067385"/>
-          </a:xfrm>
-        </p:spPr>
-        <p:txBody>
-          <a:bodyPr/>
+            <a:ext cx="11804073" cy="1067385"/>
+          </a:xfrm>
+        </p:spPr>
+        <p:txBody>
+          <a:bodyPr>
+            <a:noAutofit/>
+          </a:bodyPr>
           <a:lstStyle/>
           <a:p>
-            <a:pPr marL="742950" marR="0" lvl="0" indent="-742950" defTabSz="914400" eaLnBrk="1" fontAlgn="auto" latinLnBrk="0" hangingPunct="1">
-              <a:lnSpc>
-                <a:spcPct val="100000"/>
-              </a:lnSpc>
+            <a:pPr marL="742950" indent="-742950" defTabSz="914400">
               <a:spcBef>
                 <a:spcPts val="0"/>
               </a:spcBef>
-              <a:spcAft>
-                <a:spcPts val="0"/>
-              </a:spcAft>
-              <a:buClrTx/>
-              <a:buSzTx/>
-              <a:buFont typeface="+mj-lt"/>
-              <a:buNone/>
-              <a:tabLst/>
               <a:defRPr/>
             </a:pPr>
             <a:r>
-              <a:rPr lang="en-GB" dirty="0" smtClean="0"/>
-              <a:t>3.</a:t>
-            </a:r>
-            <a:r>
-              <a:rPr lang="en-GB" dirty="0" smtClean="0"/>
-              <a:t>	</a:t>
-            </a:r>
-            <a:r>
               <a:rPr lang="en-GB" sz="4000" dirty="0" smtClean="0"/>
-              <a:t>Smart Contracts</a:t>
-            </a:r>
+              <a:t>3.2 </a:t>
+            </a:r>
+            <a:r>
+              <a:rPr lang="en-GB" sz="4000" dirty="0"/>
+              <a:t>Traditional </a:t>
+            </a:r>
+            <a:r>
+              <a:rPr lang="en-GB" sz="4000" dirty="0" err="1" smtClean="0"/>
+              <a:t>ContractS</a:t>
+            </a:r>
+            <a:r>
+              <a:rPr lang="en-GB" sz="4000" dirty="0" smtClean="0"/>
+              <a:t> </a:t>
+            </a:r>
+            <a:r>
+              <a:rPr lang="en-GB" sz="4000" dirty="0"/>
+              <a:t>vs. Smart Contracts</a:t>
+            </a:r>
+            <a:br>
+              <a:rPr lang="en-GB" sz="4000" dirty="0"/>
+            </a:br>
             <a:endParaRPr lang="en-GB" sz="4000" dirty="0"/>
           </a:p>
         </p:txBody>
@@ -11166,42 +11297,6 @@
             </a:lvl9pPr>
           </a:lstStyle>
           <a:p>
-            <a:r>
-              <a:rPr lang="en-GB" sz="4000" dirty="0" smtClean="0">
-                <a:latin typeface="+mj-lt"/>
-              </a:rPr>
-              <a:t>What is a Smart Contract?</a:t>
-            </a:r>
-          </a:p>
-          <a:p>
-            <a:r>
-              <a:rPr lang="en-GB" sz="4000" dirty="0" smtClean="0">
-                <a:latin typeface="+mj-lt"/>
-              </a:rPr>
-              <a:t>Framework </a:t>
-            </a:r>
-            <a:r>
-              <a:rPr lang="en-GB" sz="4000" dirty="0" err="1" smtClean="0">
-                <a:latin typeface="+mj-lt"/>
-              </a:rPr>
-              <a:t>Ethereum</a:t>
-            </a:r>
-            <a:r>
-              <a:rPr lang="en-GB" sz="4000" dirty="0" smtClean="0">
-                <a:latin typeface="+mj-lt"/>
-              </a:rPr>
-              <a:t> </a:t>
-            </a:r>
-          </a:p>
-          <a:p>
-            <a:r>
-              <a:rPr lang="en-GB" sz="4000" dirty="0" smtClean="0">
-                <a:latin typeface="+mj-lt"/>
-              </a:rPr>
-              <a:t>Distributed shared Ledger</a:t>
-            </a:r>
-          </a:p>
-          <a:p>
             <a:endParaRPr lang="en-GB" sz="4000" dirty="0" smtClean="0">
               <a:latin typeface="+mj-lt"/>
             </a:endParaRPr>
@@ -11221,7 +11316,7 @@
     </p:spTree>
     <p:extLst>
       <p:ext uri="{BB962C8B-B14F-4D97-AF65-F5344CB8AC3E}">
-        <p14:creationId xmlns:p14="http://schemas.microsoft.com/office/powerpoint/2010/main" val="1951894885"/>
+        <p14:creationId xmlns:p14="http://schemas.microsoft.com/office/powerpoint/2010/main" val="2018984926"/>
       </p:ext>
     </p:extLst>
   </p:cSld>
@@ -11375,7 +11470,7 @@
             </a:pPr>
             <a:r>
               <a:rPr lang="en-GB" dirty="0" smtClean="0"/>
-              <a:t>3.</a:t>
+              <a:t>3.1</a:t>
             </a:r>
             <a:r>
               <a:rPr lang="en-GB" dirty="0" smtClean="0"/>
@@ -11383,7 +11478,15 @@
             </a:r>
             <a:r>
               <a:rPr lang="en-GB" sz="4000" dirty="0" smtClean="0"/>
-              <a:t>Smart Contracts</a:t>
+              <a:t>What is a smart </a:t>
+            </a:r>
+            <a:r>
+              <a:rPr lang="en-GB" sz="4000" dirty="0" err="1" smtClean="0"/>
+              <a:t>contracT</a:t>
+            </a:r>
+            <a:r>
+              <a:rPr lang="en-GB" sz="4000" dirty="0" smtClean="0"/>
+              <a:t>?</a:t>
             </a:r>
             <a:endParaRPr lang="en-GB" sz="4000" dirty="0"/>
           </a:p>
@@ -11620,42 +11723,6 @@
             </a:lvl9pPr>
           </a:lstStyle>
           <a:p>
-            <a:r>
-              <a:rPr lang="en-GB" sz="4000" dirty="0" smtClean="0">
-                <a:latin typeface="+mj-lt"/>
-              </a:rPr>
-              <a:t>What is a Smart Contract?</a:t>
-            </a:r>
-          </a:p>
-          <a:p>
-            <a:r>
-              <a:rPr lang="en-GB" sz="4000" dirty="0" smtClean="0">
-                <a:latin typeface="+mj-lt"/>
-              </a:rPr>
-              <a:t>Framework </a:t>
-            </a:r>
-            <a:r>
-              <a:rPr lang="en-GB" sz="4000" dirty="0" err="1" smtClean="0">
-                <a:latin typeface="+mj-lt"/>
-              </a:rPr>
-              <a:t>Ethereum</a:t>
-            </a:r>
-            <a:r>
-              <a:rPr lang="en-GB" sz="4000" dirty="0" smtClean="0">
-                <a:latin typeface="+mj-lt"/>
-              </a:rPr>
-              <a:t> </a:t>
-            </a:r>
-          </a:p>
-          <a:p>
-            <a:r>
-              <a:rPr lang="en-GB" sz="4000" dirty="0" smtClean="0">
-                <a:latin typeface="+mj-lt"/>
-              </a:rPr>
-              <a:t>Distributed shared Ledger</a:t>
-            </a:r>
-          </a:p>
-          <a:p>
             <a:endParaRPr lang="en-GB" sz="4000" dirty="0" smtClean="0">
               <a:latin typeface="+mj-lt"/>
             </a:endParaRPr>
@@ -11675,915 +11742,7 @@
     </p:spTree>
     <p:extLst>
       <p:ext uri="{BB962C8B-B14F-4D97-AF65-F5344CB8AC3E}">
-        <p14:creationId xmlns:p14="http://schemas.microsoft.com/office/powerpoint/2010/main" val="1848682420"/>
-      </p:ext>
-    </p:extLst>
-  </p:cSld>
-  <p:clrMapOvr>
-    <a:masterClrMapping/>
-  </p:clrMapOvr>
-  <mc:AlternateContent xmlns:mc="http://schemas.openxmlformats.org/markup-compatibility/2006">
-    <mc:Choice xmlns:p14="http://schemas.microsoft.com/office/powerpoint/2010/main" Requires="p14">
-      <p:transition spd="med" p14:dur="700">
-        <p:fade/>
-      </p:transition>
-    </mc:Choice>
-    <mc:Fallback>
-      <p:transition spd="med">
-        <p:fade/>
-      </p:transition>
-    </mc:Fallback>
-  </mc:AlternateContent>
-  <p:timing>
-    <p:tnLst>
-      <p:par>
-        <p:cTn id="1" dur="indefinite" restart="never" nodeType="tmRoot"/>
-      </p:par>
-    </p:tnLst>
-  </p:timing>
-</p:sld>
-</file>
-
-<file path=ppt/slides/slide18.xml><?xml version="1.0" encoding="utf-8"?>
-<p:sld xmlns:a="http://schemas.openxmlformats.org/drawingml/2006/main" xmlns:r="http://schemas.openxmlformats.org/officeDocument/2006/relationships" xmlns:p="http://schemas.openxmlformats.org/presentationml/2006/main">
-  <p:cSld>
-    <p:spTree>
-      <p:nvGrpSpPr>
-        <p:cNvPr id="1" name=""/>
-        <p:cNvGrpSpPr/>
-        <p:nvPr/>
-      </p:nvGrpSpPr>
-      <p:grpSpPr>
-        <a:xfrm>
-          <a:off x="0" y="0"/>
-          <a:ext cx="0" cy="0"/>
-          <a:chOff x="0" y="0"/>
-          <a:chExt cx="0" cy="0"/>
-        </a:xfrm>
-      </p:grpSpPr>
-      <p:sp>
-        <p:nvSpPr>
-          <p:cNvPr id="5" name="Segnaposto contenuto 2"/>
-          <p:cNvSpPr>
-            <a:spLocks noGrp="1"/>
-          </p:cNvSpPr>
-          <p:nvPr>
-            <p:ph idx="1"/>
-          </p:nvPr>
-        </p:nvSpPr>
-        <p:spPr>
-          <a:xfrm>
-            <a:off x="671947" y="1850167"/>
-            <a:ext cx="10131425" cy="4557560"/>
-          </a:xfrm>
-        </p:spPr>
-        <p:txBody>
-          <a:bodyPr>
-            <a:normAutofit/>
-          </a:bodyPr>
-          <a:lstStyle/>
-          <a:p>
-            <a:endParaRPr lang="en-GB" sz="4000" dirty="0" smtClean="0">
-              <a:latin typeface="+mj-lt"/>
-            </a:endParaRPr>
-          </a:p>
-          <a:p>
-            <a:endParaRPr lang="en-GB" sz="4000" dirty="0" smtClean="0">
-              <a:latin typeface="+mj-lt"/>
-            </a:endParaRPr>
-          </a:p>
-          <a:p>
-            <a:endParaRPr lang="en-GB" sz="4000" dirty="0">
-              <a:latin typeface="+mj-lt"/>
-            </a:endParaRPr>
-          </a:p>
-        </p:txBody>
-      </p:sp>
-      <p:pic>
-        <p:nvPicPr>
-          <p:cNvPr id="2" name="Immagine 1"/>
-          <p:cNvPicPr>
-            <a:picLocks noChangeAspect="1"/>
-          </p:cNvPicPr>
-          <p:nvPr/>
-        </p:nvPicPr>
-        <p:blipFill>
-          <a:blip r:embed="rId3">
-            <a:alphaModFix amt="50000"/>
-            <a:extLst>
-              <a:ext uri="{28A0092B-C50C-407E-A947-70E740481C1C}">
-                <a14:useLocalDpi xmlns:a14="http://schemas.microsoft.com/office/drawing/2010/main" val="0"/>
-              </a:ext>
-            </a:extLst>
-          </a:blip>
-          <a:stretch>
-            <a:fillRect/>
-          </a:stretch>
-        </p:blipFill>
-        <p:spPr>
-          <a:xfrm>
-            <a:off x="-844117" y="0"/>
-            <a:ext cx="14025600" cy="7012800"/>
-          </a:xfrm>
-          <a:prstGeom prst="rect">
-            <a:avLst/>
-          </a:prstGeom>
-        </p:spPr>
-      </p:pic>
-      <p:sp>
-        <p:nvSpPr>
-          <p:cNvPr id="7" name="Titolo 1"/>
-          <p:cNvSpPr>
-            <a:spLocks noGrp="1"/>
-          </p:cNvSpPr>
-          <p:nvPr>
-            <p:ph type="title"/>
-          </p:nvPr>
-        </p:nvSpPr>
-        <p:spPr>
-          <a:xfrm>
-            <a:off x="387927" y="484909"/>
-            <a:ext cx="10131425" cy="1067385"/>
-          </a:xfrm>
-        </p:spPr>
-        <p:txBody>
-          <a:bodyPr/>
-          <a:lstStyle/>
-          <a:p>
-            <a:pPr marL="742950" marR="0" lvl="0" indent="-742950" defTabSz="914400" eaLnBrk="1" fontAlgn="auto" latinLnBrk="0" hangingPunct="1">
-              <a:lnSpc>
-                <a:spcPct val="100000"/>
-              </a:lnSpc>
-              <a:spcBef>
-                <a:spcPts val="0"/>
-              </a:spcBef>
-              <a:spcAft>
-                <a:spcPts val="0"/>
-              </a:spcAft>
-              <a:buClrTx/>
-              <a:buSzTx/>
-              <a:buFont typeface="+mj-lt"/>
-              <a:buNone/>
-              <a:tabLst/>
-              <a:defRPr/>
-            </a:pPr>
-            <a:r>
-              <a:rPr lang="en-GB" dirty="0" smtClean="0"/>
-              <a:t>3.</a:t>
-            </a:r>
-            <a:r>
-              <a:rPr lang="en-GB" dirty="0" smtClean="0"/>
-              <a:t>	</a:t>
-            </a:r>
-            <a:r>
-              <a:rPr lang="en-GB" sz="4000" dirty="0" smtClean="0"/>
-              <a:t>Smart Contracts</a:t>
-            </a:r>
-            <a:endParaRPr lang="en-GB" sz="4000" dirty="0"/>
-          </a:p>
-        </p:txBody>
-      </p:sp>
-      <p:sp>
-        <p:nvSpPr>
-          <p:cNvPr id="8" name="Segnaposto contenuto 2"/>
-          <p:cNvSpPr txBox="1">
-            <a:spLocks/>
-          </p:cNvSpPr>
-          <p:nvPr/>
-        </p:nvSpPr>
-        <p:spPr>
-          <a:xfrm>
-            <a:off x="824347" y="2002567"/>
-            <a:ext cx="10131425" cy="4557560"/>
-          </a:xfrm>
-          <a:prstGeom prst="rect">
-            <a:avLst/>
-          </a:prstGeom>
-        </p:spPr>
-        <p:txBody>
-          <a:bodyPr vert="horz" lIns="91440" tIns="45720" rIns="91440" bIns="45720" rtlCol="0" anchor="ctr">
-            <a:normAutofit/>
-          </a:bodyPr>
-          <a:lstStyle>
-            <a:lvl1pPr marL="285750" indent="-285750" algn="l" defTabSz="457200" rtl="0" eaLnBrk="1" latinLnBrk="0" hangingPunct="1">
-              <a:spcBef>
-                <a:spcPts val="0"/>
-              </a:spcBef>
-              <a:spcAft>
-                <a:spcPts val="1000"/>
-              </a:spcAft>
-              <a:buClr>
-                <a:schemeClr val="tx1"/>
-              </a:buClr>
-              <a:buSzPct val="100000"/>
-              <a:buFont typeface="Arial"/>
-              <a:buChar char="•"/>
-              <a:defRPr sz="1800" kern="1200" cap="none">
-                <a:solidFill>
-                  <a:schemeClr val="tx1"/>
-                </a:solidFill>
-                <a:effectLst/>
-                <a:latin typeface="+mn-lt"/>
-                <a:ea typeface="+mn-ea"/>
-                <a:cs typeface="+mn-cs"/>
-              </a:defRPr>
-            </a:lvl1pPr>
-            <a:lvl2pPr marL="742950" indent="-285750" algn="l" defTabSz="457200" rtl="0" eaLnBrk="1" latinLnBrk="0" hangingPunct="1">
-              <a:spcBef>
-                <a:spcPts val="0"/>
-              </a:spcBef>
-              <a:spcAft>
-                <a:spcPts val="1000"/>
-              </a:spcAft>
-              <a:buClr>
-                <a:schemeClr val="tx1"/>
-              </a:buClr>
-              <a:buSzPct val="100000"/>
-              <a:buFont typeface="Arial"/>
-              <a:buChar char="•"/>
-              <a:defRPr sz="1600" kern="1200" cap="none">
-                <a:solidFill>
-                  <a:schemeClr val="tx1"/>
-                </a:solidFill>
-                <a:effectLst/>
-                <a:latin typeface="+mn-lt"/>
-                <a:ea typeface="+mn-ea"/>
-                <a:cs typeface="+mn-cs"/>
-              </a:defRPr>
-            </a:lvl2pPr>
-            <a:lvl3pPr marL="1200150" indent="-285750" algn="l" defTabSz="457200" rtl="0" eaLnBrk="1" latinLnBrk="0" hangingPunct="1">
-              <a:spcBef>
-                <a:spcPts val="0"/>
-              </a:spcBef>
-              <a:spcAft>
-                <a:spcPts val="1000"/>
-              </a:spcAft>
-              <a:buClr>
-                <a:schemeClr val="tx1"/>
-              </a:buClr>
-              <a:buSzPct val="100000"/>
-              <a:buFont typeface="Arial"/>
-              <a:buChar char="•"/>
-              <a:defRPr sz="1400" kern="1200" cap="none">
-                <a:solidFill>
-                  <a:schemeClr val="tx1"/>
-                </a:solidFill>
-                <a:effectLst/>
-                <a:latin typeface="+mn-lt"/>
-                <a:ea typeface="+mn-ea"/>
-                <a:cs typeface="+mn-cs"/>
-              </a:defRPr>
-            </a:lvl3pPr>
-            <a:lvl4pPr marL="1543050" indent="-171450" algn="l" defTabSz="457200" rtl="0" eaLnBrk="1" latinLnBrk="0" hangingPunct="1">
-              <a:spcBef>
-                <a:spcPts val="0"/>
-              </a:spcBef>
-              <a:spcAft>
-                <a:spcPts val="1000"/>
-              </a:spcAft>
-              <a:buClr>
-                <a:schemeClr val="tx1"/>
-              </a:buClr>
-              <a:buSzPct val="100000"/>
-              <a:buFont typeface="Arial"/>
-              <a:buChar char="•"/>
-              <a:defRPr sz="1200" kern="1200" cap="none">
-                <a:solidFill>
-                  <a:schemeClr val="tx1"/>
-                </a:solidFill>
-                <a:effectLst/>
-                <a:latin typeface="+mn-lt"/>
-                <a:ea typeface="+mn-ea"/>
-                <a:cs typeface="+mn-cs"/>
-              </a:defRPr>
-            </a:lvl4pPr>
-            <a:lvl5pPr marL="2000250" indent="-171450" algn="l" defTabSz="457200" rtl="0" eaLnBrk="1" latinLnBrk="0" hangingPunct="1">
-              <a:spcBef>
-                <a:spcPts val="0"/>
-              </a:spcBef>
-              <a:spcAft>
-                <a:spcPts val="1000"/>
-              </a:spcAft>
-              <a:buClr>
-                <a:schemeClr val="tx1"/>
-              </a:buClr>
-              <a:buSzPct val="100000"/>
-              <a:buFont typeface="Arial"/>
-              <a:buChar char="•"/>
-              <a:defRPr sz="1200" kern="1200" cap="none">
-                <a:solidFill>
-                  <a:schemeClr val="tx1"/>
-                </a:solidFill>
-                <a:effectLst/>
-                <a:latin typeface="+mn-lt"/>
-                <a:ea typeface="+mn-ea"/>
-                <a:cs typeface="+mn-cs"/>
-              </a:defRPr>
-            </a:lvl5pPr>
-            <a:lvl6pPr marL="2514600" indent="-228600" algn="l" defTabSz="457200" rtl="0" eaLnBrk="1" latinLnBrk="0" hangingPunct="1">
-              <a:spcBef>
-                <a:spcPts val="0"/>
-              </a:spcBef>
-              <a:spcAft>
-                <a:spcPts val="1000"/>
-              </a:spcAft>
-              <a:buClr>
-                <a:schemeClr val="tx1"/>
-              </a:buClr>
-              <a:buSzPct val="100000"/>
-              <a:buFont typeface="Arial"/>
-              <a:buChar char="•"/>
-              <a:defRPr sz="1200" kern="1200" cap="none">
-                <a:solidFill>
-                  <a:schemeClr val="tx1"/>
-                </a:solidFill>
-                <a:effectLst/>
-                <a:latin typeface="+mn-lt"/>
-                <a:ea typeface="+mn-ea"/>
-                <a:cs typeface="+mn-cs"/>
-              </a:defRPr>
-            </a:lvl6pPr>
-            <a:lvl7pPr marL="2971800" indent="-228600" algn="l" defTabSz="457200" rtl="0" eaLnBrk="1" latinLnBrk="0" hangingPunct="1">
-              <a:spcBef>
-                <a:spcPts val="0"/>
-              </a:spcBef>
-              <a:spcAft>
-                <a:spcPts val="1000"/>
-              </a:spcAft>
-              <a:buClr>
-                <a:schemeClr val="tx1"/>
-              </a:buClr>
-              <a:buSzPct val="100000"/>
-              <a:buFont typeface="Arial"/>
-              <a:buChar char="•"/>
-              <a:defRPr sz="1200" kern="1200" cap="none">
-                <a:solidFill>
-                  <a:schemeClr val="tx1"/>
-                </a:solidFill>
-                <a:effectLst/>
-                <a:latin typeface="+mn-lt"/>
-                <a:ea typeface="+mn-ea"/>
-                <a:cs typeface="+mn-cs"/>
-              </a:defRPr>
-            </a:lvl7pPr>
-            <a:lvl8pPr marL="3429000" indent="-228600" algn="l" defTabSz="457200" rtl="0" eaLnBrk="1" latinLnBrk="0" hangingPunct="1">
-              <a:spcBef>
-                <a:spcPts val="0"/>
-              </a:spcBef>
-              <a:spcAft>
-                <a:spcPts val="1000"/>
-              </a:spcAft>
-              <a:buClr>
-                <a:schemeClr val="tx1"/>
-              </a:buClr>
-              <a:buSzPct val="100000"/>
-              <a:buFont typeface="Arial"/>
-              <a:buChar char="•"/>
-              <a:defRPr sz="1200" kern="1200" cap="none">
-                <a:solidFill>
-                  <a:schemeClr val="tx1"/>
-                </a:solidFill>
-                <a:effectLst/>
-                <a:latin typeface="+mn-lt"/>
-                <a:ea typeface="+mn-ea"/>
-                <a:cs typeface="+mn-cs"/>
-              </a:defRPr>
-            </a:lvl8pPr>
-            <a:lvl9pPr marL="3886200" indent="-228600" algn="l" defTabSz="457200" rtl="0" eaLnBrk="1" latinLnBrk="0" hangingPunct="1">
-              <a:spcBef>
-                <a:spcPts val="0"/>
-              </a:spcBef>
-              <a:spcAft>
-                <a:spcPts val="1000"/>
-              </a:spcAft>
-              <a:buClr>
-                <a:schemeClr val="tx1"/>
-              </a:buClr>
-              <a:buSzPct val="100000"/>
-              <a:buFont typeface="Arial"/>
-              <a:buChar char="•"/>
-              <a:defRPr sz="1200" kern="1200" cap="none">
-                <a:solidFill>
-                  <a:schemeClr val="tx1"/>
-                </a:solidFill>
-                <a:effectLst/>
-                <a:latin typeface="+mn-lt"/>
-                <a:ea typeface="+mn-ea"/>
-                <a:cs typeface="+mn-cs"/>
-              </a:defRPr>
-            </a:lvl9pPr>
-          </a:lstStyle>
-          <a:p>
-            <a:r>
-              <a:rPr lang="en-GB" sz="4000" dirty="0" smtClean="0">
-                <a:latin typeface="+mj-lt"/>
-              </a:rPr>
-              <a:t>What is a Smart Contract?</a:t>
-            </a:r>
-          </a:p>
-          <a:p>
-            <a:r>
-              <a:rPr lang="en-GB" sz="4000" dirty="0" smtClean="0">
-                <a:latin typeface="+mj-lt"/>
-              </a:rPr>
-              <a:t>Framework </a:t>
-            </a:r>
-            <a:r>
-              <a:rPr lang="en-GB" sz="4000" dirty="0" err="1" smtClean="0">
-                <a:latin typeface="+mj-lt"/>
-              </a:rPr>
-              <a:t>Ethereum</a:t>
-            </a:r>
-            <a:r>
-              <a:rPr lang="en-GB" sz="4000" dirty="0" smtClean="0">
-                <a:latin typeface="+mj-lt"/>
-              </a:rPr>
-              <a:t> </a:t>
-            </a:r>
-          </a:p>
-          <a:p>
-            <a:r>
-              <a:rPr lang="en-GB" sz="4000" dirty="0" smtClean="0">
-                <a:latin typeface="+mj-lt"/>
-              </a:rPr>
-              <a:t>Distributed shared Ledger</a:t>
-            </a:r>
-          </a:p>
-          <a:p>
-            <a:endParaRPr lang="en-GB" sz="4000" dirty="0" smtClean="0">
-              <a:latin typeface="+mj-lt"/>
-            </a:endParaRPr>
-          </a:p>
-          <a:p>
-            <a:endParaRPr lang="en-GB" sz="4000" dirty="0" smtClean="0">
-              <a:latin typeface="+mj-lt"/>
-            </a:endParaRPr>
-          </a:p>
-          <a:p>
-            <a:endParaRPr lang="en-GB" sz="4000" dirty="0">
-              <a:latin typeface="+mj-lt"/>
-            </a:endParaRPr>
-          </a:p>
-        </p:txBody>
-      </p:sp>
-    </p:spTree>
-    <p:extLst>
-      <p:ext uri="{BB962C8B-B14F-4D97-AF65-F5344CB8AC3E}">
-        <p14:creationId xmlns:p14="http://schemas.microsoft.com/office/powerpoint/2010/main" val="1086531968"/>
-      </p:ext>
-    </p:extLst>
-  </p:cSld>
-  <p:clrMapOvr>
-    <a:masterClrMapping/>
-  </p:clrMapOvr>
-  <mc:AlternateContent xmlns:mc="http://schemas.openxmlformats.org/markup-compatibility/2006">
-    <mc:Choice xmlns:p14="http://schemas.microsoft.com/office/powerpoint/2010/main" Requires="p14">
-      <p:transition spd="med" p14:dur="700">
-        <p:fade/>
-      </p:transition>
-    </mc:Choice>
-    <mc:Fallback>
-      <p:transition spd="med">
-        <p:fade/>
-      </p:transition>
-    </mc:Fallback>
-  </mc:AlternateContent>
-  <p:timing>
-    <p:tnLst>
-      <p:par>
-        <p:cTn id="1" dur="indefinite" restart="never" nodeType="tmRoot"/>
-      </p:par>
-    </p:tnLst>
-  </p:timing>
-</p:sld>
-</file>
-
-<file path=ppt/slides/slide19.xml><?xml version="1.0" encoding="utf-8"?>
-<p:sld xmlns:a="http://schemas.openxmlformats.org/drawingml/2006/main" xmlns:r="http://schemas.openxmlformats.org/officeDocument/2006/relationships" xmlns:p="http://schemas.openxmlformats.org/presentationml/2006/main">
-  <p:cSld>
-    <p:spTree>
-      <p:nvGrpSpPr>
-        <p:cNvPr id="1" name=""/>
-        <p:cNvGrpSpPr/>
-        <p:nvPr/>
-      </p:nvGrpSpPr>
-      <p:grpSpPr>
-        <a:xfrm>
-          <a:off x="0" y="0"/>
-          <a:ext cx="0" cy="0"/>
-          <a:chOff x="0" y="0"/>
-          <a:chExt cx="0" cy="0"/>
-        </a:xfrm>
-      </p:grpSpPr>
-      <p:sp>
-        <p:nvSpPr>
-          <p:cNvPr id="5" name="Segnaposto contenuto 2"/>
-          <p:cNvSpPr>
-            <a:spLocks noGrp="1"/>
-          </p:cNvSpPr>
-          <p:nvPr>
-            <p:ph idx="1"/>
-          </p:nvPr>
-        </p:nvSpPr>
-        <p:spPr>
-          <a:xfrm>
-            <a:off x="671947" y="1850167"/>
-            <a:ext cx="10131425" cy="4557560"/>
-          </a:xfrm>
-        </p:spPr>
-        <p:txBody>
-          <a:bodyPr>
-            <a:normAutofit/>
-          </a:bodyPr>
-          <a:lstStyle/>
-          <a:p>
-            <a:endParaRPr lang="en-GB" sz="4000" dirty="0" smtClean="0">
-              <a:latin typeface="+mj-lt"/>
-            </a:endParaRPr>
-          </a:p>
-          <a:p>
-            <a:endParaRPr lang="en-GB" sz="4000" dirty="0" smtClean="0">
-              <a:latin typeface="+mj-lt"/>
-            </a:endParaRPr>
-          </a:p>
-          <a:p>
-            <a:endParaRPr lang="en-GB" sz="4000" dirty="0">
-              <a:latin typeface="+mj-lt"/>
-            </a:endParaRPr>
-          </a:p>
-        </p:txBody>
-      </p:sp>
-      <p:pic>
-        <p:nvPicPr>
-          <p:cNvPr id="2" name="Immagine 1"/>
-          <p:cNvPicPr>
-            <a:picLocks noChangeAspect="1"/>
-          </p:cNvPicPr>
-          <p:nvPr/>
-        </p:nvPicPr>
-        <p:blipFill>
-          <a:blip r:embed="rId3">
-            <a:alphaModFix amt="50000"/>
-            <a:extLst>
-              <a:ext uri="{28A0092B-C50C-407E-A947-70E740481C1C}">
-                <a14:useLocalDpi xmlns:a14="http://schemas.microsoft.com/office/drawing/2010/main" val="0"/>
-              </a:ext>
-            </a:extLst>
-          </a:blip>
-          <a:stretch>
-            <a:fillRect/>
-          </a:stretch>
-        </p:blipFill>
-        <p:spPr>
-          <a:xfrm>
-            <a:off x="-844117" y="0"/>
-            <a:ext cx="14025600" cy="7012800"/>
-          </a:xfrm>
-          <a:prstGeom prst="rect">
-            <a:avLst/>
-          </a:prstGeom>
-        </p:spPr>
-      </p:pic>
-      <p:sp>
-        <p:nvSpPr>
-          <p:cNvPr id="7" name="Titolo 1"/>
-          <p:cNvSpPr>
-            <a:spLocks noGrp="1"/>
-          </p:cNvSpPr>
-          <p:nvPr>
-            <p:ph type="title"/>
-          </p:nvPr>
-        </p:nvSpPr>
-        <p:spPr>
-          <a:xfrm>
-            <a:off x="387927" y="484909"/>
-            <a:ext cx="10131425" cy="1067385"/>
-          </a:xfrm>
-        </p:spPr>
-        <p:txBody>
-          <a:bodyPr/>
-          <a:lstStyle/>
-          <a:p>
-            <a:pPr marL="742950" marR="0" lvl="0" indent="-742950" defTabSz="914400" eaLnBrk="1" fontAlgn="auto" latinLnBrk="0" hangingPunct="1">
-              <a:lnSpc>
-                <a:spcPct val="100000"/>
-              </a:lnSpc>
-              <a:spcBef>
-                <a:spcPts val="0"/>
-              </a:spcBef>
-              <a:spcAft>
-                <a:spcPts val="0"/>
-              </a:spcAft>
-              <a:buClrTx/>
-              <a:buSzTx/>
-              <a:buFont typeface="+mj-lt"/>
-              <a:buNone/>
-              <a:tabLst/>
-              <a:defRPr/>
-            </a:pPr>
-            <a:r>
-              <a:rPr lang="en-GB" dirty="0" smtClean="0"/>
-              <a:t>3.</a:t>
-            </a:r>
-            <a:r>
-              <a:rPr lang="en-GB" dirty="0" smtClean="0"/>
-              <a:t>	</a:t>
-            </a:r>
-            <a:r>
-              <a:rPr lang="en-GB" sz="4000" dirty="0" smtClean="0"/>
-              <a:t>Smart Contracts</a:t>
-            </a:r>
-            <a:endParaRPr lang="en-GB" sz="4000" dirty="0"/>
-          </a:p>
-        </p:txBody>
-      </p:sp>
-      <p:sp>
-        <p:nvSpPr>
-          <p:cNvPr id="8" name="Segnaposto contenuto 2"/>
-          <p:cNvSpPr txBox="1">
-            <a:spLocks/>
-          </p:cNvSpPr>
-          <p:nvPr/>
-        </p:nvSpPr>
-        <p:spPr>
-          <a:xfrm>
-            <a:off x="824347" y="2002567"/>
-            <a:ext cx="10131425" cy="4557560"/>
-          </a:xfrm>
-          <a:prstGeom prst="rect">
-            <a:avLst/>
-          </a:prstGeom>
-        </p:spPr>
-        <p:txBody>
-          <a:bodyPr vert="horz" lIns="91440" tIns="45720" rIns="91440" bIns="45720" rtlCol="0" anchor="ctr">
-            <a:normAutofit/>
-          </a:bodyPr>
-          <a:lstStyle>
-            <a:lvl1pPr marL="285750" indent="-285750" algn="l" defTabSz="457200" rtl="0" eaLnBrk="1" latinLnBrk="0" hangingPunct="1">
-              <a:spcBef>
-                <a:spcPts val="0"/>
-              </a:spcBef>
-              <a:spcAft>
-                <a:spcPts val="1000"/>
-              </a:spcAft>
-              <a:buClr>
-                <a:schemeClr val="tx1"/>
-              </a:buClr>
-              <a:buSzPct val="100000"/>
-              <a:buFont typeface="Arial"/>
-              <a:buChar char="•"/>
-              <a:defRPr sz="1800" kern="1200" cap="none">
-                <a:solidFill>
-                  <a:schemeClr val="tx1"/>
-                </a:solidFill>
-                <a:effectLst/>
-                <a:latin typeface="+mn-lt"/>
-                <a:ea typeface="+mn-ea"/>
-                <a:cs typeface="+mn-cs"/>
-              </a:defRPr>
-            </a:lvl1pPr>
-            <a:lvl2pPr marL="742950" indent="-285750" algn="l" defTabSz="457200" rtl="0" eaLnBrk="1" latinLnBrk="0" hangingPunct="1">
-              <a:spcBef>
-                <a:spcPts val="0"/>
-              </a:spcBef>
-              <a:spcAft>
-                <a:spcPts val="1000"/>
-              </a:spcAft>
-              <a:buClr>
-                <a:schemeClr val="tx1"/>
-              </a:buClr>
-              <a:buSzPct val="100000"/>
-              <a:buFont typeface="Arial"/>
-              <a:buChar char="•"/>
-              <a:defRPr sz="1600" kern="1200" cap="none">
-                <a:solidFill>
-                  <a:schemeClr val="tx1"/>
-                </a:solidFill>
-                <a:effectLst/>
-                <a:latin typeface="+mn-lt"/>
-                <a:ea typeface="+mn-ea"/>
-                <a:cs typeface="+mn-cs"/>
-              </a:defRPr>
-            </a:lvl2pPr>
-            <a:lvl3pPr marL="1200150" indent="-285750" algn="l" defTabSz="457200" rtl="0" eaLnBrk="1" latinLnBrk="0" hangingPunct="1">
-              <a:spcBef>
-                <a:spcPts val="0"/>
-              </a:spcBef>
-              <a:spcAft>
-                <a:spcPts val="1000"/>
-              </a:spcAft>
-              <a:buClr>
-                <a:schemeClr val="tx1"/>
-              </a:buClr>
-              <a:buSzPct val="100000"/>
-              <a:buFont typeface="Arial"/>
-              <a:buChar char="•"/>
-              <a:defRPr sz="1400" kern="1200" cap="none">
-                <a:solidFill>
-                  <a:schemeClr val="tx1"/>
-                </a:solidFill>
-                <a:effectLst/>
-                <a:latin typeface="+mn-lt"/>
-                <a:ea typeface="+mn-ea"/>
-                <a:cs typeface="+mn-cs"/>
-              </a:defRPr>
-            </a:lvl3pPr>
-            <a:lvl4pPr marL="1543050" indent="-171450" algn="l" defTabSz="457200" rtl="0" eaLnBrk="1" latinLnBrk="0" hangingPunct="1">
-              <a:spcBef>
-                <a:spcPts val="0"/>
-              </a:spcBef>
-              <a:spcAft>
-                <a:spcPts val="1000"/>
-              </a:spcAft>
-              <a:buClr>
-                <a:schemeClr val="tx1"/>
-              </a:buClr>
-              <a:buSzPct val="100000"/>
-              <a:buFont typeface="Arial"/>
-              <a:buChar char="•"/>
-              <a:defRPr sz="1200" kern="1200" cap="none">
-                <a:solidFill>
-                  <a:schemeClr val="tx1"/>
-                </a:solidFill>
-                <a:effectLst/>
-                <a:latin typeface="+mn-lt"/>
-                <a:ea typeface="+mn-ea"/>
-                <a:cs typeface="+mn-cs"/>
-              </a:defRPr>
-            </a:lvl4pPr>
-            <a:lvl5pPr marL="2000250" indent="-171450" algn="l" defTabSz="457200" rtl="0" eaLnBrk="1" latinLnBrk="0" hangingPunct="1">
-              <a:spcBef>
-                <a:spcPts val="0"/>
-              </a:spcBef>
-              <a:spcAft>
-                <a:spcPts val="1000"/>
-              </a:spcAft>
-              <a:buClr>
-                <a:schemeClr val="tx1"/>
-              </a:buClr>
-              <a:buSzPct val="100000"/>
-              <a:buFont typeface="Arial"/>
-              <a:buChar char="•"/>
-              <a:defRPr sz="1200" kern="1200" cap="none">
-                <a:solidFill>
-                  <a:schemeClr val="tx1"/>
-                </a:solidFill>
-                <a:effectLst/>
-                <a:latin typeface="+mn-lt"/>
-                <a:ea typeface="+mn-ea"/>
-                <a:cs typeface="+mn-cs"/>
-              </a:defRPr>
-            </a:lvl5pPr>
-            <a:lvl6pPr marL="2514600" indent="-228600" algn="l" defTabSz="457200" rtl="0" eaLnBrk="1" latinLnBrk="0" hangingPunct="1">
-              <a:spcBef>
-                <a:spcPts val="0"/>
-              </a:spcBef>
-              <a:spcAft>
-                <a:spcPts val="1000"/>
-              </a:spcAft>
-              <a:buClr>
-                <a:schemeClr val="tx1"/>
-              </a:buClr>
-              <a:buSzPct val="100000"/>
-              <a:buFont typeface="Arial"/>
-              <a:buChar char="•"/>
-              <a:defRPr sz="1200" kern="1200" cap="none">
-                <a:solidFill>
-                  <a:schemeClr val="tx1"/>
-                </a:solidFill>
-                <a:effectLst/>
-                <a:latin typeface="+mn-lt"/>
-                <a:ea typeface="+mn-ea"/>
-                <a:cs typeface="+mn-cs"/>
-              </a:defRPr>
-            </a:lvl6pPr>
-            <a:lvl7pPr marL="2971800" indent="-228600" algn="l" defTabSz="457200" rtl="0" eaLnBrk="1" latinLnBrk="0" hangingPunct="1">
-              <a:spcBef>
-                <a:spcPts val="0"/>
-              </a:spcBef>
-              <a:spcAft>
-                <a:spcPts val="1000"/>
-              </a:spcAft>
-              <a:buClr>
-                <a:schemeClr val="tx1"/>
-              </a:buClr>
-              <a:buSzPct val="100000"/>
-              <a:buFont typeface="Arial"/>
-              <a:buChar char="•"/>
-              <a:defRPr sz="1200" kern="1200" cap="none">
-                <a:solidFill>
-                  <a:schemeClr val="tx1"/>
-                </a:solidFill>
-                <a:effectLst/>
-                <a:latin typeface="+mn-lt"/>
-                <a:ea typeface="+mn-ea"/>
-                <a:cs typeface="+mn-cs"/>
-              </a:defRPr>
-            </a:lvl7pPr>
-            <a:lvl8pPr marL="3429000" indent="-228600" algn="l" defTabSz="457200" rtl="0" eaLnBrk="1" latinLnBrk="0" hangingPunct="1">
-              <a:spcBef>
-                <a:spcPts val="0"/>
-              </a:spcBef>
-              <a:spcAft>
-                <a:spcPts val="1000"/>
-              </a:spcAft>
-              <a:buClr>
-                <a:schemeClr val="tx1"/>
-              </a:buClr>
-              <a:buSzPct val="100000"/>
-              <a:buFont typeface="Arial"/>
-              <a:buChar char="•"/>
-              <a:defRPr sz="1200" kern="1200" cap="none">
-                <a:solidFill>
-                  <a:schemeClr val="tx1"/>
-                </a:solidFill>
-                <a:effectLst/>
-                <a:latin typeface="+mn-lt"/>
-                <a:ea typeface="+mn-ea"/>
-                <a:cs typeface="+mn-cs"/>
-              </a:defRPr>
-            </a:lvl8pPr>
-            <a:lvl9pPr marL="3886200" indent="-228600" algn="l" defTabSz="457200" rtl="0" eaLnBrk="1" latinLnBrk="0" hangingPunct="1">
-              <a:spcBef>
-                <a:spcPts val="0"/>
-              </a:spcBef>
-              <a:spcAft>
-                <a:spcPts val="1000"/>
-              </a:spcAft>
-              <a:buClr>
-                <a:schemeClr val="tx1"/>
-              </a:buClr>
-              <a:buSzPct val="100000"/>
-              <a:buFont typeface="Arial"/>
-              <a:buChar char="•"/>
-              <a:defRPr sz="1200" kern="1200" cap="none">
-                <a:solidFill>
-                  <a:schemeClr val="tx1"/>
-                </a:solidFill>
-                <a:effectLst/>
-                <a:latin typeface="+mn-lt"/>
-                <a:ea typeface="+mn-ea"/>
-                <a:cs typeface="+mn-cs"/>
-              </a:defRPr>
-            </a:lvl9pPr>
-          </a:lstStyle>
-          <a:p>
-            <a:r>
-              <a:rPr lang="en-GB" sz="4000" dirty="0" smtClean="0">
-                <a:latin typeface="+mj-lt"/>
-              </a:rPr>
-              <a:t>What is a Smart Contract?</a:t>
-            </a:r>
-          </a:p>
-          <a:p>
-            <a:r>
-              <a:rPr lang="en-GB" sz="4000" dirty="0" smtClean="0">
-                <a:latin typeface="+mj-lt"/>
-              </a:rPr>
-              <a:t>Framework </a:t>
-            </a:r>
-            <a:r>
-              <a:rPr lang="en-GB" sz="4000" dirty="0" err="1" smtClean="0">
-                <a:latin typeface="+mj-lt"/>
-              </a:rPr>
-              <a:t>Ethereum</a:t>
-            </a:r>
-            <a:r>
-              <a:rPr lang="en-GB" sz="4000" dirty="0" smtClean="0">
-                <a:latin typeface="+mj-lt"/>
-              </a:rPr>
-              <a:t> </a:t>
-            </a:r>
-          </a:p>
-          <a:p>
-            <a:r>
-              <a:rPr lang="en-GB" sz="4000" dirty="0" smtClean="0">
-                <a:latin typeface="+mj-lt"/>
-              </a:rPr>
-              <a:t>Distributed shared Ledger</a:t>
-            </a:r>
-          </a:p>
-          <a:p>
-            <a:endParaRPr lang="en-GB" sz="4000" dirty="0" smtClean="0">
-              <a:latin typeface="+mj-lt"/>
-            </a:endParaRPr>
-          </a:p>
-          <a:p>
-            <a:endParaRPr lang="en-GB" sz="4000" dirty="0" smtClean="0">
-              <a:latin typeface="+mj-lt"/>
-            </a:endParaRPr>
-          </a:p>
-          <a:p>
-            <a:endParaRPr lang="en-GB" sz="4000" dirty="0">
-              <a:latin typeface="+mj-lt"/>
-            </a:endParaRPr>
-          </a:p>
-        </p:txBody>
-      </p:sp>
-    </p:spTree>
-    <p:extLst>
-      <p:ext uri="{BB962C8B-B14F-4D97-AF65-F5344CB8AC3E}">
-        <p14:creationId xmlns:p14="http://schemas.microsoft.com/office/powerpoint/2010/main" val="1755699915"/>
+        <p14:creationId xmlns:p14="http://schemas.microsoft.com/office/powerpoint/2010/main" val="988774857"/>
       </p:ext>
     </p:extLst>
   </p:cSld>

--- a/presentation_SC.pptx
+++ b/presentation_SC.pptx
@@ -5,7 +5,7 @@
     <p:sldMasterId id="2147484038" r:id="rId1"/>
   </p:sldMasterIdLst>
   <p:notesMasterIdLst>
-    <p:notesMasterId r:id="rId19"/>
+    <p:notesMasterId r:id="rId24"/>
   </p:notesMasterIdLst>
   <p:sldIdLst>
     <p:sldId id="256" r:id="rId2"/>
@@ -23,8 +23,13 @@
     <p:sldId id="263" r:id="rId14"/>
     <p:sldId id="269" r:id="rId15"/>
     <p:sldId id="270" r:id="rId16"/>
-    <p:sldId id="275" r:id="rId17"/>
-    <p:sldId id="276" r:id="rId18"/>
+    <p:sldId id="277" r:id="rId17"/>
+    <p:sldId id="278" r:id="rId18"/>
+    <p:sldId id="281" r:id="rId19"/>
+    <p:sldId id="279" r:id="rId20"/>
+    <p:sldId id="282" r:id="rId21"/>
+    <p:sldId id="275" r:id="rId22"/>
+    <p:sldId id="276" r:id="rId23"/>
   </p:sldIdLst>
   <p:sldSz cx="12192000" cy="6858000"/>
   <p:notesSz cx="6858000" cy="9144000"/>
@@ -1190,6 +1195,59 @@
             <a:endParaRPr lang="en-GB" baseline="0" dirty="0" smtClean="0"/>
           </a:p>
           <a:p>
+            <a:endParaRPr lang="en-GB" baseline="0" dirty="0" smtClean="0"/>
+          </a:p>
+          <a:p>
+            <a:r>
+              <a:rPr lang="en-GB" baseline="0" dirty="0" smtClean="0"/>
+              <a:t>Encrypted and Stored on the </a:t>
+            </a:r>
+            <a:r>
+              <a:rPr lang="en-GB" baseline="0" dirty="0" err="1" smtClean="0"/>
+              <a:t>blockchain</a:t>
+            </a:r>
+            <a:endParaRPr lang="en-GB" baseline="0" dirty="0" smtClean="0"/>
+          </a:p>
+          <a:p>
+            <a:r>
+              <a:rPr lang="en-GB" baseline="0" dirty="0" smtClean="0"/>
+              <a:t>To append a new block of data (the code for the execution of a SC)  to the </a:t>
+            </a:r>
+            <a:r>
+              <a:rPr lang="en-GB" baseline="0" dirty="0" err="1" smtClean="0"/>
+              <a:t>blockchain</a:t>
+            </a:r>
+            <a:r>
+              <a:rPr lang="en-GB" baseline="0" dirty="0" smtClean="0"/>
+              <a:t>, the miners have to validate the </a:t>
+            </a:r>
+            <a:r>
+              <a:rPr lang="en-GB" baseline="0" dirty="0" err="1" smtClean="0"/>
+              <a:t>exectuion</a:t>
+            </a:r>
+            <a:r>
+              <a:rPr lang="en-GB" baseline="0" dirty="0" smtClean="0"/>
+              <a:t> of the SC</a:t>
+            </a:r>
+          </a:p>
+          <a:p>
+            <a:r>
+              <a:rPr lang="en-GB" baseline="0" dirty="0" smtClean="0"/>
+              <a:t>SC are stored on the </a:t>
+            </a:r>
+            <a:r>
+              <a:rPr lang="en-GB" baseline="0" dirty="0" err="1" smtClean="0"/>
+              <a:t>blockchain</a:t>
+            </a:r>
+            <a:r>
+              <a:rPr lang="en-GB" baseline="0" dirty="0" smtClean="0"/>
+              <a:t> which all parties have a copy of and if any party fails the system continues to functions with no loss of data or integrity</a:t>
+            </a:r>
+          </a:p>
+          <a:p>
+            <a:endParaRPr lang="en-GB" baseline="0" dirty="0" smtClean="0"/>
+          </a:p>
+          <a:p>
             <a:endParaRPr lang="en-GB" dirty="0"/>
           </a:p>
         </p:txBody>
@@ -1274,6 +1332,30 @@
           <a:bodyPr/>
           <a:lstStyle/>
           <a:p>
+            <a:r>
+              <a:rPr lang="en-GB" dirty="0" smtClean="0"/>
+              <a:t>1. Alice wants</a:t>
+            </a:r>
+            <a:r>
+              <a:rPr lang="en-GB" baseline="0" dirty="0" smtClean="0"/>
+              <a:t> to buy a </a:t>
+            </a:r>
+            <a:r>
+              <a:rPr lang="en-GB" baseline="0" dirty="0" err="1" smtClean="0"/>
+              <a:t>SmartPhone</a:t>
+            </a:r>
+            <a:r>
+              <a:rPr lang="en-GB" baseline="0" dirty="0" smtClean="0"/>
+              <a:t> on </a:t>
+            </a:r>
+            <a:r>
+              <a:rPr lang="en-GB" baseline="0" dirty="0" err="1" smtClean="0"/>
+              <a:t>Ebay</a:t>
+            </a:r>
+            <a:r>
+              <a:rPr lang="en-GB" baseline="0" dirty="0" smtClean="0"/>
+              <a:t>. She is willing to pay a certain amount of money for it. </a:t>
+            </a:r>
             <a:endParaRPr lang="en-GB" dirty="0"/>
           </a:p>
         </p:txBody>
@@ -1304,7 +1386,7 @@
     </p:spTree>
     <p:extLst>
       <p:ext uri="{BB962C8B-B14F-4D97-AF65-F5344CB8AC3E}">
-        <p14:creationId xmlns:p14="http://schemas.microsoft.com/office/powerpoint/2010/main" val="690545035"/>
+        <p14:creationId xmlns:p14="http://schemas.microsoft.com/office/powerpoint/2010/main" val="1362834840"/>
       </p:ext>
     </p:extLst>
   </p:cSld>
@@ -1358,15 +1440,34 @@
           <a:bodyPr/>
           <a:lstStyle/>
           <a:p>
+            <a:pPr marL="228600" indent="-228600">
+              <a:buAutoNum type="arabicPeriod"/>
+            </a:pPr>
             <a:r>
               <a:rPr lang="en-GB" dirty="0" smtClean="0"/>
-              <a:t>Thi</a:t>
+              <a:t>For buying the smart phone, </a:t>
+            </a:r>
+            <a:r>
+              <a:rPr lang="en-GB" dirty="0" err="1" smtClean="0"/>
+              <a:t>alice</a:t>
+            </a:r>
+            <a:r>
+              <a:rPr lang="en-GB" dirty="0" smtClean="0"/>
+              <a:t> wants</a:t>
             </a:r>
             <a:r>
               <a:rPr lang="en-GB" baseline="0" dirty="0" smtClean="0"/>
-              <a:t>nk of it as wills and contract that execute themselves </a:t>
-            </a:r>
-            <a:endParaRPr lang="en-GB" dirty="0"/>
+              <a:t> to make sure that she would get the product she is paying for. Therefore, she stipulates a TRADITIONAL contract with Bob, an </a:t>
+            </a:r>
+            <a:r>
+              <a:rPr lang="en-GB" baseline="0" dirty="0" err="1" smtClean="0"/>
+              <a:t>Ebay</a:t>
+            </a:r>
+            <a:r>
+              <a:rPr lang="en-GB" baseline="0" dirty="0" smtClean="0"/>
+              <a:t> employee who works in the legal area. </a:t>
+            </a:r>
+            <a:endParaRPr lang="en-GB" baseline="0" dirty="0"/>
           </a:p>
         </p:txBody>
       </p:sp>
@@ -1388,6 +1489,781 @@
             <a:fld id="{595F61C2-6B96-DC49-8037-CB49B5317E27}" type="slidenum">
               <a:rPr lang="en-GB" smtClean="0"/>
               <a:t>17</a:t>
+            </a:fld>
+            <a:endParaRPr lang="en-GB"/>
+          </a:p>
+        </p:txBody>
+      </p:sp>
+    </p:spTree>
+    <p:extLst>
+      <p:ext uri="{BB962C8B-B14F-4D97-AF65-F5344CB8AC3E}">
+        <p14:creationId xmlns:p14="http://schemas.microsoft.com/office/powerpoint/2010/main" val="403681562"/>
+      </p:ext>
+    </p:extLst>
+  </p:cSld>
+  <p:clrMapOvr>
+    <a:masterClrMapping/>
+  </p:clrMapOvr>
+</p:notes>
+</file>
+
+<file path=ppt/notesSlides/notesSlide15.xml><?xml version="1.0" encoding="utf-8"?>
+<p:notes xmlns:a="http://schemas.openxmlformats.org/drawingml/2006/main" xmlns:r="http://schemas.openxmlformats.org/officeDocument/2006/relationships" xmlns:p="http://schemas.openxmlformats.org/presentationml/2006/main">
+  <p:cSld>
+    <p:spTree>
+      <p:nvGrpSpPr>
+        <p:cNvPr id="1" name=""/>
+        <p:cNvGrpSpPr/>
+        <p:nvPr/>
+      </p:nvGrpSpPr>
+      <p:grpSpPr>
+        <a:xfrm>
+          <a:off x="0" y="0"/>
+          <a:ext cx="0" cy="0"/>
+          <a:chOff x="0" y="0"/>
+          <a:chExt cx="0" cy="0"/>
+        </a:xfrm>
+      </p:grpSpPr>
+      <p:sp>
+        <p:nvSpPr>
+          <p:cNvPr id="2" name="Segnaposto immagine diapositiva 1"/>
+          <p:cNvSpPr>
+            <a:spLocks noGrp="1" noRot="1" noChangeAspect="1"/>
+          </p:cNvSpPr>
+          <p:nvPr>
+            <p:ph type="sldImg"/>
+          </p:nvPr>
+        </p:nvSpPr>
+        <p:spPr/>
+      </p:sp>
+      <p:sp>
+        <p:nvSpPr>
+          <p:cNvPr id="3" name="Segnaposto note 2"/>
+          <p:cNvSpPr>
+            <a:spLocks noGrp="1"/>
+          </p:cNvSpPr>
+          <p:nvPr>
+            <p:ph type="body" idx="1"/>
+          </p:nvPr>
+        </p:nvSpPr>
+        <p:spPr/>
+        <p:txBody>
+          <a:bodyPr/>
+          <a:lstStyle/>
+          <a:p>
+            <a:pPr marL="228600" indent="-228600">
+              <a:buAutoNum type="arabicPeriod"/>
+            </a:pPr>
+            <a:r>
+              <a:rPr lang="en-GB" baseline="0" dirty="0" smtClean="0"/>
+              <a:t>On the </a:t>
+            </a:r>
+            <a:r>
+              <a:rPr lang="en-GB" baseline="0" dirty="0" err="1" smtClean="0"/>
+              <a:t>tradictional</a:t>
+            </a:r>
+            <a:r>
+              <a:rPr lang="en-GB" baseline="0" dirty="0" smtClean="0"/>
+              <a:t> contract there are the following agreements:</a:t>
+            </a:r>
+          </a:p>
+          <a:p>
+            <a:pPr marL="0" indent="0" algn="l">
+              <a:buNone/>
+            </a:pPr>
+            <a:endParaRPr lang="en-GB" baseline="0" dirty="0" smtClean="0"/>
+          </a:p>
+          <a:p>
+            <a:pPr marL="0" indent="0" algn="l">
+              <a:buNone/>
+            </a:pPr>
+            <a:r>
+              <a:rPr lang="en-GB" baseline="0" dirty="0" smtClean="0"/>
+              <a:t>The Phone will be shipped to Alice only once the money transaction has been confirmed. </a:t>
+            </a:r>
+          </a:p>
+          <a:p>
+            <a:pPr marL="0" indent="0" algn="l">
+              <a:buNone/>
+            </a:pPr>
+            <a:r>
+              <a:rPr lang="en-GB" baseline="0" dirty="0" smtClean="0"/>
+              <a:t>The middleman Bob, is in charge of checking whether the payment has really been made. </a:t>
+            </a:r>
+          </a:p>
+          <a:p>
+            <a:pPr marL="0" indent="0" algn="l">
+              <a:buNone/>
+            </a:pPr>
+            <a:r>
+              <a:rPr lang="en-GB" baseline="0" dirty="0" smtClean="0"/>
+              <a:t>If not, he waits 1-2 days and then he checks the payment again. </a:t>
+            </a:r>
+          </a:p>
+        </p:txBody>
+      </p:sp>
+      <p:sp>
+        <p:nvSpPr>
+          <p:cNvPr id="4" name="Segnaposto numero diapositiva 3"/>
+          <p:cNvSpPr>
+            <a:spLocks noGrp="1"/>
+          </p:cNvSpPr>
+          <p:nvPr>
+            <p:ph type="sldNum" sz="quarter" idx="10"/>
+          </p:nvPr>
+        </p:nvSpPr>
+        <p:spPr/>
+        <p:txBody>
+          <a:bodyPr/>
+          <a:lstStyle/>
+          <a:p>
+            <a:fld id="{595F61C2-6B96-DC49-8037-CB49B5317E27}" type="slidenum">
+              <a:rPr lang="en-GB" smtClean="0"/>
+              <a:t>18</a:t>
+            </a:fld>
+            <a:endParaRPr lang="en-GB"/>
+          </a:p>
+        </p:txBody>
+      </p:sp>
+    </p:spTree>
+    <p:extLst>
+      <p:ext uri="{BB962C8B-B14F-4D97-AF65-F5344CB8AC3E}">
+        <p14:creationId xmlns:p14="http://schemas.microsoft.com/office/powerpoint/2010/main" val="34519891"/>
+      </p:ext>
+    </p:extLst>
+  </p:cSld>
+  <p:clrMapOvr>
+    <a:masterClrMapping/>
+  </p:clrMapOvr>
+</p:notes>
+</file>
+
+<file path=ppt/notesSlides/notesSlide16.xml><?xml version="1.0" encoding="utf-8"?>
+<p:notes xmlns:a="http://schemas.openxmlformats.org/drawingml/2006/main" xmlns:r="http://schemas.openxmlformats.org/officeDocument/2006/relationships" xmlns:p="http://schemas.openxmlformats.org/presentationml/2006/main">
+  <p:cSld>
+    <p:spTree>
+      <p:nvGrpSpPr>
+        <p:cNvPr id="1" name=""/>
+        <p:cNvGrpSpPr/>
+        <p:nvPr/>
+      </p:nvGrpSpPr>
+      <p:grpSpPr>
+        <a:xfrm>
+          <a:off x="0" y="0"/>
+          <a:ext cx="0" cy="0"/>
+          <a:chOff x="0" y="0"/>
+          <a:chExt cx="0" cy="0"/>
+        </a:xfrm>
+      </p:grpSpPr>
+      <p:sp>
+        <p:nvSpPr>
+          <p:cNvPr id="2" name="Segnaposto immagine diapositiva 1"/>
+          <p:cNvSpPr>
+            <a:spLocks noGrp="1" noRot="1" noChangeAspect="1"/>
+          </p:cNvSpPr>
+          <p:nvPr>
+            <p:ph type="sldImg"/>
+          </p:nvPr>
+        </p:nvSpPr>
+        <p:spPr/>
+      </p:sp>
+      <p:sp>
+        <p:nvSpPr>
+          <p:cNvPr id="3" name="Segnaposto note 2"/>
+          <p:cNvSpPr>
+            <a:spLocks noGrp="1"/>
+          </p:cNvSpPr>
+          <p:nvPr>
+            <p:ph type="body" idx="1"/>
+          </p:nvPr>
+        </p:nvSpPr>
+        <p:spPr/>
+        <p:txBody>
+          <a:bodyPr/>
+          <a:lstStyle/>
+          <a:p>
+            <a:pPr marL="457200" lvl="1" indent="0">
+              <a:buNone/>
+            </a:pPr>
+            <a:r>
+              <a:rPr lang="en-GB" baseline="0" dirty="0" smtClean="0"/>
+              <a:t>A better explanation of the contract terms </a:t>
+            </a:r>
+          </a:p>
+          <a:p>
+            <a:pPr marL="628650" lvl="1" indent="-171450">
+              <a:buFontTx/>
+              <a:buChar char="-"/>
+            </a:pPr>
+            <a:r>
+              <a:rPr lang="en-GB" baseline="0" dirty="0" smtClean="0"/>
+              <a:t>Alice pays for her Smartphone on a certain day</a:t>
+            </a:r>
+          </a:p>
+          <a:p>
+            <a:pPr marL="628650" lvl="1" indent="-171450">
+              <a:buFontTx/>
+              <a:buChar char="-"/>
+            </a:pPr>
+            <a:r>
+              <a:rPr lang="en-GB" baseline="0" dirty="0" smtClean="0"/>
+              <a:t>Bob, </a:t>
+            </a:r>
+            <a:r>
+              <a:rPr lang="en-GB" baseline="0" dirty="0" err="1" smtClean="0"/>
+              <a:t>doesn</a:t>
+            </a:r>
+            <a:r>
+              <a:rPr lang="uk-UA" baseline="0" dirty="0" smtClean="0"/>
+              <a:t>’</a:t>
+            </a:r>
+            <a:r>
+              <a:rPr lang="en-GB" baseline="0" dirty="0" smtClean="0"/>
+              <a:t>t know when Alice actually paid for her Smartphone. Therefore he checks the payment once in a while. </a:t>
+            </a:r>
+          </a:p>
+          <a:p>
+            <a:pPr marL="628650" lvl="1" indent="-171450">
+              <a:buFontTx/>
+              <a:buChar char="-"/>
+            </a:pPr>
+            <a:r>
+              <a:rPr lang="en-GB" baseline="0" dirty="0" smtClean="0"/>
+              <a:t>Might be possible that Alice’s money is already been transferred, but Bob will check it a couple of days later.  </a:t>
+            </a:r>
+          </a:p>
+          <a:p>
+            <a:pPr marL="457200" lvl="1" indent="0">
+              <a:buNone/>
+            </a:pPr>
+            <a:r>
+              <a:rPr lang="en-GB" baseline="0" dirty="0" smtClean="0"/>
+              <a:t>- When the payment is confirmed by Bob, the Smartphone will be shipped to Alice.  </a:t>
+            </a:r>
+            <a:endParaRPr lang="en-GB" baseline="0" dirty="0" smtClean="0"/>
+          </a:p>
+        </p:txBody>
+      </p:sp>
+      <p:sp>
+        <p:nvSpPr>
+          <p:cNvPr id="4" name="Segnaposto numero diapositiva 3"/>
+          <p:cNvSpPr>
+            <a:spLocks noGrp="1"/>
+          </p:cNvSpPr>
+          <p:nvPr>
+            <p:ph type="sldNum" sz="quarter" idx="10"/>
+          </p:nvPr>
+        </p:nvSpPr>
+        <p:spPr/>
+        <p:txBody>
+          <a:bodyPr/>
+          <a:lstStyle/>
+          <a:p>
+            <a:fld id="{595F61C2-6B96-DC49-8037-CB49B5317E27}" type="slidenum">
+              <a:rPr lang="en-GB" smtClean="0"/>
+              <a:t>19</a:t>
+            </a:fld>
+            <a:endParaRPr lang="en-GB"/>
+          </a:p>
+        </p:txBody>
+      </p:sp>
+    </p:spTree>
+    <p:extLst>
+      <p:ext uri="{BB962C8B-B14F-4D97-AF65-F5344CB8AC3E}">
+        <p14:creationId xmlns:p14="http://schemas.microsoft.com/office/powerpoint/2010/main" val="1791793583"/>
+      </p:ext>
+    </p:extLst>
+  </p:cSld>
+  <p:clrMapOvr>
+    <a:masterClrMapping/>
+  </p:clrMapOvr>
+</p:notes>
+</file>
+
+<file path=ppt/notesSlides/notesSlide17.xml><?xml version="1.0" encoding="utf-8"?>
+<p:notes xmlns:a="http://schemas.openxmlformats.org/drawingml/2006/main" xmlns:r="http://schemas.openxmlformats.org/officeDocument/2006/relationships" xmlns:p="http://schemas.openxmlformats.org/presentationml/2006/main">
+  <p:cSld>
+    <p:spTree>
+      <p:nvGrpSpPr>
+        <p:cNvPr id="1" name=""/>
+        <p:cNvGrpSpPr/>
+        <p:nvPr/>
+      </p:nvGrpSpPr>
+      <p:grpSpPr>
+        <a:xfrm>
+          <a:off x="0" y="0"/>
+          <a:ext cx="0" cy="0"/>
+          <a:chOff x="0" y="0"/>
+          <a:chExt cx="0" cy="0"/>
+        </a:xfrm>
+      </p:grpSpPr>
+      <p:sp>
+        <p:nvSpPr>
+          <p:cNvPr id="2" name="Segnaposto immagine diapositiva 1"/>
+          <p:cNvSpPr>
+            <a:spLocks noGrp="1" noRot="1" noChangeAspect="1"/>
+          </p:cNvSpPr>
+          <p:nvPr>
+            <p:ph type="sldImg"/>
+          </p:nvPr>
+        </p:nvSpPr>
+        <p:spPr/>
+      </p:sp>
+      <p:sp>
+        <p:nvSpPr>
+          <p:cNvPr id="3" name="Segnaposto note 2"/>
+          <p:cNvSpPr>
+            <a:spLocks noGrp="1"/>
+          </p:cNvSpPr>
+          <p:nvPr>
+            <p:ph type="body" idx="1"/>
+          </p:nvPr>
+        </p:nvSpPr>
+        <p:spPr/>
+        <p:txBody>
+          <a:bodyPr/>
+          <a:lstStyle/>
+          <a:p>
+            <a:pPr marL="457200" lvl="1" indent="0">
+              <a:buNone/>
+            </a:pPr>
+            <a:r>
+              <a:rPr lang="en-GB" baseline="0" dirty="0" smtClean="0"/>
+              <a:t>A better explanation of the contract terms </a:t>
+            </a:r>
+          </a:p>
+          <a:p>
+            <a:pPr marL="628650" lvl="1" indent="-171450">
+              <a:buFontTx/>
+              <a:buChar char="-"/>
+            </a:pPr>
+            <a:r>
+              <a:rPr lang="en-GB" baseline="0" dirty="0" smtClean="0"/>
+              <a:t>Alice pays for her Smartphone on a certain day</a:t>
+            </a:r>
+          </a:p>
+          <a:p>
+            <a:pPr marL="628650" lvl="1" indent="-171450">
+              <a:buFontTx/>
+              <a:buChar char="-"/>
+            </a:pPr>
+            <a:r>
+              <a:rPr lang="en-GB" baseline="0" dirty="0" smtClean="0"/>
+              <a:t>Bob, </a:t>
+            </a:r>
+            <a:r>
+              <a:rPr lang="en-GB" baseline="0" dirty="0" err="1" smtClean="0"/>
+              <a:t>doesn</a:t>
+            </a:r>
+            <a:r>
+              <a:rPr lang="uk-UA" baseline="0" dirty="0" smtClean="0"/>
+              <a:t>’</a:t>
+            </a:r>
+            <a:r>
+              <a:rPr lang="en-GB" baseline="0" dirty="0" smtClean="0"/>
+              <a:t>t know when Alice actually paid for her Smartphone. Therefore he checks the payment once in a while. </a:t>
+            </a:r>
+          </a:p>
+          <a:p>
+            <a:pPr marL="628650" lvl="1" indent="-171450">
+              <a:buFontTx/>
+              <a:buChar char="-"/>
+            </a:pPr>
+            <a:r>
+              <a:rPr lang="en-GB" baseline="0" dirty="0" smtClean="0"/>
+              <a:t>Might be possible that Alice’s money is already been transferred, but Bob will check it a couple of days later.  </a:t>
+            </a:r>
+          </a:p>
+          <a:p>
+            <a:pPr marL="457200" lvl="1" indent="0">
+              <a:buNone/>
+            </a:pPr>
+            <a:r>
+              <a:rPr lang="en-GB" baseline="0" dirty="0" smtClean="0"/>
+              <a:t>- When the </a:t>
+            </a:r>
+            <a:r>
+              <a:rPr lang="en-GB" baseline="0" smtClean="0"/>
+              <a:t>payment is confirmed by Bob, </a:t>
+            </a:r>
+            <a:r>
+              <a:rPr lang="en-GB" baseline="0" dirty="0" smtClean="0"/>
+              <a:t>the Smartphone will be shipped to Alice.  </a:t>
+            </a:r>
+            <a:endParaRPr lang="en-GB" baseline="0" dirty="0" smtClean="0"/>
+          </a:p>
+        </p:txBody>
+      </p:sp>
+      <p:sp>
+        <p:nvSpPr>
+          <p:cNvPr id="4" name="Segnaposto numero diapositiva 3"/>
+          <p:cNvSpPr>
+            <a:spLocks noGrp="1"/>
+          </p:cNvSpPr>
+          <p:nvPr>
+            <p:ph type="sldNum" sz="quarter" idx="10"/>
+          </p:nvPr>
+        </p:nvSpPr>
+        <p:spPr/>
+        <p:txBody>
+          <a:bodyPr/>
+          <a:lstStyle/>
+          <a:p>
+            <a:fld id="{595F61C2-6B96-DC49-8037-CB49B5317E27}" type="slidenum">
+              <a:rPr lang="en-GB" smtClean="0"/>
+              <a:t>20</a:t>
+            </a:fld>
+            <a:endParaRPr lang="en-GB"/>
+          </a:p>
+        </p:txBody>
+      </p:sp>
+    </p:spTree>
+    <p:extLst>
+      <p:ext uri="{BB962C8B-B14F-4D97-AF65-F5344CB8AC3E}">
+        <p14:creationId xmlns:p14="http://schemas.microsoft.com/office/powerpoint/2010/main" val="1703072189"/>
+      </p:ext>
+    </p:extLst>
+  </p:cSld>
+  <p:clrMapOvr>
+    <a:masterClrMapping/>
+  </p:clrMapOvr>
+</p:notes>
+</file>
+
+<file path=ppt/notesSlides/notesSlide18.xml><?xml version="1.0" encoding="utf-8"?>
+<p:notes xmlns:a="http://schemas.openxmlformats.org/drawingml/2006/main" xmlns:r="http://schemas.openxmlformats.org/officeDocument/2006/relationships" xmlns:p="http://schemas.openxmlformats.org/presentationml/2006/main">
+  <p:cSld>
+    <p:spTree>
+      <p:nvGrpSpPr>
+        <p:cNvPr id="1" name=""/>
+        <p:cNvGrpSpPr/>
+        <p:nvPr/>
+      </p:nvGrpSpPr>
+      <p:grpSpPr>
+        <a:xfrm>
+          <a:off x="0" y="0"/>
+          <a:ext cx="0" cy="0"/>
+          <a:chOff x="0" y="0"/>
+          <a:chExt cx="0" cy="0"/>
+        </a:xfrm>
+      </p:grpSpPr>
+      <p:sp>
+        <p:nvSpPr>
+          <p:cNvPr id="2" name="Segnaposto immagine diapositiva 1"/>
+          <p:cNvSpPr>
+            <a:spLocks noGrp="1" noRot="1" noChangeAspect="1"/>
+          </p:cNvSpPr>
+          <p:nvPr>
+            <p:ph type="sldImg"/>
+          </p:nvPr>
+        </p:nvSpPr>
+        <p:spPr/>
+      </p:sp>
+      <p:sp>
+        <p:nvSpPr>
+          <p:cNvPr id="3" name="Segnaposto note 2"/>
+          <p:cNvSpPr>
+            <a:spLocks noGrp="1"/>
+          </p:cNvSpPr>
+          <p:nvPr>
+            <p:ph type="body" idx="1"/>
+          </p:nvPr>
+        </p:nvSpPr>
+        <p:spPr/>
+        <p:txBody>
+          <a:bodyPr/>
+          <a:lstStyle/>
+          <a:p>
+            <a:r>
+              <a:rPr lang="en-GB" dirty="0" smtClean="0"/>
+              <a:t>http://</a:t>
+            </a:r>
+            <a:r>
+              <a:rPr lang="en-GB" dirty="0" err="1" smtClean="0"/>
+              <a:t>www.pwc.com</a:t>
+            </a:r>
+            <a:r>
+              <a:rPr lang="en-GB" dirty="0" smtClean="0"/>
+              <a:t>/us/</a:t>
+            </a:r>
+            <a:r>
+              <a:rPr lang="en-GB" dirty="0" err="1" smtClean="0"/>
+              <a:t>en</a:t>
+            </a:r>
+            <a:r>
+              <a:rPr lang="en-GB" dirty="0" smtClean="0"/>
+              <a:t>/technology-forecast/</a:t>
+            </a:r>
+            <a:r>
+              <a:rPr lang="en-GB" dirty="0" err="1" smtClean="0"/>
+              <a:t>blockchain</a:t>
+            </a:r>
+            <a:r>
+              <a:rPr lang="en-GB" dirty="0" smtClean="0"/>
+              <a:t>/digital-</a:t>
+            </a:r>
+            <a:r>
+              <a:rPr lang="en-GB" dirty="0" err="1" smtClean="0"/>
+              <a:t>business.html</a:t>
+            </a:r>
+            <a:endParaRPr lang="en-GB" dirty="0" smtClean="0"/>
+          </a:p>
+          <a:p>
+            <a:endParaRPr lang="en-GB" dirty="0" smtClean="0"/>
+          </a:p>
+          <a:p>
+            <a:endParaRPr lang="en-GB" dirty="0" smtClean="0"/>
+          </a:p>
+          <a:p>
+            <a:pPr marL="228600" indent="-228600">
+              <a:buAutoNum type="arabicPeriod"/>
+            </a:pPr>
+            <a:r>
+              <a:rPr lang="en-GB" baseline="0" dirty="0" smtClean="0"/>
+              <a:t>The execution of a smart contract </a:t>
+            </a:r>
+            <a:r>
+              <a:rPr lang="en-GB" baseline="0" dirty="0" err="1" smtClean="0"/>
+              <a:t>doensn’t</a:t>
+            </a:r>
+            <a:r>
+              <a:rPr lang="en-GB" baseline="0" dirty="0" smtClean="0"/>
+              <a:t> need a middleman, which mean that can be executed faster </a:t>
+            </a:r>
+          </a:p>
+          <a:p>
+            <a:pPr marL="228600" indent="-228600">
+              <a:buAutoNum type="arabicPeriod"/>
+            </a:pPr>
+            <a:endParaRPr lang="en-GB" baseline="0" dirty="0" smtClean="0"/>
+          </a:p>
+          <a:p>
+            <a:pPr marL="228600" indent="-228600">
+              <a:buAutoNum type="arabicPeriod"/>
+            </a:pPr>
+            <a:r>
+              <a:rPr lang="en-GB" baseline="0" dirty="0" smtClean="0"/>
+              <a:t>Manual remittance: consider the following scenario: Alice wants to buy a product from </a:t>
+            </a:r>
+            <a:r>
+              <a:rPr lang="en-GB" baseline="0" dirty="0" err="1" smtClean="0"/>
+              <a:t>Ebay</a:t>
+            </a:r>
+            <a:r>
+              <a:rPr lang="en-GB" baseline="0" dirty="0" smtClean="0"/>
+              <a:t>. Let’s suppose that she has stipulated a smart contract with an </a:t>
+            </a:r>
+            <a:r>
+              <a:rPr lang="en-GB" baseline="0" dirty="0" err="1" smtClean="0"/>
+              <a:t>Ebay</a:t>
+            </a:r>
+            <a:r>
+              <a:rPr lang="en-GB" baseline="0" dirty="0" smtClean="0"/>
+              <a:t> agent. Inside the smart contract there is an agreement, that says “When the payment is confirmed, the product will automatically be shipped”. If it were a traditional contract, the </a:t>
+            </a:r>
+            <a:r>
+              <a:rPr lang="en-GB" baseline="0" dirty="0" err="1" smtClean="0"/>
+              <a:t>Ebay</a:t>
+            </a:r>
+            <a:r>
+              <a:rPr lang="en-GB" baseline="0" dirty="0" smtClean="0"/>
+              <a:t> agent should check that the payment has been really done. The process would not be automatic like in the smart contract. </a:t>
+            </a:r>
+          </a:p>
+          <a:p>
+            <a:pPr marL="228600" indent="-228600">
+              <a:buAutoNum type="arabicPeriod"/>
+            </a:pPr>
+            <a:endParaRPr lang="en-GB" baseline="0" dirty="0" smtClean="0"/>
+          </a:p>
+          <a:p>
+            <a:pPr marL="228600" indent="-228600">
+              <a:buAutoNum type="arabicPeriod"/>
+            </a:pPr>
+            <a:r>
+              <a:rPr lang="en-GB" dirty="0" smtClean="0"/>
+              <a:t>A Smart Contract is for sure cheaper</a:t>
+            </a:r>
+            <a:r>
+              <a:rPr lang="en-GB" baseline="0" dirty="0" smtClean="0"/>
+              <a:t> than a traditional one. You don’t have to pay for a middleman who checks the agreements, you have only to pay the ”code”.</a:t>
+            </a:r>
+          </a:p>
+          <a:p>
+            <a:pPr marL="228600" indent="-228600">
+              <a:buAutoNum type="arabicPeriod"/>
+            </a:pPr>
+            <a:r>
+              <a:rPr lang="en-GB" baseline="0" dirty="0" smtClean="0"/>
+              <a:t>A Smart Contract cannot get lost and its always available in chronological order on the </a:t>
+            </a:r>
+            <a:r>
+              <a:rPr lang="en-GB" baseline="0" dirty="0" err="1" smtClean="0"/>
+              <a:t>blockchain</a:t>
+            </a:r>
+            <a:r>
+              <a:rPr lang="en-GB" baseline="0" dirty="0" smtClean="0"/>
+              <a:t> for future access </a:t>
+            </a:r>
+          </a:p>
+          <a:p>
+            <a:pPr marL="228600" indent="-228600">
+              <a:buAutoNum type="arabicPeriod"/>
+            </a:pPr>
+            <a:r>
+              <a:rPr lang="en-GB" baseline="0" dirty="0" smtClean="0"/>
+              <a:t>Like said before, there is no need of a middleman (lawyer) </a:t>
+            </a:r>
+          </a:p>
+          <a:p>
+            <a:pPr marL="228600" indent="-228600">
+              <a:buAutoNum type="arabicPeriod"/>
+            </a:pPr>
+            <a:endParaRPr lang="en-GB" baseline="0" dirty="0" smtClean="0"/>
+          </a:p>
+          <a:p>
+            <a:pPr marL="228600" indent="-228600">
+              <a:buAutoNum type="arabicPeriod"/>
+            </a:pPr>
+            <a:endParaRPr lang="en-GB" baseline="0" dirty="0" smtClean="0"/>
+          </a:p>
+          <a:p>
+            <a:pPr marL="0" indent="0">
+              <a:buNone/>
+            </a:pPr>
+            <a:r>
+              <a:rPr lang="en-GB" b="1" baseline="0" dirty="0" smtClean="0"/>
+              <a:t>A Smart contract on a </a:t>
+            </a:r>
+            <a:r>
+              <a:rPr lang="en-GB" b="1" baseline="0" dirty="0" err="1" smtClean="0"/>
+              <a:t>blockchain</a:t>
+            </a:r>
+            <a:r>
+              <a:rPr lang="en-GB" b="1" baseline="0" dirty="0" smtClean="0"/>
+              <a:t> is like a single large secure Computer System BUT without the risks, costs and trust issues of a centralised model </a:t>
+            </a:r>
+          </a:p>
+        </p:txBody>
+      </p:sp>
+      <p:sp>
+        <p:nvSpPr>
+          <p:cNvPr id="4" name="Segnaposto numero diapositiva 3"/>
+          <p:cNvSpPr>
+            <a:spLocks noGrp="1"/>
+          </p:cNvSpPr>
+          <p:nvPr>
+            <p:ph type="sldNum" sz="quarter" idx="10"/>
+          </p:nvPr>
+        </p:nvSpPr>
+        <p:spPr/>
+        <p:txBody>
+          <a:bodyPr/>
+          <a:lstStyle/>
+          <a:p>
+            <a:fld id="{595F61C2-6B96-DC49-8037-CB49B5317E27}" type="slidenum">
+              <a:rPr lang="en-GB" smtClean="0"/>
+              <a:t>21</a:t>
+            </a:fld>
+            <a:endParaRPr lang="en-GB"/>
+          </a:p>
+        </p:txBody>
+      </p:sp>
+    </p:spTree>
+    <p:extLst>
+      <p:ext uri="{BB962C8B-B14F-4D97-AF65-F5344CB8AC3E}">
+        <p14:creationId xmlns:p14="http://schemas.microsoft.com/office/powerpoint/2010/main" val="690545035"/>
+      </p:ext>
+    </p:extLst>
+  </p:cSld>
+  <p:clrMapOvr>
+    <a:masterClrMapping/>
+  </p:clrMapOvr>
+</p:notes>
+</file>
+
+<file path=ppt/notesSlides/notesSlide19.xml><?xml version="1.0" encoding="utf-8"?>
+<p:notes xmlns:a="http://schemas.openxmlformats.org/drawingml/2006/main" xmlns:r="http://schemas.openxmlformats.org/officeDocument/2006/relationships" xmlns:p="http://schemas.openxmlformats.org/presentationml/2006/main">
+  <p:cSld>
+    <p:spTree>
+      <p:nvGrpSpPr>
+        <p:cNvPr id="1" name=""/>
+        <p:cNvGrpSpPr/>
+        <p:nvPr/>
+      </p:nvGrpSpPr>
+      <p:grpSpPr>
+        <a:xfrm>
+          <a:off x="0" y="0"/>
+          <a:ext cx="0" cy="0"/>
+          <a:chOff x="0" y="0"/>
+          <a:chExt cx="0" cy="0"/>
+        </a:xfrm>
+      </p:grpSpPr>
+      <p:sp>
+        <p:nvSpPr>
+          <p:cNvPr id="2" name="Segnaposto immagine diapositiva 1"/>
+          <p:cNvSpPr>
+            <a:spLocks noGrp="1" noRot="1" noChangeAspect="1"/>
+          </p:cNvSpPr>
+          <p:nvPr>
+            <p:ph type="sldImg"/>
+          </p:nvPr>
+        </p:nvSpPr>
+        <p:spPr/>
+      </p:sp>
+      <p:sp>
+        <p:nvSpPr>
+          <p:cNvPr id="3" name="Segnaposto note 2"/>
+          <p:cNvSpPr>
+            <a:spLocks noGrp="1"/>
+          </p:cNvSpPr>
+          <p:nvPr>
+            <p:ph type="body" idx="1"/>
+          </p:nvPr>
+        </p:nvSpPr>
+        <p:spPr/>
+        <p:txBody>
+          <a:bodyPr/>
+          <a:lstStyle/>
+          <a:p>
+            <a:r>
+              <a:rPr lang="en-GB" dirty="0" smtClean="0"/>
+              <a:t>If</a:t>
+            </a:r>
+            <a:r>
+              <a:rPr lang="en-GB" baseline="0" dirty="0" smtClean="0"/>
+              <a:t> any party tries to change a contract (the execution code) on the </a:t>
+            </a:r>
+            <a:r>
+              <a:rPr lang="en-GB" baseline="0" dirty="0" err="1" smtClean="0"/>
+              <a:t>blockchain</a:t>
+            </a:r>
+            <a:r>
+              <a:rPr lang="en-GB" baseline="0" dirty="0" smtClean="0"/>
+              <a:t> all other parties can detect and prevent it</a:t>
+            </a:r>
+            <a:endParaRPr lang="en-GB" dirty="0"/>
+          </a:p>
+        </p:txBody>
+      </p:sp>
+      <p:sp>
+        <p:nvSpPr>
+          <p:cNvPr id="4" name="Segnaposto numero diapositiva 3"/>
+          <p:cNvSpPr>
+            <a:spLocks noGrp="1"/>
+          </p:cNvSpPr>
+          <p:nvPr>
+            <p:ph type="sldNum" sz="quarter" idx="10"/>
+          </p:nvPr>
+        </p:nvSpPr>
+        <p:spPr/>
+        <p:txBody>
+          <a:bodyPr/>
+          <a:lstStyle/>
+          <a:p>
+            <a:fld id="{595F61C2-6B96-DC49-8037-CB49B5317E27}" type="slidenum">
+              <a:rPr lang="en-GB" smtClean="0"/>
+              <a:t>22</a:t>
             </a:fld>
             <a:endParaRPr lang="en-GB"/>
           </a:p>
@@ -10137,7 +11013,7 @@
               <a:rPr lang="en-GB" sz="4000" dirty="0" smtClean="0">
                 <a:latin typeface="+mj-lt"/>
               </a:rPr>
-              <a:t>How are they executed?</a:t>
+              <a:t>What goes into a Smart Contract?</a:t>
             </a:r>
           </a:p>
           <a:p>
@@ -10622,7 +11498,7 @@
         </p:nvSpPr>
         <p:spPr>
           <a:xfrm>
-            <a:off x="824346" y="1018601"/>
+            <a:off x="824347" y="1245094"/>
             <a:ext cx="10131425" cy="4557560"/>
           </a:xfrm>
           <a:prstGeom prst="rect">
@@ -10856,6 +11732,20 @@
                 <a:latin typeface="+mj-lt"/>
               </a:rPr>
               <a:t>It automatically verifies itself and executes the terms contained inside it</a:t>
+            </a:r>
+          </a:p>
+          <a:p>
+            <a:r>
+              <a:rPr lang="en-GB" sz="4000" dirty="0" smtClean="0">
+                <a:latin typeface="+mj-lt"/>
+              </a:rPr>
+              <a:t>Stored on the </a:t>
+            </a:r>
+            <a:r>
+              <a:rPr lang="en-GB" sz="4000" dirty="0" err="1" smtClean="0">
+                <a:latin typeface="+mj-lt"/>
+              </a:rPr>
+              <a:t>Blockchain</a:t>
             </a:r>
             <a:endParaRPr lang="en-GB" sz="4000" dirty="0">
               <a:latin typeface="+mj-lt"/>
@@ -10942,44 +11832,6 @@
           <a:chExt cx="0" cy="0"/>
         </a:xfrm>
       </p:grpSpPr>
-      <p:sp>
-        <p:nvSpPr>
-          <p:cNvPr id="5" name="Segnaposto contenuto 2"/>
-          <p:cNvSpPr>
-            <a:spLocks noGrp="1"/>
-          </p:cNvSpPr>
-          <p:nvPr>
-            <p:ph idx="1"/>
-          </p:nvPr>
-        </p:nvSpPr>
-        <p:spPr>
-          <a:xfrm>
-            <a:off x="671947" y="1850167"/>
-            <a:ext cx="10131425" cy="4557560"/>
-          </a:xfrm>
-        </p:spPr>
-        <p:txBody>
-          <a:bodyPr>
-            <a:normAutofit/>
-          </a:bodyPr>
-          <a:lstStyle/>
-          <a:p>
-            <a:endParaRPr lang="en-GB" sz="4000" dirty="0" smtClean="0">
-              <a:latin typeface="+mj-lt"/>
-            </a:endParaRPr>
-          </a:p>
-          <a:p>
-            <a:endParaRPr lang="en-GB" sz="4000" dirty="0" smtClean="0">
-              <a:latin typeface="+mj-lt"/>
-            </a:endParaRPr>
-          </a:p>
-          <a:p>
-            <a:endParaRPr lang="en-GB" sz="4000" dirty="0">
-              <a:latin typeface="+mj-lt"/>
-            </a:endParaRPr>
-          </a:p>
-        </p:txBody>
-      </p:sp>
       <p:pic>
         <p:nvPicPr>
           <p:cNvPr id="2" name="Immagine 1"/>
@@ -11003,7 +11855,7 @@
         </p:blipFill>
         <p:spPr>
           <a:xfrm>
-            <a:off x="-844117" y="0"/>
+            <a:off x="-758392" y="0"/>
             <a:ext cx="14025600" cy="7012800"/>
           </a:xfrm>
           <a:prstGeom prst="rect">
@@ -11013,55 +11865,93 @@
       </p:pic>
       <p:sp>
         <p:nvSpPr>
-          <p:cNvPr id="7" name="Titolo 1"/>
+          <p:cNvPr id="5" name="Segnaposto contenuto 2"/>
           <p:cNvSpPr>
             <a:spLocks noGrp="1"/>
           </p:cNvSpPr>
           <p:nvPr>
-            <p:ph type="title"/>
-          </p:nvPr>
-        </p:nvSpPr>
-        <p:spPr>
-          <a:xfrm>
-            <a:off x="387927" y="484909"/>
-            <a:ext cx="11804073" cy="1067385"/>
+            <p:ph idx="1"/>
+          </p:nvPr>
+        </p:nvSpPr>
+        <p:spPr>
+          <a:xfrm>
+            <a:off x="671947" y="1850167"/>
+            <a:ext cx="10131425" cy="4557560"/>
           </a:xfrm>
         </p:spPr>
         <p:txBody>
           <a:bodyPr>
-            <a:noAutofit/>
+            <a:normAutofit/>
           </a:bodyPr>
           <a:lstStyle/>
           <a:p>
-            <a:pPr marL="742950" indent="-742950" defTabSz="914400">
+            <a:endParaRPr lang="en-GB" sz="4000" dirty="0" smtClean="0">
+              <a:latin typeface="+mj-lt"/>
+            </a:endParaRPr>
+          </a:p>
+          <a:p>
+            <a:endParaRPr lang="en-GB" sz="4000" dirty="0" smtClean="0">
+              <a:latin typeface="+mj-lt"/>
+            </a:endParaRPr>
+          </a:p>
+          <a:p>
+            <a:endParaRPr lang="en-GB" sz="4000" dirty="0">
+              <a:latin typeface="+mj-lt"/>
+            </a:endParaRPr>
+          </a:p>
+        </p:txBody>
+      </p:sp>
+      <p:sp>
+        <p:nvSpPr>
+          <p:cNvPr id="7" name="Titolo 1"/>
+          <p:cNvSpPr>
+            <a:spLocks noGrp="1"/>
+          </p:cNvSpPr>
+          <p:nvPr>
+            <p:ph type="title"/>
+          </p:nvPr>
+        </p:nvSpPr>
+        <p:spPr>
+          <a:xfrm>
+            <a:off x="387927" y="484909"/>
+            <a:ext cx="10131425" cy="1067385"/>
+          </a:xfrm>
+        </p:spPr>
+        <p:txBody>
+          <a:bodyPr>
+            <a:normAutofit/>
+          </a:bodyPr>
+          <a:lstStyle/>
+          <a:p>
+            <a:pPr marL="742950" marR="0" lvl="0" indent="-742950" defTabSz="914400" eaLnBrk="1" fontAlgn="auto" latinLnBrk="0" hangingPunct="1">
+              <a:lnSpc>
+                <a:spcPct val="100000"/>
+              </a:lnSpc>
               <a:spcBef>
                 <a:spcPts val="0"/>
               </a:spcBef>
+              <a:spcAft>
+                <a:spcPts val="0"/>
+              </a:spcAft>
+              <a:buClrTx/>
+              <a:buSzTx/>
+              <a:buFont typeface="+mj-lt"/>
+              <a:buNone/>
+              <a:tabLst/>
               <a:defRPr/>
             </a:pPr>
             <a:r>
+              <a:rPr lang="en-GB" dirty="0" smtClean="0"/>
+              <a:t>3.1</a:t>
+            </a:r>
+            <a:r>
+              <a:rPr lang="en-GB" dirty="0" smtClean="0"/>
+              <a:t>	</a:t>
+            </a:r>
+            <a:r>
               <a:rPr lang="en-GB" sz="4000" dirty="0" smtClean="0"/>
-              <a:t>3.2 </a:t>
-            </a:r>
-            <a:r>
-              <a:rPr lang="en-GB" sz="4000" dirty="0"/>
-              <a:t>Traditional </a:t>
-            </a:r>
-            <a:r>
-              <a:rPr lang="en-GB" sz="4000" dirty="0" err="1" smtClean="0"/>
-              <a:t>ContractS</a:t>
-            </a:r>
-            <a:r>
-              <a:rPr lang="en-GB" sz="4000" dirty="0" smtClean="0"/>
-              <a:t> </a:t>
-            </a:r>
-            <a:r>
-              <a:rPr lang="en-GB" sz="4000" dirty="0"/>
-              <a:t>vs. Smart Contracts</a:t>
-            </a:r>
-            <a:br>
-              <a:rPr lang="en-GB" sz="4000" dirty="0"/>
-            </a:br>
+              <a:t>Scenario Example</a:t>
+            </a:r>
             <a:endParaRPr lang="en-GB" sz="4000" dirty="0"/>
           </a:p>
         </p:txBody>
@@ -11313,10 +12203,196 @@
           </a:p>
         </p:txBody>
       </p:sp>
+      <p:cxnSp>
+        <p:nvCxnSpPr>
+          <p:cNvPr id="9" name="Connettore 2 8"/>
+          <p:cNvCxnSpPr/>
+          <p:nvPr/>
+        </p:nvCxnSpPr>
+        <p:spPr>
+          <a:xfrm flipV="1">
+            <a:off x="4645420" y="2891500"/>
+            <a:ext cx="2336613" cy="22342"/>
+          </a:xfrm>
+          <a:prstGeom prst="straightConnector1">
+            <a:avLst/>
+          </a:prstGeom>
+          <a:ln w="57150">
+            <a:tailEnd type="triangle"/>
+          </a:ln>
+        </p:spPr>
+        <p:style>
+          <a:lnRef idx="1">
+            <a:schemeClr val="accent1"/>
+          </a:lnRef>
+          <a:fillRef idx="0">
+            <a:schemeClr val="accent1"/>
+          </a:fillRef>
+          <a:effectRef idx="0">
+            <a:schemeClr val="accent1"/>
+          </a:effectRef>
+          <a:fontRef idx="minor">
+            <a:schemeClr val="tx1"/>
+          </a:fontRef>
+        </p:style>
+      </p:cxnSp>
+      <p:pic>
+        <p:nvPicPr>
+          <p:cNvPr id="10" name="Immagine 9"/>
+          <p:cNvPicPr>
+            <a:picLocks noChangeAspect="1"/>
+          </p:cNvPicPr>
+          <p:nvPr/>
+        </p:nvPicPr>
+        <p:blipFill>
+          <a:blip r:embed="rId4">
+            <a:extLst>
+              <a:ext uri="{28A0092B-C50C-407E-A947-70E740481C1C}">
+                <a14:useLocalDpi xmlns:a14="http://schemas.microsoft.com/office/drawing/2010/main"/>
+              </a:ext>
+            </a:extLst>
+          </a:blip>
+          <a:stretch>
+            <a:fillRect/>
+          </a:stretch>
+        </p:blipFill>
+        <p:spPr>
+          <a:xfrm>
+            <a:off x="1743827" y="2200048"/>
+            <a:ext cx="2174528" cy="2178152"/>
+          </a:xfrm>
+          <a:prstGeom prst="rect">
+            <a:avLst/>
+          </a:prstGeom>
+        </p:spPr>
+      </p:pic>
+      <p:pic>
+        <p:nvPicPr>
+          <p:cNvPr id="3" name="Immagine 2"/>
+          <p:cNvPicPr>
+            <a:picLocks noChangeAspect="1"/>
+          </p:cNvPicPr>
+          <p:nvPr/>
+        </p:nvPicPr>
+        <p:blipFill>
+          <a:blip r:embed="rId5">
+            <a:extLst>
+              <a:ext uri="{28A0092B-C50C-407E-A947-70E740481C1C}">
+                <a14:useLocalDpi xmlns:a14="http://schemas.microsoft.com/office/drawing/2010/main" val="0"/>
+              </a:ext>
+            </a:extLst>
+          </a:blip>
+          <a:stretch>
+            <a:fillRect/>
+          </a:stretch>
+        </p:blipFill>
+        <p:spPr>
+          <a:xfrm>
+            <a:off x="7544638" y="2449301"/>
+            <a:ext cx="4037610" cy="1679646"/>
+          </a:xfrm>
+          <a:prstGeom prst="rect">
+            <a:avLst/>
+          </a:prstGeom>
+        </p:spPr>
+      </p:pic>
+      <p:pic>
+        <p:nvPicPr>
+          <p:cNvPr id="4" name="Immagine 3"/>
+          <p:cNvPicPr>
+            <a:picLocks noChangeAspect="1"/>
+          </p:cNvPicPr>
+          <p:nvPr/>
+        </p:nvPicPr>
+        <p:blipFill>
+          <a:blip r:embed="rId6">
+            <a:extLst>
+              <a:ext uri="{28A0092B-C50C-407E-A947-70E740481C1C}">
+                <a14:useLocalDpi xmlns:a14="http://schemas.microsoft.com/office/drawing/2010/main" val="0"/>
+              </a:ext>
+            </a:extLst>
+          </a:blip>
+          <a:stretch>
+            <a:fillRect/>
+          </a:stretch>
+        </p:blipFill>
+        <p:spPr>
+          <a:xfrm>
+            <a:off x="5266307" y="3979268"/>
+            <a:ext cx="1486962" cy="1387831"/>
+          </a:xfrm>
+          <a:prstGeom prst="rect">
+            <a:avLst/>
+          </a:prstGeom>
+        </p:spPr>
+      </p:pic>
+      <p:cxnSp>
+        <p:nvCxnSpPr>
+          <p:cNvPr id="15" name="Connettore 2 14"/>
+          <p:cNvCxnSpPr/>
+          <p:nvPr/>
+        </p:nvCxnSpPr>
+        <p:spPr>
+          <a:xfrm flipH="1">
+            <a:off x="4544831" y="3823854"/>
+            <a:ext cx="2360933" cy="3014"/>
+          </a:xfrm>
+          <a:prstGeom prst="straightConnector1">
+            <a:avLst/>
+          </a:prstGeom>
+          <a:ln w="57150">
+            <a:tailEnd type="triangle"/>
+          </a:ln>
+        </p:spPr>
+        <p:style>
+          <a:lnRef idx="1">
+            <a:schemeClr val="accent1"/>
+          </a:lnRef>
+          <a:fillRef idx="0">
+            <a:schemeClr val="accent1"/>
+          </a:fillRef>
+          <a:effectRef idx="0">
+            <a:schemeClr val="accent1"/>
+          </a:effectRef>
+          <a:fontRef idx="minor">
+            <a:schemeClr val="tx1"/>
+          </a:fontRef>
+        </p:style>
+      </p:cxnSp>
+      <p:pic>
+        <p:nvPicPr>
+          <p:cNvPr id="18" name="Immagine 17"/>
+          <p:cNvPicPr>
+            <a:picLocks noChangeAspect="1"/>
+          </p:cNvPicPr>
+          <p:nvPr/>
+        </p:nvPicPr>
+        <p:blipFill>
+          <a:blip r:embed="rId7">
+            <a:extLst>
+              <a:ext uri="{28A0092B-C50C-407E-A947-70E740481C1C}">
+                <a14:useLocalDpi xmlns:a14="http://schemas.microsoft.com/office/drawing/2010/main"/>
+              </a:ext>
+            </a:extLst>
+          </a:blip>
+          <a:stretch>
+            <a:fillRect/>
+          </a:stretch>
+        </p:blipFill>
+        <p:spPr>
+          <a:xfrm>
+            <a:off x="5348694" y="1818137"/>
+            <a:ext cx="881361" cy="881361"/>
+          </a:xfrm>
+          <a:prstGeom prst="rect">
+            <a:avLst/>
+          </a:prstGeom>
+        </p:spPr>
+      </p:pic>
     </p:spTree>
     <p:extLst>
       <p:ext uri="{BB962C8B-B14F-4D97-AF65-F5344CB8AC3E}">
-        <p14:creationId xmlns:p14="http://schemas.microsoft.com/office/powerpoint/2010/main" val="2018984926"/>
+        <p14:creationId xmlns:p14="http://schemas.microsoft.com/office/powerpoint/2010/main" val="267127010"/>
       </p:ext>
     </p:extLst>
   </p:cSld>
@@ -11362,44 +12438,6 @@
           <a:chExt cx="0" cy="0"/>
         </a:xfrm>
       </p:grpSpPr>
-      <p:sp>
-        <p:nvSpPr>
-          <p:cNvPr id="5" name="Segnaposto contenuto 2"/>
-          <p:cNvSpPr>
-            <a:spLocks noGrp="1"/>
-          </p:cNvSpPr>
-          <p:nvPr>
-            <p:ph idx="1"/>
-          </p:nvPr>
-        </p:nvSpPr>
-        <p:spPr>
-          <a:xfrm>
-            <a:off x="671947" y="1850167"/>
-            <a:ext cx="10131425" cy="4557560"/>
-          </a:xfrm>
-        </p:spPr>
-        <p:txBody>
-          <a:bodyPr>
-            <a:normAutofit/>
-          </a:bodyPr>
-          <a:lstStyle/>
-          <a:p>
-            <a:endParaRPr lang="en-GB" sz="4000" dirty="0" smtClean="0">
-              <a:latin typeface="+mj-lt"/>
-            </a:endParaRPr>
-          </a:p>
-          <a:p>
-            <a:endParaRPr lang="en-GB" sz="4000" dirty="0" smtClean="0">
-              <a:latin typeface="+mj-lt"/>
-            </a:endParaRPr>
-          </a:p>
-          <a:p>
-            <a:endParaRPr lang="en-GB" sz="4000" dirty="0">
-              <a:latin typeface="+mj-lt"/>
-            </a:endParaRPr>
-          </a:p>
-        </p:txBody>
-      </p:sp>
       <p:pic>
         <p:nvPicPr>
           <p:cNvPr id="2" name="Immagine 1"/>
@@ -11423,7 +12461,7 @@
         </p:blipFill>
         <p:spPr>
           <a:xfrm>
-            <a:off x="-844117" y="0"/>
+            <a:off x="-758392" y="0"/>
             <a:ext cx="14025600" cy="7012800"/>
           </a:xfrm>
           <a:prstGeom prst="rect">
@@ -11433,6 +12471,44 @@
       </p:pic>
       <p:sp>
         <p:nvSpPr>
+          <p:cNvPr id="5" name="Segnaposto contenuto 2"/>
+          <p:cNvSpPr>
+            <a:spLocks noGrp="1"/>
+          </p:cNvSpPr>
+          <p:nvPr>
+            <p:ph idx="1"/>
+          </p:nvPr>
+        </p:nvSpPr>
+        <p:spPr>
+          <a:xfrm>
+            <a:off x="671947" y="1850167"/>
+            <a:ext cx="10131425" cy="4557560"/>
+          </a:xfrm>
+        </p:spPr>
+        <p:txBody>
+          <a:bodyPr>
+            <a:normAutofit/>
+          </a:bodyPr>
+          <a:lstStyle/>
+          <a:p>
+            <a:endParaRPr lang="en-GB" sz="4000" dirty="0" smtClean="0">
+              <a:latin typeface="+mj-lt"/>
+            </a:endParaRPr>
+          </a:p>
+          <a:p>
+            <a:endParaRPr lang="en-GB" sz="4000" dirty="0" smtClean="0">
+              <a:latin typeface="+mj-lt"/>
+            </a:endParaRPr>
+          </a:p>
+          <a:p>
+            <a:endParaRPr lang="en-GB" sz="4000" dirty="0">
+              <a:latin typeface="+mj-lt"/>
+            </a:endParaRPr>
+          </a:p>
+        </p:txBody>
+      </p:sp>
+      <p:sp>
+        <p:nvSpPr>
           <p:cNvPr id="7" name="Titolo 1"/>
           <p:cNvSpPr>
             <a:spLocks noGrp="1"/>
@@ -11448,7 +12524,9 @@
           </a:xfrm>
         </p:spPr>
         <p:txBody>
-          <a:bodyPr/>
+          <a:bodyPr>
+            <a:normAutofit/>
+          </a:bodyPr>
           <a:lstStyle/>
           <a:p>
             <a:pPr marL="742950" marR="0" lvl="0" indent="-742950" defTabSz="914400" eaLnBrk="1" fontAlgn="auto" latinLnBrk="0" hangingPunct="1">
@@ -11478,15 +12556,7 @@
             </a:r>
             <a:r>
               <a:rPr lang="en-GB" sz="4000" dirty="0" smtClean="0"/>
-              <a:t>What is a smart </a:t>
-            </a:r>
-            <a:r>
-              <a:rPr lang="en-GB" sz="4000" dirty="0" err="1" smtClean="0"/>
-              <a:t>contracT</a:t>
-            </a:r>
-            <a:r>
-              <a:rPr lang="en-GB" sz="4000" dirty="0" smtClean="0"/>
-              <a:t>?</a:t>
+              <a:t>Scenario Example</a:t>
             </a:r>
             <a:endParaRPr lang="en-GB" sz="4000" dirty="0"/>
           </a:p>
@@ -11739,10 +12809,1492 @@
           </a:p>
         </p:txBody>
       </p:sp>
+      <p:pic>
+        <p:nvPicPr>
+          <p:cNvPr id="12" name="Immagine 11"/>
+          <p:cNvPicPr>
+            <a:picLocks noChangeAspect="1"/>
+          </p:cNvPicPr>
+          <p:nvPr/>
+        </p:nvPicPr>
+        <p:blipFill>
+          <a:blip r:embed="rId4">
+            <a:extLst>
+              <a:ext uri="{28A0092B-C50C-407E-A947-70E740481C1C}">
+                <a14:useLocalDpi xmlns:a14="http://schemas.microsoft.com/office/drawing/2010/main"/>
+              </a:ext>
+            </a:extLst>
+          </a:blip>
+          <a:stretch>
+            <a:fillRect/>
+          </a:stretch>
+        </p:blipFill>
+        <p:spPr>
+          <a:xfrm>
+            <a:off x="1554321" y="2176651"/>
+            <a:ext cx="2174528" cy="2178152"/>
+          </a:xfrm>
+          <a:prstGeom prst="rect">
+            <a:avLst/>
+          </a:prstGeom>
+        </p:spPr>
+      </p:pic>
+      <p:cxnSp>
+        <p:nvCxnSpPr>
+          <p:cNvPr id="13" name="Connettore 2 12"/>
+          <p:cNvCxnSpPr/>
+          <p:nvPr/>
+        </p:nvCxnSpPr>
+        <p:spPr>
+          <a:xfrm>
+            <a:off x="4625149" y="2949788"/>
+            <a:ext cx="2832462" cy="1886"/>
+          </a:xfrm>
+          <a:prstGeom prst="straightConnector1">
+            <a:avLst/>
+          </a:prstGeom>
+          <a:ln w="57150">
+            <a:headEnd type="triangle"/>
+            <a:tailEnd type="triangle"/>
+          </a:ln>
+        </p:spPr>
+        <p:style>
+          <a:lnRef idx="1">
+            <a:schemeClr val="accent1"/>
+          </a:lnRef>
+          <a:fillRef idx="0">
+            <a:schemeClr val="accent1"/>
+          </a:fillRef>
+          <a:effectRef idx="0">
+            <a:schemeClr val="accent1"/>
+          </a:effectRef>
+          <a:fontRef idx="minor">
+            <a:schemeClr val="tx1"/>
+          </a:fontRef>
+        </p:style>
+      </p:cxnSp>
+      <p:pic>
+        <p:nvPicPr>
+          <p:cNvPr id="14" name="Immagine 13"/>
+          <p:cNvPicPr>
+            <a:picLocks noChangeAspect="1"/>
+          </p:cNvPicPr>
+          <p:nvPr/>
+        </p:nvPicPr>
+        <p:blipFill>
+          <a:blip r:embed="rId5">
+            <a:extLst>
+              <a:ext uri="{28A0092B-C50C-407E-A947-70E740481C1C}">
+                <a14:useLocalDpi xmlns:a14="http://schemas.microsoft.com/office/drawing/2010/main" val="0"/>
+              </a:ext>
+            </a:extLst>
+          </a:blip>
+          <a:stretch>
+            <a:fillRect/>
+          </a:stretch>
+        </p:blipFill>
+        <p:spPr>
+          <a:xfrm>
+            <a:off x="5159188" y="3554861"/>
+            <a:ext cx="1771346" cy="1771346"/>
+          </a:xfrm>
+          <a:prstGeom prst="rect">
+            <a:avLst/>
+          </a:prstGeom>
+        </p:spPr>
+      </p:pic>
+      <p:pic>
+        <p:nvPicPr>
+          <p:cNvPr id="17" name="Immagine 16"/>
+          <p:cNvPicPr>
+            <a:picLocks noChangeAspect="1"/>
+          </p:cNvPicPr>
+          <p:nvPr/>
+        </p:nvPicPr>
+        <p:blipFill>
+          <a:blip r:embed="rId6">
+            <a:extLst>
+              <a:ext uri="{28A0092B-C50C-407E-A947-70E740481C1C}">
+                <a14:useLocalDpi xmlns:a14="http://schemas.microsoft.com/office/drawing/2010/main"/>
+              </a:ext>
+            </a:extLst>
+          </a:blip>
+          <a:stretch>
+            <a:fillRect/>
+          </a:stretch>
+        </p:blipFill>
+        <p:spPr>
+          <a:xfrm>
+            <a:off x="8253145" y="2002567"/>
+            <a:ext cx="2397825" cy="2397825"/>
+          </a:xfrm>
+          <a:prstGeom prst="rect">
+            <a:avLst/>
+          </a:prstGeom>
+        </p:spPr>
+      </p:pic>
+      <p:pic>
+        <p:nvPicPr>
+          <p:cNvPr id="3" name="Immagine 2"/>
+          <p:cNvPicPr>
+            <a:picLocks noChangeAspect="1"/>
+          </p:cNvPicPr>
+          <p:nvPr/>
+        </p:nvPicPr>
+        <p:blipFill>
+          <a:blip r:embed="rId7">
+            <a:extLst>
+              <a:ext uri="{28A0092B-C50C-407E-A947-70E740481C1C}">
+                <a14:useLocalDpi xmlns:a14="http://schemas.microsoft.com/office/drawing/2010/main" val="0"/>
+              </a:ext>
+            </a:extLst>
+          </a:blip>
+          <a:stretch>
+            <a:fillRect/>
+          </a:stretch>
+        </p:blipFill>
+        <p:spPr>
+          <a:xfrm>
+            <a:off x="9820681" y="4099492"/>
+            <a:ext cx="604326" cy="251400"/>
+          </a:xfrm>
+          <a:prstGeom prst="rect">
+            <a:avLst/>
+          </a:prstGeom>
+        </p:spPr>
+      </p:pic>
     </p:spTree>
     <p:extLst>
       <p:ext uri="{BB962C8B-B14F-4D97-AF65-F5344CB8AC3E}">
-        <p14:creationId xmlns:p14="http://schemas.microsoft.com/office/powerpoint/2010/main" val="988774857"/>
+        <p14:creationId xmlns:p14="http://schemas.microsoft.com/office/powerpoint/2010/main" val="226693620"/>
+      </p:ext>
+    </p:extLst>
+  </p:cSld>
+  <p:clrMapOvr>
+    <a:masterClrMapping/>
+  </p:clrMapOvr>
+  <mc:AlternateContent xmlns:mc="http://schemas.openxmlformats.org/markup-compatibility/2006">
+    <mc:Choice xmlns:p14="http://schemas.microsoft.com/office/powerpoint/2010/main" Requires="p14">
+      <p:transition spd="med" p14:dur="700">
+        <p:fade/>
+      </p:transition>
+    </mc:Choice>
+    <mc:Fallback>
+      <p:transition spd="med">
+        <p:fade/>
+      </p:transition>
+    </mc:Fallback>
+  </mc:AlternateContent>
+  <p:timing>
+    <p:tnLst>
+      <p:par>
+        <p:cTn id="1" dur="indefinite" restart="never" nodeType="tmRoot"/>
+      </p:par>
+    </p:tnLst>
+  </p:timing>
+</p:sld>
+</file>
+
+<file path=ppt/slides/slide18.xml><?xml version="1.0" encoding="utf-8"?>
+<p:sld xmlns:a="http://schemas.openxmlformats.org/drawingml/2006/main" xmlns:r="http://schemas.openxmlformats.org/officeDocument/2006/relationships" xmlns:p="http://schemas.openxmlformats.org/presentationml/2006/main">
+  <p:cSld>
+    <p:spTree>
+      <p:nvGrpSpPr>
+        <p:cNvPr id="1" name=""/>
+        <p:cNvGrpSpPr/>
+        <p:nvPr/>
+      </p:nvGrpSpPr>
+      <p:grpSpPr>
+        <a:xfrm>
+          <a:off x="0" y="0"/>
+          <a:ext cx="0" cy="0"/>
+          <a:chOff x="0" y="0"/>
+          <a:chExt cx="0" cy="0"/>
+        </a:xfrm>
+      </p:grpSpPr>
+      <p:pic>
+        <p:nvPicPr>
+          <p:cNvPr id="2" name="Immagine 1"/>
+          <p:cNvPicPr>
+            <a:picLocks noChangeAspect="1"/>
+          </p:cNvPicPr>
+          <p:nvPr/>
+        </p:nvPicPr>
+        <p:blipFill>
+          <a:blip r:embed="rId3">
+            <a:alphaModFix amt="50000"/>
+            <a:extLst>
+              <a:ext uri="{28A0092B-C50C-407E-A947-70E740481C1C}">
+                <a14:useLocalDpi xmlns:a14="http://schemas.microsoft.com/office/drawing/2010/main" val="0"/>
+              </a:ext>
+            </a:extLst>
+          </a:blip>
+          <a:stretch>
+            <a:fillRect/>
+          </a:stretch>
+        </p:blipFill>
+        <p:spPr>
+          <a:xfrm>
+            <a:off x="-758392" y="0"/>
+            <a:ext cx="14025600" cy="7012800"/>
+          </a:xfrm>
+          <a:prstGeom prst="rect">
+            <a:avLst/>
+          </a:prstGeom>
+        </p:spPr>
+      </p:pic>
+      <p:sp>
+        <p:nvSpPr>
+          <p:cNvPr id="5" name="Segnaposto contenuto 2"/>
+          <p:cNvSpPr>
+            <a:spLocks noGrp="1"/>
+          </p:cNvSpPr>
+          <p:nvPr>
+            <p:ph idx="1"/>
+          </p:nvPr>
+        </p:nvSpPr>
+        <p:spPr>
+          <a:xfrm>
+            <a:off x="671947" y="1850167"/>
+            <a:ext cx="10131425" cy="4557560"/>
+          </a:xfrm>
+        </p:spPr>
+        <p:txBody>
+          <a:bodyPr>
+            <a:normAutofit/>
+          </a:bodyPr>
+          <a:lstStyle/>
+          <a:p>
+            <a:endParaRPr lang="en-GB" sz="4000" dirty="0" smtClean="0">
+              <a:latin typeface="+mj-lt"/>
+            </a:endParaRPr>
+          </a:p>
+          <a:p>
+            <a:endParaRPr lang="en-GB" sz="4000" dirty="0" smtClean="0">
+              <a:latin typeface="+mj-lt"/>
+            </a:endParaRPr>
+          </a:p>
+          <a:p>
+            <a:endParaRPr lang="en-GB" sz="4000" dirty="0">
+              <a:latin typeface="+mj-lt"/>
+            </a:endParaRPr>
+          </a:p>
+        </p:txBody>
+      </p:sp>
+      <p:sp>
+        <p:nvSpPr>
+          <p:cNvPr id="7" name="Titolo 1"/>
+          <p:cNvSpPr>
+            <a:spLocks noGrp="1"/>
+          </p:cNvSpPr>
+          <p:nvPr>
+            <p:ph type="title"/>
+          </p:nvPr>
+        </p:nvSpPr>
+        <p:spPr>
+          <a:xfrm>
+            <a:off x="387927" y="484909"/>
+            <a:ext cx="10131425" cy="1067385"/>
+          </a:xfrm>
+        </p:spPr>
+        <p:txBody>
+          <a:bodyPr>
+            <a:normAutofit/>
+          </a:bodyPr>
+          <a:lstStyle/>
+          <a:p>
+            <a:pPr marL="742950" marR="0" lvl="0" indent="-742950" defTabSz="914400" eaLnBrk="1" fontAlgn="auto" latinLnBrk="0" hangingPunct="1">
+              <a:lnSpc>
+                <a:spcPct val="100000"/>
+              </a:lnSpc>
+              <a:spcBef>
+                <a:spcPts val="0"/>
+              </a:spcBef>
+              <a:spcAft>
+                <a:spcPts val="0"/>
+              </a:spcAft>
+              <a:buClrTx/>
+              <a:buSzTx/>
+              <a:buFont typeface="+mj-lt"/>
+              <a:buNone/>
+              <a:tabLst/>
+              <a:defRPr/>
+            </a:pPr>
+            <a:r>
+              <a:rPr lang="en-GB" dirty="0" smtClean="0"/>
+              <a:t>3.1</a:t>
+            </a:r>
+            <a:r>
+              <a:rPr lang="en-GB" dirty="0" smtClean="0"/>
+              <a:t>	</a:t>
+            </a:r>
+            <a:r>
+              <a:rPr lang="en-GB" sz="4000" dirty="0" smtClean="0"/>
+              <a:t>Scenario Example</a:t>
+            </a:r>
+            <a:endParaRPr lang="en-GB" sz="4000" dirty="0"/>
+          </a:p>
+        </p:txBody>
+      </p:sp>
+      <p:sp>
+        <p:nvSpPr>
+          <p:cNvPr id="8" name="Segnaposto contenuto 2"/>
+          <p:cNvSpPr txBox="1">
+            <a:spLocks/>
+          </p:cNvSpPr>
+          <p:nvPr/>
+        </p:nvSpPr>
+        <p:spPr>
+          <a:xfrm>
+            <a:off x="824347" y="2002567"/>
+            <a:ext cx="10131425" cy="4557560"/>
+          </a:xfrm>
+          <a:prstGeom prst="rect">
+            <a:avLst/>
+          </a:prstGeom>
+        </p:spPr>
+        <p:txBody>
+          <a:bodyPr vert="horz" lIns="91440" tIns="45720" rIns="91440" bIns="45720" rtlCol="0" anchor="ctr">
+            <a:normAutofit/>
+          </a:bodyPr>
+          <a:lstStyle>
+            <a:lvl1pPr marL="285750" indent="-285750" algn="l" defTabSz="457200" rtl="0" eaLnBrk="1" latinLnBrk="0" hangingPunct="1">
+              <a:spcBef>
+                <a:spcPts val="0"/>
+              </a:spcBef>
+              <a:spcAft>
+                <a:spcPts val="1000"/>
+              </a:spcAft>
+              <a:buClr>
+                <a:schemeClr val="tx1"/>
+              </a:buClr>
+              <a:buSzPct val="100000"/>
+              <a:buFont typeface="Arial"/>
+              <a:buChar char="•"/>
+              <a:defRPr sz="1800" kern="1200" cap="none">
+                <a:solidFill>
+                  <a:schemeClr val="tx1"/>
+                </a:solidFill>
+                <a:effectLst/>
+                <a:latin typeface="+mn-lt"/>
+                <a:ea typeface="+mn-ea"/>
+                <a:cs typeface="+mn-cs"/>
+              </a:defRPr>
+            </a:lvl1pPr>
+            <a:lvl2pPr marL="742950" indent="-285750" algn="l" defTabSz="457200" rtl="0" eaLnBrk="1" latinLnBrk="0" hangingPunct="1">
+              <a:spcBef>
+                <a:spcPts val="0"/>
+              </a:spcBef>
+              <a:spcAft>
+                <a:spcPts val="1000"/>
+              </a:spcAft>
+              <a:buClr>
+                <a:schemeClr val="tx1"/>
+              </a:buClr>
+              <a:buSzPct val="100000"/>
+              <a:buFont typeface="Arial"/>
+              <a:buChar char="•"/>
+              <a:defRPr sz="1600" kern="1200" cap="none">
+                <a:solidFill>
+                  <a:schemeClr val="tx1"/>
+                </a:solidFill>
+                <a:effectLst/>
+                <a:latin typeface="+mn-lt"/>
+                <a:ea typeface="+mn-ea"/>
+                <a:cs typeface="+mn-cs"/>
+              </a:defRPr>
+            </a:lvl2pPr>
+            <a:lvl3pPr marL="1200150" indent="-285750" algn="l" defTabSz="457200" rtl="0" eaLnBrk="1" latinLnBrk="0" hangingPunct="1">
+              <a:spcBef>
+                <a:spcPts val="0"/>
+              </a:spcBef>
+              <a:spcAft>
+                <a:spcPts val="1000"/>
+              </a:spcAft>
+              <a:buClr>
+                <a:schemeClr val="tx1"/>
+              </a:buClr>
+              <a:buSzPct val="100000"/>
+              <a:buFont typeface="Arial"/>
+              <a:buChar char="•"/>
+              <a:defRPr sz="1400" kern="1200" cap="none">
+                <a:solidFill>
+                  <a:schemeClr val="tx1"/>
+                </a:solidFill>
+                <a:effectLst/>
+                <a:latin typeface="+mn-lt"/>
+                <a:ea typeface="+mn-ea"/>
+                <a:cs typeface="+mn-cs"/>
+              </a:defRPr>
+            </a:lvl3pPr>
+            <a:lvl4pPr marL="1543050" indent="-171450" algn="l" defTabSz="457200" rtl="0" eaLnBrk="1" latinLnBrk="0" hangingPunct="1">
+              <a:spcBef>
+                <a:spcPts val="0"/>
+              </a:spcBef>
+              <a:spcAft>
+                <a:spcPts val="1000"/>
+              </a:spcAft>
+              <a:buClr>
+                <a:schemeClr val="tx1"/>
+              </a:buClr>
+              <a:buSzPct val="100000"/>
+              <a:buFont typeface="Arial"/>
+              <a:buChar char="•"/>
+              <a:defRPr sz="1200" kern="1200" cap="none">
+                <a:solidFill>
+                  <a:schemeClr val="tx1"/>
+                </a:solidFill>
+                <a:effectLst/>
+                <a:latin typeface="+mn-lt"/>
+                <a:ea typeface="+mn-ea"/>
+                <a:cs typeface="+mn-cs"/>
+              </a:defRPr>
+            </a:lvl4pPr>
+            <a:lvl5pPr marL="2000250" indent="-171450" algn="l" defTabSz="457200" rtl="0" eaLnBrk="1" latinLnBrk="0" hangingPunct="1">
+              <a:spcBef>
+                <a:spcPts val="0"/>
+              </a:spcBef>
+              <a:spcAft>
+                <a:spcPts val="1000"/>
+              </a:spcAft>
+              <a:buClr>
+                <a:schemeClr val="tx1"/>
+              </a:buClr>
+              <a:buSzPct val="100000"/>
+              <a:buFont typeface="Arial"/>
+              <a:buChar char="•"/>
+              <a:defRPr sz="1200" kern="1200" cap="none">
+                <a:solidFill>
+                  <a:schemeClr val="tx1"/>
+                </a:solidFill>
+                <a:effectLst/>
+                <a:latin typeface="+mn-lt"/>
+                <a:ea typeface="+mn-ea"/>
+                <a:cs typeface="+mn-cs"/>
+              </a:defRPr>
+            </a:lvl5pPr>
+            <a:lvl6pPr marL="2514600" indent="-228600" algn="l" defTabSz="457200" rtl="0" eaLnBrk="1" latinLnBrk="0" hangingPunct="1">
+              <a:spcBef>
+                <a:spcPts val="0"/>
+              </a:spcBef>
+              <a:spcAft>
+                <a:spcPts val="1000"/>
+              </a:spcAft>
+              <a:buClr>
+                <a:schemeClr val="tx1"/>
+              </a:buClr>
+              <a:buSzPct val="100000"/>
+              <a:buFont typeface="Arial"/>
+              <a:buChar char="•"/>
+              <a:defRPr sz="1200" kern="1200" cap="none">
+                <a:solidFill>
+                  <a:schemeClr val="tx1"/>
+                </a:solidFill>
+                <a:effectLst/>
+                <a:latin typeface="+mn-lt"/>
+                <a:ea typeface="+mn-ea"/>
+                <a:cs typeface="+mn-cs"/>
+              </a:defRPr>
+            </a:lvl6pPr>
+            <a:lvl7pPr marL="2971800" indent="-228600" algn="l" defTabSz="457200" rtl="0" eaLnBrk="1" latinLnBrk="0" hangingPunct="1">
+              <a:spcBef>
+                <a:spcPts val="0"/>
+              </a:spcBef>
+              <a:spcAft>
+                <a:spcPts val="1000"/>
+              </a:spcAft>
+              <a:buClr>
+                <a:schemeClr val="tx1"/>
+              </a:buClr>
+              <a:buSzPct val="100000"/>
+              <a:buFont typeface="Arial"/>
+              <a:buChar char="•"/>
+              <a:defRPr sz="1200" kern="1200" cap="none">
+                <a:solidFill>
+                  <a:schemeClr val="tx1"/>
+                </a:solidFill>
+                <a:effectLst/>
+                <a:latin typeface="+mn-lt"/>
+                <a:ea typeface="+mn-ea"/>
+                <a:cs typeface="+mn-cs"/>
+              </a:defRPr>
+            </a:lvl7pPr>
+            <a:lvl8pPr marL="3429000" indent="-228600" algn="l" defTabSz="457200" rtl="0" eaLnBrk="1" latinLnBrk="0" hangingPunct="1">
+              <a:spcBef>
+                <a:spcPts val="0"/>
+              </a:spcBef>
+              <a:spcAft>
+                <a:spcPts val="1000"/>
+              </a:spcAft>
+              <a:buClr>
+                <a:schemeClr val="tx1"/>
+              </a:buClr>
+              <a:buSzPct val="100000"/>
+              <a:buFont typeface="Arial"/>
+              <a:buChar char="•"/>
+              <a:defRPr sz="1200" kern="1200" cap="none">
+                <a:solidFill>
+                  <a:schemeClr val="tx1"/>
+                </a:solidFill>
+                <a:effectLst/>
+                <a:latin typeface="+mn-lt"/>
+                <a:ea typeface="+mn-ea"/>
+                <a:cs typeface="+mn-cs"/>
+              </a:defRPr>
+            </a:lvl8pPr>
+            <a:lvl9pPr marL="3886200" indent="-228600" algn="l" defTabSz="457200" rtl="0" eaLnBrk="1" latinLnBrk="0" hangingPunct="1">
+              <a:spcBef>
+                <a:spcPts val="0"/>
+              </a:spcBef>
+              <a:spcAft>
+                <a:spcPts val="1000"/>
+              </a:spcAft>
+              <a:buClr>
+                <a:schemeClr val="tx1"/>
+              </a:buClr>
+              <a:buSzPct val="100000"/>
+              <a:buFont typeface="Arial"/>
+              <a:buChar char="•"/>
+              <a:defRPr sz="1200" kern="1200" cap="none">
+                <a:solidFill>
+                  <a:schemeClr val="tx1"/>
+                </a:solidFill>
+                <a:effectLst/>
+                <a:latin typeface="+mn-lt"/>
+                <a:ea typeface="+mn-ea"/>
+                <a:cs typeface="+mn-cs"/>
+              </a:defRPr>
+            </a:lvl9pPr>
+          </a:lstStyle>
+          <a:p>
+            <a:endParaRPr lang="en-GB" sz="4000" dirty="0" smtClean="0">
+              <a:latin typeface="+mj-lt"/>
+            </a:endParaRPr>
+          </a:p>
+          <a:p>
+            <a:endParaRPr lang="en-GB" sz="4000" dirty="0" smtClean="0">
+              <a:latin typeface="+mj-lt"/>
+            </a:endParaRPr>
+          </a:p>
+          <a:p>
+            <a:endParaRPr lang="en-GB" sz="4000" dirty="0">
+              <a:latin typeface="+mj-lt"/>
+            </a:endParaRPr>
+          </a:p>
+        </p:txBody>
+      </p:sp>
+      <p:pic>
+        <p:nvPicPr>
+          <p:cNvPr id="14" name="Immagine 13"/>
+          <p:cNvPicPr>
+            <a:picLocks noChangeAspect="1"/>
+          </p:cNvPicPr>
+          <p:nvPr/>
+        </p:nvPicPr>
+        <p:blipFill>
+          <a:blip r:embed="rId4">
+            <a:extLst>
+              <a:ext uri="{28A0092B-C50C-407E-A947-70E740481C1C}">
+                <a14:useLocalDpi xmlns:a14="http://schemas.microsoft.com/office/drawing/2010/main" val="0"/>
+              </a:ext>
+            </a:extLst>
+          </a:blip>
+          <a:stretch>
+            <a:fillRect/>
+          </a:stretch>
+        </p:blipFill>
+        <p:spPr>
+          <a:xfrm>
+            <a:off x="3735228" y="1369368"/>
+            <a:ext cx="5038359" cy="5038359"/>
+          </a:xfrm>
+          <a:prstGeom prst="rect">
+            <a:avLst/>
+          </a:prstGeom>
+        </p:spPr>
+      </p:pic>
+    </p:spTree>
+    <p:extLst>
+      <p:ext uri="{BB962C8B-B14F-4D97-AF65-F5344CB8AC3E}">
+        <p14:creationId xmlns:p14="http://schemas.microsoft.com/office/powerpoint/2010/main" val="365816636"/>
+      </p:ext>
+    </p:extLst>
+  </p:cSld>
+  <p:clrMapOvr>
+    <a:masterClrMapping/>
+  </p:clrMapOvr>
+  <mc:AlternateContent xmlns:mc="http://schemas.openxmlformats.org/markup-compatibility/2006">
+    <mc:Choice xmlns:p14="http://schemas.microsoft.com/office/powerpoint/2010/main" Requires="p14">
+      <p:transition spd="med" p14:dur="700">
+        <p:fade/>
+      </p:transition>
+    </mc:Choice>
+    <mc:Fallback>
+      <p:transition spd="med">
+        <p:fade/>
+      </p:transition>
+    </mc:Fallback>
+  </mc:AlternateContent>
+  <p:timing>
+    <p:tnLst>
+      <p:par>
+        <p:cTn id="1" dur="indefinite" restart="never" nodeType="tmRoot"/>
+      </p:par>
+    </p:tnLst>
+  </p:timing>
+</p:sld>
+</file>
+
+<file path=ppt/slides/slide19.xml><?xml version="1.0" encoding="utf-8"?>
+<p:sld xmlns:a="http://schemas.openxmlformats.org/drawingml/2006/main" xmlns:r="http://schemas.openxmlformats.org/officeDocument/2006/relationships" xmlns:p="http://schemas.openxmlformats.org/presentationml/2006/main">
+  <p:cSld>
+    <p:spTree>
+      <p:nvGrpSpPr>
+        <p:cNvPr id="1" name=""/>
+        <p:cNvGrpSpPr/>
+        <p:nvPr/>
+      </p:nvGrpSpPr>
+      <p:grpSpPr>
+        <a:xfrm>
+          <a:off x="0" y="0"/>
+          <a:ext cx="0" cy="0"/>
+          <a:chOff x="0" y="0"/>
+          <a:chExt cx="0" cy="0"/>
+        </a:xfrm>
+      </p:grpSpPr>
+      <p:pic>
+        <p:nvPicPr>
+          <p:cNvPr id="23" name="Immagine 22"/>
+          <p:cNvPicPr>
+            <a:picLocks noChangeAspect="1"/>
+          </p:cNvPicPr>
+          <p:nvPr/>
+        </p:nvPicPr>
+        <p:blipFill>
+          <a:blip r:embed="rId3">
+            <a:alphaModFix amt="50000"/>
+            <a:extLst>
+              <a:ext uri="{28A0092B-C50C-407E-A947-70E740481C1C}">
+                <a14:useLocalDpi xmlns:a14="http://schemas.microsoft.com/office/drawing/2010/main" val="0"/>
+              </a:ext>
+            </a:extLst>
+          </a:blip>
+          <a:stretch>
+            <a:fillRect/>
+          </a:stretch>
+        </p:blipFill>
+        <p:spPr>
+          <a:xfrm>
+            <a:off x="-798149" y="0"/>
+            <a:ext cx="14025600" cy="7012800"/>
+          </a:xfrm>
+          <a:prstGeom prst="rect">
+            <a:avLst/>
+          </a:prstGeom>
+        </p:spPr>
+      </p:pic>
+      <p:sp>
+        <p:nvSpPr>
+          <p:cNvPr id="5" name="Segnaposto contenuto 2"/>
+          <p:cNvSpPr>
+            <a:spLocks noGrp="1"/>
+          </p:cNvSpPr>
+          <p:nvPr>
+            <p:ph idx="1"/>
+          </p:nvPr>
+        </p:nvSpPr>
+        <p:spPr>
+          <a:xfrm>
+            <a:off x="671947" y="1850167"/>
+            <a:ext cx="10131425" cy="4557560"/>
+          </a:xfrm>
+        </p:spPr>
+        <p:txBody>
+          <a:bodyPr>
+            <a:normAutofit/>
+          </a:bodyPr>
+          <a:lstStyle/>
+          <a:p>
+            <a:endParaRPr lang="en-GB" sz="4000" dirty="0" smtClean="0">
+              <a:latin typeface="+mj-lt"/>
+            </a:endParaRPr>
+          </a:p>
+          <a:p>
+            <a:endParaRPr lang="en-GB" sz="4000" dirty="0" smtClean="0">
+              <a:latin typeface="+mj-lt"/>
+            </a:endParaRPr>
+          </a:p>
+          <a:p>
+            <a:endParaRPr lang="en-GB" sz="4000" dirty="0">
+              <a:latin typeface="+mj-lt"/>
+            </a:endParaRPr>
+          </a:p>
+        </p:txBody>
+      </p:sp>
+      <p:sp>
+        <p:nvSpPr>
+          <p:cNvPr id="7" name="Titolo 1"/>
+          <p:cNvSpPr>
+            <a:spLocks noGrp="1"/>
+          </p:cNvSpPr>
+          <p:nvPr>
+            <p:ph type="title"/>
+          </p:nvPr>
+        </p:nvSpPr>
+        <p:spPr>
+          <a:xfrm>
+            <a:off x="387927" y="484909"/>
+            <a:ext cx="10131425" cy="1067385"/>
+          </a:xfrm>
+        </p:spPr>
+        <p:txBody>
+          <a:bodyPr>
+            <a:normAutofit/>
+          </a:bodyPr>
+          <a:lstStyle/>
+          <a:p>
+            <a:pPr marL="742950" marR="0" lvl="0" indent="-742950" defTabSz="914400" eaLnBrk="1" fontAlgn="auto" latinLnBrk="0" hangingPunct="1">
+              <a:lnSpc>
+                <a:spcPct val="100000"/>
+              </a:lnSpc>
+              <a:spcBef>
+                <a:spcPts val="0"/>
+              </a:spcBef>
+              <a:spcAft>
+                <a:spcPts val="0"/>
+              </a:spcAft>
+              <a:buClrTx/>
+              <a:buSzTx/>
+              <a:buFont typeface="+mj-lt"/>
+              <a:buNone/>
+              <a:tabLst/>
+              <a:defRPr/>
+            </a:pPr>
+            <a:r>
+              <a:rPr lang="en-GB" dirty="0" smtClean="0"/>
+              <a:t>3.1</a:t>
+            </a:r>
+            <a:r>
+              <a:rPr lang="en-GB" dirty="0" smtClean="0"/>
+              <a:t>	</a:t>
+            </a:r>
+            <a:r>
+              <a:rPr lang="en-GB" sz="4000" dirty="0" smtClean="0"/>
+              <a:t>Scenario Example</a:t>
+            </a:r>
+            <a:endParaRPr lang="en-GB" sz="4000" dirty="0"/>
+          </a:p>
+        </p:txBody>
+      </p:sp>
+      <p:sp>
+        <p:nvSpPr>
+          <p:cNvPr id="8" name="Segnaposto contenuto 2"/>
+          <p:cNvSpPr txBox="1">
+            <a:spLocks/>
+          </p:cNvSpPr>
+          <p:nvPr/>
+        </p:nvSpPr>
+        <p:spPr>
+          <a:xfrm>
+            <a:off x="824347" y="2002567"/>
+            <a:ext cx="10131425" cy="4557560"/>
+          </a:xfrm>
+          <a:prstGeom prst="rect">
+            <a:avLst/>
+          </a:prstGeom>
+        </p:spPr>
+        <p:txBody>
+          <a:bodyPr vert="horz" lIns="91440" tIns="45720" rIns="91440" bIns="45720" rtlCol="0" anchor="ctr">
+            <a:normAutofit/>
+          </a:bodyPr>
+          <a:lstStyle>
+            <a:lvl1pPr marL="285750" indent="-285750" algn="l" defTabSz="457200" rtl="0" eaLnBrk="1" latinLnBrk="0" hangingPunct="1">
+              <a:spcBef>
+                <a:spcPts val="0"/>
+              </a:spcBef>
+              <a:spcAft>
+                <a:spcPts val="1000"/>
+              </a:spcAft>
+              <a:buClr>
+                <a:schemeClr val="tx1"/>
+              </a:buClr>
+              <a:buSzPct val="100000"/>
+              <a:buFont typeface="Arial"/>
+              <a:buChar char="•"/>
+              <a:defRPr sz="1800" kern="1200" cap="none">
+                <a:solidFill>
+                  <a:schemeClr val="tx1"/>
+                </a:solidFill>
+                <a:effectLst/>
+                <a:latin typeface="+mn-lt"/>
+                <a:ea typeface="+mn-ea"/>
+                <a:cs typeface="+mn-cs"/>
+              </a:defRPr>
+            </a:lvl1pPr>
+            <a:lvl2pPr marL="742950" indent="-285750" algn="l" defTabSz="457200" rtl="0" eaLnBrk="1" latinLnBrk="0" hangingPunct="1">
+              <a:spcBef>
+                <a:spcPts val="0"/>
+              </a:spcBef>
+              <a:spcAft>
+                <a:spcPts val="1000"/>
+              </a:spcAft>
+              <a:buClr>
+                <a:schemeClr val="tx1"/>
+              </a:buClr>
+              <a:buSzPct val="100000"/>
+              <a:buFont typeface="Arial"/>
+              <a:buChar char="•"/>
+              <a:defRPr sz="1600" kern="1200" cap="none">
+                <a:solidFill>
+                  <a:schemeClr val="tx1"/>
+                </a:solidFill>
+                <a:effectLst/>
+                <a:latin typeface="+mn-lt"/>
+                <a:ea typeface="+mn-ea"/>
+                <a:cs typeface="+mn-cs"/>
+              </a:defRPr>
+            </a:lvl2pPr>
+            <a:lvl3pPr marL="1200150" indent="-285750" algn="l" defTabSz="457200" rtl="0" eaLnBrk="1" latinLnBrk="0" hangingPunct="1">
+              <a:spcBef>
+                <a:spcPts val="0"/>
+              </a:spcBef>
+              <a:spcAft>
+                <a:spcPts val="1000"/>
+              </a:spcAft>
+              <a:buClr>
+                <a:schemeClr val="tx1"/>
+              </a:buClr>
+              <a:buSzPct val="100000"/>
+              <a:buFont typeface="Arial"/>
+              <a:buChar char="•"/>
+              <a:defRPr sz="1400" kern="1200" cap="none">
+                <a:solidFill>
+                  <a:schemeClr val="tx1"/>
+                </a:solidFill>
+                <a:effectLst/>
+                <a:latin typeface="+mn-lt"/>
+                <a:ea typeface="+mn-ea"/>
+                <a:cs typeface="+mn-cs"/>
+              </a:defRPr>
+            </a:lvl3pPr>
+            <a:lvl4pPr marL="1543050" indent="-171450" algn="l" defTabSz="457200" rtl="0" eaLnBrk="1" latinLnBrk="0" hangingPunct="1">
+              <a:spcBef>
+                <a:spcPts val="0"/>
+              </a:spcBef>
+              <a:spcAft>
+                <a:spcPts val="1000"/>
+              </a:spcAft>
+              <a:buClr>
+                <a:schemeClr val="tx1"/>
+              </a:buClr>
+              <a:buSzPct val="100000"/>
+              <a:buFont typeface="Arial"/>
+              <a:buChar char="•"/>
+              <a:defRPr sz="1200" kern="1200" cap="none">
+                <a:solidFill>
+                  <a:schemeClr val="tx1"/>
+                </a:solidFill>
+                <a:effectLst/>
+                <a:latin typeface="+mn-lt"/>
+                <a:ea typeface="+mn-ea"/>
+                <a:cs typeface="+mn-cs"/>
+              </a:defRPr>
+            </a:lvl4pPr>
+            <a:lvl5pPr marL="2000250" indent="-171450" algn="l" defTabSz="457200" rtl="0" eaLnBrk="1" latinLnBrk="0" hangingPunct="1">
+              <a:spcBef>
+                <a:spcPts val="0"/>
+              </a:spcBef>
+              <a:spcAft>
+                <a:spcPts val="1000"/>
+              </a:spcAft>
+              <a:buClr>
+                <a:schemeClr val="tx1"/>
+              </a:buClr>
+              <a:buSzPct val="100000"/>
+              <a:buFont typeface="Arial"/>
+              <a:buChar char="•"/>
+              <a:defRPr sz="1200" kern="1200" cap="none">
+                <a:solidFill>
+                  <a:schemeClr val="tx1"/>
+                </a:solidFill>
+                <a:effectLst/>
+                <a:latin typeface="+mn-lt"/>
+                <a:ea typeface="+mn-ea"/>
+                <a:cs typeface="+mn-cs"/>
+              </a:defRPr>
+            </a:lvl5pPr>
+            <a:lvl6pPr marL="2514600" indent="-228600" algn="l" defTabSz="457200" rtl="0" eaLnBrk="1" latinLnBrk="0" hangingPunct="1">
+              <a:spcBef>
+                <a:spcPts val="0"/>
+              </a:spcBef>
+              <a:spcAft>
+                <a:spcPts val="1000"/>
+              </a:spcAft>
+              <a:buClr>
+                <a:schemeClr val="tx1"/>
+              </a:buClr>
+              <a:buSzPct val="100000"/>
+              <a:buFont typeface="Arial"/>
+              <a:buChar char="•"/>
+              <a:defRPr sz="1200" kern="1200" cap="none">
+                <a:solidFill>
+                  <a:schemeClr val="tx1"/>
+                </a:solidFill>
+                <a:effectLst/>
+                <a:latin typeface="+mn-lt"/>
+                <a:ea typeface="+mn-ea"/>
+                <a:cs typeface="+mn-cs"/>
+              </a:defRPr>
+            </a:lvl6pPr>
+            <a:lvl7pPr marL="2971800" indent="-228600" algn="l" defTabSz="457200" rtl="0" eaLnBrk="1" latinLnBrk="0" hangingPunct="1">
+              <a:spcBef>
+                <a:spcPts val="0"/>
+              </a:spcBef>
+              <a:spcAft>
+                <a:spcPts val="1000"/>
+              </a:spcAft>
+              <a:buClr>
+                <a:schemeClr val="tx1"/>
+              </a:buClr>
+              <a:buSzPct val="100000"/>
+              <a:buFont typeface="Arial"/>
+              <a:buChar char="•"/>
+              <a:defRPr sz="1200" kern="1200" cap="none">
+                <a:solidFill>
+                  <a:schemeClr val="tx1"/>
+                </a:solidFill>
+                <a:effectLst/>
+                <a:latin typeface="+mn-lt"/>
+                <a:ea typeface="+mn-ea"/>
+                <a:cs typeface="+mn-cs"/>
+              </a:defRPr>
+            </a:lvl7pPr>
+            <a:lvl8pPr marL="3429000" indent="-228600" algn="l" defTabSz="457200" rtl="0" eaLnBrk="1" latinLnBrk="0" hangingPunct="1">
+              <a:spcBef>
+                <a:spcPts val="0"/>
+              </a:spcBef>
+              <a:spcAft>
+                <a:spcPts val="1000"/>
+              </a:spcAft>
+              <a:buClr>
+                <a:schemeClr val="tx1"/>
+              </a:buClr>
+              <a:buSzPct val="100000"/>
+              <a:buFont typeface="Arial"/>
+              <a:buChar char="•"/>
+              <a:defRPr sz="1200" kern="1200" cap="none">
+                <a:solidFill>
+                  <a:schemeClr val="tx1"/>
+                </a:solidFill>
+                <a:effectLst/>
+                <a:latin typeface="+mn-lt"/>
+                <a:ea typeface="+mn-ea"/>
+                <a:cs typeface="+mn-cs"/>
+              </a:defRPr>
+            </a:lvl8pPr>
+            <a:lvl9pPr marL="3886200" indent="-228600" algn="l" defTabSz="457200" rtl="0" eaLnBrk="1" latinLnBrk="0" hangingPunct="1">
+              <a:spcBef>
+                <a:spcPts val="0"/>
+              </a:spcBef>
+              <a:spcAft>
+                <a:spcPts val="1000"/>
+              </a:spcAft>
+              <a:buClr>
+                <a:schemeClr val="tx1"/>
+              </a:buClr>
+              <a:buSzPct val="100000"/>
+              <a:buFont typeface="Arial"/>
+              <a:buChar char="•"/>
+              <a:defRPr sz="1200" kern="1200" cap="none">
+                <a:solidFill>
+                  <a:schemeClr val="tx1"/>
+                </a:solidFill>
+                <a:effectLst/>
+                <a:latin typeface="+mn-lt"/>
+                <a:ea typeface="+mn-ea"/>
+                <a:cs typeface="+mn-cs"/>
+              </a:defRPr>
+            </a:lvl9pPr>
+          </a:lstStyle>
+          <a:p>
+            <a:endParaRPr lang="en-GB" sz="4000" dirty="0" smtClean="0">
+              <a:latin typeface="+mj-lt"/>
+            </a:endParaRPr>
+          </a:p>
+          <a:p>
+            <a:endParaRPr lang="en-GB" sz="4000" dirty="0" smtClean="0">
+              <a:latin typeface="+mj-lt"/>
+            </a:endParaRPr>
+          </a:p>
+          <a:p>
+            <a:endParaRPr lang="en-GB" sz="4000" dirty="0">
+              <a:latin typeface="+mj-lt"/>
+            </a:endParaRPr>
+          </a:p>
+        </p:txBody>
+      </p:sp>
+      <p:cxnSp>
+        <p:nvCxnSpPr>
+          <p:cNvPr id="15" name="Connettore 2 14"/>
+          <p:cNvCxnSpPr/>
+          <p:nvPr/>
+        </p:nvCxnSpPr>
+        <p:spPr>
+          <a:xfrm>
+            <a:off x="4352499" y="2466490"/>
+            <a:ext cx="3272495" cy="8299"/>
+          </a:xfrm>
+          <a:prstGeom prst="straightConnector1">
+            <a:avLst/>
+          </a:prstGeom>
+          <a:ln w="57150">
+            <a:tailEnd type="triangle"/>
+          </a:ln>
+        </p:spPr>
+        <p:style>
+          <a:lnRef idx="1">
+            <a:schemeClr val="accent1"/>
+          </a:lnRef>
+          <a:fillRef idx="0">
+            <a:schemeClr val="accent1"/>
+          </a:fillRef>
+          <a:effectRef idx="0">
+            <a:schemeClr val="accent1"/>
+          </a:effectRef>
+          <a:fontRef idx="minor">
+            <a:schemeClr val="tx1"/>
+          </a:fontRef>
+        </p:style>
+      </p:cxnSp>
+      <p:pic>
+        <p:nvPicPr>
+          <p:cNvPr id="16" name="Immagine 15"/>
+          <p:cNvPicPr>
+            <a:picLocks noChangeAspect="1"/>
+          </p:cNvPicPr>
+          <p:nvPr/>
+        </p:nvPicPr>
+        <p:blipFill>
+          <a:blip r:embed="rId4">
+            <a:extLst>
+              <a:ext uri="{28A0092B-C50C-407E-A947-70E740481C1C}">
+                <a14:useLocalDpi xmlns:a14="http://schemas.microsoft.com/office/drawing/2010/main"/>
+              </a:ext>
+            </a:extLst>
+          </a:blip>
+          <a:stretch>
+            <a:fillRect/>
+          </a:stretch>
+        </p:blipFill>
+        <p:spPr>
+          <a:xfrm>
+            <a:off x="1743827" y="2200048"/>
+            <a:ext cx="2174528" cy="2178152"/>
+          </a:xfrm>
+          <a:prstGeom prst="rect">
+            <a:avLst/>
+          </a:prstGeom>
+        </p:spPr>
+      </p:pic>
+      <p:pic>
+        <p:nvPicPr>
+          <p:cNvPr id="20" name="Immagine 19"/>
+          <p:cNvPicPr>
+            <a:picLocks noChangeAspect="1"/>
+          </p:cNvPicPr>
+          <p:nvPr/>
+        </p:nvPicPr>
+        <p:blipFill>
+          <a:blip r:embed="rId5">
+            <a:extLst>
+              <a:ext uri="{28A0092B-C50C-407E-A947-70E740481C1C}">
+                <a14:useLocalDpi xmlns:a14="http://schemas.microsoft.com/office/drawing/2010/main" val="0"/>
+              </a:ext>
+            </a:extLst>
+          </a:blip>
+          <a:stretch>
+            <a:fillRect/>
+          </a:stretch>
+        </p:blipFill>
+        <p:spPr>
+          <a:xfrm>
+            <a:off x="5708792" y="4457162"/>
+            <a:ext cx="1688132" cy="1575590"/>
+          </a:xfrm>
+          <a:prstGeom prst="rect">
+            <a:avLst/>
+          </a:prstGeom>
+        </p:spPr>
+      </p:pic>
+      <p:cxnSp>
+        <p:nvCxnSpPr>
+          <p:cNvPr id="21" name="Connettore 2 20"/>
+          <p:cNvCxnSpPr/>
+          <p:nvPr/>
+        </p:nvCxnSpPr>
+        <p:spPr>
+          <a:xfrm flipH="1" flipV="1">
+            <a:off x="4544832" y="3826868"/>
+            <a:ext cx="4118283" cy="1146127"/>
+          </a:xfrm>
+          <a:prstGeom prst="straightConnector1">
+            <a:avLst/>
+          </a:prstGeom>
+          <a:ln w="57150">
+            <a:tailEnd type="triangle"/>
+          </a:ln>
+        </p:spPr>
+        <p:style>
+          <a:lnRef idx="1">
+            <a:schemeClr val="accent1"/>
+          </a:lnRef>
+          <a:fillRef idx="0">
+            <a:schemeClr val="accent1"/>
+          </a:fillRef>
+          <a:effectRef idx="0">
+            <a:schemeClr val="accent1"/>
+          </a:effectRef>
+          <a:fontRef idx="minor">
+            <a:schemeClr val="tx1"/>
+          </a:fontRef>
+        </p:style>
+      </p:cxnSp>
+      <p:pic>
+        <p:nvPicPr>
+          <p:cNvPr id="24" name="Immagine 23"/>
+          <p:cNvPicPr>
+            <a:picLocks noChangeAspect="1"/>
+          </p:cNvPicPr>
+          <p:nvPr/>
+        </p:nvPicPr>
+        <p:blipFill>
+          <a:blip r:embed="rId6">
+            <a:extLst>
+              <a:ext uri="{28A0092B-C50C-407E-A947-70E740481C1C}">
+                <a14:useLocalDpi xmlns:a14="http://schemas.microsoft.com/office/drawing/2010/main"/>
+              </a:ext>
+            </a:extLst>
+          </a:blip>
+          <a:stretch>
+            <a:fillRect/>
+          </a:stretch>
+        </p:blipFill>
+        <p:spPr>
+          <a:xfrm>
+            <a:off x="8663115" y="193127"/>
+            <a:ext cx="2397825" cy="2397825"/>
+          </a:xfrm>
+          <a:prstGeom prst="rect">
+            <a:avLst/>
+          </a:prstGeom>
+        </p:spPr>
+      </p:pic>
+      <p:pic>
+        <p:nvPicPr>
+          <p:cNvPr id="22" name="Immagine 21"/>
+          <p:cNvPicPr>
+            <a:picLocks noChangeAspect="1"/>
+          </p:cNvPicPr>
+          <p:nvPr/>
+        </p:nvPicPr>
+        <p:blipFill>
+          <a:blip r:embed="rId7">
+            <a:extLst>
+              <a:ext uri="{28A0092B-C50C-407E-A947-70E740481C1C}">
+                <a14:useLocalDpi xmlns:a14="http://schemas.microsoft.com/office/drawing/2010/main"/>
+              </a:ext>
+            </a:extLst>
+          </a:blip>
+          <a:stretch>
+            <a:fillRect/>
+          </a:stretch>
+        </p:blipFill>
+        <p:spPr>
+          <a:xfrm>
+            <a:off x="5823339" y="1439713"/>
+            <a:ext cx="799053" cy="799053"/>
+          </a:xfrm>
+          <a:prstGeom prst="rect">
+            <a:avLst/>
+          </a:prstGeom>
+        </p:spPr>
+      </p:pic>
+      <p:pic>
+        <p:nvPicPr>
+          <p:cNvPr id="3" name="Immagine 2"/>
+          <p:cNvPicPr>
+            <a:picLocks noChangeAspect="1"/>
+          </p:cNvPicPr>
+          <p:nvPr/>
+        </p:nvPicPr>
+        <p:blipFill>
+          <a:blip r:embed="rId8">
+            <a:extLst>
+              <a:ext uri="{28A0092B-C50C-407E-A947-70E740481C1C}">
+                <a14:useLocalDpi xmlns:a14="http://schemas.microsoft.com/office/drawing/2010/main" val="0"/>
+              </a:ext>
+            </a:extLst>
+          </a:blip>
+          <a:stretch>
+            <a:fillRect/>
+          </a:stretch>
+        </p:blipFill>
+        <p:spPr>
+          <a:xfrm>
+            <a:off x="10125483" y="2339552"/>
+            <a:ext cx="604326" cy="251400"/>
+          </a:xfrm>
+          <a:prstGeom prst="rect">
+            <a:avLst/>
+          </a:prstGeom>
+        </p:spPr>
+      </p:pic>
+      <p:pic>
+        <p:nvPicPr>
+          <p:cNvPr id="4" name="Immagine 3"/>
+          <p:cNvPicPr>
+            <a:picLocks noChangeAspect="1"/>
+          </p:cNvPicPr>
+          <p:nvPr/>
+        </p:nvPicPr>
+        <p:blipFill>
+          <a:blip r:embed="rId9"/>
+          <a:stretch>
+            <a:fillRect/>
+          </a:stretch>
+        </p:blipFill>
+        <p:spPr>
+          <a:xfrm>
+            <a:off x="9064487" y="4591700"/>
+            <a:ext cx="1665322" cy="1665322"/>
+          </a:xfrm>
+          <a:prstGeom prst="rect">
+            <a:avLst/>
+          </a:prstGeom>
+        </p:spPr>
+      </p:pic>
+      <p:cxnSp>
+        <p:nvCxnSpPr>
+          <p:cNvPr id="25" name="Connettore 2 24"/>
+          <p:cNvCxnSpPr/>
+          <p:nvPr/>
+        </p:nvCxnSpPr>
+        <p:spPr>
+          <a:xfrm>
+            <a:off x="9283147" y="2877898"/>
+            <a:ext cx="0" cy="1500302"/>
+          </a:xfrm>
+          <a:prstGeom prst="straightConnector1">
+            <a:avLst/>
+          </a:prstGeom>
+          <a:ln w="57150">
+            <a:prstDash val="dash"/>
+            <a:tailEnd type="triangle"/>
+          </a:ln>
+        </p:spPr>
+        <p:style>
+          <a:lnRef idx="1">
+            <a:schemeClr val="accent1"/>
+          </a:lnRef>
+          <a:fillRef idx="0">
+            <a:schemeClr val="accent1"/>
+          </a:fillRef>
+          <a:effectRef idx="0">
+            <a:schemeClr val="accent1"/>
+          </a:effectRef>
+          <a:fontRef idx="minor">
+            <a:schemeClr val="tx1"/>
+          </a:fontRef>
+        </p:style>
+      </p:cxnSp>
+      <p:cxnSp>
+        <p:nvCxnSpPr>
+          <p:cNvPr id="26" name="Connettore 2 25"/>
+          <p:cNvCxnSpPr/>
+          <p:nvPr/>
+        </p:nvCxnSpPr>
+        <p:spPr>
+          <a:xfrm flipV="1">
+            <a:off x="10284152" y="2827725"/>
+            <a:ext cx="23630" cy="1466102"/>
+          </a:xfrm>
+          <a:prstGeom prst="straightConnector1">
+            <a:avLst/>
+          </a:prstGeom>
+          <a:ln w="57150">
+            <a:prstDash val="dash"/>
+            <a:tailEnd type="triangle"/>
+          </a:ln>
+        </p:spPr>
+        <p:style>
+          <a:lnRef idx="1">
+            <a:schemeClr val="accent1"/>
+          </a:lnRef>
+          <a:fillRef idx="0">
+            <a:schemeClr val="accent1"/>
+          </a:fillRef>
+          <a:effectRef idx="0">
+            <a:schemeClr val="accent1"/>
+          </a:effectRef>
+          <a:fontRef idx="minor">
+            <a:schemeClr val="tx1"/>
+          </a:fontRef>
+        </p:style>
+      </p:cxnSp>
+      <p:pic>
+        <p:nvPicPr>
+          <p:cNvPr id="29" name="Immagine 28"/>
+          <p:cNvPicPr>
+            <a:picLocks noChangeAspect="1"/>
+          </p:cNvPicPr>
+          <p:nvPr/>
+        </p:nvPicPr>
+        <p:blipFill>
+          <a:blip r:embed="rId10">
+            <a:extLst>
+              <a:ext uri="{28A0092B-C50C-407E-A947-70E740481C1C}">
+                <a14:useLocalDpi xmlns:a14="http://schemas.microsoft.com/office/drawing/2010/main"/>
+              </a:ext>
+            </a:extLst>
+          </a:blip>
+          <a:stretch>
+            <a:fillRect/>
+          </a:stretch>
+        </p:blipFill>
+        <p:spPr>
+          <a:xfrm>
+            <a:off x="7678799" y="5125395"/>
+            <a:ext cx="694298" cy="694298"/>
+          </a:xfrm>
+          <a:prstGeom prst="rect">
+            <a:avLst/>
+          </a:prstGeom>
+        </p:spPr>
+      </p:pic>
+      <p:pic>
+        <p:nvPicPr>
+          <p:cNvPr id="30" name="Immagine 29"/>
+          <p:cNvPicPr>
+            <a:picLocks noChangeAspect="1"/>
+          </p:cNvPicPr>
+          <p:nvPr/>
+        </p:nvPicPr>
+        <p:blipFill>
+          <a:blip r:embed="rId11">
+            <a:extLst>
+              <a:ext uri="{28A0092B-C50C-407E-A947-70E740481C1C}">
+                <a14:useLocalDpi xmlns:a14="http://schemas.microsoft.com/office/drawing/2010/main" val="0"/>
+              </a:ext>
+            </a:extLst>
+          </a:blip>
+          <a:stretch>
+            <a:fillRect/>
+          </a:stretch>
+        </p:blipFill>
+        <p:spPr>
+          <a:xfrm>
+            <a:off x="10528408" y="3309631"/>
+            <a:ext cx="819316" cy="819316"/>
+          </a:xfrm>
+          <a:prstGeom prst="rect">
+            <a:avLst/>
+          </a:prstGeom>
+        </p:spPr>
+      </p:pic>
+      <p:pic>
+        <p:nvPicPr>
+          <p:cNvPr id="33" name="Immagine 32"/>
+          <p:cNvPicPr>
+            <a:picLocks noChangeAspect="1"/>
+          </p:cNvPicPr>
+          <p:nvPr/>
+        </p:nvPicPr>
+        <p:blipFill>
+          <a:blip r:embed="rId12">
+            <a:extLst>
+              <a:ext uri="{28A0092B-C50C-407E-A947-70E740481C1C}">
+                <a14:useLocalDpi xmlns:a14="http://schemas.microsoft.com/office/drawing/2010/main" val="0"/>
+              </a:ext>
+            </a:extLst>
+          </a:blip>
+          <a:stretch>
+            <a:fillRect/>
+          </a:stretch>
+        </p:blipFill>
+        <p:spPr>
+          <a:xfrm>
+            <a:off x="10793702" y="257862"/>
+            <a:ext cx="1305359" cy="1305359"/>
+          </a:xfrm>
+          <a:prstGeom prst="rect">
+            <a:avLst/>
+          </a:prstGeom>
+        </p:spPr>
+      </p:pic>
+      <p:pic>
+        <p:nvPicPr>
+          <p:cNvPr id="34" name="Immagine 33"/>
+          <p:cNvPicPr>
+            <a:picLocks noChangeAspect="1"/>
+          </p:cNvPicPr>
+          <p:nvPr/>
+        </p:nvPicPr>
+        <p:blipFill>
+          <a:blip r:embed="rId13">
+            <a:extLst>
+              <a:ext uri="{28A0092B-C50C-407E-A947-70E740481C1C}">
+                <a14:useLocalDpi xmlns:a14="http://schemas.microsoft.com/office/drawing/2010/main" val="0"/>
+              </a:ext>
+            </a:extLst>
+          </a:blip>
+          <a:stretch>
+            <a:fillRect/>
+          </a:stretch>
+        </p:blipFill>
+        <p:spPr>
+          <a:xfrm>
+            <a:off x="8373097" y="3185780"/>
+            <a:ext cx="837653" cy="837653"/>
+          </a:xfrm>
+          <a:prstGeom prst="rect">
+            <a:avLst/>
+          </a:prstGeom>
+        </p:spPr>
+      </p:pic>
+      <p:pic>
+        <p:nvPicPr>
+          <p:cNvPr id="35" name="Immagine 34"/>
+          <p:cNvPicPr>
+            <a:picLocks noChangeAspect="1"/>
+          </p:cNvPicPr>
+          <p:nvPr/>
+        </p:nvPicPr>
+        <p:blipFill>
+          <a:blip r:embed="rId14">
+            <a:extLst>
+              <a:ext uri="{28A0092B-C50C-407E-A947-70E740481C1C}">
+                <a14:useLocalDpi xmlns:a14="http://schemas.microsoft.com/office/drawing/2010/main" val="0"/>
+              </a:ext>
+            </a:extLst>
+          </a:blip>
+          <a:stretch>
+            <a:fillRect/>
+          </a:stretch>
+        </p:blipFill>
+        <p:spPr>
+          <a:xfrm>
+            <a:off x="4789492" y="1470418"/>
+            <a:ext cx="759497" cy="759497"/>
+          </a:xfrm>
+          <a:prstGeom prst="rect">
+            <a:avLst/>
+          </a:prstGeom>
+        </p:spPr>
+      </p:pic>
+    </p:spTree>
+    <p:extLst>
+      <p:ext uri="{BB962C8B-B14F-4D97-AF65-F5344CB8AC3E}">
+        <p14:creationId xmlns:p14="http://schemas.microsoft.com/office/powerpoint/2010/main" val="1441132407"/>
       </p:ext>
     </p:extLst>
   </p:cSld>
@@ -11840,6 +14392,1979 @@
     <p:extLst>
       <p:ext uri="{BB962C8B-B14F-4D97-AF65-F5344CB8AC3E}">
         <p14:creationId xmlns:p14="http://schemas.microsoft.com/office/powerpoint/2010/main" val="1876781788"/>
+      </p:ext>
+    </p:extLst>
+  </p:cSld>
+  <p:clrMapOvr>
+    <a:masterClrMapping/>
+  </p:clrMapOvr>
+  <mc:AlternateContent xmlns:mc="http://schemas.openxmlformats.org/markup-compatibility/2006">
+    <mc:Choice xmlns:p14="http://schemas.microsoft.com/office/powerpoint/2010/main" Requires="p14">
+      <p:transition spd="med" p14:dur="700">
+        <p:fade/>
+      </p:transition>
+    </mc:Choice>
+    <mc:Fallback>
+      <p:transition spd="med">
+        <p:fade/>
+      </p:transition>
+    </mc:Fallback>
+  </mc:AlternateContent>
+  <p:timing>
+    <p:tnLst>
+      <p:par>
+        <p:cTn id="1" dur="indefinite" restart="never" nodeType="tmRoot"/>
+      </p:par>
+    </p:tnLst>
+  </p:timing>
+</p:sld>
+</file>
+
+<file path=ppt/slides/slide20.xml><?xml version="1.0" encoding="utf-8"?>
+<p:sld xmlns:a="http://schemas.openxmlformats.org/drawingml/2006/main" xmlns:r="http://schemas.openxmlformats.org/officeDocument/2006/relationships" xmlns:p="http://schemas.openxmlformats.org/presentationml/2006/main">
+  <p:cSld>
+    <p:spTree>
+      <p:nvGrpSpPr>
+        <p:cNvPr id="1" name=""/>
+        <p:cNvGrpSpPr/>
+        <p:nvPr/>
+      </p:nvGrpSpPr>
+      <p:grpSpPr>
+        <a:xfrm>
+          <a:off x="0" y="0"/>
+          <a:ext cx="0" cy="0"/>
+          <a:chOff x="0" y="0"/>
+          <a:chExt cx="0" cy="0"/>
+        </a:xfrm>
+      </p:grpSpPr>
+      <p:pic>
+        <p:nvPicPr>
+          <p:cNvPr id="23" name="Immagine 22"/>
+          <p:cNvPicPr>
+            <a:picLocks noChangeAspect="1"/>
+          </p:cNvPicPr>
+          <p:nvPr/>
+        </p:nvPicPr>
+        <p:blipFill>
+          <a:blip r:embed="rId3">
+            <a:alphaModFix amt="50000"/>
+            <a:extLst>
+              <a:ext uri="{28A0092B-C50C-407E-A947-70E740481C1C}">
+                <a14:useLocalDpi xmlns:a14="http://schemas.microsoft.com/office/drawing/2010/main" val="0"/>
+              </a:ext>
+            </a:extLst>
+          </a:blip>
+          <a:stretch>
+            <a:fillRect/>
+          </a:stretch>
+        </p:blipFill>
+        <p:spPr>
+          <a:xfrm>
+            <a:off x="-798149" y="0"/>
+            <a:ext cx="14025600" cy="7012800"/>
+          </a:xfrm>
+          <a:prstGeom prst="rect">
+            <a:avLst/>
+          </a:prstGeom>
+        </p:spPr>
+      </p:pic>
+      <p:sp>
+        <p:nvSpPr>
+          <p:cNvPr id="5" name="Segnaposto contenuto 2"/>
+          <p:cNvSpPr>
+            <a:spLocks noGrp="1"/>
+          </p:cNvSpPr>
+          <p:nvPr>
+            <p:ph idx="1"/>
+          </p:nvPr>
+        </p:nvSpPr>
+        <p:spPr>
+          <a:xfrm>
+            <a:off x="671947" y="1850167"/>
+            <a:ext cx="10131425" cy="4557560"/>
+          </a:xfrm>
+        </p:spPr>
+        <p:txBody>
+          <a:bodyPr>
+            <a:normAutofit/>
+          </a:bodyPr>
+          <a:lstStyle/>
+          <a:p>
+            <a:endParaRPr lang="en-GB" sz="4000" dirty="0" smtClean="0">
+              <a:latin typeface="+mj-lt"/>
+            </a:endParaRPr>
+          </a:p>
+          <a:p>
+            <a:endParaRPr lang="en-GB" sz="4000" dirty="0" smtClean="0">
+              <a:latin typeface="+mj-lt"/>
+            </a:endParaRPr>
+          </a:p>
+          <a:p>
+            <a:endParaRPr lang="en-GB" sz="4000" dirty="0">
+              <a:latin typeface="+mj-lt"/>
+            </a:endParaRPr>
+          </a:p>
+        </p:txBody>
+      </p:sp>
+      <p:sp>
+        <p:nvSpPr>
+          <p:cNvPr id="7" name="Titolo 1"/>
+          <p:cNvSpPr>
+            <a:spLocks noGrp="1"/>
+          </p:cNvSpPr>
+          <p:nvPr>
+            <p:ph type="title"/>
+          </p:nvPr>
+        </p:nvSpPr>
+        <p:spPr>
+          <a:xfrm>
+            <a:off x="387927" y="484909"/>
+            <a:ext cx="10131425" cy="1067385"/>
+          </a:xfrm>
+        </p:spPr>
+        <p:txBody>
+          <a:bodyPr>
+            <a:normAutofit/>
+          </a:bodyPr>
+          <a:lstStyle/>
+          <a:p>
+            <a:pPr marL="742950" marR="0" lvl="0" indent="-742950" defTabSz="914400" eaLnBrk="1" fontAlgn="auto" latinLnBrk="0" hangingPunct="1">
+              <a:lnSpc>
+                <a:spcPct val="100000"/>
+              </a:lnSpc>
+              <a:spcBef>
+                <a:spcPts val="0"/>
+              </a:spcBef>
+              <a:spcAft>
+                <a:spcPts val="0"/>
+              </a:spcAft>
+              <a:buClrTx/>
+              <a:buSzTx/>
+              <a:buFont typeface="+mj-lt"/>
+              <a:buNone/>
+              <a:tabLst/>
+              <a:defRPr/>
+            </a:pPr>
+            <a:r>
+              <a:rPr lang="en-GB" dirty="0" smtClean="0"/>
+              <a:t>3.1</a:t>
+            </a:r>
+            <a:r>
+              <a:rPr lang="en-GB" dirty="0" smtClean="0"/>
+              <a:t>	</a:t>
+            </a:r>
+            <a:r>
+              <a:rPr lang="en-GB" sz="4000" dirty="0" smtClean="0"/>
+              <a:t>Scenario Example</a:t>
+            </a:r>
+            <a:endParaRPr lang="en-GB" sz="4000" dirty="0"/>
+          </a:p>
+        </p:txBody>
+      </p:sp>
+      <p:sp>
+        <p:nvSpPr>
+          <p:cNvPr id="8" name="Segnaposto contenuto 2"/>
+          <p:cNvSpPr txBox="1">
+            <a:spLocks/>
+          </p:cNvSpPr>
+          <p:nvPr/>
+        </p:nvSpPr>
+        <p:spPr>
+          <a:xfrm>
+            <a:off x="824347" y="2002567"/>
+            <a:ext cx="10131425" cy="4557560"/>
+          </a:xfrm>
+          <a:prstGeom prst="rect">
+            <a:avLst/>
+          </a:prstGeom>
+        </p:spPr>
+        <p:txBody>
+          <a:bodyPr vert="horz" lIns="91440" tIns="45720" rIns="91440" bIns="45720" rtlCol="0" anchor="ctr">
+            <a:normAutofit/>
+          </a:bodyPr>
+          <a:lstStyle>
+            <a:lvl1pPr marL="285750" indent="-285750" algn="l" defTabSz="457200" rtl="0" eaLnBrk="1" latinLnBrk="0" hangingPunct="1">
+              <a:spcBef>
+                <a:spcPts val="0"/>
+              </a:spcBef>
+              <a:spcAft>
+                <a:spcPts val="1000"/>
+              </a:spcAft>
+              <a:buClr>
+                <a:schemeClr val="tx1"/>
+              </a:buClr>
+              <a:buSzPct val="100000"/>
+              <a:buFont typeface="Arial"/>
+              <a:buChar char="•"/>
+              <a:defRPr sz="1800" kern="1200" cap="none">
+                <a:solidFill>
+                  <a:schemeClr val="tx1"/>
+                </a:solidFill>
+                <a:effectLst/>
+                <a:latin typeface="+mn-lt"/>
+                <a:ea typeface="+mn-ea"/>
+                <a:cs typeface="+mn-cs"/>
+              </a:defRPr>
+            </a:lvl1pPr>
+            <a:lvl2pPr marL="742950" indent="-285750" algn="l" defTabSz="457200" rtl="0" eaLnBrk="1" latinLnBrk="0" hangingPunct="1">
+              <a:spcBef>
+                <a:spcPts val="0"/>
+              </a:spcBef>
+              <a:spcAft>
+                <a:spcPts val="1000"/>
+              </a:spcAft>
+              <a:buClr>
+                <a:schemeClr val="tx1"/>
+              </a:buClr>
+              <a:buSzPct val="100000"/>
+              <a:buFont typeface="Arial"/>
+              <a:buChar char="•"/>
+              <a:defRPr sz="1600" kern="1200" cap="none">
+                <a:solidFill>
+                  <a:schemeClr val="tx1"/>
+                </a:solidFill>
+                <a:effectLst/>
+                <a:latin typeface="+mn-lt"/>
+                <a:ea typeface="+mn-ea"/>
+                <a:cs typeface="+mn-cs"/>
+              </a:defRPr>
+            </a:lvl2pPr>
+            <a:lvl3pPr marL="1200150" indent="-285750" algn="l" defTabSz="457200" rtl="0" eaLnBrk="1" latinLnBrk="0" hangingPunct="1">
+              <a:spcBef>
+                <a:spcPts val="0"/>
+              </a:spcBef>
+              <a:spcAft>
+                <a:spcPts val="1000"/>
+              </a:spcAft>
+              <a:buClr>
+                <a:schemeClr val="tx1"/>
+              </a:buClr>
+              <a:buSzPct val="100000"/>
+              <a:buFont typeface="Arial"/>
+              <a:buChar char="•"/>
+              <a:defRPr sz="1400" kern="1200" cap="none">
+                <a:solidFill>
+                  <a:schemeClr val="tx1"/>
+                </a:solidFill>
+                <a:effectLst/>
+                <a:latin typeface="+mn-lt"/>
+                <a:ea typeface="+mn-ea"/>
+                <a:cs typeface="+mn-cs"/>
+              </a:defRPr>
+            </a:lvl3pPr>
+            <a:lvl4pPr marL="1543050" indent="-171450" algn="l" defTabSz="457200" rtl="0" eaLnBrk="1" latinLnBrk="0" hangingPunct="1">
+              <a:spcBef>
+                <a:spcPts val="0"/>
+              </a:spcBef>
+              <a:spcAft>
+                <a:spcPts val="1000"/>
+              </a:spcAft>
+              <a:buClr>
+                <a:schemeClr val="tx1"/>
+              </a:buClr>
+              <a:buSzPct val="100000"/>
+              <a:buFont typeface="Arial"/>
+              <a:buChar char="•"/>
+              <a:defRPr sz="1200" kern="1200" cap="none">
+                <a:solidFill>
+                  <a:schemeClr val="tx1"/>
+                </a:solidFill>
+                <a:effectLst/>
+                <a:latin typeface="+mn-lt"/>
+                <a:ea typeface="+mn-ea"/>
+                <a:cs typeface="+mn-cs"/>
+              </a:defRPr>
+            </a:lvl4pPr>
+            <a:lvl5pPr marL="2000250" indent="-171450" algn="l" defTabSz="457200" rtl="0" eaLnBrk="1" latinLnBrk="0" hangingPunct="1">
+              <a:spcBef>
+                <a:spcPts val="0"/>
+              </a:spcBef>
+              <a:spcAft>
+                <a:spcPts val="1000"/>
+              </a:spcAft>
+              <a:buClr>
+                <a:schemeClr val="tx1"/>
+              </a:buClr>
+              <a:buSzPct val="100000"/>
+              <a:buFont typeface="Arial"/>
+              <a:buChar char="•"/>
+              <a:defRPr sz="1200" kern="1200" cap="none">
+                <a:solidFill>
+                  <a:schemeClr val="tx1"/>
+                </a:solidFill>
+                <a:effectLst/>
+                <a:latin typeface="+mn-lt"/>
+                <a:ea typeface="+mn-ea"/>
+                <a:cs typeface="+mn-cs"/>
+              </a:defRPr>
+            </a:lvl5pPr>
+            <a:lvl6pPr marL="2514600" indent="-228600" algn="l" defTabSz="457200" rtl="0" eaLnBrk="1" latinLnBrk="0" hangingPunct="1">
+              <a:spcBef>
+                <a:spcPts val="0"/>
+              </a:spcBef>
+              <a:spcAft>
+                <a:spcPts val="1000"/>
+              </a:spcAft>
+              <a:buClr>
+                <a:schemeClr val="tx1"/>
+              </a:buClr>
+              <a:buSzPct val="100000"/>
+              <a:buFont typeface="Arial"/>
+              <a:buChar char="•"/>
+              <a:defRPr sz="1200" kern="1200" cap="none">
+                <a:solidFill>
+                  <a:schemeClr val="tx1"/>
+                </a:solidFill>
+                <a:effectLst/>
+                <a:latin typeface="+mn-lt"/>
+                <a:ea typeface="+mn-ea"/>
+                <a:cs typeface="+mn-cs"/>
+              </a:defRPr>
+            </a:lvl6pPr>
+            <a:lvl7pPr marL="2971800" indent="-228600" algn="l" defTabSz="457200" rtl="0" eaLnBrk="1" latinLnBrk="0" hangingPunct="1">
+              <a:spcBef>
+                <a:spcPts val="0"/>
+              </a:spcBef>
+              <a:spcAft>
+                <a:spcPts val="1000"/>
+              </a:spcAft>
+              <a:buClr>
+                <a:schemeClr val="tx1"/>
+              </a:buClr>
+              <a:buSzPct val="100000"/>
+              <a:buFont typeface="Arial"/>
+              <a:buChar char="•"/>
+              <a:defRPr sz="1200" kern="1200" cap="none">
+                <a:solidFill>
+                  <a:schemeClr val="tx1"/>
+                </a:solidFill>
+                <a:effectLst/>
+                <a:latin typeface="+mn-lt"/>
+                <a:ea typeface="+mn-ea"/>
+                <a:cs typeface="+mn-cs"/>
+              </a:defRPr>
+            </a:lvl7pPr>
+            <a:lvl8pPr marL="3429000" indent="-228600" algn="l" defTabSz="457200" rtl="0" eaLnBrk="1" latinLnBrk="0" hangingPunct="1">
+              <a:spcBef>
+                <a:spcPts val="0"/>
+              </a:spcBef>
+              <a:spcAft>
+                <a:spcPts val="1000"/>
+              </a:spcAft>
+              <a:buClr>
+                <a:schemeClr val="tx1"/>
+              </a:buClr>
+              <a:buSzPct val="100000"/>
+              <a:buFont typeface="Arial"/>
+              <a:buChar char="•"/>
+              <a:defRPr sz="1200" kern="1200" cap="none">
+                <a:solidFill>
+                  <a:schemeClr val="tx1"/>
+                </a:solidFill>
+                <a:effectLst/>
+                <a:latin typeface="+mn-lt"/>
+                <a:ea typeface="+mn-ea"/>
+                <a:cs typeface="+mn-cs"/>
+              </a:defRPr>
+            </a:lvl8pPr>
+            <a:lvl9pPr marL="3886200" indent="-228600" algn="l" defTabSz="457200" rtl="0" eaLnBrk="1" latinLnBrk="0" hangingPunct="1">
+              <a:spcBef>
+                <a:spcPts val="0"/>
+              </a:spcBef>
+              <a:spcAft>
+                <a:spcPts val="1000"/>
+              </a:spcAft>
+              <a:buClr>
+                <a:schemeClr val="tx1"/>
+              </a:buClr>
+              <a:buSzPct val="100000"/>
+              <a:buFont typeface="Arial"/>
+              <a:buChar char="•"/>
+              <a:defRPr sz="1200" kern="1200" cap="none">
+                <a:solidFill>
+                  <a:schemeClr val="tx1"/>
+                </a:solidFill>
+                <a:effectLst/>
+                <a:latin typeface="+mn-lt"/>
+                <a:ea typeface="+mn-ea"/>
+                <a:cs typeface="+mn-cs"/>
+              </a:defRPr>
+            </a:lvl9pPr>
+          </a:lstStyle>
+          <a:p>
+            <a:endParaRPr lang="en-GB" sz="4000" dirty="0" smtClean="0">
+              <a:latin typeface="+mj-lt"/>
+            </a:endParaRPr>
+          </a:p>
+          <a:p>
+            <a:endParaRPr lang="en-GB" sz="4000" dirty="0" smtClean="0">
+              <a:latin typeface="+mj-lt"/>
+            </a:endParaRPr>
+          </a:p>
+          <a:p>
+            <a:endParaRPr lang="en-GB" sz="4000" dirty="0">
+              <a:latin typeface="+mj-lt"/>
+            </a:endParaRPr>
+          </a:p>
+        </p:txBody>
+      </p:sp>
+      <p:cxnSp>
+        <p:nvCxnSpPr>
+          <p:cNvPr id="15" name="Connettore 2 14"/>
+          <p:cNvCxnSpPr/>
+          <p:nvPr/>
+        </p:nvCxnSpPr>
+        <p:spPr>
+          <a:xfrm>
+            <a:off x="4352499" y="2466490"/>
+            <a:ext cx="3272495" cy="8299"/>
+          </a:xfrm>
+          <a:prstGeom prst="straightConnector1">
+            <a:avLst/>
+          </a:prstGeom>
+          <a:ln w="57150">
+            <a:tailEnd type="triangle"/>
+          </a:ln>
+        </p:spPr>
+        <p:style>
+          <a:lnRef idx="1">
+            <a:schemeClr val="accent1"/>
+          </a:lnRef>
+          <a:fillRef idx="0">
+            <a:schemeClr val="accent1"/>
+          </a:fillRef>
+          <a:effectRef idx="0">
+            <a:schemeClr val="accent1"/>
+          </a:effectRef>
+          <a:fontRef idx="minor">
+            <a:schemeClr val="tx1"/>
+          </a:fontRef>
+        </p:style>
+      </p:cxnSp>
+      <p:pic>
+        <p:nvPicPr>
+          <p:cNvPr id="16" name="Immagine 15"/>
+          <p:cNvPicPr>
+            <a:picLocks noChangeAspect="1"/>
+          </p:cNvPicPr>
+          <p:nvPr/>
+        </p:nvPicPr>
+        <p:blipFill>
+          <a:blip r:embed="rId4">
+            <a:extLst>
+              <a:ext uri="{28A0092B-C50C-407E-A947-70E740481C1C}">
+                <a14:useLocalDpi xmlns:a14="http://schemas.microsoft.com/office/drawing/2010/main"/>
+              </a:ext>
+            </a:extLst>
+          </a:blip>
+          <a:stretch>
+            <a:fillRect/>
+          </a:stretch>
+        </p:blipFill>
+        <p:spPr>
+          <a:xfrm>
+            <a:off x="1743827" y="2200048"/>
+            <a:ext cx="2174528" cy="2178152"/>
+          </a:xfrm>
+          <a:prstGeom prst="rect">
+            <a:avLst/>
+          </a:prstGeom>
+        </p:spPr>
+      </p:pic>
+      <p:pic>
+        <p:nvPicPr>
+          <p:cNvPr id="20" name="Immagine 19"/>
+          <p:cNvPicPr>
+            <a:picLocks noChangeAspect="1"/>
+          </p:cNvPicPr>
+          <p:nvPr/>
+        </p:nvPicPr>
+        <p:blipFill>
+          <a:blip r:embed="rId5">
+            <a:extLst>
+              <a:ext uri="{28A0092B-C50C-407E-A947-70E740481C1C}">
+                <a14:useLocalDpi xmlns:a14="http://schemas.microsoft.com/office/drawing/2010/main" val="0"/>
+              </a:ext>
+            </a:extLst>
+          </a:blip>
+          <a:stretch>
+            <a:fillRect/>
+          </a:stretch>
+        </p:blipFill>
+        <p:spPr>
+          <a:xfrm>
+            <a:off x="4833363" y="4241699"/>
+            <a:ext cx="1688132" cy="1575590"/>
+          </a:xfrm>
+          <a:prstGeom prst="rect">
+            <a:avLst/>
+          </a:prstGeom>
+        </p:spPr>
+      </p:pic>
+      <p:cxnSp>
+        <p:nvCxnSpPr>
+          <p:cNvPr id="21" name="Connettore 2 20"/>
+          <p:cNvCxnSpPr/>
+          <p:nvPr/>
+        </p:nvCxnSpPr>
+        <p:spPr>
+          <a:xfrm flipH="1" flipV="1">
+            <a:off x="4544832" y="3826868"/>
+            <a:ext cx="4118283" cy="1146127"/>
+          </a:xfrm>
+          <a:prstGeom prst="straightConnector1">
+            <a:avLst/>
+          </a:prstGeom>
+          <a:ln w="57150">
+            <a:tailEnd type="triangle"/>
+          </a:ln>
+        </p:spPr>
+        <p:style>
+          <a:lnRef idx="1">
+            <a:schemeClr val="accent1"/>
+          </a:lnRef>
+          <a:fillRef idx="0">
+            <a:schemeClr val="accent1"/>
+          </a:fillRef>
+          <a:effectRef idx="0">
+            <a:schemeClr val="accent1"/>
+          </a:effectRef>
+          <a:fontRef idx="minor">
+            <a:schemeClr val="tx1"/>
+          </a:fontRef>
+        </p:style>
+      </p:cxnSp>
+      <p:pic>
+        <p:nvPicPr>
+          <p:cNvPr id="24" name="Immagine 23"/>
+          <p:cNvPicPr>
+            <a:picLocks noChangeAspect="1"/>
+          </p:cNvPicPr>
+          <p:nvPr/>
+        </p:nvPicPr>
+        <p:blipFill>
+          <a:blip r:embed="rId6">
+            <a:extLst>
+              <a:ext uri="{28A0092B-C50C-407E-A947-70E740481C1C}">
+                <a14:useLocalDpi xmlns:a14="http://schemas.microsoft.com/office/drawing/2010/main"/>
+              </a:ext>
+            </a:extLst>
+          </a:blip>
+          <a:stretch>
+            <a:fillRect/>
+          </a:stretch>
+        </p:blipFill>
+        <p:spPr>
+          <a:xfrm>
+            <a:off x="8663115" y="193127"/>
+            <a:ext cx="2397825" cy="2397825"/>
+          </a:xfrm>
+          <a:prstGeom prst="rect">
+            <a:avLst/>
+          </a:prstGeom>
+        </p:spPr>
+      </p:pic>
+      <p:pic>
+        <p:nvPicPr>
+          <p:cNvPr id="22" name="Immagine 21"/>
+          <p:cNvPicPr>
+            <a:picLocks noChangeAspect="1"/>
+          </p:cNvPicPr>
+          <p:nvPr/>
+        </p:nvPicPr>
+        <p:blipFill>
+          <a:blip r:embed="rId7">
+            <a:extLst>
+              <a:ext uri="{28A0092B-C50C-407E-A947-70E740481C1C}">
+                <a14:useLocalDpi xmlns:a14="http://schemas.microsoft.com/office/drawing/2010/main"/>
+              </a:ext>
+            </a:extLst>
+          </a:blip>
+          <a:stretch>
+            <a:fillRect/>
+          </a:stretch>
+        </p:blipFill>
+        <p:spPr>
+          <a:xfrm>
+            <a:off x="5823339" y="1439713"/>
+            <a:ext cx="799053" cy="799053"/>
+          </a:xfrm>
+          <a:prstGeom prst="rect">
+            <a:avLst/>
+          </a:prstGeom>
+        </p:spPr>
+      </p:pic>
+      <p:pic>
+        <p:nvPicPr>
+          <p:cNvPr id="3" name="Immagine 2"/>
+          <p:cNvPicPr>
+            <a:picLocks noChangeAspect="1"/>
+          </p:cNvPicPr>
+          <p:nvPr/>
+        </p:nvPicPr>
+        <p:blipFill>
+          <a:blip r:embed="rId8">
+            <a:extLst>
+              <a:ext uri="{28A0092B-C50C-407E-A947-70E740481C1C}">
+                <a14:useLocalDpi xmlns:a14="http://schemas.microsoft.com/office/drawing/2010/main" val="0"/>
+              </a:ext>
+            </a:extLst>
+          </a:blip>
+          <a:stretch>
+            <a:fillRect/>
+          </a:stretch>
+        </p:blipFill>
+        <p:spPr>
+          <a:xfrm>
+            <a:off x="10125483" y="2339552"/>
+            <a:ext cx="604326" cy="251400"/>
+          </a:xfrm>
+          <a:prstGeom prst="rect">
+            <a:avLst/>
+          </a:prstGeom>
+        </p:spPr>
+      </p:pic>
+      <p:pic>
+        <p:nvPicPr>
+          <p:cNvPr id="4" name="Immagine 3"/>
+          <p:cNvPicPr>
+            <a:picLocks noChangeAspect="1"/>
+          </p:cNvPicPr>
+          <p:nvPr/>
+        </p:nvPicPr>
+        <p:blipFill>
+          <a:blip r:embed="rId9"/>
+          <a:stretch>
+            <a:fillRect/>
+          </a:stretch>
+        </p:blipFill>
+        <p:spPr>
+          <a:xfrm>
+            <a:off x="9064487" y="4591700"/>
+            <a:ext cx="1665322" cy="1665322"/>
+          </a:xfrm>
+          <a:prstGeom prst="rect">
+            <a:avLst/>
+          </a:prstGeom>
+        </p:spPr>
+      </p:pic>
+      <p:cxnSp>
+        <p:nvCxnSpPr>
+          <p:cNvPr id="25" name="Connettore 2 24"/>
+          <p:cNvCxnSpPr/>
+          <p:nvPr/>
+        </p:nvCxnSpPr>
+        <p:spPr>
+          <a:xfrm>
+            <a:off x="9283147" y="2877898"/>
+            <a:ext cx="0" cy="1500302"/>
+          </a:xfrm>
+          <a:prstGeom prst="straightConnector1">
+            <a:avLst/>
+          </a:prstGeom>
+          <a:ln w="57150">
+            <a:prstDash val="dash"/>
+            <a:tailEnd type="triangle"/>
+          </a:ln>
+        </p:spPr>
+        <p:style>
+          <a:lnRef idx="1">
+            <a:schemeClr val="accent1"/>
+          </a:lnRef>
+          <a:fillRef idx="0">
+            <a:schemeClr val="accent1"/>
+          </a:fillRef>
+          <a:effectRef idx="0">
+            <a:schemeClr val="accent1"/>
+          </a:effectRef>
+          <a:fontRef idx="minor">
+            <a:schemeClr val="tx1"/>
+          </a:fontRef>
+        </p:style>
+      </p:cxnSp>
+      <p:cxnSp>
+        <p:nvCxnSpPr>
+          <p:cNvPr id="26" name="Connettore 2 25"/>
+          <p:cNvCxnSpPr/>
+          <p:nvPr/>
+        </p:nvCxnSpPr>
+        <p:spPr>
+          <a:xfrm flipV="1">
+            <a:off x="10284152" y="2827725"/>
+            <a:ext cx="23630" cy="1466102"/>
+          </a:xfrm>
+          <a:prstGeom prst="straightConnector1">
+            <a:avLst/>
+          </a:prstGeom>
+          <a:ln w="57150">
+            <a:prstDash val="dash"/>
+            <a:tailEnd type="triangle"/>
+          </a:ln>
+        </p:spPr>
+        <p:style>
+          <a:lnRef idx="1">
+            <a:schemeClr val="accent1"/>
+          </a:lnRef>
+          <a:fillRef idx="0">
+            <a:schemeClr val="accent1"/>
+          </a:fillRef>
+          <a:effectRef idx="0">
+            <a:schemeClr val="accent1"/>
+          </a:effectRef>
+          <a:fontRef idx="minor">
+            <a:schemeClr val="tx1"/>
+          </a:fontRef>
+        </p:style>
+      </p:cxnSp>
+      <p:pic>
+        <p:nvPicPr>
+          <p:cNvPr id="29" name="Immagine 28"/>
+          <p:cNvPicPr>
+            <a:picLocks noChangeAspect="1"/>
+          </p:cNvPicPr>
+          <p:nvPr/>
+        </p:nvPicPr>
+        <p:blipFill>
+          <a:blip r:embed="rId10">
+            <a:extLst>
+              <a:ext uri="{28A0092B-C50C-407E-A947-70E740481C1C}">
+                <a14:useLocalDpi xmlns:a14="http://schemas.microsoft.com/office/drawing/2010/main"/>
+              </a:ext>
+            </a:extLst>
+          </a:blip>
+          <a:stretch>
+            <a:fillRect/>
+          </a:stretch>
+        </p:blipFill>
+        <p:spPr>
+          <a:xfrm>
+            <a:off x="7445842" y="5909873"/>
+            <a:ext cx="694298" cy="694298"/>
+          </a:xfrm>
+          <a:prstGeom prst="rect">
+            <a:avLst/>
+          </a:prstGeom>
+        </p:spPr>
+      </p:pic>
+      <p:pic>
+        <p:nvPicPr>
+          <p:cNvPr id="30" name="Immagine 29"/>
+          <p:cNvPicPr>
+            <a:picLocks noChangeAspect="1"/>
+          </p:cNvPicPr>
+          <p:nvPr/>
+        </p:nvPicPr>
+        <p:blipFill>
+          <a:blip r:embed="rId11">
+            <a:extLst>
+              <a:ext uri="{28A0092B-C50C-407E-A947-70E740481C1C}">
+                <a14:useLocalDpi xmlns:a14="http://schemas.microsoft.com/office/drawing/2010/main" val="0"/>
+              </a:ext>
+            </a:extLst>
+          </a:blip>
+          <a:stretch>
+            <a:fillRect/>
+          </a:stretch>
+        </p:blipFill>
+        <p:spPr>
+          <a:xfrm>
+            <a:off x="10528408" y="3309631"/>
+            <a:ext cx="819316" cy="819316"/>
+          </a:xfrm>
+          <a:prstGeom prst="rect">
+            <a:avLst/>
+          </a:prstGeom>
+        </p:spPr>
+      </p:pic>
+      <p:pic>
+        <p:nvPicPr>
+          <p:cNvPr id="33" name="Immagine 32"/>
+          <p:cNvPicPr>
+            <a:picLocks noChangeAspect="1"/>
+          </p:cNvPicPr>
+          <p:nvPr/>
+        </p:nvPicPr>
+        <p:blipFill>
+          <a:blip r:embed="rId12">
+            <a:extLst>
+              <a:ext uri="{28A0092B-C50C-407E-A947-70E740481C1C}">
+                <a14:useLocalDpi xmlns:a14="http://schemas.microsoft.com/office/drawing/2010/main" val="0"/>
+              </a:ext>
+            </a:extLst>
+          </a:blip>
+          <a:stretch>
+            <a:fillRect/>
+          </a:stretch>
+        </p:blipFill>
+        <p:spPr>
+          <a:xfrm>
+            <a:off x="10793702" y="257862"/>
+            <a:ext cx="1305359" cy="1305359"/>
+          </a:xfrm>
+          <a:prstGeom prst="rect">
+            <a:avLst/>
+          </a:prstGeom>
+        </p:spPr>
+      </p:pic>
+      <p:pic>
+        <p:nvPicPr>
+          <p:cNvPr id="34" name="Immagine 33"/>
+          <p:cNvPicPr>
+            <a:picLocks noChangeAspect="1"/>
+          </p:cNvPicPr>
+          <p:nvPr/>
+        </p:nvPicPr>
+        <p:blipFill>
+          <a:blip r:embed="rId13">
+            <a:extLst>
+              <a:ext uri="{28A0092B-C50C-407E-A947-70E740481C1C}">
+                <a14:useLocalDpi xmlns:a14="http://schemas.microsoft.com/office/drawing/2010/main" val="0"/>
+              </a:ext>
+            </a:extLst>
+          </a:blip>
+          <a:stretch>
+            <a:fillRect/>
+          </a:stretch>
+        </p:blipFill>
+        <p:spPr>
+          <a:xfrm>
+            <a:off x="8373097" y="3185780"/>
+            <a:ext cx="837653" cy="837653"/>
+          </a:xfrm>
+          <a:prstGeom prst="rect">
+            <a:avLst/>
+          </a:prstGeom>
+        </p:spPr>
+      </p:pic>
+      <p:pic>
+        <p:nvPicPr>
+          <p:cNvPr id="35" name="Immagine 34"/>
+          <p:cNvPicPr>
+            <a:picLocks noChangeAspect="1"/>
+          </p:cNvPicPr>
+          <p:nvPr/>
+        </p:nvPicPr>
+        <p:blipFill>
+          <a:blip r:embed="rId14">
+            <a:extLst>
+              <a:ext uri="{28A0092B-C50C-407E-A947-70E740481C1C}">
+                <a14:useLocalDpi xmlns:a14="http://schemas.microsoft.com/office/drawing/2010/main" val="0"/>
+              </a:ext>
+            </a:extLst>
+          </a:blip>
+          <a:stretch>
+            <a:fillRect/>
+          </a:stretch>
+        </p:blipFill>
+        <p:spPr>
+          <a:xfrm>
+            <a:off x="4789492" y="1470418"/>
+            <a:ext cx="759497" cy="759497"/>
+          </a:xfrm>
+          <a:prstGeom prst="rect">
+            <a:avLst/>
+          </a:prstGeom>
+        </p:spPr>
+      </p:pic>
+      <p:pic>
+        <p:nvPicPr>
+          <p:cNvPr id="6" name="Immagine 5"/>
+          <p:cNvPicPr>
+            <a:picLocks noChangeAspect="1"/>
+          </p:cNvPicPr>
+          <p:nvPr/>
+        </p:nvPicPr>
+        <p:blipFill>
+          <a:blip r:embed="rId15">
+            <a:extLst>
+              <a:ext uri="{28A0092B-C50C-407E-A947-70E740481C1C}">
+                <a14:useLocalDpi xmlns:a14="http://schemas.microsoft.com/office/drawing/2010/main" val="0"/>
+              </a:ext>
+            </a:extLst>
+          </a:blip>
+          <a:stretch>
+            <a:fillRect/>
+          </a:stretch>
+        </p:blipFill>
+        <p:spPr>
+          <a:xfrm>
+            <a:off x="2516808" y="2811669"/>
+            <a:ext cx="541240" cy="541240"/>
+          </a:xfrm>
+          <a:prstGeom prst="rect">
+            <a:avLst/>
+          </a:prstGeom>
+        </p:spPr>
+      </p:pic>
+      <p:pic>
+        <p:nvPicPr>
+          <p:cNvPr id="9" name="Immagine 8"/>
+          <p:cNvPicPr>
+            <a:picLocks noChangeAspect="1"/>
+          </p:cNvPicPr>
+          <p:nvPr/>
+        </p:nvPicPr>
+        <p:blipFill>
+          <a:blip r:embed="rId16">
+            <a:extLst>
+              <a:ext uri="{28A0092B-C50C-407E-A947-70E740481C1C}">
+                <a14:useLocalDpi xmlns:a14="http://schemas.microsoft.com/office/drawing/2010/main" val="0"/>
+              </a:ext>
+            </a:extLst>
+          </a:blip>
+          <a:stretch>
+            <a:fillRect/>
+          </a:stretch>
+        </p:blipFill>
+        <p:spPr>
+          <a:xfrm>
+            <a:off x="7377949" y="4972995"/>
+            <a:ext cx="844636" cy="844636"/>
+          </a:xfrm>
+          <a:prstGeom prst="rect">
+            <a:avLst/>
+          </a:prstGeom>
+        </p:spPr>
+      </p:pic>
+      <p:pic>
+        <p:nvPicPr>
+          <p:cNvPr id="10" name="Immagine 9"/>
+          <p:cNvPicPr>
+            <a:picLocks noChangeAspect="1"/>
+          </p:cNvPicPr>
+          <p:nvPr/>
+        </p:nvPicPr>
+        <p:blipFill>
+          <a:blip r:embed="rId17">
+            <a:extLst>
+              <a:ext uri="{28A0092B-C50C-407E-A947-70E740481C1C}">
+                <a14:useLocalDpi xmlns:a14="http://schemas.microsoft.com/office/drawing/2010/main" val="0"/>
+              </a:ext>
+            </a:extLst>
+          </a:blip>
+          <a:stretch>
+            <a:fillRect/>
+          </a:stretch>
+        </p:blipFill>
+        <p:spPr>
+          <a:xfrm flipH="1">
+            <a:off x="76403" y="1323089"/>
+            <a:ext cx="1944815" cy="1944815"/>
+          </a:xfrm>
+          <a:prstGeom prst="rect">
+            <a:avLst/>
+          </a:prstGeom>
+        </p:spPr>
+      </p:pic>
+    </p:spTree>
+    <p:extLst>
+      <p:ext uri="{BB962C8B-B14F-4D97-AF65-F5344CB8AC3E}">
+        <p14:creationId xmlns:p14="http://schemas.microsoft.com/office/powerpoint/2010/main" val="424052705"/>
+      </p:ext>
+    </p:extLst>
+  </p:cSld>
+  <p:clrMapOvr>
+    <a:masterClrMapping/>
+  </p:clrMapOvr>
+  <mc:AlternateContent xmlns:mc="http://schemas.openxmlformats.org/markup-compatibility/2006">
+    <mc:Choice xmlns:p14="http://schemas.microsoft.com/office/powerpoint/2010/main" Requires="p14">
+      <p:transition spd="med" p14:dur="700">
+        <p:fade/>
+      </p:transition>
+    </mc:Choice>
+    <mc:Fallback>
+      <p:transition spd="med">
+        <p:fade/>
+      </p:transition>
+    </mc:Fallback>
+  </mc:AlternateContent>
+  <p:timing>
+    <p:tnLst>
+      <p:par>
+        <p:cTn id="1" dur="indefinite" restart="never" nodeType="tmRoot"/>
+      </p:par>
+    </p:tnLst>
+  </p:timing>
+</p:sld>
+</file>
+
+<file path=ppt/slides/slide21.xml><?xml version="1.0" encoding="utf-8"?>
+<p:sld xmlns:a="http://schemas.openxmlformats.org/drawingml/2006/main" xmlns:r="http://schemas.openxmlformats.org/officeDocument/2006/relationships" xmlns:p="http://schemas.openxmlformats.org/presentationml/2006/main">
+  <p:cSld>
+    <p:spTree>
+      <p:nvGrpSpPr>
+        <p:cNvPr id="1" name=""/>
+        <p:cNvGrpSpPr/>
+        <p:nvPr/>
+      </p:nvGrpSpPr>
+      <p:grpSpPr>
+        <a:xfrm>
+          <a:off x="0" y="0"/>
+          <a:ext cx="0" cy="0"/>
+          <a:chOff x="0" y="0"/>
+          <a:chExt cx="0" cy="0"/>
+        </a:xfrm>
+      </p:grpSpPr>
+      <p:sp>
+        <p:nvSpPr>
+          <p:cNvPr id="5" name="Segnaposto contenuto 2"/>
+          <p:cNvSpPr>
+            <a:spLocks noGrp="1"/>
+          </p:cNvSpPr>
+          <p:nvPr>
+            <p:ph idx="1"/>
+          </p:nvPr>
+        </p:nvSpPr>
+        <p:spPr>
+          <a:xfrm>
+            <a:off x="671947" y="1850167"/>
+            <a:ext cx="10131425" cy="4557560"/>
+          </a:xfrm>
+        </p:spPr>
+        <p:txBody>
+          <a:bodyPr>
+            <a:normAutofit/>
+          </a:bodyPr>
+          <a:lstStyle/>
+          <a:p>
+            <a:endParaRPr lang="en-GB" sz="4000" dirty="0" smtClean="0">
+              <a:latin typeface="+mj-lt"/>
+            </a:endParaRPr>
+          </a:p>
+          <a:p>
+            <a:endParaRPr lang="en-GB" sz="4000" dirty="0" smtClean="0">
+              <a:latin typeface="+mj-lt"/>
+            </a:endParaRPr>
+          </a:p>
+          <a:p>
+            <a:endParaRPr lang="en-GB" sz="4000" dirty="0">
+              <a:latin typeface="+mj-lt"/>
+            </a:endParaRPr>
+          </a:p>
+        </p:txBody>
+      </p:sp>
+      <p:pic>
+        <p:nvPicPr>
+          <p:cNvPr id="2" name="Immagine 1"/>
+          <p:cNvPicPr>
+            <a:picLocks noChangeAspect="1"/>
+          </p:cNvPicPr>
+          <p:nvPr/>
+        </p:nvPicPr>
+        <p:blipFill>
+          <a:blip r:embed="rId3">
+            <a:alphaModFix amt="50000"/>
+            <a:extLst>
+              <a:ext uri="{28A0092B-C50C-407E-A947-70E740481C1C}">
+                <a14:useLocalDpi xmlns:a14="http://schemas.microsoft.com/office/drawing/2010/main" val="0"/>
+              </a:ext>
+            </a:extLst>
+          </a:blip>
+          <a:stretch>
+            <a:fillRect/>
+          </a:stretch>
+        </p:blipFill>
+        <p:spPr>
+          <a:xfrm>
+            <a:off x="-844117" y="0"/>
+            <a:ext cx="14025600" cy="7012800"/>
+          </a:xfrm>
+          <a:prstGeom prst="rect">
+            <a:avLst/>
+          </a:prstGeom>
+        </p:spPr>
+      </p:pic>
+      <p:sp>
+        <p:nvSpPr>
+          <p:cNvPr id="7" name="Titolo 1"/>
+          <p:cNvSpPr>
+            <a:spLocks noGrp="1"/>
+          </p:cNvSpPr>
+          <p:nvPr>
+            <p:ph type="title"/>
+          </p:nvPr>
+        </p:nvSpPr>
+        <p:spPr>
+          <a:xfrm>
+            <a:off x="387927" y="484909"/>
+            <a:ext cx="11804073" cy="1067385"/>
+          </a:xfrm>
+        </p:spPr>
+        <p:txBody>
+          <a:bodyPr>
+            <a:noAutofit/>
+          </a:bodyPr>
+          <a:lstStyle/>
+          <a:p>
+            <a:pPr marL="742950" indent="-742950" defTabSz="914400">
+              <a:spcBef>
+                <a:spcPts val="0"/>
+              </a:spcBef>
+              <a:defRPr/>
+            </a:pPr>
+            <a:r>
+              <a:rPr lang="en-GB" sz="4000" dirty="0" smtClean="0"/>
+              <a:t>3.2 </a:t>
+            </a:r>
+            <a:r>
+              <a:rPr lang="en-GB" sz="4000" dirty="0"/>
+              <a:t>Traditional </a:t>
+            </a:r>
+            <a:r>
+              <a:rPr lang="en-GB" sz="4000" dirty="0" err="1" smtClean="0"/>
+              <a:t>ContractS</a:t>
+            </a:r>
+            <a:r>
+              <a:rPr lang="en-GB" sz="4000" dirty="0" smtClean="0"/>
+              <a:t> </a:t>
+            </a:r>
+            <a:r>
+              <a:rPr lang="en-GB" sz="4000" dirty="0"/>
+              <a:t>vs. Smart Contracts</a:t>
+            </a:r>
+            <a:br>
+              <a:rPr lang="en-GB" sz="4000" dirty="0"/>
+            </a:br>
+            <a:endParaRPr lang="en-GB" sz="4000" dirty="0"/>
+          </a:p>
+        </p:txBody>
+      </p:sp>
+      <p:sp>
+        <p:nvSpPr>
+          <p:cNvPr id="8" name="Segnaposto contenuto 2"/>
+          <p:cNvSpPr txBox="1">
+            <a:spLocks/>
+          </p:cNvSpPr>
+          <p:nvPr/>
+        </p:nvSpPr>
+        <p:spPr>
+          <a:xfrm>
+            <a:off x="824347" y="2002567"/>
+            <a:ext cx="10131425" cy="4557560"/>
+          </a:xfrm>
+          <a:prstGeom prst="rect">
+            <a:avLst/>
+          </a:prstGeom>
+        </p:spPr>
+        <p:txBody>
+          <a:bodyPr vert="horz" lIns="91440" tIns="45720" rIns="91440" bIns="45720" rtlCol="0" anchor="ctr">
+            <a:normAutofit/>
+          </a:bodyPr>
+          <a:lstStyle>
+            <a:lvl1pPr marL="285750" indent="-285750" algn="l" defTabSz="457200" rtl="0" eaLnBrk="1" latinLnBrk="0" hangingPunct="1">
+              <a:spcBef>
+                <a:spcPts val="0"/>
+              </a:spcBef>
+              <a:spcAft>
+                <a:spcPts val="1000"/>
+              </a:spcAft>
+              <a:buClr>
+                <a:schemeClr val="tx1"/>
+              </a:buClr>
+              <a:buSzPct val="100000"/>
+              <a:buFont typeface="Arial"/>
+              <a:buChar char="•"/>
+              <a:defRPr sz="1800" kern="1200" cap="none">
+                <a:solidFill>
+                  <a:schemeClr val="tx1"/>
+                </a:solidFill>
+                <a:effectLst/>
+                <a:latin typeface="+mn-lt"/>
+                <a:ea typeface="+mn-ea"/>
+                <a:cs typeface="+mn-cs"/>
+              </a:defRPr>
+            </a:lvl1pPr>
+            <a:lvl2pPr marL="742950" indent="-285750" algn="l" defTabSz="457200" rtl="0" eaLnBrk="1" latinLnBrk="0" hangingPunct="1">
+              <a:spcBef>
+                <a:spcPts val="0"/>
+              </a:spcBef>
+              <a:spcAft>
+                <a:spcPts val="1000"/>
+              </a:spcAft>
+              <a:buClr>
+                <a:schemeClr val="tx1"/>
+              </a:buClr>
+              <a:buSzPct val="100000"/>
+              <a:buFont typeface="Arial"/>
+              <a:buChar char="•"/>
+              <a:defRPr sz="1600" kern="1200" cap="none">
+                <a:solidFill>
+                  <a:schemeClr val="tx1"/>
+                </a:solidFill>
+                <a:effectLst/>
+                <a:latin typeface="+mn-lt"/>
+                <a:ea typeface="+mn-ea"/>
+                <a:cs typeface="+mn-cs"/>
+              </a:defRPr>
+            </a:lvl2pPr>
+            <a:lvl3pPr marL="1200150" indent="-285750" algn="l" defTabSz="457200" rtl="0" eaLnBrk="1" latinLnBrk="0" hangingPunct="1">
+              <a:spcBef>
+                <a:spcPts val="0"/>
+              </a:spcBef>
+              <a:spcAft>
+                <a:spcPts val="1000"/>
+              </a:spcAft>
+              <a:buClr>
+                <a:schemeClr val="tx1"/>
+              </a:buClr>
+              <a:buSzPct val="100000"/>
+              <a:buFont typeface="Arial"/>
+              <a:buChar char="•"/>
+              <a:defRPr sz="1400" kern="1200" cap="none">
+                <a:solidFill>
+                  <a:schemeClr val="tx1"/>
+                </a:solidFill>
+                <a:effectLst/>
+                <a:latin typeface="+mn-lt"/>
+                <a:ea typeface="+mn-ea"/>
+                <a:cs typeface="+mn-cs"/>
+              </a:defRPr>
+            </a:lvl3pPr>
+            <a:lvl4pPr marL="1543050" indent="-171450" algn="l" defTabSz="457200" rtl="0" eaLnBrk="1" latinLnBrk="0" hangingPunct="1">
+              <a:spcBef>
+                <a:spcPts val="0"/>
+              </a:spcBef>
+              <a:spcAft>
+                <a:spcPts val="1000"/>
+              </a:spcAft>
+              <a:buClr>
+                <a:schemeClr val="tx1"/>
+              </a:buClr>
+              <a:buSzPct val="100000"/>
+              <a:buFont typeface="Arial"/>
+              <a:buChar char="•"/>
+              <a:defRPr sz="1200" kern="1200" cap="none">
+                <a:solidFill>
+                  <a:schemeClr val="tx1"/>
+                </a:solidFill>
+                <a:effectLst/>
+                <a:latin typeface="+mn-lt"/>
+                <a:ea typeface="+mn-ea"/>
+                <a:cs typeface="+mn-cs"/>
+              </a:defRPr>
+            </a:lvl4pPr>
+            <a:lvl5pPr marL="2000250" indent="-171450" algn="l" defTabSz="457200" rtl="0" eaLnBrk="1" latinLnBrk="0" hangingPunct="1">
+              <a:spcBef>
+                <a:spcPts val="0"/>
+              </a:spcBef>
+              <a:spcAft>
+                <a:spcPts val="1000"/>
+              </a:spcAft>
+              <a:buClr>
+                <a:schemeClr val="tx1"/>
+              </a:buClr>
+              <a:buSzPct val="100000"/>
+              <a:buFont typeface="Arial"/>
+              <a:buChar char="•"/>
+              <a:defRPr sz="1200" kern="1200" cap="none">
+                <a:solidFill>
+                  <a:schemeClr val="tx1"/>
+                </a:solidFill>
+                <a:effectLst/>
+                <a:latin typeface="+mn-lt"/>
+                <a:ea typeface="+mn-ea"/>
+                <a:cs typeface="+mn-cs"/>
+              </a:defRPr>
+            </a:lvl5pPr>
+            <a:lvl6pPr marL="2514600" indent="-228600" algn="l" defTabSz="457200" rtl="0" eaLnBrk="1" latinLnBrk="0" hangingPunct="1">
+              <a:spcBef>
+                <a:spcPts val="0"/>
+              </a:spcBef>
+              <a:spcAft>
+                <a:spcPts val="1000"/>
+              </a:spcAft>
+              <a:buClr>
+                <a:schemeClr val="tx1"/>
+              </a:buClr>
+              <a:buSzPct val="100000"/>
+              <a:buFont typeface="Arial"/>
+              <a:buChar char="•"/>
+              <a:defRPr sz="1200" kern="1200" cap="none">
+                <a:solidFill>
+                  <a:schemeClr val="tx1"/>
+                </a:solidFill>
+                <a:effectLst/>
+                <a:latin typeface="+mn-lt"/>
+                <a:ea typeface="+mn-ea"/>
+                <a:cs typeface="+mn-cs"/>
+              </a:defRPr>
+            </a:lvl6pPr>
+            <a:lvl7pPr marL="2971800" indent="-228600" algn="l" defTabSz="457200" rtl="0" eaLnBrk="1" latinLnBrk="0" hangingPunct="1">
+              <a:spcBef>
+                <a:spcPts val="0"/>
+              </a:spcBef>
+              <a:spcAft>
+                <a:spcPts val="1000"/>
+              </a:spcAft>
+              <a:buClr>
+                <a:schemeClr val="tx1"/>
+              </a:buClr>
+              <a:buSzPct val="100000"/>
+              <a:buFont typeface="Arial"/>
+              <a:buChar char="•"/>
+              <a:defRPr sz="1200" kern="1200" cap="none">
+                <a:solidFill>
+                  <a:schemeClr val="tx1"/>
+                </a:solidFill>
+                <a:effectLst/>
+                <a:latin typeface="+mn-lt"/>
+                <a:ea typeface="+mn-ea"/>
+                <a:cs typeface="+mn-cs"/>
+              </a:defRPr>
+            </a:lvl7pPr>
+            <a:lvl8pPr marL="3429000" indent="-228600" algn="l" defTabSz="457200" rtl="0" eaLnBrk="1" latinLnBrk="0" hangingPunct="1">
+              <a:spcBef>
+                <a:spcPts val="0"/>
+              </a:spcBef>
+              <a:spcAft>
+                <a:spcPts val="1000"/>
+              </a:spcAft>
+              <a:buClr>
+                <a:schemeClr val="tx1"/>
+              </a:buClr>
+              <a:buSzPct val="100000"/>
+              <a:buFont typeface="Arial"/>
+              <a:buChar char="•"/>
+              <a:defRPr sz="1200" kern="1200" cap="none">
+                <a:solidFill>
+                  <a:schemeClr val="tx1"/>
+                </a:solidFill>
+                <a:effectLst/>
+                <a:latin typeface="+mn-lt"/>
+                <a:ea typeface="+mn-ea"/>
+                <a:cs typeface="+mn-cs"/>
+              </a:defRPr>
+            </a:lvl8pPr>
+            <a:lvl9pPr marL="3886200" indent="-228600" algn="l" defTabSz="457200" rtl="0" eaLnBrk="1" latinLnBrk="0" hangingPunct="1">
+              <a:spcBef>
+                <a:spcPts val="0"/>
+              </a:spcBef>
+              <a:spcAft>
+                <a:spcPts val="1000"/>
+              </a:spcAft>
+              <a:buClr>
+                <a:schemeClr val="tx1"/>
+              </a:buClr>
+              <a:buSzPct val="100000"/>
+              <a:buFont typeface="Arial"/>
+              <a:buChar char="•"/>
+              <a:defRPr sz="1200" kern="1200" cap="none">
+                <a:solidFill>
+                  <a:schemeClr val="tx1"/>
+                </a:solidFill>
+                <a:effectLst/>
+                <a:latin typeface="+mn-lt"/>
+                <a:ea typeface="+mn-ea"/>
+                <a:cs typeface="+mn-cs"/>
+              </a:defRPr>
+            </a:lvl9pPr>
+          </a:lstStyle>
+          <a:p>
+            <a:endParaRPr lang="en-GB" sz="4000" dirty="0" smtClean="0">
+              <a:latin typeface="+mj-lt"/>
+            </a:endParaRPr>
+          </a:p>
+          <a:p>
+            <a:endParaRPr lang="en-GB" sz="4000" dirty="0" smtClean="0">
+              <a:latin typeface="+mj-lt"/>
+            </a:endParaRPr>
+          </a:p>
+          <a:p>
+            <a:endParaRPr lang="en-GB" sz="4000" dirty="0">
+              <a:latin typeface="+mj-lt"/>
+            </a:endParaRPr>
+          </a:p>
+        </p:txBody>
+      </p:sp>
+      <p:pic>
+        <p:nvPicPr>
+          <p:cNvPr id="9" name="Immagine 8"/>
+          <p:cNvPicPr>
+            <a:picLocks noChangeAspect="1"/>
+          </p:cNvPicPr>
+          <p:nvPr/>
+        </p:nvPicPr>
+        <p:blipFill rotWithShape="1">
+          <a:blip r:embed="rId4">
+            <a:extLst>
+              <a:ext uri="{28A0092B-C50C-407E-A947-70E740481C1C}">
+                <a14:useLocalDpi xmlns:a14="http://schemas.microsoft.com/office/drawing/2010/main" val="0"/>
+              </a:ext>
+            </a:extLst>
+          </a:blip>
+          <a:srcRect t="14619"/>
+          <a:stretch/>
+        </p:blipFill>
+        <p:spPr>
+          <a:xfrm>
+            <a:off x="2785258" y="1850166"/>
+            <a:ext cx="6456306" cy="4408129"/>
+          </a:xfrm>
+          <a:prstGeom prst="rect">
+            <a:avLst/>
+          </a:prstGeom>
+        </p:spPr>
+      </p:pic>
+      <p:sp>
+        <p:nvSpPr>
+          <p:cNvPr id="6" name="Rettangolo 5"/>
+          <p:cNvSpPr/>
+          <p:nvPr/>
+        </p:nvSpPr>
+        <p:spPr>
+          <a:xfrm>
+            <a:off x="2709301" y="1156926"/>
+            <a:ext cx="3304110" cy="769441"/>
+          </a:xfrm>
+          <a:prstGeom prst="rect">
+            <a:avLst/>
+          </a:prstGeom>
+          <a:noFill/>
+          <a:ln>
+            <a:noFill/>
+          </a:ln>
+        </p:spPr>
+        <p:txBody>
+          <a:bodyPr wrap="none" lIns="91440" tIns="45720" rIns="91440" bIns="45720">
+            <a:spAutoFit/>
+          </a:bodyPr>
+          <a:lstStyle/>
+          <a:p>
+            <a:pPr algn="ctr"/>
+            <a:r>
+              <a:rPr lang="de-CH" sz="4400" dirty="0" smtClean="0">
+                <a:ln w="0"/>
+                <a:solidFill>
+                  <a:schemeClr val="tx1">
+                    <a:lumMod val="75000"/>
+                  </a:schemeClr>
+                </a:solidFill>
+                <a:effectLst>
+                  <a:outerShdw blurRad="38100" dist="19050" dir="2700000" algn="tl" rotWithShape="0">
+                    <a:schemeClr val="dk1">
+                      <a:alpha val="40000"/>
+                    </a:schemeClr>
+                  </a:outerShdw>
+                </a:effectLst>
+              </a:rPr>
+              <a:t>TRADITIONAL</a:t>
+            </a:r>
+            <a:endParaRPr lang="de-CH" sz="4400" b="1" spc="50" dirty="0">
+              <a:ln w="9525" cmpd="sng">
+                <a:solidFill>
+                  <a:schemeClr val="accent1"/>
+                </a:solidFill>
+                <a:prstDash val="solid"/>
+              </a:ln>
+              <a:solidFill>
+                <a:schemeClr val="tx1">
+                  <a:lumMod val="75000"/>
+                </a:schemeClr>
+              </a:solidFill>
+              <a:effectLst>
+                <a:glow rad="38100">
+                  <a:schemeClr val="accent1">
+                    <a:alpha val="40000"/>
+                  </a:schemeClr>
+                </a:glow>
+              </a:effectLst>
+            </a:endParaRPr>
+          </a:p>
+        </p:txBody>
+      </p:sp>
+      <p:sp>
+        <p:nvSpPr>
+          <p:cNvPr id="11" name="Rettangolo 10"/>
+          <p:cNvSpPr/>
+          <p:nvPr/>
+        </p:nvSpPr>
+        <p:spPr>
+          <a:xfrm>
+            <a:off x="6712142" y="1156925"/>
+            <a:ext cx="1830693" cy="769441"/>
+          </a:xfrm>
+          <a:prstGeom prst="rect">
+            <a:avLst/>
+          </a:prstGeom>
+          <a:noFill/>
+          <a:ln>
+            <a:noFill/>
+          </a:ln>
+        </p:spPr>
+        <p:txBody>
+          <a:bodyPr wrap="none" lIns="91440" tIns="45720" rIns="91440" bIns="45720">
+            <a:spAutoFit/>
+          </a:bodyPr>
+          <a:lstStyle/>
+          <a:p>
+            <a:pPr algn="ctr"/>
+            <a:r>
+              <a:rPr lang="de-CH" sz="4400" dirty="0" smtClean="0">
+                <a:ln w="0"/>
+                <a:solidFill>
+                  <a:srgbClr val="FFC000"/>
+                </a:solidFill>
+                <a:effectLst>
+                  <a:outerShdw blurRad="38100" dist="19050" dir="2700000" algn="tl" rotWithShape="0">
+                    <a:schemeClr val="dk1">
+                      <a:alpha val="40000"/>
+                    </a:schemeClr>
+                  </a:outerShdw>
+                </a:effectLst>
+              </a:rPr>
+              <a:t>SMART</a:t>
+            </a:r>
+            <a:endParaRPr lang="de-CH" sz="4400" b="1" spc="50" dirty="0">
+              <a:ln w="9525" cmpd="sng">
+                <a:solidFill>
+                  <a:schemeClr val="accent1"/>
+                </a:solidFill>
+                <a:prstDash val="solid"/>
+              </a:ln>
+              <a:solidFill>
+                <a:srgbClr val="FFC000"/>
+              </a:solidFill>
+              <a:effectLst>
+                <a:glow rad="38100">
+                  <a:schemeClr val="accent1">
+                    <a:alpha val="40000"/>
+                  </a:schemeClr>
+                </a:glow>
+              </a:effectLst>
+            </a:endParaRPr>
+          </a:p>
+        </p:txBody>
+      </p:sp>
+    </p:spTree>
+    <p:extLst>
+      <p:ext uri="{BB962C8B-B14F-4D97-AF65-F5344CB8AC3E}">
+        <p14:creationId xmlns:p14="http://schemas.microsoft.com/office/powerpoint/2010/main" val="2018984926"/>
+      </p:ext>
+    </p:extLst>
+  </p:cSld>
+  <p:clrMapOvr>
+    <a:masterClrMapping/>
+  </p:clrMapOvr>
+  <mc:AlternateContent xmlns:mc="http://schemas.openxmlformats.org/markup-compatibility/2006">
+    <mc:Choice xmlns:p14="http://schemas.microsoft.com/office/powerpoint/2010/main" Requires="p14">
+      <p:transition spd="med" p14:dur="700">
+        <p:fade/>
+      </p:transition>
+    </mc:Choice>
+    <mc:Fallback>
+      <p:transition spd="med">
+        <p:fade/>
+      </p:transition>
+    </mc:Fallback>
+  </mc:AlternateContent>
+  <p:timing>
+    <p:tnLst>
+      <p:par>
+        <p:cTn id="1" dur="indefinite" restart="never" nodeType="tmRoot"/>
+      </p:par>
+    </p:tnLst>
+  </p:timing>
+</p:sld>
+</file>
+
+<file path=ppt/slides/slide22.xml><?xml version="1.0" encoding="utf-8"?>
+<p:sld xmlns:a="http://schemas.openxmlformats.org/drawingml/2006/main" xmlns:r="http://schemas.openxmlformats.org/officeDocument/2006/relationships" xmlns:p="http://schemas.openxmlformats.org/presentationml/2006/main">
+  <p:cSld>
+    <p:spTree>
+      <p:nvGrpSpPr>
+        <p:cNvPr id="1" name=""/>
+        <p:cNvGrpSpPr/>
+        <p:nvPr/>
+      </p:nvGrpSpPr>
+      <p:grpSpPr>
+        <a:xfrm>
+          <a:off x="0" y="0"/>
+          <a:ext cx="0" cy="0"/>
+          <a:chOff x="0" y="0"/>
+          <a:chExt cx="0" cy="0"/>
+        </a:xfrm>
+      </p:grpSpPr>
+      <p:sp>
+        <p:nvSpPr>
+          <p:cNvPr id="5" name="Segnaposto contenuto 2"/>
+          <p:cNvSpPr>
+            <a:spLocks noGrp="1"/>
+          </p:cNvSpPr>
+          <p:nvPr>
+            <p:ph idx="1"/>
+          </p:nvPr>
+        </p:nvSpPr>
+        <p:spPr>
+          <a:xfrm>
+            <a:off x="671947" y="1850167"/>
+            <a:ext cx="10131425" cy="4557560"/>
+          </a:xfrm>
+        </p:spPr>
+        <p:txBody>
+          <a:bodyPr>
+            <a:normAutofit/>
+          </a:bodyPr>
+          <a:lstStyle/>
+          <a:p>
+            <a:endParaRPr lang="en-GB" sz="4000" dirty="0" smtClean="0">
+              <a:latin typeface="+mj-lt"/>
+            </a:endParaRPr>
+          </a:p>
+          <a:p>
+            <a:endParaRPr lang="en-GB" sz="4000" dirty="0" smtClean="0">
+              <a:latin typeface="+mj-lt"/>
+            </a:endParaRPr>
+          </a:p>
+          <a:p>
+            <a:endParaRPr lang="en-GB" sz="4000" dirty="0">
+              <a:latin typeface="+mj-lt"/>
+            </a:endParaRPr>
+          </a:p>
+        </p:txBody>
+      </p:sp>
+      <p:pic>
+        <p:nvPicPr>
+          <p:cNvPr id="2" name="Immagine 1"/>
+          <p:cNvPicPr>
+            <a:picLocks noChangeAspect="1"/>
+          </p:cNvPicPr>
+          <p:nvPr/>
+        </p:nvPicPr>
+        <p:blipFill>
+          <a:blip r:embed="rId3">
+            <a:alphaModFix amt="50000"/>
+            <a:extLst>
+              <a:ext uri="{28A0092B-C50C-407E-A947-70E740481C1C}">
+                <a14:useLocalDpi xmlns:a14="http://schemas.microsoft.com/office/drawing/2010/main" val="0"/>
+              </a:ext>
+            </a:extLst>
+          </a:blip>
+          <a:stretch>
+            <a:fillRect/>
+          </a:stretch>
+        </p:blipFill>
+        <p:spPr>
+          <a:xfrm>
+            <a:off x="-844117" y="0"/>
+            <a:ext cx="14025600" cy="7012800"/>
+          </a:xfrm>
+          <a:prstGeom prst="rect">
+            <a:avLst/>
+          </a:prstGeom>
+        </p:spPr>
+      </p:pic>
+      <p:sp>
+        <p:nvSpPr>
+          <p:cNvPr id="7" name="Titolo 1"/>
+          <p:cNvSpPr>
+            <a:spLocks noGrp="1"/>
+          </p:cNvSpPr>
+          <p:nvPr>
+            <p:ph type="title"/>
+          </p:nvPr>
+        </p:nvSpPr>
+        <p:spPr>
+          <a:xfrm>
+            <a:off x="387927" y="484909"/>
+            <a:ext cx="10131425" cy="1067385"/>
+          </a:xfrm>
+        </p:spPr>
+        <p:txBody>
+          <a:bodyPr/>
+          <a:lstStyle/>
+          <a:p>
+            <a:pPr marL="742950" marR="0" lvl="0" indent="-742950" defTabSz="914400" eaLnBrk="1" fontAlgn="auto" latinLnBrk="0" hangingPunct="1">
+              <a:lnSpc>
+                <a:spcPct val="100000"/>
+              </a:lnSpc>
+              <a:spcBef>
+                <a:spcPts val="0"/>
+              </a:spcBef>
+              <a:spcAft>
+                <a:spcPts val="0"/>
+              </a:spcAft>
+              <a:buClrTx/>
+              <a:buSzTx/>
+              <a:buFont typeface="+mj-lt"/>
+              <a:buNone/>
+              <a:tabLst/>
+              <a:defRPr/>
+            </a:pPr>
+            <a:r>
+              <a:rPr lang="en-GB" dirty="0" smtClean="0"/>
+              <a:t>3.1</a:t>
+            </a:r>
+            <a:r>
+              <a:rPr lang="en-GB" dirty="0" smtClean="0"/>
+              <a:t>	</a:t>
+            </a:r>
+            <a:r>
+              <a:rPr lang="en-GB" sz="4000" dirty="0" smtClean="0"/>
+              <a:t>What is a smart </a:t>
+            </a:r>
+            <a:r>
+              <a:rPr lang="en-GB" sz="4000" dirty="0" err="1" smtClean="0"/>
+              <a:t>contracT</a:t>
+            </a:r>
+            <a:r>
+              <a:rPr lang="en-GB" sz="4000" dirty="0" smtClean="0"/>
+              <a:t>?</a:t>
+            </a:r>
+            <a:endParaRPr lang="en-GB" sz="4000" dirty="0"/>
+          </a:p>
+        </p:txBody>
+      </p:sp>
+      <p:sp>
+        <p:nvSpPr>
+          <p:cNvPr id="8" name="Segnaposto contenuto 2"/>
+          <p:cNvSpPr txBox="1">
+            <a:spLocks/>
+          </p:cNvSpPr>
+          <p:nvPr/>
+        </p:nvSpPr>
+        <p:spPr>
+          <a:xfrm>
+            <a:off x="824347" y="2002567"/>
+            <a:ext cx="10131425" cy="4557560"/>
+          </a:xfrm>
+          <a:prstGeom prst="rect">
+            <a:avLst/>
+          </a:prstGeom>
+        </p:spPr>
+        <p:txBody>
+          <a:bodyPr vert="horz" lIns="91440" tIns="45720" rIns="91440" bIns="45720" rtlCol="0" anchor="ctr">
+            <a:normAutofit/>
+          </a:bodyPr>
+          <a:lstStyle>
+            <a:lvl1pPr marL="285750" indent="-285750" algn="l" defTabSz="457200" rtl="0" eaLnBrk="1" latinLnBrk="0" hangingPunct="1">
+              <a:spcBef>
+                <a:spcPts val="0"/>
+              </a:spcBef>
+              <a:spcAft>
+                <a:spcPts val="1000"/>
+              </a:spcAft>
+              <a:buClr>
+                <a:schemeClr val="tx1"/>
+              </a:buClr>
+              <a:buSzPct val="100000"/>
+              <a:buFont typeface="Arial"/>
+              <a:buChar char="•"/>
+              <a:defRPr sz="1800" kern="1200" cap="none">
+                <a:solidFill>
+                  <a:schemeClr val="tx1"/>
+                </a:solidFill>
+                <a:effectLst/>
+                <a:latin typeface="+mn-lt"/>
+                <a:ea typeface="+mn-ea"/>
+                <a:cs typeface="+mn-cs"/>
+              </a:defRPr>
+            </a:lvl1pPr>
+            <a:lvl2pPr marL="742950" indent="-285750" algn="l" defTabSz="457200" rtl="0" eaLnBrk="1" latinLnBrk="0" hangingPunct="1">
+              <a:spcBef>
+                <a:spcPts val="0"/>
+              </a:spcBef>
+              <a:spcAft>
+                <a:spcPts val="1000"/>
+              </a:spcAft>
+              <a:buClr>
+                <a:schemeClr val="tx1"/>
+              </a:buClr>
+              <a:buSzPct val="100000"/>
+              <a:buFont typeface="Arial"/>
+              <a:buChar char="•"/>
+              <a:defRPr sz="1600" kern="1200" cap="none">
+                <a:solidFill>
+                  <a:schemeClr val="tx1"/>
+                </a:solidFill>
+                <a:effectLst/>
+                <a:latin typeface="+mn-lt"/>
+                <a:ea typeface="+mn-ea"/>
+                <a:cs typeface="+mn-cs"/>
+              </a:defRPr>
+            </a:lvl2pPr>
+            <a:lvl3pPr marL="1200150" indent="-285750" algn="l" defTabSz="457200" rtl="0" eaLnBrk="1" latinLnBrk="0" hangingPunct="1">
+              <a:spcBef>
+                <a:spcPts val="0"/>
+              </a:spcBef>
+              <a:spcAft>
+                <a:spcPts val="1000"/>
+              </a:spcAft>
+              <a:buClr>
+                <a:schemeClr val="tx1"/>
+              </a:buClr>
+              <a:buSzPct val="100000"/>
+              <a:buFont typeface="Arial"/>
+              <a:buChar char="•"/>
+              <a:defRPr sz="1400" kern="1200" cap="none">
+                <a:solidFill>
+                  <a:schemeClr val="tx1"/>
+                </a:solidFill>
+                <a:effectLst/>
+                <a:latin typeface="+mn-lt"/>
+                <a:ea typeface="+mn-ea"/>
+                <a:cs typeface="+mn-cs"/>
+              </a:defRPr>
+            </a:lvl3pPr>
+            <a:lvl4pPr marL="1543050" indent="-171450" algn="l" defTabSz="457200" rtl="0" eaLnBrk="1" latinLnBrk="0" hangingPunct="1">
+              <a:spcBef>
+                <a:spcPts val="0"/>
+              </a:spcBef>
+              <a:spcAft>
+                <a:spcPts val="1000"/>
+              </a:spcAft>
+              <a:buClr>
+                <a:schemeClr val="tx1"/>
+              </a:buClr>
+              <a:buSzPct val="100000"/>
+              <a:buFont typeface="Arial"/>
+              <a:buChar char="•"/>
+              <a:defRPr sz="1200" kern="1200" cap="none">
+                <a:solidFill>
+                  <a:schemeClr val="tx1"/>
+                </a:solidFill>
+                <a:effectLst/>
+                <a:latin typeface="+mn-lt"/>
+                <a:ea typeface="+mn-ea"/>
+                <a:cs typeface="+mn-cs"/>
+              </a:defRPr>
+            </a:lvl4pPr>
+            <a:lvl5pPr marL="2000250" indent="-171450" algn="l" defTabSz="457200" rtl="0" eaLnBrk="1" latinLnBrk="0" hangingPunct="1">
+              <a:spcBef>
+                <a:spcPts val="0"/>
+              </a:spcBef>
+              <a:spcAft>
+                <a:spcPts val="1000"/>
+              </a:spcAft>
+              <a:buClr>
+                <a:schemeClr val="tx1"/>
+              </a:buClr>
+              <a:buSzPct val="100000"/>
+              <a:buFont typeface="Arial"/>
+              <a:buChar char="•"/>
+              <a:defRPr sz="1200" kern="1200" cap="none">
+                <a:solidFill>
+                  <a:schemeClr val="tx1"/>
+                </a:solidFill>
+                <a:effectLst/>
+                <a:latin typeface="+mn-lt"/>
+                <a:ea typeface="+mn-ea"/>
+                <a:cs typeface="+mn-cs"/>
+              </a:defRPr>
+            </a:lvl5pPr>
+            <a:lvl6pPr marL="2514600" indent="-228600" algn="l" defTabSz="457200" rtl="0" eaLnBrk="1" latinLnBrk="0" hangingPunct="1">
+              <a:spcBef>
+                <a:spcPts val="0"/>
+              </a:spcBef>
+              <a:spcAft>
+                <a:spcPts val="1000"/>
+              </a:spcAft>
+              <a:buClr>
+                <a:schemeClr val="tx1"/>
+              </a:buClr>
+              <a:buSzPct val="100000"/>
+              <a:buFont typeface="Arial"/>
+              <a:buChar char="•"/>
+              <a:defRPr sz="1200" kern="1200" cap="none">
+                <a:solidFill>
+                  <a:schemeClr val="tx1"/>
+                </a:solidFill>
+                <a:effectLst/>
+                <a:latin typeface="+mn-lt"/>
+                <a:ea typeface="+mn-ea"/>
+                <a:cs typeface="+mn-cs"/>
+              </a:defRPr>
+            </a:lvl6pPr>
+            <a:lvl7pPr marL="2971800" indent="-228600" algn="l" defTabSz="457200" rtl="0" eaLnBrk="1" latinLnBrk="0" hangingPunct="1">
+              <a:spcBef>
+                <a:spcPts val="0"/>
+              </a:spcBef>
+              <a:spcAft>
+                <a:spcPts val="1000"/>
+              </a:spcAft>
+              <a:buClr>
+                <a:schemeClr val="tx1"/>
+              </a:buClr>
+              <a:buSzPct val="100000"/>
+              <a:buFont typeface="Arial"/>
+              <a:buChar char="•"/>
+              <a:defRPr sz="1200" kern="1200" cap="none">
+                <a:solidFill>
+                  <a:schemeClr val="tx1"/>
+                </a:solidFill>
+                <a:effectLst/>
+                <a:latin typeface="+mn-lt"/>
+                <a:ea typeface="+mn-ea"/>
+                <a:cs typeface="+mn-cs"/>
+              </a:defRPr>
+            </a:lvl7pPr>
+            <a:lvl8pPr marL="3429000" indent="-228600" algn="l" defTabSz="457200" rtl="0" eaLnBrk="1" latinLnBrk="0" hangingPunct="1">
+              <a:spcBef>
+                <a:spcPts val="0"/>
+              </a:spcBef>
+              <a:spcAft>
+                <a:spcPts val="1000"/>
+              </a:spcAft>
+              <a:buClr>
+                <a:schemeClr val="tx1"/>
+              </a:buClr>
+              <a:buSzPct val="100000"/>
+              <a:buFont typeface="Arial"/>
+              <a:buChar char="•"/>
+              <a:defRPr sz="1200" kern="1200" cap="none">
+                <a:solidFill>
+                  <a:schemeClr val="tx1"/>
+                </a:solidFill>
+                <a:effectLst/>
+                <a:latin typeface="+mn-lt"/>
+                <a:ea typeface="+mn-ea"/>
+                <a:cs typeface="+mn-cs"/>
+              </a:defRPr>
+            </a:lvl8pPr>
+            <a:lvl9pPr marL="3886200" indent="-228600" algn="l" defTabSz="457200" rtl="0" eaLnBrk="1" latinLnBrk="0" hangingPunct="1">
+              <a:spcBef>
+                <a:spcPts val="0"/>
+              </a:spcBef>
+              <a:spcAft>
+                <a:spcPts val="1000"/>
+              </a:spcAft>
+              <a:buClr>
+                <a:schemeClr val="tx1"/>
+              </a:buClr>
+              <a:buSzPct val="100000"/>
+              <a:buFont typeface="Arial"/>
+              <a:buChar char="•"/>
+              <a:defRPr sz="1200" kern="1200" cap="none">
+                <a:solidFill>
+                  <a:schemeClr val="tx1"/>
+                </a:solidFill>
+                <a:effectLst/>
+                <a:latin typeface="+mn-lt"/>
+                <a:ea typeface="+mn-ea"/>
+                <a:cs typeface="+mn-cs"/>
+              </a:defRPr>
+            </a:lvl9pPr>
+          </a:lstStyle>
+          <a:p>
+            <a:endParaRPr lang="en-GB" sz="4000" dirty="0" smtClean="0">
+              <a:latin typeface="+mj-lt"/>
+            </a:endParaRPr>
+          </a:p>
+          <a:p>
+            <a:endParaRPr lang="en-GB" sz="4000" dirty="0" smtClean="0">
+              <a:latin typeface="+mj-lt"/>
+            </a:endParaRPr>
+          </a:p>
+          <a:p>
+            <a:endParaRPr lang="en-GB" sz="4000" dirty="0">
+              <a:latin typeface="+mj-lt"/>
+            </a:endParaRPr>
+          </a:p>
+        </p:txBody>
+      </p:sp>
+    </p:spTree>
+    <p:extLst>
+      <p:ext uri="{BB962C8B-B14F-4D97-AF65-F5344CB8AC3E}">
+        <p14:creationId xmlns:p14="http://schemas.microsoft.com/office/powerpoint/2010/main" val="988774857"/>
       </p:ext>
     </p:extLst>
   </p:cSld>
